--- a/thesis present.pptx
+++ b/thesis present.pptx
@@ -10,12 +10,14 @@
     <p:sldId id="266" r:id="rId4"/>
     <p:sldId id="258" r:id="rId5"/>
     <p:sldId id="259" r:id="rId6"/>
-    <p:sldId id="263" r:id="rId7"/>
-    <p:sldId id="260" r:id="rId8"/>
-    <p:sldId id="262" r:id="rId9"/>
-    <p:sldId id="261" r:id="rId10"/>
-    <p:sldId id="264" r:id="rId11"/>
-    <p:sldId id="265" r:id="rId12"/>
+    <p:sldId id="267" r:id="rId7"/>
+    <p:sldId id="268" r:id="rId8"/>
+    <p:sldId id="263" r:id="rId9"/>
+    <p:sldId id="260" r:id="rId10"/>
+    <p:sldId id="262" r:id="rId11"/>
+    <p:sldId id="261" r:id="rId12"/>
+    <p:sldId id="264" r:id="rId13"/>
+    <p:sldId id="265" r:id="rId14"/>
   </p:sldIdLst>
   <p:sldSz cx="12192000" cy="6858000"/>
   <p:notesSz cx="6858000" cy="9144000"/>
@@ -844,7 +846,7 @@
           <a:p>
             <a:fld id="{DDB9981A-2E78-4DC1-8D1B-A63E5D79847D}" type="datetimeFigureOut">
               <a:rPr lang="en-US" smtClean="0"/>
-              <a:t>10/29/2017</a:t>
+              <a:t>11/9/2017</a:t>
             </a:fld>
             <a:endParaRPr lang="en-US"/>
           </a:p>
@@ -1095,7 +1097,7 @@
           <a:p>
             <a:fld id="{DDB9981A-2E78-4DC1-8D1B-A63E5D79847D}" type="datetimeFigureOut">
               <a:rPr lang="en-US" smtClean="0"/>
-              <a:t>10/29/2017</a:t>
+              <a:t>11/9/2017</a:t>
             </a:fld>
             <a:endParaRPr lang="en-US"/>
           </a:p>
@@ -1409,7 +1411,7 @@
           <a:p>
             <a:fld id="{DDB9981A-2E78-4DC1-8D1B-A63E5D79847D}" type="datetimeFigureOut">
               <a:rPr lang="en-US" smtClean="0"/>
-              <a:t>10/29/2017</a:t>
+              <a:t>11/9/2017</a:t>
             </a:fld>
             <a:endParaRPr lang="en-US"/>
           </a:p>
@@ -1750,7 +1752,7 @@
           <a:p>
             <a:fld id="{DDB9981A-2E78-4DC1-8D1B-A63E5D79847D}" type="datetimeFigureOut">
               <a:rPr lang="en-US" smtClean="0"/>
-              <a:t>10/29/2017</a:t>
+              <a:t>11/9/2017</a:t>
             </a:fld>
             <a:endParaRPr lang="en-US"/>
           </a:p>
@@ -2064,7 +2066,7 @@
           <a:p>
             <a:fld id="{DDB9981A-2E78-4DC1-8D1B-A63E5D79847D}" type="datetimeFigureOut">
               <a:rPr lang="en-US" smtClean="0"/>
-              <a:t>10/29/2017</a:t>
+              <a:t>11/9/2017</a:t>
             </a:fld>
             <a:endParaRPr lang="en-US"/>
           </a:p>
@@ -2457,7 +2459,7 @@
           <a:p>
             <a:fld id="{DDB9981A-2E78-4DC1-8D1B-A63E5D79847D}" type="datetimeFigureOut">
               <a:rPr lang="en-US" smtClean="0"/>
-              <a:t>10/29/2017</a:t>
+              <a:t>11/9/2017</a:t>
             </a:fld>
             <a:endParaRPr lang="en-US"/>
           </a:p>
@@ -2627,7 +2629,7 @@
           <a:p>
             <a:fld id="{DDB9981A-2E78-4DC1-8D1B-A63E5D79847D}" type="datetimeFigureOut">
               <a:rPr lang="en-US" smtClean="0"/>
-              <a:t>10/29/2017</a:t>
+              <a:t>11/9/2017</a:t>
             </a:fld>
             <a:endParaRPr lang="en-US"/>
           </a:p>
@@ -2807,7 +2809,7 @@
           <a:p>
             <a:fld id="{DDB9981A-2E78-4DC1-8D1B-A63E5D79847D}" type="datetimeFigureOut">
               <a:rPr lang="en-US" smtClean="0"/>
-              <a:t>10/29/2017</a:t>
+              <a:t>11/9/2017</a:t>
             </a:fld>
             <a:endParaRPr lang="en-US"/>
           </a:p>
@@ -2983,7 +2985,7 @@
           <a:p>
             <a:fld id="{DDB9981A-2E78-4DC1-8D1B-A63E5D79847D}" type="datetimeFigureOut">
               <a:rPr lang="en-US" smtClean="0"/>
-              <a:t>10/29/2017</a:t>
+              <a:t>11/9/2017</a:t>
             </a:fld>
             <a:endParaRPr lang="en-US"/>
           </a:p>
@@ -3230,7 +3232,7 @@
           <a:p>
             <a:fld id="{DDB9981A-2E78-4DC1-8D1B-A63E5D79847D}" type="datetimeFigureOut">
               <a:rPr lang="en-US" smtClean="0"/>
-              <a:t>10/29/2017</a:t>
+              <a:t>11/9/2017</a:t>
             </a:fld>
             <a:endParaRPr lang="en-US"/>
           </a:p>
@@ -3462,7 +3464,7 @@
           <a:p>
             <a:fld id="{DDB9981A-2E78-4DC1-8D1B-A63E5D79847D}" type="datetimeFigureOut">
               <a:rPr lang="en-US" smtClean="0"/>
-              <a:t>10/29/2017</a:t>
+              <a:t>11/9/2017</a:t>
             </a:fld>
             <a:endParaRPr lang="en-US"/>
           </a:p>
@@ -3836,7 +3838,7 @@
           <a:p>
             <a:fld id="{DDB9981A-2E78-4DC1-8D1B-A63E5D79847D}" type="datetimeFigureOut">
               <a:rPr lang="en-US" smtClean="0"/>
-              <a:t>10/29/2017</a:t>
+              <a:t>11/9/2017</a:t>
             </a:fld>
             <a:endParaRPr lang="en-US"/>
           </a:p>
@@ -3959,7 +3961,7 @@
           <a:p>
             <a:fld id="{DDB9981A-2E78-4DC1-8D1B-A63E5D79847D}" type="datetimeFigureOut">
               <a:rPr lang="en-US" smtClean="0"/>
-              <a:t>10/29/2017</a:t>
+              <a:t>11/9/2017</a:t>
             </a:fld>
             <a:endParaRPr lang="en-US"/>
           </a:p>
@@ -4054,7 +4056,7 @@
           <a:p>
             <a:fld id="{DDB9981A-2E78-4DC1-8D1B-A63E5D79847D}" type="datetimeFigureOut">
               <a:rPr lang="en-US" smtClean="0"/>
-              <a:t>10/29/2017</a:t>
+              <a:t>11/9/2017</a:t>
             </a:fld>
             <a:endParaRPr lang="en-US"/>
           </a:p>
@@ -4309,7 +4311,7 @@
           <a:p>
             <a:fld id="{DDB9981A-2E78-4DC1-8D1B-A63E5D79847D}" type="datetimeFigureOut">
               <a:rPr lang="en-US" smtClean="0"/>
-              <a:t>10/29/2017</a:t>
+              <a:t>11/9/2017</a:t>
             </a:fld>
             <a:endParaRPr lang="en-US"/>
           </a:p>
@@ -4572,7 +4574,7 @@
           <a:p>
             <a:fld id="{DDB9981A-2E78-4DC1-8D1B-A63E5D79847D}" type="datetimeFigureOut">
               <a:rPr lang="en-US" smtClean="0"/>
-              <a:t>10/29/2017</a:t>
+              <a:t>11/9/2017</a:t>
             </a:fld>
             <a:endParaRPr lang="en-US"/>
           </a:p>
@@ -5315,7 +5317,7 @@
           <a:p>
             <a:fld id="{DDB9981A-2E78-4DC1-8D1B-A63E5D79847D}" type="datetimeFigureOut">
               <a:rPr lang="en-US" smtClean="0"/>
-              <a:t>10/29/2017</a:t>
+              <a:t>11/9/2017</a:t>
             </a:fld>
             <a:endParaRPr lang="en-US"/>
           </a:p>
@@ -6019,6 +6021,196 @@
             <p:ph type="title"/>
           </p:nvPr>
         </p:nvSpPr>
+        <p:spPr>
+          <a:xfrm>
+            <a:off x="152400" y="-38100"/>
+            <a:ext cx="10515600" cy="990600"/>
+          </a:xfrm>
+        </p:spPr>
+        <p:txBody>
+          <a:bodyPr/>
+          <a:lstStyle/>
+          <a:p>
+            <a:r>
+              <a:rPr lang="en-US" dirty="0" smtClean="0"/>
+              <a:t>System Architecture</a:t>
+            </a:r>
+            <a:endParaRPr lang="en-US" dirty="0"/>
+          </a:p>
+        </p:txBody>
+      </p:sp>
+      <p:pic>
+        <p:nvPicPr>
+          <p:cNvPr id="3" name="Picture 2"/>
+          <p:cNvPicPr>
+            <a:picLocks noChangeAspect="1"/>
+          </p:cNvPicPr>
+          <p:nvPr/>
+        </p:nvPicPr>
+        <p:blipFill>
+          <a:blip r:embed="rId2">
+            <a:extLst>
+              <a:ext uri="{28A0092B-C50C-407E-A947-70E740481C1C}">
+                <a14:useLocalDpi xmlns:a14="http://schemas.microsoft.com/office/drawing/2010/main" val="0"/>
+              </a:ext>
+            </a:extLst>
+          </a:blip>
+          <a:stretch>
+            <a:fillRect/>
+          </a:stretch>
+        </p:blipFill>
+        <p:spPr>
+          <a:xfrm>
+            <a:off x="0" y="583453"/>
+            <a:ext cx="12192000" cy="6732494"/>
+          </a:xfrm>
+          <a:prstGeom prst="rect">
+            <a:avLst/>
+          </a:prstGeom>
+        </p:spPr>
+      </p:pic>
+    </p:spTree>
+    <p:extLst>
+      <p:ext uri="{BB962C8B-B14F-4D97-AF65-F5344CB8AC3E}">
+        <p14:creationId xmlns:p14="http://schemas.microsoft.com/office/powerpoint/2010/main" val="743269655"/>
+      </p:ext>
+    </p:extLst>
+  </p:cSld>
+  <p:clrMapOvr>
+    <a:masterClrMapping/>
+  </p:clrMapOvr>
+  <p:timing>
+    <p:tnLst>
+      <p:par>
+        <p:cTn id="1" dur="indefinite" restart="never" nodeType="tmRoot"/>
+      </p:par>
+    </p:tnLst>
+  </p:timing>
+</p:sld>
+</file>
+
+<file path=ppt/slides/slide11.xml><?xml version="1.0" encoding="utf-8"?>
+<p:sld xmlns:a="http://schemas.openxmlformats.org/drawingml/2006/main" xmlns:r="http://schemas.openxmlformats.org/officeDocument/2006/relationships" xmlns:p="http://schemas.openxmlformats.org/presentationml/2006/main">
+  <p:cSld>
+    <p:spTree>
+      <p:nvGrpSpPr>
+        <p:cNvPr id="1" name=""/>
+        <p:cNvGrpSpPr/>
+        <p:nvPr/>
+      </p:nvGrpSpPr>
+      <p:grpSpPr>
+        <a:xfrm>
+          <a:off x="0" y="0"/>
+          <a:ext cx="0" cy="0"/>
+          <a:chOff x="0" y="0"/>
+          <a:chExt cx="0" cy="0"/>
+        </a:xfrm>
+      </p:grpSpPr>
+      <p:sp>
+        <p:nvSpPr>
+          <p:cNvPr id="5" name="Title 1"/>
+          <p:cNvSpPr>
+            <a:spLocks noGrp="1"/>
+          </p:cNvSpPr>
+          <p:nvPr>
+            <p:ph type="title"/>
+          </p:nvPr>
+        </p:nvSpPr>
+        <p:spPr>
+          <a:xfrm>
+            <a:off x="114300" y="203200"/>
+            <a:ext cx="10515600" cy="990600"/>
+          </a:xfrm>
+        </p:spPr>
+        <p:txBody>
+          <a:bodyPr/>
+          <a:lstStyle/>
+          <a:p>
+            <a:r>
+              <a:rPr lang="en-US" dirty="0" smtClean="0"/>
+              <a:t>Database Structure</a:t>
+            </a:r>
+            <a:endParaRPr lang="en-US" dirty="0"/>
+          </a:p>
+        </p:txBody>
+      </p:sp>
+      <p:pic>
+        <p:nvPicPr>
+          <p:cNvPr id="6" name="Picture 5"/>
+          <p:cNvPicPr>
+            <a:picLocks noChangeAspect="1"/>
+          </p:cNvPicPr>
+          <p:nvPr/>
+        </p:nvPicPr>
+        <p:blipFill>
+          <a:blip r:embed="rId2">
+            <a:extLst>
+              <a:ext uri="{28A0092B-C50C-407E-A947-70E740481C1C}">
+                <a14:useLocalDpi xmlns:a14="http://schemas.microsoft.com/office/drawing/2010/main" val="0"/>
+              </a:ext>
+            </a:extLst>
+          </a:blip>
+          <a:stretch>
+            <a:fillRect/>
+          </a:stretch>
+        </p:blipFill>
+        <p:spPr>
+          <a:xfrm>
+            <a:off x="-2671717" y="1474566"/>
+            <a:ext cx="14693900" cy="4600388"/>
+          </a:xfrm>
+          <a:prstGeom prst="rect">
+            <a:avLst/>
+          </a:prstGeom>
+        </p:spPr>
+      </p:pic>
+    </p:spTree>
+    <p:extLst>
+      <p:ext uri="{BB962C8B-B14F-4D97-AF65-F5344CB8AC3E}">
+        <p14:creationId xmlns:p14="http://schemas.microsoft.com/office/powerpoint/2010/main" val="1440623705"/>
+      </p:ext>
+    </p:extLst>
+  </p:cSld>
+  <p:clrMapOvr>
+    <a:masterClrMapping/>
+  </p:clrMapOvr>
+  <p:timing>
+    <p:tnLst>
+      <p:par>
+        <p:cTn id="1" dur="indefinite" restart="never" nodeType="tmRoot"/>
+      </p:par>
+    </p:tnLst>
+  </p:timing>
+</p:sld>
+</file>
+
+<file path=ppt/slides/slide12.xml><?xml version="1.0" encoding="utf-8"?>
+<p:sld xmlns:a="http://schemas.openxmlformats.org/drawingml/2006/main" xmlns:r="http://schemas.openxmlformats.org/officeDocument/2006/relationships" xmlns:p="http://schemas.openxmlformats.org/presentationml/2006/main">
+  <p:cSld>
+    <p:spTree>
+      <p:nvGrpSpPr>
+        <p:cNvPr id="1" name=""/>
+        <p:cNvGrpSpPr/>
+        <p:nvPr/>
+      </p:nvGrpSpPr>
+      <p:grpSpPr>
+        <a:xfrm>
+          <a:off x="0" y="0"/>
+          <a:ext cx="0" cy="0"/>
+          <a:chOff x="0" y="0"/>
+          <a:chExt cx="0" cy="0"/>
+        </a:xfrm>
+      </p:grpSpPr>
+      <p:sp>
+        <p:nvSpPr>
+          <p:cNvPr id="2" name="Title 1"/>
+          <p:cNvSpPr>
+            <a:spLocks noGrp="1"/>
+          </p:cNvSpPr>
+          <p:nvPr>
+            <p:ph type="title"/>
+          </p:nvPr>
+        </p:nvSpPr>
         <p:spPr/>
         <p:txBody>
           <a:bodyPr/>
@@ -6052,7 +6244,7 @@
 </p:sld>
 </file>
 
-<file path=ppt/slides/slide11.xml><?xml version="1.0" encoding="utf-8"?>
+<file path=ppt/slides/slide13.xml><?xml version="1.0" encoding="utf-8"?>
 <p:sld xmlns:a="http://schemas.openxmlformats.org/drawingml/2006/main" xmlns:r="http://schemas.openxmlformats.org/officeDocument/2006/relationships" xmlns:p="http://schemas.openxmlformats.org/presentationml/2006/main">
   <p:cSld>
     <p:spTree>
@@ -6530,11 +6722,7 @@
           <a:p>
             <a:r>
               <a:rPr lang="en-US" dirty="0" smtClean="0"/>
-              <a:t>Weakness</a:t>
-            </a:r>
-            <a:r>
-              <a:rPr lang="en-US" dirty="0" smtClean="0"/>
-              <a:t>: </a:t>
+              <a:t>Weakness: </a:t>
             </a:r>
           </a:p>
           <a:p>
@@ -6543,13 +6731,8 @@
             </a:pPr>
             <a:r>
               <a:rPr lang="en-US" dirty="0" smtClean="0"/>
-              <a:t>	+ always load page, run very slow =&gt; </a:t>
+              <a:t>	+ always load page, run very slow =&gt; customers don’t feel comfortable</a:t>
             </a:r>
-            <a:r>
-              <a:rPr lang="en-US" dirty="0" smtClean="0"/>
-              <a:t>customers don’t feel comfortable</a:t>
-            </a:r>
-            <a:endParaRPr lang="en-US" dirty="0" smtClean="0"/>
           </a:p>
           <a:p>
             <a:pPr marL="0" indent="0">
@@ -6583,13 +6766,8 @@
             </a:r>
             <a:r>
               <a:rPr lang="en-US" dirty="0" smtClean="0"/>
-              <a:t>Single page application =&gt; high performance =&gt; </a:t>
+              <a:t>Single page application =&gt; high performance =&gt; more comfortable</a:t>
             </a:r>
-            <a:r>
-              <a:rPr lang="en-US" dirty="0" smtClean="0"/>
-              <a:t>more comfortable</a:t>
-            </a:r>
-            <a:endParaRPr lang="en-US" dirty="0" smtClean="0"/>
           </a:p>
           <a:p>
             <a:pPr marL="0" indent="0">
@@ -6597,23 +6775,7 @@
             </a:pPr>
             <a:r>
               <a:rPr lang="en-US" dirty="0" smtClean="0"/>
-              <a:t>	 + Fully features support </a:t>
-            </a:r>
-            <a:r>
-              <a:rPr lang="en-US" dirty="0" smtClean="0"/>
-              <a:t>fo</a:t>
-            </a:r>
-            <a:r>
-              <a:rPr lang="en-US" dirty="0" smtClean="0"/>
-              <a:t>r </a:t>
-            </a:r>
-            <a:r>
-              <a:rPr lang="en-US" dirty="0" smtClean="0"/>
-              <a:t>Hotel </a:t>
-            </a:r>
-            <a:r>
-              <a:rPr lang="en-US" dirty="0" smtClean="0"/>
-              <a:t>Booking &amp; Reservation</a:t>
+              <a:t>	 + Fully features support for Hotel Booking &amp; Reservation</a:t>
             </a:r>
           </a:p>
           <a:p>
@@ -6701,7 +6863,7 @@
       </p:sp>
       <p:pic>
         <p:nvPicPr>
-          <p:cNvPr id="6" name="Picture 5"/>
+          <p:cNvPr id="4" name="Picture 3"/>
           <p:cNvPicPr>
             <a:picLocks noChangeAspect="1"/>
           </p:cNvPicPr>
@@ -6715,8 +6877,8 @@
         </p:blipFill>
         <p:spPr>
           <a:xfrm>
-            <a:off x="228599" y="469900"/>
-            <a:ext cx="10541001" cy="6388100"/>
+            <a:off x="228599" y="342901"/>
+            <a:ext cx="11658601" cy="6273800"/>
           </a:xfrm>
           <a:prstGeom prst="rect">
             <a:avLst/>
@@ -6770,261 +6932,3575 @@
             <p:ph type="title"/>
           </p:nvPr>
         </p:nvSpPr>
-        <p:spPr/>
+        <p:spPr>
+          <a:xfrm>
+            <a:off x="613834" y="127000"/>
+            <a:ext cx="8596668" cy="1320800"/>
+          </a:xfrm>
+        </p:spPr>
         <p:txBody>
           <a:bodyPr/>
           <a:lstStyle/>
           <a:p>
             <a:r>
               <a:rPr lang="en-US" dirty="0" smtClean="0"/>
-              <a:t>Technology used</a:t>
+              <a:t>List of features</a:t>
             </a:r>
             <a:endParaRPr lang="en-US" dirty="0"/>
           </a:p>
         </p:txBody>
       </p:sp>
-      <p:sp>
-        <p:nvSpPr>
-          <p:cNvPr id="3" name="Content Placeholder 2"/>
-          <p:cNvSpPr>
-            <a:spLocks noGrp="1"/>
-          </p:cNvSpPr>
+      <p:graphicFrame>
+        <p:nvGraphicFramePr>
+          <p:cNvPr id="5" name="Table 4"/>
+          <p:cNvGraphicFramePr>
+            <a:graphicFrameLocks noGrp="1"/>
+          </p:cNvGraphicFramePr>
           <p:nvPr>
-            <p:ph idx="1"/>
+            <p:extLst>
+              <p:ext uri="{D42A27DB-BD31-4B8C-83A1-F6EECF244321}">
+                <p14:modId xmlns:p14="http://schemas.microsoft.com/office/powerpoint/2010/main" val="157896836"/>
+              </p:ext>
+            </p:extLst>
           </p:nvPr>
-        </p:nvSpPr>
-        <p:spPr/>
-        <p:txBody>
-          <a:bodyPr>
-            <a:normAutofit/>
-          </a:bodyPr>
-          <a:lstStyle/>
-          <a:p>
-            <a:pPr marL="0" indent="0">
-              <a:buNone/>
-            </a:pPr>
-            <a:r>
-              <a:rPr lang="en-US" dirty="0" smtClean="0"/>
-              <a:t>1. Server side:  </a:t>
-            </a:r>
-            <a:r>
-              <a:rPr lang="en-US" dirty="0" smtClean="0"/>
-              <a:t>   - </a:t>
-            </a:r>
-            <a:r>
-              <a:rPr lang="en-US" dirty="0" smtClean="0"/>
-              <a:t>Java web J2EE </a:t>
-            </a:r>
-            <a:r>
-              <a:rPr lang="en-US" dirty="0" smtClean="0"/>
-              <a:t>+ Spring </a:t>
-            </a:r>
-            <a:r>
-              <a:rPr lang="en-US" dirty="0" smtClean="0"/>
-              <a:t>MVC framework</a:t>
-            </a:r>
-          </a:p>
-          <a:p>
-            <a:pPr marL="0" indent="0">
-              <a:buNone/>
-            </a:pPr>
-            <a:r>
-              <a:rPr lang="en-US" dirty="0" smtClean="0"/>
-              <a:t>                          </a:t>
-            </a:r>
-            <a:r>
-              <a:rPr lang="en-US" dirty="0" smtClean="0"/>
-              <a:t> - </a:t>
-            </a:r>
-            <a:r>
-              <a:rPr lang="en-US" smtClean="0"/>
-              <a:t>Node.js </a:t>
-            </a:r>
-            <a:r>
-              <a:rPr lang="en-US" smtClean="0"/>
-              <a:t>+ Express </a:t>
-            </a:r>
-            <a:r>
-              <a:rPr lang="en-US" dirty="0" smtClean="0"/>
-              <a:t>framework</a:t>
-            </a:r>
-          </a:p>
-          <a:p>
-            <a:pPr marL="0" indent="0">
-              <a:buNone/>
-            </a:pPr>
-            <a:r>
-              <a:rPr lang="en-US" dirty="0"/>
-              <a:t>2</a:t>
-            </a:r>
-            <a:r>
-              <a:rPr lang="en-US" dirty="0" smtClean="0"/>
-              <a:t>. Client side:   </a:t>
-            </a:r>
-            <a:r>
-              <a:rPr lang="en-US" dirty="0" smtClean="0"/>
-              <a:t>   - </a:t>
-            </a:r>
-            <a:r>
-              <a:rPr lang="en-US" dirty="0" smtClean="0"/>
-              <a:t>HTML5, CSS3, </a:t>
-            </a:r>
-            <a:r>
-              <a:rPr lang="en-US" dirty="0" err="1" smtClean="0"/>
-              <a:t>Javascript</a:t>
-            </a:r>
-            <a:r>
-              <a:rPr lang="en-US" dirty="0" smtClean="0"/>
-              <a:t>, </a:t>
-            </a:r>
-            <a:r>
-              <a:rPr lang="en-US" dirty="0" err="1" smtClean="0"/>
-              <a:t>Jquery</a:t>
-            </a:r>
-            <a:r>
-              <a:rPr lang="en-US" dirty="0" smtClean="0"/>
-              <a:t>, </a:t>
-            </a:r>
-            <a:r>
-              <a:rPr lang="en-US" dirty="0" err="1" smtClean="0"/>
-              <a:t>Boostrap</a:t>
-            </a:r>
-            <a:endParaRPr lang="en-US" dirty="0" smtClean="0"/>
-          </a:p>
-          <a:p>
-            <a:pPr marL="0" indent="0">
-              <a:buNone/>
-            </a:pPr>
-            <a:r>
-              <a:rPr lang="en-US" dirty="0"/>
-              <a:t> </a:t>
-            </a:r>
-            <a:r>
-              <a:rPr lang="en-US" dirty="0" smtClean="0"/>
-              <a:t>                          - Angular 2 framework</a:t>
-            </a:r>
-          </a:p>
-          <a:p>
-            <a:pPr marL="0" indent="0">
-              <a:buNone/>
-            </a:pPr>
-            <a:r>
-              <a:rPr lang="en-US" dirty="0"/>
-              <a:t>3</a:t>
-            </a:r>
-            <a:r>
-              <a:rPr lang="en-US" dirty="0" smtClean="0"/>
-              <a:t>. Database:  </a:t>
-            </a:r>
-            <a:r>
-              <a:rPr lang="en-US" dirty="0" err="1" smtClean="0"/>
-              <a:t>MongoDB</a:t>
-            </a:r>
-            <a:endParaRPr lang="en-US" dirty="0" smtClean="0"/>
-          </a:p>
-          <a:p>
-            <a:pPr marL="0" indent="0">
-              <a:buNone/>
-            </a:pPr>
-            <a:r>
-              <a:rPr lang="en-US" dirty="0"/>
-              <a:t>4</a:t>
-            </a:r>
-            <a:r>
-              <a:rPr lang="en-US" dirty="0" smtClean="0"/>
-              <a:t>. Server:  Glassfish, </a:t>
-            </a:r>
-            <a:r>
-              <a:rPr lang="en-US" dirty="0" err="1" smtClean="0"/>
-              <a:t>npm</a:t>
-            </a:r>
-            <a:r>
-              <a:rPr lang="en-US" dirty="0" smtClean="0"/>
-              <a:t> http server</a:t>
-            </a:r>
-          </a:p>
-          <a:p>
-            <a:pPr marL="0" indent="0">
-              <a:buNone/>
-            </a:pPr>
-            <a:r>
-              <a:rPr lang="en-US" dirty="0" smtClean="0"/>
-              <a:t>5: Version control: </a:t>
-            </a:r>
-            <a:r>
-              <a:rPr lang="en-US" dirty="0" err="1" smtClean="0"/>
-              <a:t>Git</a:t>
-            </a:r>
-            <a:endParaRPr lang="en-US" dirty="0" smtClean="0"/>
-          </a:p>
-          <a:p>
-            <a:pPr marL="0" indent="0">
-              <a:buNone/>
-            </a:pPr>
-            <a:r>
-              <a:rPr lang="en-US" dirty="0" smtClean="0"/>
-              <a:t>6: Project management tool: </a:t>
-            </a:r>
-            <a:r>
-              <a:rPr lang="en-US" dirty="0" err="1" smtClean="0"/>
-              <a:t>Trello</a:t>
-            </a:r>
-            <a:endParaRPr lang="en-US" dirty="0" smtClean="0"/>
-          </a:p>
-          <a:p>
-            <a:pPr marL="0" indent="0">
-              <a:buNone/>
-            </a:pPr>
-            <a:r>
-              <a:rPr lang="en-US" dirty="0" smtClean="0"/>
-              <a:t>7: Other tool: </a:t>
-            </a:r>
-            <a:r>
-              <a:rPr lang="en-US" dirty="0" err="1" smtClean="0"/>
-              <a:t>Edraw</a:t>
-            </a:r>
-            <a:r>
-              <a:rPr lang="en-US" dirty="0" smtClean="0"/>
-              <a:t>, </a:t>
-            </a:r>
-            <a:r>
-              <a:rPr lang="en-US" dirty="0" err="1"/>
-              <a:t>N</a:t>
-            </a:r>
-            <a:r>
-              <a:rPr lang="en-US" dirty="0" err="1" smtClean="0"/>
-              <a:t>etbeans</a:t>
-            </a:r>
-            <a:r>
-              <a:rPr lang="en-US" dirty="0" smtClean="0"/>
-              <a:t>, </a:t>
-            </a:r>
-            <a:r>
-              <a:rPr lang="en-US" dirty="0" err="1" smtClean="0"/>
-              <a:t>Vscode</a:t>
-            </a:r>
-            <a:r>
-              <a:rPr lang="en-US" dirty="0" smtClean="0"/>
-              <a:t>, </a:t>
-            </a:r>
-            <a:r>
-              <a:rPr lang="en-US" dirty="0" err="1" smtClean="0"/>
-              <a:t>RoboMongo</a:t>
-            </a:r>
-            <a:endParaRPr lang="en-US" dirty="0" smtClean="0"/>
-          </a:p>
-          <a:p>
-            <a:pPr marL="0" indent="0">
-              <a:buNone/>
-            </a:pPr>
-            <a:endParaRPr lang="en-US" dirty="0"/>
-          </a:p>
-        </p:txBody>
-      </p:sp>
+        </p:nvGraphicFramePr>
+        <p:xfrm>
+          <a:off x="1562894" y="1165765"/>
+          <a:ext cx="7873207" cy="4663535"/>
+        </p:xfrm>
+        <a:graphic>
+          <a:graphicData uri="http://schemas.openxmlformats.org/drawingml/2006/table">
+            <a:tbl>
+              <a:tblPr>
+                <a:tableStyleId>{5C22544A-7EE6-4342-B048-85BDC9FD1C3A}</a:tableStyleId>
+              </a:tblPr>
+              <a:tblGrid>
+                <a:gridCol w="584867"/>
+                <a:gridCol w="2061348"/>
+                <a:gridCol w="1840490"/>
+                <a:gridCol w="1251534"/>
+                <a:gridCol w="1251534"/>
+                <a:gridCol w="883434"/>
+              </a:tblGrid>
+              <a:tr h="406667">
+                <a:tc>
+                  <a:txBody>
+                    <a:bodyPr/>
+                    <a:lstStyle/>
+                    <a:p>
+                      <a:pPr marL="0" marR="0" algn="ctr">
+                        <a:lnSpc>
+                          <a:spcPct val="107000"/>
+                        </a:lnSpc>
+                        <a:spcBef>
+                          <a:spcPts val="100"/>
+                        </a:spcBef>
+                        <a:spcAft>
+                          <a:spcPts val="100"/>
+                        </a:spcAft>
+                      </a:pPr>
+                      <a:r>
+                        <a:rPr lang="en-US" sz="1000">
+                          <a:effectLst/>
+                        </a:rPr>
+                        <a:t>No.</a:t>
+                      </a:r>
+                      <a:endParaRPr lang="en-US" sz="1000">
+                        <a:effectLst/>
+                        <a:latin typeface="Times New Roman" panose="02020603050405020304" pitchFamily="18" charset="0"/>
+                        <a:ea typeface="Times New Roman" panose="02020603050405020304" pitchFamily="18" charset="0"/>
+                        <a:cs typeface="Arial" panose="020B0604020202020204" pitchFamily="34" charset="0"/>
+                      </a:endParaRPr>
+                    </a:p>
+                  </a:txBody>
+                  <a:tcPr marL="68580" marR="68580" marT="0" marB="0"/>
+                </a:tc>
+                <a:tc>
+                  <a:txBody>
+                    <a:bodyPr/>
+                    <a:lstStyle/>
+                    <a:p>
+                      <a:pPr marL="0" marR="0" algn="ctr">
+                        <a:lnSpc>
+                          <a:spcPct val="107000"/>
+                        </a:lnSpc>
+                        <a:spcBef>
+                          <a:spcPts val="100"/>
+                        </a:spcBef>
+                        <a:spcAft>
+                          <a:spcPts val="100"/>
+                        </a:spcAft>
+                      </a:pPr>
+                      <a:r>
+                        <a:rPr lang="en-US" sz="1000">
+                          <a:effectLst/>
+                        </a:rPr>
+                        <a:t>Feature</a:t>
+                      </a:r>
+                      <a:endParaRPr lang="en-US" sz="1000">
+                        <a:effectLst/>
+                        <a:latin typeface="Times New Roman" panose="02020603050405020304" pitchFamily="18" charset="0"/>
+                        <a:ea typeface="Times New Roman" panose="02020603050405020304" pitchFamily="18" charset="0"/>
+                        <a:cs typeface="Arial" panose="020B0604020202020204" pitchFamily="34" charset="0"/>
+                      </a:endParaRPr>
+                    </a:p>
+                  </a:txBody>
+                  <a:tcPr marL="68580" marR="68580" marT="0" marB="0"/>
+                </a:tc>
+                <a:tc>
+                  <a:txBody>
+                    <a:bodyPr/>
+                    <a:lstStyle/>
+                    <a:p>
+                      <a:pPr marL="0" marR="0" algn="ctr">
+                        <a:lnSpc>
+                          <a:spcPct val="107000"/>
+                        </a:lnSpc>
+                        <a:spcBef>
+                          <a:spcPts val="100"/>
+                        </a:spcBef>
+                        <a:spcAft>
+                          <a:spcPts val="100"/>
+                        </a:spcAft>
+                      </a:pPr>
+                      <a:r>
+                        <a:rPr lang="en-US" sz="1000">
+                          <a:effectLst/>
+                        </a:rPr>
+                        <a:t>User</a:t>
+                      </a:r>
+                      <a:endParaRPr lang="en-US" sz="1000">
+                        <a:effectLst/>
+                        <a:latin typeface="Times New Roman" panose="02020603050405020304" pitchFamily="18" charset="0"/>
+                        <a:ea typeface="Times New Roman" panose="02020603050405020304" pitchFamily="18" charset="0"/>
+                        <a:cs typeface="Arial" panose="020B0604020202020204" pitchFamily="34" charset="0"/>
+                      </a:endParaRPr>
+                    </a:p>
+                  </a:txBody>
+                  <a:tcPr marL="68580" marR="68580" marT="0" marB="0"/>
+                </a:tc>
+                <a:tc>
+                  <a:txBody>
+                    <a:bodyPr/>
+                    <a:lstStyle/>
+                    <a:p>
+                      <a:pPr marL="0" marR="0" algn="ctr">
+                        <a:lnSpc>
+                          <a:spcPct val="107000"/>
+                        </a:lnSpc>
+                        <a:spcBef>
+                          <a:spcPts val="100"/>
+                        </a:spcBef>
+                        <a:spcAft>
+                          <a:spcPts val="100"/>
+                        </a:spcAft>
+                      </a:pPr>
+                      <a:r>
+                        <a:rPr lang="en-US" sz="1000">
+                          <a:effectLst/>
+                        </a:rPr>
+                        <a:t>Begin</a:t>
+                      </a:r>
+                      <a:endParaRPr lang="en-US" sz="1000">
+                        <a:effectLst/>
+                        <a:latin typeface="Times New Roman" panose="02020603050405020304" pitchFamily="18" charset="0"/>
+                        <a:ea typeface="Times New Roman" panose="02020603050405020304" pitchFamily="18" charset="0"/>
+                        <a:cs typeface="Arial" panose="020B0604020202020204" pitchFamily="34" charset="0"/>
+                      </a:endParaRPr>
+                    </a:p>
+                  </a:txBody>
+                  <a:tcPr marL="68580" marR="68580" marT="0" marB="0"/>
+                </a:tc>
+                <a:tc>
+                  <a:txBody>
+                    <a:bodyPr/>
+                    <a:lstStyle/>
+                    <a:p>
+                      <a:pPr marL="0" marR="0" algn="ctr">
+                        <a:lnSpc>
+                          <a:spcPct val="107000"/>
+                        </a:lnSpc>
+                        <a:spcBef>
+                          <a:spcPts val="100"/>
+                        </a:spcBef>
+                        <a:spcAft>
+                          <a:spcPts val="100"/>
+                        </a:spcAft>
+                      </a:pPr>
+                      <a:r>
+                        <a:rPr lang="en-US" sz="1000">
+                          <a:effectLst/>
+                        </a:rPr>
+                        <a:t>Finish</a:t>
+                      </a:r>
+                      <a:endParaRPr lang="en-US" sz="1000">
+                        <a:effectLst/>
+                        <a:latin typeface="Times New Roman" panose="02020603050405020304" pitchFamily="18" charset="0"/>
+                        <a:ea typeface="Times New Roman" panose="02020603050405020304" pitchFamily="18" charset="0"/>
+                        <a:cs typeface="Arial" panose="020B0604020202020204" pitchFamily="34" charset="0"/>
+                      </a:endParaRPr>
+                    </a:p>
+                  </a:txBody>
+                  <a:tcPr marL="68580" marR="68580" marT="0" marB="0"/>
+                </a:tc>
+                <a:tc>
+                  <a:txBody>
+                    <a:bodyPr/>
+                    <a:lstStyle/>
+                    <a:p>
+                      <a:pPr marL="0" marR="0" algn="ctr">
+                        <a:lnSpc>
+                          <a:spcPct val="107000"/>
+                        </a:lnSpc>
+                        <a:spcBef>
+                          <a:spcPts val="100"/>
+                        </a:spcBef>
+                        <a:spcAft>
+                          <a:spcPts val="100"/>
+                        </a:spcAft>
+                      </a:pPr>
+                      <a:r>
+                        <a:rPr lang="en-US" sz="1000">
+                          <a:effectLst/>
+                        </a:rPr>
+                        <a:t>Duration</a:t>
+                      </a:r>
+                      <a:endParaRPr lang="en-US" sz="1000">
+                        <a:effectLst/>
+                        <a:latin typeface="Times New Roman" panose="02020603050405020304" pitchFamily="18" charset="0"/>
+                        <a:ea typeface="Times New Roman" panose="02020603050405020304" pitchFamily="18" charset="0"/>
+                        <a:cs typeface="Arial" panose="020B0604020202020204" pitchFamily="34" charset="0"/>
+                      </a:endParaRPr>
+                    </a:p>
+                  </a:txBody>
+                  <a:tcPr marL="68580" marR="68580" marT="0" marB="0"/>
+                </a:tc>
+              </a:tr>
+              <a:tr h="459348">
+                <a:tc>
+                  <a:txBody>
+                    <a:bodyPr/>
+                    <a:lstStyle/>
+                    <a:p>
+                      <a:pPr marL="0" marR="0" algn="ctr">
+                        <a:lnSpc>
+                          <a:spcPts val="1200"/>
+                        </a:lnSpc>
+                        <a:spcBef>
+                          <a:spcPts val="0"/>
+                        </a:spcBef>
+                        <a:spcAft>
+                          <a:spcPts val="0"/>
+                        </a:spcAft>
+                      </a:pPr>
+                      <a:r>
+                        <a:rPr lang="en-US" sz="1000">
+                          <a:effectLst/>
+                        </a:rPr>
+                        <a:t>&lt;no&gt;</a:t>
+                      </a:r>
+                      <a:endParaRPr lang="en-US" sz="1000">
+                        <a:effectLst/>
+                        <a:latin typeface="Arial" panose="020B0604020202020204" pitchFamily="34" charset="0"/>
+                        <a:ea typeface="Times New Roman" panose="02020603050405020304" pitchFamily="18" charset="0"/>
+                        <a:cs typeface="Times New Roman" panose="02020603050405020304" pitchFamily="18" charset="0"/>
+                      </a:endParaRPr>
+                    </a:p>
+                  </a:txBody>
+                  <a:tcPr marL="68580" marR="68580" marT="0" marB="0"/>
+                </a:tc>
+                <a:tc>
+                  <a:txBody>
+                    <a:bodyPr/>
+                    <a:lstStyle/>
+                    <a:p>
+                      <a:pPr marL="0" marR="0" algn="ctr">
+                        <a:lnSpc>
+                          <a:spcPts val="1200"/>
+                        </a:lnSpc>
+                        <a:spcBef>
+                          <a:spcPts val="0"/>
+                        </a:spcBef>
+                        <a:spcAft>
+                          <a:spcPts val="0"/>
+                        </a:spcAft>
+                      </a:pPr>
+                      <a:r>
+                        <a:rPr lang="en-US" sz="1000">
+                          <a:effectLst/>
+                        </a:rPr>
+                        <a:t>&lt;name of topic to present&gt;</a:t>
+                      </a:r>
+                      <a:endParaRPr lang="en-US" sz="1000">
+                        <a:effectLst/>
+                        <a:latin typeface="Arial" panose="020B0604020202020204" pitchFamily="34" charset="0"/>
+                        <a:ea typeface="Times New Roman" panose="02020603050405020304" pitchFamily="18" charset="0"/>
+                        <a:cs typeface="Times New Roman" panose="02020603050405020304" pitchFamily="18" charset="0"/>
+                      </a:endParaRPr>
+                    </a:p>
+                  </a:txBody>
+                  <a:tcPr marL="68580" marR="68580" marT="0" marB="0"/>
+                </a:tc>
+                <a:tc>
+                  <a:txBody>
+                    <a:bodyPr/>
+                    <a:lstStyle/>
+                    <a:p>
+                      <a:pPr marL="0" marR="0" algn="ctr">
+                        <a:lnSpc>
+                          <a:spcPts val="1200"/>
+                        </a:lnSpc>
+                        <a:spcBef>
+                          <a:spcPts val="0"/>
+                        </a:spcBef>
+                        <a:spcAft>
+                          <a:spcPts val="0"/>
+                        </a:spcAft>
+                      </a:pPr>
+                      <a:r>
+                        <a:rPr lang="en-US" sz="1000">
+                          <a:effectLst/>
+                        </a:rPr>
+                        <a:t>&lt;user who use  feature&gt;</a:t>
+                      </a:r>
+                      <a:endParaRPr lang="en-US" sz="1000">
+                        <a:effectLst/>
+                        <a:latin typeface="Arial" panose="020B0604020202020204" pitchFamily="34" charset="0"/>
+                        <a:ea typeface="Times New Roman" panose="02020603050405020304" pitchFamily="18" charset="0"/>
+                        <a:cs typeface="Times New Roman" panose="02020603050405020304" pitchFamily="18" charset="0"/>
+                      </a:endParaRPr>
+                    </a:p>
+                  </a:txBody>
+                  <a:tcPr marL="68580" marR="68580" marT="0" marB="0"/>
+                </a:tc>
+                <a:tc>
+                  <a:txBody>
+                    <a:bodyPr/>
+                    <a:lstStyle/>
+                    <a:p>
+                      <a:pPr marL="0" marR="0" algn="ctr">
+                        <a:lnSpc>
+                          <a:spcPts val="1200"/>
+                        </a:lnSpc>
+                        <a:spcBef>
+                          <a:spcPts val="0"/>
+                        </a:spcBef>
+                        <a:spcAft>
+                          <a:spcPts val="0"/>
+                        </a:spcAft>
+                      </a:pPr>
+                      <a:r>
+                        <a:rPr lang="en-US" sz="1000">
+                          <a:effectLst/>
+                        </a:rPr>
+                        <a:t>&lt;mm/dd/yyyy&gt;</a:t>
+                      </a:r>
+                      <a:endParaRPr lang="en-US" sz="1000">
+                        <a:effectLst/>
+                        <a:latin typeface="Arial" panose="020B0604020202020204" pitchFamily="34" charset="0"/>
+                        <a:ea typeface="Times New Roman" panose="02020603050405020304" pitchFamily="18" charset="0"/>
+                        <a:cs typeface="Times New Roman" panose="02020603050405020304" pitchFamily="18" charset="0"/>
+                      </a:endParaRPr>
+                    </a:p>
+                  </a:txBody>
+                  <a:tcPr marL="68580" marR="68580" marT="0" marB="0"/>
+                </a:tc>
+                <a:tc>
+                  <a:txBody>
+                    <a:bodyPr/>
+                    <a:lstStyle/>
+                    <a:p>
+                      <a:pPr marL="0" marR="0" algn="ctr">
+                        <a:lnSpc>
+                          <a:spcPts val="1200"/>
+                        </a:lnSpc>
+                        <a:spcBef>
+                          <a:spcPts val="0"/>
+                        </a:spcBef>
+                        <a:spcAft>
+                          <a:spcPts val="0"/>
+                        </a:spcAft>
+                      </a:pPr>
+                      <a:r>
+                        <a:rPr lang="en-US" sz="1000">
+                          <a:effectLst/>
+                        </a:rPr>
+                        <a:t>&lt;mm/dd/yyyy&gt;</a:t>
+                      </a:r>
+                      <a:endParaRPr lang="en-US" sz="1000">
+                        <a:effectLst/>
+                        <a:latin typeface="Arial" panose="020B0604020202020204" pitchFamily="34" charset="0"/>
+                        <a:ea typeface="Times New Roman" panose="02020603050405020304" pitchFamily="18" charset="0"/>
+                        <a:cs typeface="Times New Roman" panose="02020603050405020304" pitchFamily="18" charset="0"/>
+                      </a:endParaRPr>
+                    </a:p>
+                  </a:txBody>
+                  <a:tcPr marL="68580" marR="68580" marT="0" marB="0"/>
+                </a:tc>
+                <a:tc>
+                  <a:txBody>
+                    <a:bodyPr/>
+                    <a:lstStyle/>
+                    <a:p>
+                      <a:pPr marL="0" marR="0" algn="ctr">
+                        <a:lnSpc>
+                          <a:spcPts val="1200"/>
+                        </a:lnSpc>
+                        <a:spcBef>
+                          <a:spcPts val="0"/>
+                        </a:spcBef>
+                        <a:spcAft>
+                          <a:spcPts val="0"/>
+                        </a:spcAft>
+                      </a:pPr>
+                      <a:r>
+                        <a:rPr lang="en-US" sz="1000">
+                          <a:effectLst/>
+                        </a:rPr>
+                        <a:t>&lt;number</a:t>
+                      </a:r>
+                    </a:p>
+                    <a:p>
+                      <a:pPr marL="0" marR="0" algn="ctr">
+                        <a:lnSpc>
+                          <a:spcPts val="1200"/>
+                        </a:lnSpc>
+                        <a:spcBef>
+                          <a:spcPts val="0"/>
+                        </a:spcBef>
+                        <a:spcAft>
+                          <a:spcPts val="0"/>
+                        </a:spcAft>
+                      </a:pPr>
+                      <a:r>
+                        <a:rPr lang="en-US" sz="1000">
+                          <a:effectLst/>
+                        </a:rPr>
+                        <a:t>of day&gt;</a:t>
+                      </a:r>
+                      <a:endParaRPr lang="en-US" sz="1000">
+                        <a:effectLst/>
+                        <a:latin typeface="Arial" panose="020B0604020202020204" pitchFamily="34" charset="0"/>
+                        <a:ea typeface="Times New Roman" panose="02020603050405020304" pitchFamily="18" charset="0"/>
+                        <a:cs typeface="Times New Roman" panose="02020603050405020304" pitchFamily="18" charset="0"/>
+                      </a:endParaRPr>
+                    </a:p>
+                  </a:txBody>
+                  <a:tcPr marL="68580" marR="68580" marT="0" marB="0"/>
+                </a:tc>
+              </a:tr>
+              <a:tr h="237345">
+                <a:tc>
+                  <a:txBody>
+                    <a:bodyPr/>
+                    <a:lstStyle/>
+                    <a:p>
+                      <a:pPr marL="0" marR="0" algn="ctr">
+                        <a:lnSpc>
+                          <a:spcPts val="1200"/>
+                        </a:lnSpc>
+                        <a:spcBef>
+                          <a:spcPts val="0"/>
+                        </a:spcBef>
+                        <a:spcAft>
+                          <a:spcPts val="0"/>
+                        </a:spcAft>
+                      </a:pPr>
+                      <a:r>
+                        <a:rPr lang="en-US" sz="1000">
+                          <a:effectLst/>
+                        </a:rPr>
+                        <a:t>1</a:t>
+                      </a:r>
+                      <a:endParaRPr lang="en-US" sz="1000">
+                        <a:effectLst/>
+                        <a:latin typeface="Arial" panose="020B0604020202020204" pitchFamily="34" charset="0"/>
+                        <a:ea typeface="Times New Roman" panose="02020603050405020304" pitchFamily="18" charset="0"/>
+                        <a:cs typeface="Times New Roman" panose="02020603050405020304" pitchFamily="18" charset="0"/>
+                      </a:endParaRPr>
+                    </a:p>
+                  </a:txBody>
+                  <a:tcPr marL="68580" marR="68580" marT="0" marB="0"/>
+                </a:tc>
+                <a:tc>
+                  <a:txBody>
+                    <a:bodyPr/>
+                    <a:lstStyle/>
+                    <a:p>
+                      <a:pPr marL="0" marR="0" algn="just">
+                        <a:lnSpc>
+                          <a:spcPct val="107000"/>
+                        </a:lnSpc>
+                        <a:spcBef>
+                          <a:spcPts val="0"/>
+                        </a:spcBef>
+                        <a:spcAft>
+                          <a:spcPts val="0"/>
+                        </a:spcAft>
+                      </a:pPr>
+                      <a:r>
+                        <a:rPr lang="en-US" sz="1000">
+                          <a:effectLst/>
+                        </a:rPr>
+                        <a:t>Register</a:t>
+                      </a:r>
+                      <a:endParaRPr lang="en-US" sz="1200">
+                        <a:effectLst/>
+                        <a:latin typeface="Times New Roman" panose="02020603050405020304" pitchFamily="18" charset="0"/>
+                        <a:ea typeface="Times New Roman" panose="02020603050405020304" pitchFamily="18" charset="0"/>
+                        <a:cs typeface="Times New Roman" panose="02020603050405020304" pitchFamily="18" charset="0"/>
+                      </a:endParaRPr>
+                    </a:p>
+                  </a:txBody>
+                  <a:tcPr marL="68580" marR="68580" marT="0" marB="0" anchor="b"/>
+                </a:tc>
+                <a:tc>
+                  <a:txBody>
+                    <a:bodyPr/>
+                    <a:lstStyle/>
+                    <a:p>
+                      <a:pPr marL="0" marR="0" algn="ctr">
+                        <a:lnSpc>
+                          <a:spcPts val="1200"/>
+                        </a:lnSpc>
+                        <a:spcBef>
+                          <a:spcPts val="0"/>
+                        </a:spcBef>
+                        <a:spcAft>
+                          <a:spcPts val="0"/>
+                        </a:spcAft>
+                      </a:pPr>
+                      <a:r>
+                        <a:rPr lang="en-US" sz="1000">
+                          <a:effectLst/>
+                        </a:rPr>
+                        <a:t>Guest, Admin</a:t>
+                      </a:r>
+                      <a:endParaRPr lang="en-US" sz="1000">
+                        <a:effectLst/>
+                        <a:latin typeface="Arial" panose="020B0604020202020204" pitchFamily="34" charset="0"/>
+                        <a:ea typeface="Times New Roman" panose="02020603050405020304" pitchFamily="18" charset="0"/>
+                        <a:cs typeface="Times New Roman" panose="02020603050405020304" pitchFamily="18" charset="0"/>
+                      </a:endParaRPr>
+                    </a:p>
+                  </a:txBody>
+                  <a:tcPr marL="68580" marR="68580" marT="0" marB="0"/>
+                </a:tc>
+                <a:tc>
+                  <a:txBody>
+                    <a:bodyPr/>
+                    <a:lstStyle/>
+                    <a:p>
+                      <a:pPr marL="0" marR="0" algn="ctr">
+                        <a:lnSpc>
+                          <a:spcPts val="1200"/>
+                        </a:lnSpc>
+                        <a:spcBef>
+                          <a:spcPts val="0"/>
+                        </a:spcBef>
+                        <a:spcAft>
+                          <a:spcPts val="0"/>
+                        </a:spcAft>
+                      </a:pPr>
+                      <a:r>
+                        <a:rPr lang="en-US" sz="1000">
+                          <a:effectLst/>
+                        </a:rPr>
+                        <a:t>09/06/2017</a:t>
+                      </a:r>
+                      <a:endParaRPr lang="en-US" sz="1000">
+                        <a:effectLst/>
+                        <a:latin typeface="Arial" panose="020B0604020202020204" pitchFamily="34" charset="0"/>
+                        <a:ea typeface="Times New Roman" panose="02020603050405020304" pitchFamily="18" charset="0"/>
+                        <a:cs typeface="Times New Roman" panose="02020603050405020304" pitchFamily="18" charset="0"/>
+                      </a:endParaRPr>
+                    </a:p>
+                  </a:txBody>
+                  <a:tcPr marL="68580" marR="68580" marT="0" marB="0"/>
+                </a:tc>
+                <a:tc>
+                  <a:txBody>
+                    <a:bodyPr/>
+                    <a:lstStyle/>
+                    <a:p>
+                      <a:pPr marL="0" marR="0" algn="ctr">
+                        <a:lnSpc>
+                          <a:spcPts val="1200"/>
+                        </a:lnSpc>
+                        <a:spcBef>
+                          <a:spcPts val="0"/>
+                        </a:spcBef>
+                        <a:spcAft>
+                          <a:spcPts val="0"/>
+                        </a:spcAft>
+                      </a:pPr>
+                      <a:r>
+                        <a:rPr lang="en-US" sz="1000">
+                          <a:effectLst/>
+                        </a:rPr>
+                        <a:t>11/06/2017</a:t>
+                      </a:r>
+                      <a:endParaRPr lang="en-US" sz="1000">
+                        <a:effectLst/>
+                        <a:latin typeface="Arial" panose="020B0604020202020204" pitchFamily="34" charset="0"/>
+                        <a:ea typeface="Times New Roman" panose="02020603050405020304" pitchFamily="18" charset="0"/>
+                        <a:cs typeface="Times New Roman" panose="02020603050405020304" pitchFamily="18" charset="0"/>
+                      </a:endParaRPr>
+                    </a:p>
+                  </a:txBody>
+                  <a:tcPr marL="68580" marR="68580" marT="0" marB="0"/>
+                </a:tc>
+                <a:tc>
+                  <a:txBody>
+                    <a:bodyPr/>
+                    <a:lstStyle/>
+                    <a:p>
+                      <a:pPr marL="0" marR="0" algn="ctr">
+                        <a:lnSpc>
+                          <a:spcPts val="1200"/>
+                        </a:lnSpc>
+                        <a:spcBef>
+                          <a:spcPts val="0"/>
+                        </a:spcBef>
+                        <a:spcAft>
+                          <a:spcPts val="0"/>
+                        </a:spcAft>
+                      </a:pPr>
+                      <a:r>
+                        <a:rPr lang="en-US" sz="1000">
+                          <a:effectLst/>
+                        </a:rPr>
+                        <a:t>2</a:t>
+                      </a:r>
+                      <a:endParaRPr lang="en-US" sz="1000">
+                        <a:effectLst/>
+                        <a:latin typeface="Arial" panose="020B0604020202020204" pitchFamily="34" charset="0"/>
+                        <a:ea typeface="Times New Roman" panose="02020603050405020304" pitchFamily="18" charset="0"/>
+                        <a:cs typeface="Times New Roman" panose="02020603050405020304" pitchFamily="18" charset="0"/>
+                      </a:endParaRPr>
+                    </a:p>
+                  </a:txBody>
+                  <a:tcPr marL="68580" marR="68580" marT="0" marB="0"/>
+                </a:tc>
+              </a:tr>
+              <a:tr h="237345">
+                <a:tc>
+                  <a:txBody>
+                    <a:bodyPr/>
+                    <a:lstStyle/>
+                    <a:p>
+                      <a:pPr marL="0" marR="0" algn="ctr">
+                        <a:lnSpc>
+                          <a:spcPts val="1200"/>
+                        </a:lnSpc>
+                        <a:spcBef>
+                          <a:spcPts val="0"/>
+                        </a:spcBef>
+                        <a:spcAft>
+                          <a:spcPts val="0"/>
+                        </a:spcAft>
+                      </a:pPr>
+                      <a:r>
+                        <a:rPr lang="en-US" sz="1000">
+                          <a:effectLst/>
+                        </a:rPr>
+                        <a:t>2</a:t>
+                      </a:r>
+                      <a:endParaRPr lang="en-US" sz="1000">
+                        <a:effectLst/>
+                        <a:latin typeface="Arial" panose="020B0604020202020204" pitchFamily="34" charset="0"/>
+                        <a:ea typeface="Times New Roman" panose="02020603050405020304" pitchFamily="18" charset="0"/>
+                        <a:cs typeface="Times New Roman" panose="02020603050405020304" pitchFamily="18" charset="0"/>
+                      </a:endParaRPr>
+                    </a:p>
+                  </a:txBody>
+                  <a:tcPr marL="68580" marR="68580" marT="0" marB="0"/>
+                </a:tc>
+                <a:tc>
+                  <a:txBody>
+                    <a:bodyPr/>
+                    <a:lstStyle/>
+                    <a:p>
+                      <a:pPr marL="0" marR="0" algn="just">
+                        <a:lnSpc>
+                          <a:spcPct val="107000"/>
+                        </a:lnSpc>
+                        <a:spcBef>
+                          <a:spcPts val="0"/>
+                        </a:spcBef>
+                        <a:spcAft>
+                          <a:spcPts val="0"/>
+                        </a:spcAft>
+                      </a:pPr>
+                      <a:r>
+                        <a:rPr lang="en-US" sz="1000">
+                          <a:effectLst/>
+                        </a:rPr>
+                        <a:t>Login</a:t>
+                      </a:r>
+                      <a:endParaRPr lang="en-US" sz="1200">
+                        <a:effectLst/>
+                        <a:latin typeface="Times New Roman" panose="02020603050405020304" pitchFamily="18" charset="0"/>
+                        <a:ea typeface="Times New Roman" panose="02020603050405020304" pitchFamily="18" charset="0"/>
+                        <a:cs typeface="Times New Roman" panose="02020603050405020304" pitchFamily="18" charset="0"/>
+                      </a:endParaRPr>
+                    </a:p>
+                  </a:txBody>
+                  <a:tcPr marL="68580" marR="68580" marT="0" marB="0" anchor="b"/>
+                </a:tc>
+                <a:tc>
+                  <a:txBody>
+                    <a:bodyPr/>
+                    <a:lstStyle/>
+                    <a:p>
+                      <a:pPr marL="0" marR="0" algn="ctr">
+                        <a:lnSpc>
+                          <a:spcPts val="1200"/>
+                        </a:lnSpc>
+                        <a:spcBef>
+                          <a:spcPts val="0"/>
+                        </a:spcBef>
+                        <a:spcAft>
+                          <a:spcPts val="0"/>
+                        </a:spcAft>
+                      </a:pPr>
+                      <a:r>
+                        <a:rPr lang="en-US" sz="1000">
+                          <a:effectLst/>
+                        </a:rPr>
+                        <a:t>Guest, Admin</a:t>
+                      </a:r>
+                      <a:endParaRPr lang="en-US" sz="1000">
+                        <a:effectLst/>
+                        <a:latin typeface="Arial" panose="020B0604020202020204" pitchFamily="34" charset="0"/>
+                        <a:ea typeface="Times New Roman" panose="02020603050405020304" pitchFamily="18" charset="0"/>
+                        <a:cs typeface="Times New Roman" panose="02020603050405020304" pitchFamily="18" charset="0"/>
+                      </a:endParaRPr>
+                    </a:p>
+                  </a:txBody>
+                  <a:tcPr marL="68580" marR="68580" marT="0" marB="0"/>
+                </a:tc>
+                <a:tc>
+                  <a:txBody>
+                    <a:bodyPr/>
+                    <a:lstStyle/>
+                    <a:p>
+                      <a:pPr marL="0" marR="0" algn="ctr">
+                        <a:lnSpc>
+                          <a:spcPts val="1200"/>
+                        </a:lnSpc>
+                        <a:spcBef>
+                          <a:spcPts val="0"/>
+                        </a:spcBef>
+                        <a:spcAft>
+                          <a:spcPts val="0"/>
+                        </a:spcAft>
+                      </a:pPr>
+                      <a:r>
+                        <a:rPr lang="en-US" sz="1000">
+                          <a:effectLst/>
+                        </a:rPr>
+                        <a:t>11/06/2017</a:t>
+                      </a:r>
+                      <a:endParaRPr lang="en-US" sz="1000">
+                        <a:effectLst/>
+                        <a:latin typeface="Arial" panose="020B0604020202020204" pitchFamily="34" charset="0"/>
+                        <a:ea typeface="Times New Roman" panose="02020603050405020304" pitchFamily="18" charset="0"/>
+                        <a:cs typeface="Times New Roman" panose="02020603050405020304" pitchFamily="18" charset="0"/>
+                      </a:endParaRPr>
+                    </a:p>
+                  </a:txBody>
+                  <a:tcPr marL="68580" marR="68580" marT="0" marB="0"/>
+                </a:tc>
+                <a:tc>
+                  <a:txBody>
+                    <a:bodyPr/>
+                    <a:lstStyle/>
+                    <a:p>
+                      <a:pPr marL="0" marR="0" algn="ctr">
+                        <a:lnSpc>
+                          <a:spcPts val="1200"/>
+                        </a:lnSpc>
+                        <a:spcBef>
+                          <a:spcPts val="0"/>
+                        </a:spcBef>
+                        <a:spcAft>
+                          <a:spcPts val="0"/>
+                        </a:spcAft>
+                      </a:pPr>
+                      <a:r>
+                        <a:rPr lang="en-US" sz="1000">
+                          <a:effectLst/>
+                        </a:rPr>
+                        <a:t>13/06/2017</a:t>
+                      </a:r>
+                      <a:endParaRPr lang="en-US" sz="1000">
+                        <a:effectLst/>
+                        <a:latin typeface="Arial" panose="020B0604020202020204" pitchFamily="34" charset="0"/>
+                        <a:ea typeface="Times New Roman" panose="02020603050405020304" pitchFamily="18" charset="0"/>
+                        <a:cs typeface="Times New Roman" panose="02020603050405020304" pitchFamily="18" charset="0"/>
+                      </a:endParaRPr>
+                    </a:p>
+                  </a:txBody>
+                  <a:tcPr marL="68580" marR="68580" marT="0" marB="0"/>
+                </a:tc>
+                <a:tc>
+                  <a:txBody>
+                    <a:bodyPr/>
+                    <a:lstStyle/>
+                    <a:p>
+                      <a:pPr marL="0" marR="0" algn="ctr">
+                        <a:lnSpc>
+                          <a:spcPts val="1200"/>
+                        </a:lnSpc>
+                        <a:spcBef>
+                          <a:spcPts val="0"/>
+                        </a:spcBef>
+                        <a:spcAft>
+                          <a:spcPts val="0"/>
+                        </a:spcAft>
+                      </a:pPr>
+                      <a:r>
+                        <a:rPr lang="en-US" sz="1000">
+                          <a:effectLst/>
+                        </a:rPr>
+                        <a:t>2</a:t>
+                      </a:r>
+                      <a:endParaRPr lang="en-US" sz="1000">
+                        <a:effectLst/>
+                        <a:latin typeface="Arial" panose="020B0604020202020204" pitchFamily="34" charset="0"/>
+                        <a:ea typeface="Times New Roman" panose="02020603050405020304" pitchFamily="18" charset="0"/>
+                        <a:cs typeface="Times New Roman" panose="02020603050405020304" pitchFamily="18" charset="0"/>
+                      </a:endParaRPr>
+                    </a:p>
+                  </a:txBody>
+                  <a:tcPr marL="68580" marR="68580" marT="0" marB="0"/>
+                </a:tc>
+              </a:tr>
+              <a:tr h="237345">
+                <a:tc>
+                  <a:txBody>
+                    <a:bodyPr/>
+                    <a:lstStyle/>
+                    <a:p>
+                      <a:pPr marL="0" marR="0" algn="ctr">
+                        <a:lnSpc>
+                          <a:spcPts val="1200"/>
+                        </a:lnSpc>
+                        <a:spcBef>
+                          <a:spcPts val="0"/>
+                        </a:spcBef>
+                        <a:spcAft>
+                          <a:spcPts val="0"/>
+                        </a:spcAft>
+                      </a:pPr>
+                      <a:r>
+                        <a:rPr lang="en-US" sz="1000">
+                          <a:effectLst/>
+                        </a:rPr>
+                        <a:t>3</a:t>
+                      </a:r>
+                      <a:endParaRPr lang="en-US" sz="1000">
+                        <a:effectLst/>
+                        <a:latin typeface="Arial" panose="020B0604020202020204" pitchFamily="34" charset="0"/>
+                        <a:ea typeface="Times New Roman" panose="02020603050405020304" pitchFamily="18" charset="0"/>
+                        <a:cs typeface="Times New Roman" panose="02020603050405020304" pitchFamily="18" charset="0"/>
+                      </a:endParaRPr>
+                    </a:p>
+                  </a:txBody>
+                  <a:tcPr marL="68580" marR="68580" marT="0" marB="0"/>
+                </a:tc>
+                <a:tc>
+                  <a:txBody>
+                    <a:bodyPr/>
+                    <a:lstStyle/>
+                    <a:p>
+                      <a:pPr marL="0" marR="0" algn="just">
+                        <a:lnSpc>
+                          <a:spcPct val="107000"/>
+                        </a:lnSpc>
+                        <a:spcBef>
+                          <a:spcPts val="0"/>
+                        </a:spcBef>
+                        <a:spcAft>
+                          <a:spcPts val="0"/>
+                        </a:spcAft>
+                      </a:pPr>
+                      <a:r>
+                        <a:rPr lang="en-US" sz="1000">
+                          <a:effectLst/>
+                        </a:rPr>
+                        <a:t>Logout</a:t>
+                      </a:r>
+                      <a:endParaRPr lang="en-US" sz="1200">
+                        <a:effectLst/>
+                        <a:latin typeface="Times New Roman" panose="02020603050405020304" pitchFamily="18" charset="0"/>
+                        <a:ea typeface="Times New Roman" panose="02020603050405020304" pitchFamily="18" charset="0"/>
+                        <a:cs typeface="Times New Roman" panose="02020603050405020304" pitchFamily="18" charset="0"/>
+                      </a:endParaRPr>
+                    </a:p>
+                  </a:txBody>
+                  <a:tcPr marL="68580" marR="68580" marT="0" marB="0" anchor="b"/>
+                </a:tc>
+                <a:tc>
+                  <a:txBody>
+                    <a:bodyPr/>
+                    <a:lstStyle/>
+                    <a:p>
+                      <a:pPr marL="0" marR="0" algn="ctr">
+                        <a:lnSpc>
+                          <a:spcPts val="1200"/>
+                        </a:lnSpc>
+                        <a:spcBef>
+                          <a:spcPts val="0"/>
+                        </a:spcBef>
+                        <a:spcAft>
+                          <a:spcPts val="0"/>
+                        </a:spcAft>
+                      </a:pPr>
+                      <a:r>
+                        <a:rPr lang="en-US" sz="1000">
+                          <a:effectLst/>
+                        </a:rPr>
+                        <a:t>Customer, Admin</a:t>
+                      </a:r>
+                      <a:endParaRPr lang="en-US" sz="1000">
+                        <a:effectLst/>
+                        <a:latin typeface="Arial" panose="020B0604020202020204" pitchFamily="34" charset="0"/>
+                        <a:ea typeface="Times New Roman" panose="02020603050405020304" pitchFamily="18" charset="0"/>
+                        <a:cs typeface="Times New Roman" panose="02020603050405020304" pitchFamily="18" charset="0"/>
+                      </a:endParaRPr>
+                    </a:p>
+                  </a:txBody>
+                  <a:tcPr marL="68580" marR="68580" marT="0" marB="0"/>
+                </a:tc>
+                <a:tc>
+                  <a:txBody>
+                    <a:bodyPr/>
+                    <a:lstStyle/>
+                    <a:p>
+                      <a:pPr marL="0" marR="0" algn="ctr">
+                        <a:lnSpc>
+                          <a:spcPts val="1200"/>
+                        </a:lnSpc>
+                        <a:spcBef>
+                          <a:spcPts val="0"/>
+                        </a:spcBef>
+                        <a:spcAft>
+                          <a:spcPts val="0"/>
+                        </a:spcAft>
+                      </a:pPr>
+                      <a:r>
+                        <a:rPr lang="en-US" sz="1000">
+                          <a:effectLst/>
+                        </a:rPr>
+                        <a:t>13/06/2017</a:t>
+                      </a:r>
+                      <a:endParaRPr lang="en-US" sz="1000">
+                        <a:effectLst/>
+                        <a:latin typeface="Arial" panose="020B0604020202020204" pitchFamily="34" charset="0"/>
+                        <a:ea typeface="Times New Roman" panose="02020603050405020304" pitchFamily="18" charset="0"/>
+                        <a:cs typeface="Times New Roman" panose="02020603050405020304" pitchFamily="18" charset="0"/>
+                      </a:endParaRPr>
+                    </a:p>
+                  </a:txBody>
+                  <a:tcPr marL="68580" marR="68580" marT="0" marB="0"/>
+                </a:tc>
+                <a:tc>
+                  <a:txBody>
+                    <a:bodyPr/>
+                    <a:lstStyle/>
+                    <a:p>
+                      <a:pPr marL="0" marR="0" algn="ctr">
+                        <a:lnSpc>
+                          <a:spcPts val="1200"/>
+                        </a:lnSpc>
+                        <a:spcBef>
+                          <a:spcPts val="0"/>
+                        </a:spcBef>
+                        <a:spcAft>
+                          <a:spcPts val="0"/>
+                        </a:spcAft>
+                      </a:pPr>
+                      <a:r>
+                        <a:rPr lang="en-US" sz="1000">
+                          <a:effectLst/>
+                        </a:rPr>
+                        <a:t>15/06/2017</a:t>
+                      </a:r>
+                      <a:endParaRPr lang="en-US" sz="1000">
+                        <a:effectLst/>
+                        <a:latin typeface="Arial" panose="020B0604020202020204" pitchFamily="34" charset="0"/>
+                        <a:ea typeface="Times New Roman" panose="02020603050405020304" pitchFamily="18" charset="0"/>
+                        <a:cs typeface="Times New Roman" panose="02020603050405020304" pitchFamily="18" charset="0"/>
+                      </a:endParaRPr>
+                    </a:p>
+                  </a:txBody>
+                  <a:tcPr marL="68580" marR="68580" marT="0" marB="0"/>
+                </a:tc>
+                <a:tc>
+                  <a:txBody>
+                    <a:bodyPr/>
+                    <a:lstStyle/>
+                    <a:p>
+                      <a:pPr marL="0" marR="0" algn="ctr">
+                        <a:lnSpc>
+                          <a:spcPts val="1200"/>
+                        </a:lnSpc>
+                        <a:spcBef>
+                          <a:spcPts val="0"/>
+                        </a:spcBef>
+                        <a:spcAft>
+                          <a:spcPts val="0"/>
+                        </a:spcAft>
+                      </a:pPr>
+                      <a:r>
+                        <a:rPr lang="en-US" sz="1000">
+                          <a:effectLst/>
+                        </a:rPr>
+                        <a:t>2</a:t>
+                      </a:r>
+                      <a:endParaRPr lang="en-US" sz="1000">
+                        <a:effectLst/>
+                        <a:latin typeface="Arial" panose="020B0604020202020204" pitchFamily="34" charset="0"/>
+                        <a:ea typeface="Times New Roman" panose="02020603050405020304" pitchFamily="18" charset="0"/>
+                        <a:cs typeface="Times New Roman" panose="02020603050405020304" pitchFamily="18" charset="0"/>
+                      </a:endParaRPr>
+                    </a:p>
+                  </a:txBody>
+                  <a:tcPr marL="68580" marR="68580" marT="0" marB="0"/>
+                </a:tc>
+              </a:tr>
+              <a:tr h="237345">
+                <a:tc>
+                  <a:txBody>
+                    <a:bodyPr/>
+                    <a:lstStyle/>
+                    <a:p>
+                      <a:pPr marL="0" marR="0" algn="ctr">
+                        <a:lnSpc>
+                          <a:spcPts val="1200"/>
+                        </a:lnSpc>
+                        <a:spcBef>
+                          <a:spcPts val="0"/>
+                        </a:spcBef>
+                        <a:spcAft>
+                          <a:spcPts val="0"/>
+                        </a:spcAft>
+                      </a:pPr>
+                      <a:r>
+                        <a:rPr lang="en-US" sz="1000">
+                          <a:effectLst/>
+                        </a:rPr>
+                        <a:t>4</a:t>
+                      </a:r>
+                      <a:endParaRPr lang="en-US" sz="1000">
+                        <a:effectLst/>
+                        <a:latin typeface="Arial" panose="020B0604020202020204" pitchFamily="34" charset="0"/>
+                        <a:ea typeface="Times New Roman" panose="02020603050405020304" pitchFamily="18" charset="0"/>
+                        <a:cs typeface="Times New Roman" panose="02020603050405020304" pitchFamily="18" charset="0"/>
+                      </a:endParaRPr>
+                    </a:p>
+                  </a:txBody>
+                  <a:tcPr marL="68580" marR="68580" marT="0" marB="0"/>
+                </a:tc>
+                <a:tc>
+                  <a:txBody>
+                    <a:bodyPr/>
+                    <a:lstStyle/>
+                    <a:p>
+                      <a:pPr marL="0" marR="0" algn="just">
+                        <a:lnSpc>
+                          <a:spcPct val="107000"/>
+                        </a:lnSpc>
+                        <a:spcBef>
+                          <a:spcPts val="0"/>
+                        </a:spcBef>
+                        <a:spcAft>
+                          <a:spcPts val="0"/>
+                        </a:spcAft>
+                      </a:pPr>
+                      <a:r>
+                        <a:rPr lang="en-US" sz="1000">
+                          <a:effectLst/>
+                        </a:rPr>
+                        <a:t>View Rooms</a:t>
+                      </a:r>
+                      <a:endParaRPr lang="en-US" sz="1200">
+                        <a:effectLst/>
+                        <a:latin typeface="Times New Roman" panose="02020603050405020304" pitchFamily="18" charset="0"/>
+                        <a:ea typeface="Times New Roman" panose="02020603050405020304" pitchFamily="18" charset="0"/>
+                        <a:cs typeface="Times New Roman" panose="02020603050405020304" pitchFamily="18" charset="0"/>
+                      </a:endParaRPr>
+                    </a:p>
+                  </a:txBody>
+                  <a:tcPr marL="68580" marR="68580" marT="0" marB="0" anchor="b"/>
+                </a:tc>
+                <a:tc>
+                  <a:txBody>
+                    <a:bodyPr/>
+                    <a:lstStyle/>
+                    <a:p>
+                      <a:pPr marL="0" marR="0" algn="ctr">
+                        <a:lnSpc>
+                          <a:spcPts val="1200"/>
+                        </a:lnSpc>
+                        <a:spcBef>
+                          <a:spcPts val="0"/>
+                        </a:spcBef>
+                        <a:spcAft>
+                          <a:spcPts val="0"/>
+                        </a:spcAft>
+                      </a:pPr>
+                      <a:r>
+                        <a:rPr lang="en-US" sz="1000">
+                          <a:effectLst/>
+                        </a:rPr>
+                        <a:t>Guest, Customer, Admin</a:t>
+                      </a:r>
+                      <a:endParaRPr lang="en-US" sz="1000">
+                        <a:effectLst/>
+                        <a:latin typeface="Arial" panose="020B0604020202020204" pitchFamily="34" charset="0"/>
+                        <a:ea typeface="Times New Roman" panose="02020603050405020304" pitchFamily="18" charset="0"/>
+                        <a:cs typeface="Times New Roman" panose="02020603050405020304" pitchFamily="18" charset="0"/>
+                      </a:endParaRPr>
+                    </a:p>
+                  </a:txBody>
+                  <a:tcPr marL="68580" marR="68580" marT="0" marB="0"/>
+                </a:tc>
+                <a:tc>
+                  <a:txBody>
+                    <a:bodyPr/>
+                    <a:lstStyle/>
+                    <a:p>
+                      <a:pPr marL="0" marR="0" algn="ctr">
+                        <a:lnSpc>
+                          <a:spcPts val="1200"/>
+                        </a:lnSpc>
+                        <a:spcBef>
+                          <a:spcPts val="0"/>
+                        </a:spcBef>
+                        <a:spcAft>
+                          <a:spcPts val="0"/>
+                        </a:spcAft>
+                      </a:pPr>
+                      <a:r>
+                        <a:rPr lang="en-US" sz="1000">
+                          <a:effectLst/>
+                        </a:rPr>
+                        <a:t>15/06/2017</a:t>
+                      </a:r>
+                      <a:endParaRPr lang="en-US" sz="1000">
+                        <a:effectLst/>
+                        <a:latin typeface="Arial" panose="020B0604020202020204" pitchFamily="34" charset="0"/>
+                        <a:ea typeface="Times New Roman" panose="02020603050405020304" pitchFamily="18" charset="0"/>
+                        <a:cs typeface="Times New Roman" panose="02020603050405020304" pitchFamily="18" charset="0"/>
+                      </a:endParaRPr>
+                    </a:p>
+                  </a:txBody>
+                  <a:tcPr marL="68580" marR="68580" marT="0" marB="0"/>
+                </a:tc>
+                <a:tc>
+                  <a:txBody>
+                    <a:bodyPr/>
+                    <a:lstStyle/>
+                    <a:p>
+                      <a:pPr marL="0" marR="0" algn="ctr">
+                        <a:lnSpc>
+                          <a:spcPts val="1200"/>
+                        </a:lnSpc>
+                        <a:spcBef>
+                          <a:spcPts val="0"/>
+                        </a:spcBef>
+                        <a:spcAft>
+                          <a:spcPts val="0"/>
+                        </a:spcAft>
+                      </a:pPr>
+                      <a:r>
+                        <a:rPr lang="en-US" sz="1000">
+                          <a:effectLst/>
+                        </a:rPr>
+                        <a:t>17/06/2017</a:t>
+                      </a:r>
+                      <a:endParaRPr lang="en-US" sz="1000">
+                        <a:effectLst/>
+                        <a:latin typeface="Arial" panose="020B0604020202020204" pitchFamily="34" charset="0"/>
+                        <a:ea typeface="Times New Roman" panose="02020603050405020304" pitchFamily="18" charset="0"/>
+                        <a:cs typeface="Times New Roman" panose="02020603050405020304" pitchFamily="18" charset="0"/>
+                      </a:endParaRPr>
+                    </a:p>
+                  </a:txBody>
+                  <a:tcPr marL="68580" marR="68580" marT="0" marB="0"/>
+                </a:tc>
+                <a:tc>
+                  <a:txBody>
+                    <a:bodyPr/>
+                    <a:lstStyle/>
+                    <a:p>
+                      <a:pPr marL="0" marR="0" algn="ctr">
+                        <a:lnSpc>
+                          <a:spcPts val="1200"/>
+                        </a:lnSpc>
+                        <a:spcBef>
+                          <a:spcPts val="0"/>
+                        </a:spcBef>
+                        <a:spcAft>
+                          <a:spcPts val="0"/>
+                        </a:spcAft>
+                      </a:pPr>
+                      <a:r>
+                        <a:rPr lang="en-US" sz="1000">
+                          <a:effectLst/>
+                        </a:rPr>
+                        <a:t>2</a:t>
+                      </a:r>
+                      <a:endParaRPr lang="en-US" sz="1000">
+                        <a:effectLst/>
+                        <a:latin typeface="Arial" panose="020B0604020202020204" pitchFamily="34" charset="0"/>
+                        <a:ea typeface="Times New Roman" panose="02020603050405020304" pitchFamily="18" charset="0"/>
+                        <a:cs typeface="Times New Roman" panose="02020603050405020304" pitchFamily="18" charset="0"/>
+                      </a:endParaRPr>
+                    </a:p>
+                  </a:txBody>
+                  <a:tcPr marL="68580" marR="68580" marT="0" marB="0"/>
+                </a:tc>
+              </a:tr>
+              <a:tr h="237345">
+                <a:tc>
+                  <a:txBody>
+                    <a:bodyPr/>
+                    <a:lstStyle/>
+                    <a:p>
+                      <a:pPr marL="0" marR="0" algn="ctr">
+                        <a:lnSpc>
+                          <a:spcPts val="1200"/>
+                        </a:lnSpc>
+                        <a:spcBef>
+                          <a:spcPts val="0"/>
+                        </a:spcBef>
+                        <a:spcAft>
+                          <a:spcPts val="0"/>
+                        </a:spcAft>
+                      </a:pPr>
+                      <a:r>
+                        <a:rPr lang="en-US" sz="1000">
+                          <a:effectLst/>
+                        </a:rPr>
+                        <a:t>5</a:t>
+                      </a:r>
+                      <a:endParaRPr lang="en-US" sz="1000">
+                        <a:effectLst/>
+                        <a:latin typeface="Arial" panose="020B0604020202020204" pitchFamily="34" charset="0"/>
+                        <a:ea typeface="Times New Roman" panose="02020603050405020304" pitchFamily="18" charset="0"/>
+                        <a:cs typeface="Times New Roman" panose="02020603050405020304" pitchFamily="18" charset="0"/>
+                      </a:endParaRPr>
+                    </a:p>
+                  </a:txBody>
+                  <a:tcPr marL="68580" marR="68580" marT="0" marB="0"/>
+                </a:tc>
+                <a:tc>
+                  <a:txBody>
+                    <a:bodyPr/>
+                    <a:lstStyle/>
+                    <a:p>
+                      <a:pPr marL="0" marR="0" algn="just">
+                        <a:lnSpc>
+                          <a:spcPct val="107000"/>
+                        </a:lnSpc>
+                        <a:spcBef>
+                          <a:spcPts val="0"/>
+                        </a:spcBef>
+                        <a:spcAft>
+                          <a:spcPts val="0"/>
+                        </a:spcAft>
+                      </a:pPr>
+                      <a:r>
+                        <a:rPr lang="en-US" sz="1000">
+                          <a:effectLst/>
+                        </a:rPr>
+                        <a:t>View Restaurant</a:t>
+                      </a:r>
+                      <a:endParaRPr lang="en-US" sz="1200">
+                        <a:effectLst/>
+                        <a:latin typeface="Times New Roman" panose="02020603050405020304" pitchFamily="18" charset="0"/>
+                        <a:ea typeface="Times New Roman" panose="02020603050405020304" pitchFamily="18" charset="0"/>
+                        <a:cs typeface="Times New Roman" panose="02020603050405020304" pitchFamily="18" charset="0"/>
+                      </a:endParaRPr>
+                    </a:p>
+                  </a:txBody>
+                  <a:tcPr marL="68580" marR="68580" marT="0" marB="0" anchor="b"/>
+                </a:tc>
+                <a:tc>
+                  <a:txBody>
+                    <a:bodyPr/>
+                    <a:lstStyle/>
+                    <a:p>
+                      <a:pPr marL="0" marR="0" algn="ctr">
+                        <a:lnSpc>
+                          <a:spcPts val="1200"/>
+                        </a:lnSpc>
+                        <a:spcBef>
+                          <a:spcPts val="0"/>
+                        </a:spcBef>
+                        <a:spcAft>
+                          <a:spcPts val="0"/>
+                        </a:spcAft>
+                      </a:pPr>
+                      <a:r>
+                        <a:rPr lang="en-US" sz="1000">
+                          <a:effectLst/>
+                        </a:rPr>
+                        <a:t>Guest, Customer, Admin</a:t>
+                      </a:r>
+                      <a:endParaRPr lang="en-US" sz="1000">
+                        <a:effectLst/>
+                        <a:latin typeface="Arial" panose="020B0604020202020204" pitchFamily="34" charset="0"/>
+                        <a:ea typeface="Times New Roman" panose="02020603050405020304" pitchFamily="18" charset="0"/>
+                        <a:cs typeface="Times New Roman" panose="02020603050405020304" pitchFamily="18" charset="0"/>
+                      </a:endParaRPr>
+                    </a:p>
+                  </a:txBody>
+                  <a:tcPr marL="68580" marR="68580" marT="0" marB="0"/>
+                </a:tc>
+                <a:tc>
+                  <a:txBody>
+                    <a:bodyPr/>
+                    <a:lstStyle/>
+                    <a:p>
+                      <a:pPr marL="0" marR="0" algn="ctr">
+                        <a:lnSpc>
+                          <a:spcPts val="1200"/>
+                        </a:lnSpc>
+                        <a:spcBef>
+                          <a:spcPts val="0"/>
+                        </a:spcBef>
+                        <a:spcAft>
+                          <a:spcPts val="0"/>
+                        </a:spcAft>
+                      </a:pPr>
+                      <a:r>
+                        <a:rPr lang="en-US" sz="1000">
+                          <a:effectLst/>
+                        </a:rPr>
+                        <a:t>17/06/2017</a:t>
+                      </a:r>
+                      <a:endParaRPr lang="en-US" sz="1000">
+                        <a:effectLst/>
+                        <a:latin typeface="Arial" panose="020B0604020202020204" pitchFamily="34" charset="0"/>
+                        <a:ea typeface="Times New Roman" panose="02020603050405020304" pitchFamily="18" charset="0"/>
+                        <a:cs typeface="Times New Roman" panose="02020603050405020304" pitchFamily="18" charset="0"/>
+                      </a:endParaRPr>
+                    </a:p>
+                  </a:txBody>
+                  <a:tcPr marL="68580" marR="68580" marT="0" marB="0"/>
+                </a:tc>
+                <a:tc>
+                  <a:txBody>
+                    <a:bodyPr/>
+                    <a:lstStyle/>
+                    <a:p>
+                      <a:pPr marL="0" marR="0" algn="ctr">
+                        <a:lnSpc>
+                          <a:spcPts val="1200"/>
+                        </a:lnSpc>
+                        <a:spcBef>
+                          <a:spcPts val="0"/>
+                        </a:spcBef>
+                        <a:spcAft>
+                          <a:spcPts val="0"/>
+                        </a:spcAft>
+                      </a:pPr>
+                      <a:r>
+                        <a:rPr lang="en-US" sz="1000">
+                          <a:effectLst/>
+                        </a:rPr>
+                        <a:t>19/06/2017</a:t>
+                      </a:r>
+                      <a:endParaRPr lang="en-US" sz="1000">
+                        <a:effectLst/>
+                        <a:latin typeface="Arial" panose="020B0604020202020204" pitchFamily="34" charset="0"/>
+                        <a:ea typeface="Times New Roman" panose="02020603050405020304" pitchFamily="18" charset="0"/>
+                        <a:cs typeface="Times New Roman" panose="02020603050405020304" pitchFamily="18" charset="0"/>
+                      </a:endParaRPr>
+                    </a:p>
+                  </a:txBody>
+                  <a:tcPr marL="68580" marR="68580" marT="0" marB="0"/>
+                </a:tc>
+                <a:tc>
+                  <a:txBody>
+                    <a:bodyPr/>
+                    <a:lstStyle/>
+                    <a:p>
+                      <a:pPr marL="0" marR="0" algn="ctr">
+                        <a:lnSpc>
+                          <a:spcPts val="1200"/>
+                        </a:lnSpc>
+                        <a:spcBef>
+                          <a:spcPts val="0"/>
+                        </a:spcBef>
+                        <a:spcAft>
+                          <a:spcPts val="0"/>
+                        </a:spcAft>
+                      </a:pPr>
+                      <a:r>
+                        <a:rPr lang="en-US" sz="1000">
+                          <a:effectLst/>
+                        </a:rPr>
+                        <a:t>2</a:t>
+                      </a:r>
+                      <a:endParaRPr lang="en-US" sz="1000">
+                        <a:effectLst/>
+                        <a:latin typeface="Arial" panose="020B0604020202020204" pitchFamily="34" charset="0"/>
+                        <a:ea typeface="Times New Roman" panose="02020603050405020304" pitchFamily="18" charset="0"/>
+                        <a:cs typeface="Times New Roman" panose="02020603050405020304" pitchFamily="18" charset="0"/>
+                      </a:endParaRPr>
+                    </a:p>
+                  </a:txBody>
+                  <a:tcPr marL="68580" marR="68580" marT="0" marB="0"/>
+                </a:tc>
+              </a:tr>
+              <a:tr h="237345">
+                <a:tc>
+                  <a:txBody>
+                    <a:bodyPr/>
+                    <a:lstStyle/>
+                    <a:p>
+                      <a:pPr marL="0" marR="0" algn="ctr">
+                        <a:lnSpc>
+                          <a:spcPts val="1200"/>
+                        </a:lnSpc>
+                        <a:spcBef>
+                          <a:spcPts val="0"/>
+                        </a:spcBef>
+                        <a:spcAft>
+                          <a:spcPts val="0"/>
+                        </a:spcAft>
+                      </a:pPr>
+                      <a:r>
+                        <a:rPr lang="en-US" sz="1000">
+                          <a:effectLst/>
+                        </a:rPr>
+                        <a:t>6</a:t>
+                      </a:r>
+                      <a:endParaRPr lang="en-US" sz="1000">
+                        <a:effectLst/>
+                        <a:latin typeface="Arial" panose="020B0604020202020204" pitchFamily="34" charset="0"/>
+                        <a:ea typeface="Times New Roman" panose="02020603050405020304" pitchFamily="18" charset="0"/>
+                        <a:cs typeface="Times New Roman" panose="02020603050405020304" pitchFamily="18" charset="0"/>
+                      </a:endParaRPr>
+                    </a:p>
+                  </a:txBody>
+                  <a:tcPr marL="68580" marR="68580" marT="0" marB="0"/>
+                </a:tc>
+                <a:tc>
+                  <a:txBody>
+                    <a:bodyPr/>
+                    <a:lstStyle/>
+                    <a:p>
+                      <a:pPr marL="0" marR="0" algn="just">
+                        <a:lnSpc>
+                          <a:spcPct val="107000"/>
+                        </a:lnSpc>
+                        <a:spcBef>
+                          <a:spcPts val="0"/>
+                        </a:spcBef>
+                        <a:spcAft>
+                          <a:spcPts val="0"/>
+                        </a:spcAft>
+                      </a:pPr>
+                      <a:r>
+                        <a:rPr lang="en-US" sz="1000">
+                          <a:effectLst/>
+                        </a:rPr>
+                        <a:t>Search for Room</a:t>
+                      </a:r>
+                      <a:endParaRPr lang="en-US" sz="1200">
+                        <a:effectLst/>
+                        <a:latin typeface="Times New Roman" panose="02020603050405020304" pitchFamily="18" charset="0"/>
+                        <a:ea typeface="Times New Roman" panose="02020603050405020304" pitchFamily="18" charset="0"/>
+                        <a:cs typeface="Times New Roman" panose="02020603050405020304" pitchFamily="18" charset="0"/>
+                      </a:endParaRPr>
+                    </a:p>
+                  </a:txBody>
+                  <a:tcPr marL="68580" marR="68580" marT="0" marB="0" anchor="b"/>
+                </a:tc>
+                <a:tc>
+                  <a:txBody>
+                    <a:bodyPr/>
+                    <a:lstStyle/>
+                    <a:p>
+                      <a:pPr marL="0" marR="0" algn="ctr">
+                        <a:lnSpc>
+                          <a:spcPts val="1200"/>
+                        </a:lnSpc>
+                        <a:spcBef>
+                          <a:spcPts val="0"/>
+                        </a:spcBef>
+                        <a:spcAft>
+                          <a:spcPts val="0"/>
+                        </a:spcAft>
+                      </a:pPr>
+                      <a:r>
+                        <a:rPr lang="en-US" sz="1000">
+                          <a:effectLst/>
+                        </a:rPr>
+                        <a:t>Guest, Customer, Admin</a:t>
+                      </a:r>
+                      <a:endParaRPr lang="en-US" sz="1000">
+                        <a:effectLst/>
+                        <a:latin typeface="Arial" panose="020B0604020202020204" pitchFamily="34" charset="0"/>
+                        <a:ea typeface="Times New Roman" panose="02020603050405020304" pitchFamily="18" charset="0"/>
+                        <a:cs typeface="Times New Roman" panose="02020603050405020304" pitchFamily="18" charset="0"/>
+                      </a:endParaRPr>
+                    </a:p>
+                  </a:txBody>
+                  <a:tcPr marL="68580" marR="68580" marT="0" marB="0"/>
+                </a:tc>
+                <a:tc>
+                  <a:txBody>
+                    <a:bodyPr/>
+                    <a:lstStyle/>
+                    <a:p>
+                      <a:pPr marL="0" marR="0" algn="ctr">
+                        <a:lnSpc>
+                          <a:spcPts val="1200"/>
+                        </a:lnSpc>
+                        <a:spcBef>
+                          <a:spcPts val="0"/>
+                        </a:spcBef>
+                        <a:spcAft>
+                          <a:spcPts val="0"/>
+                        </a:spcAft>
+                      </a:pPr>
+                      <a:r>
+                        <a:rPr lang="en-US" sz="1000">
+                          <a:effectLst/>
+                        </a:rPr>
+                        <a:t>19/06/2017</a:t>
+                      </a:r>
+                      <a:endParaRPr lang="en-US" sz="1000">
+                        <a:effectLst/>
+                        <a:latin typeface="Arial" panose="020B0604020202020204" pitchFamily="34" charset="0"/>
+                        <a:ea typeface="Times New Roman" panose="02020603050405020304" pitchFamily="18" charset="0"/>
+                        <a:cs typeface="Times New Roman" panose="02020603050405020304" pitchFamily="18" charset="0"/>
+                      </a:endParaRPr>
+                    </a:p>
+                  </a:txBody>
+                  <a:tcPr marL="68580" marR="68580" marT="0" marB="0"/>
+                </a:tc>
+                <a:tc>
+                  <a:txBody>
+                    <a:bodyPr/>
+                    <a:lstStyle/>
+                    <a:p>
+                      <a:pPr marL="0" marR="0" algn="ctr">
+                        <a:lnSpc>
+                          <a:spcPts val="1200"/>
+                        </a:lnSpc>
+                        <a:spcBef>
+                          <a:spcPts val="0"/>
+                        </a:spcBef>
+                        <a:spcAft>
+                          <a:spcPts val="0"/>
+                        </a:spcAft>
+                      </a:pPr>
+                      <a:r>
+                        <a:rPr lang="en-US" sz="1000">
+                          <a:effectLst/>
+                        </a:rPr>
+                        <a:t>23/06/2017</a:t>
+                      </a:r>
+                      <a:endParaRPr lang="en-US" sz="1000">
+                        <a:effectLst/>
+                        <a:latin typeface="Arial" panose="020B0604020202020204" pitchFamily="34" charset="0"/>
+                        <a:ea typeface="Times New Roman" panose="02020603050405020304" pitchFamily="18" charset="0"/>
+                        <a:cs typeface="Times New Roman" panose="02020603050405020304" pitchFamily="18" charset="0"/>
+                      </a:endParaRPr>
+                    </a:p>
+                  </a:txBody>
+                  <a:tcPr marL="68580" marR="68580" marT="0" marB="0"/>
+                </a:tc>
+                <a:tc>
+                  <a:txBody>
+                    <a:bodyPr/>
+                    <a:lstStyle/>
+                    <a:p>
+                      <a:pPr marL="0" marR="0" algn="ctr">
+                        <a:lnSpc>
+                          <a:spcPts val="1200"/>
+                        </a:lnSpc>
+                        <a:spcBef>
+                          <a:spcPts val="0"/>
+                        </a:spcBef>
+                        <a:spcAft>
+                          <a:spcPts val="0"/>
+                        </a:spcAft>
+                      </a:pPr>
+                      <a:r>
+                        <a:rPr lang="en-US" sz="1000">
+                          <a:effectLst/>
+                        </a:rPr>
+                        <a:t>4</a:t>
+                      </a:r>
+                      <a:endParaRPr lang="en-US" sz="1000">
+                        <a:effectLst/>
+                        <a:latin typeface="Arial" panose="020B0604020202020204" pitchFamily="34" charset="0"/>
+                        <a:ea typeface="Times New Roman" panose="02020603050405020304" pitchFamily="18" charset="0"/>
+                        <a:cs typeface="Times New Roman" panose="02020603050405020304" pitchFamily="18" charset="0"/>
+                      </a:endParaRPr>
+                    </a:p>
+                  </a:txBody>
+                  <a:tcPr marL="68580" marR="68580" marT="0" marB="0"/>
+                </a:tc>
+              </a:tr>
+              <a:tr h="237345">
+                <a:tc>
+                  <a:txBody>
+                    <a:bodyPr/>
+                    <a:lstStyle/>
+                    <a:p>
+                      <a:pPr marL="0" marR="0" algn="ctr">
+                        <a:lnSpc>
+                          <a:spcPts val="1200"/>
+                        </a:lnSpc>
+                        <a:spcBef>
+                          <a:spcPts val="0"/>
+                        </a:spcBef>
+                        <a:spcAft>
+                          <a:spcPts val="0"/>
+                        </a:spcAft>
+                      </a:pPr>
+                      <a:r>
+                        <a:rPr lang="en-US" sz="1000">
+                          <a:effectLst/>
+                        </a:rPr>
+                        <a:t>7</a:t>
+                      </a:r>
+                      <a:endParaRPr lang="en-US" sz="1000">
+                        <a:effectLst/>
+                        <a:latin typeface="Arial" panose="020B0604020202020204" pitchFamily="34" charset="0"/>
+                        <a:ea typeface="Times New Roman" panose="02020603050405020304" pitchFamily="18" charset="0"/>
+                        <a:cs typeface="Times New Roman" panose="02020603050405020304" pitchFamily="18" charset="0"/>
+                      </a:endParaRPr>
+                    </a:p>
+                  </a:txBody>
+                  <a:tcPr marL="68580" marR="68580" marT="0" marB="0"/>
+                </a:tc>
+                <a:tc>
+                  <a:txBody>
+                    <a:bodyPr/>
+                    <a:lstStyle/>
+                    <a:p>
+                      <a:pPr marL="0" marR="0" algn="just">
+                        <a:lnSpc>
+                          <a:spcPct val="107000"/>
+                        </a:lnSpc>
+                        <a:spcBef>
+                          <a:spcPts val="0"/>
+                        </a:spcBef>
+                        <a:spcAft>
+                          <a:spcPts val="0"/>
+                        </a:spcAft>
+                      </a:pPr>
+                      <a:r>
+                        <a:rPr lang="en-US" sz="1000">
+                          <a:effectLst/>
+                        </a:rPr>
+                        <a:t>Search for Food, Drink</a:t>
+                      </a:r>
+                      <a:endParaRPr lang="en-US" sz="1200">
+                        <a:effectLst/>
+                        <a:latin typeface="Times New Roman" panose="02020603050405020304" pitchFamily="18" charset="0"/>
+                        <a:ea typeface="Times New Roman" panose="02020603050405020304" pitchFamily="18" charset="0"/>
+                        <a:cs typeface="Times New Roman" panose="02020603050405020304" pitchFamily="18" charset="0"/>
+                      </a:endParaRPr>
+                    </a:p>
+                  </a:txBody>
+                  <a:tcPr marL="68580" marR="68580" marT="0" marB="0" anchor="b"/>
+                </a:tc>
+                <a:tc>
+                  <a:txBody>
+                    <a:bodyPr/>
+                    <a:lstStyle/>
+                    <a:p>
+                      <a:pPr marL="0" marR="0" algn="ctr">
+                        <a:lnSpc>
+                          <a:spcPts val="1200"/>
+                        </a:lnSpc>
+                        <a:spcBef>
+                          <a:spcPts val="0"/>
+                        </a:spcBef>
+                        <a:spcAft>
+                          <a:spcPts val="0"/>
+                        </a:spcAft>
+                      </a:pPr>
+                      <a:r>
+                        <a:rPr lang="en-US" sz="1000">
+                          <a:effectLst/>
+                        </a:rPr>
+                        <a:t>Guest, Customer, Admin</a:t>
+                      </a:r>
+                      <a:endParaRPr lang="en-US" sz="1000">
+                        <a:effectLst/>
+                        <a:latin typeface="Arial" panose="020B0604020202020204" pitchFamily="34" charset="0"/>
+                        <a:ea typeface="Times New Roman" panose="02020603050405020304" pitchFamily="18" charset="0"/>
+                        <a:cs typeface="Times New Roman" panose="02020603050405020304" pitchFamily="18" charset="0"/>
+                      </a:endParaRPr>
+                    </a:p>
+                  </a:txBody>
+                  <a:tcPr marL="68580" marR="68580" marT="0" marB="0"/>
+                </a:tc>
+                <a:tc>
+                  <a:txBody>
+                    <a:bodyPr/>
+                    <a:lstStyle/>
+                    <a:p>
+                      <a:pPr marL="0" marR="0" algn="ctr">
+                        <a:lnSpc>
+                          <a:spcPts val="1200"/>
+                        </a:lnSpc>
+                        <a:spcBef>
+                          <a:spcPts val="0"/>
+                        </a:spcBef>
+                        <a:spcAft>
+                          <a:spcPts val="0"/>
+                        </a:spcAft>
+                      </a:pPr>
+                      <a:r>
+                        <a:rPr lang="en-US" sz="1000">
+                          <a:effectLst/>
+                        </a:rPr>
+                        <a:t>23/06/2017</a:t>
+                      </a:r>
+                      <a:endParaRPr lang="en-US" sz="1000">
+                        <a:effectLst/>
+                        <a:latin typeface="Arial" panose="020B0604020202020204" pitchFamily="34" charset="0"/>
+                        <a:ea typeface="Times New Roman" panose="02020603050405020304" pitchFamily="18" charset="0"/>
+                        <a:cs typeface="Times New Roman" panose="02020603050405020304" pitchFamily="18" charset="0"/>
+                      </a:endParaRPr>
+                    </a:p>
+                  </a:txBody>
+                  <a:tcPr marL="68580" marR="68580" marT="0" marB="0"/>
+                </a:tc>
+                <a:tc>
+                  <a:txBody>
+                    <a:bodyPr/>
+                    <a:lstStyle/>
+                    <a:p>
+                      <a:pPr marL="0" marR="0" algn="ctr">
+                        <a:lnSpc>
+                          <a:spcPts val="1200"/>
+                        </a:lnSpc>
+                        <a:spcBef>
+                          <a:spcPts val="0"/>
+                        </a:spcBef>
+                        <a:spcAft>
+                          <a:spcPts val="0"/>
+                        </a:spcAft>
+                      </a:pPr>
+                      <a:r>
+                        <a:rPr lang="en-US" sz="1000">
+                          <a:effectLst/>
+                        </a:rPr>
+                        <a:t>25/06/2017</a:t>
+                      </a:r>
+                      <a:endParaRPr lang="en-US" sz="1000">
+                        <a:effectLst/>
+                        <a:latin typeface="Arial" panose="020B0604020202020204" pitchFamily="34" charset="0"/>
+                        <a:ea typeface="Times New Roman" panose="02020603050405020304" pitchFamily="18" charset="0"/>
+                        <a:cs typeface="Times New Roman" panose="02020603050405020304" pitchFamily="18" charset="0"/>
+                      </a:endParaRPr>
+                    </a:p>
+                  </a:txBody>
+                  <a:tcPr marL="68580" marR="68580" marT="0" marB="0"/>
+                </a:tc>
+                <a:tc>
+                  <a:txBody>
+                    <a:bodyPr/>
+                    <a:lstStyle/>
+                    <a:p>
+                      <a:pPr marL="0" marR="0" algn="ctr">
+                        <a:lnSpc>
+                          <a:spcPts val="1200"/>
+                        </a:lnSpc>
+                        <a:spcBef>
+                          <a:spcPts val="0"/>
+                        </a:spcBef>
+                        <a:spcAft>
+                          <a:spcPts val="0"/>
+                        </a:spcAft>
+                      </a:pPr>
+                      <a:r>
+                        <a:rPr lang="en-US" sz="1000">
+                          <a:effectLst/>
+                        </a:rPr>
+                        <a:t>2</a:t>
+                      </a:r>
+                      <a:endParaRPr lang="en-US" sz="1000">
+                        <a:effectLst/>
+                        <a:latin typeface="Arial" panose="020B0604020202020204" pitchFamily="34" charset="0"/>
+                        <a:ea typeface="Times New Roman" panose="02020603050405020304" pitchFamily="18" charset="0"/>
+                        <a:cs typeface="Times New Roman" panose="02020603050405020304" pitchFamily="18" charset="0"/>
+                      </a:endParaRPr>
+                    </a:p>
+                  </a:txBody>
+                  <a:tcPr marL="68580" marR="68580" marT="0" marB="0"/>
+                </a:tc>
+              </a:tr>
+              <a:tr h="237345">
+                <a:tc>
+                  <a:txBody>
+                    <a:bodyPr/>
+                    <a:lstStyle/>
+                    <a:p>
+                      <a:pPr marL="0" marR="0" algn="ctr">
+                        <a:lnSpc>
+                          <a:spcPts val="1200"/>
+                        </a:lnSpc>
+                        <a:spcBef>
+                          <a:spcPts val="0"/>
+                        </a:spcBef>
+                        <a:spcAft>
+                          <a:spcPts val="0"/>
+                        </a:spcAft>
+                      </a:pPr>
+                      <a:r>
+                        <a:rPr lang="en-US" sz="1000">
+                          <a:effectLst/>
+                        </a:rPr>
+                        <a:t>8</a:t>
+                      </a:r>
+                      <a:endParaRPr lang="en-US" sz="1000">
+                        <a:effectLst/>
+                        <a:latin typeface="Arial" panose="020B0604020202020204" pitchFamily="34" charset="0"/>
+                        <a:ea typeface="Times New Roman" panose="02020603050405020304" pitchFamily="18" charset="0"/>
+                        <a:cs typeface="Times New Roman" panose="02020603050405020304" pitchFamily="18" charset="0"/>
+                      </a:endParaRPr>
+                    </a:p>
+                  </a:txBody>
+                  <a:tcPr marL="68580" marR="68580" marT="0" marB="0"/>
+                </a:tc>
+                <a:tc>
+                  <a:txBody>
+                    <a:bodyPr/>
+                    <a:lstStyle/>
+                    <a:p>
+                      <a:pPr marL="0" marR="0" algn="just">
+                        <a:lnSpc>
+                          <a:spcPct val="107000"/>
+                        </a:lnSpc>
+                        <a:spcBef>
+                          <a:spcPts val="0"/>
+                        </a:spcBef>
+                        <a:spcAft>
+                          <a:spcPts val="0"/>
+                        </a:spcAft>
+                      </a:pPr>
+                      <a:r>
+                        <a:rPr lang="en-US" sz="1000">
+                          <a:effectLst/>
+                        </a:rPr>
+                        <a:t>View gallery of hotel</a:t>
+                      </a:r>
+                      <a:endParaRPr lang="en-US" sz="1200">
+                        <a:effectLst/>
+                        <a:latin typeface="Times New Roman" panose="02020603050405020304" pitchFamily="18" charset="0"/>
+                        <a:ea typeface="Times New Roman" panose="02020603050405020304" pitchFamily="18" charset="0"/>
+                        <a:cs typeface="Times New Roman" panose="02020603050405020304" pitchFamily="18" charset="0"/>
+                      </a:endParaRPr>
+                    </a:p>
+                  </a:txBody>
+                  <a:tcPr marL="68580" marR="68580" marT="0" marB="0" anchor="b"/>
+                </a:tc>
+                <a:tc>
+                  <a:txBody>
+                    <a:bodyPr/>
+                    <a:lstStyle/>
+                    <a:p>
+                      <a:pPr marL="0" marR="0" algn="ctr">
+                        <a:lnSpc>
+                          <a:spcPts val="1200"/>
+                        </a:lnSpc>
+                        <a:spcBef>
+                          <a:spcPts val="0"/>
+                        </a:spcBef>
+                        <a:spcAft>
+                          <a:spcPts val="0"/>
+                        </a:spcAft>
+                      </a:pPr>
+                      <a:r>
+                        <a:rPr lang="en-US" sz="1000">
+                          <a:effectLst/>
+                        </a:rPr>
+                        <a:t>Guest, Customer</a:t>
+                      </a:r>
+                      <a:endParaRPr lang="en-US" sz="1000">
+                        <a:effectLst/>
+                        <a:latin typeface="Arial" panose="020B0604020202020204" pitchFamily="34" charset="0"/>
+                        <a:ea typeface="Times New Roman" panose="02020603050405020304" pitchFamily="18" charset="0"/>
+                        <a:cs typeface="Times New Roman" panose="02020603050405020304" pitchFamily="18" charset="0"/>
+                      </a:endParaRPr>
+                    </a:p>
+                  </a:txBody>
+                  <a:tcPr marL="68580" marR="68580" marT="0" marB="0"/>
+                </a:tc>
+                <a:tc>
+                  <a:txBody>
+                    <a:bodyPr/>
+                    <a:lstStyle/>
+                    <a:p>
+                      <a:pPr marL="0" marR="0" algn="ctr">
+                        <a:lnSpc>
+                          <a:spcPts val="1200"/>
+                        </a:lnSpc>
+                        <a:spcBef>
+                          <a:spcPts val="0"/>
+                        </a:spcBef>
+                        <a:spcAft>
+                          <a:spcPts val="0"/>
+                        </a:spcAft>
+                      </a:pPr>
+                      <a:r>
+                        <a:rPr lang="en-US" sz="1000">
+                          <a:effectLst/>
+                        </a:rPr>
+                        <a:t>25/06/2017</a:t>
+                      </a:r>
+                      <a:endParaRPr lang="en-US" sz="1000">
+                        <a:effectLst/>
+                        <a:latin typeface="Arial" panose="020B0604020202020204" pitchFamily="34" charset="0"/>
+                        <a:ea typeface="Times New Roman" panose="02020603050405020304" pitchFamily="18" charset="0"/>
+                        <a:cs typeface="Times New Roman" panose="02020603050405020304" pitchFamily="18" charset="0"/>
+                      </a:endParaRPr>
+                    </a:p>
+                  </a:txBody>
+                  <a:tcPr marL="68580" marR="68580" marT="0" marB="0"/>
+                </a:tc>
+                <a:tc>
+                  <a:txBody>
+                    <a:bodyPr/>
+                    <a:lstStyle/>
+                    <a:p>
+                      <a:pPr marL="0" marR="0" algn="ctr">
+                        <a:lnSpc>
+                          <a:spcPts val="1200"/>
+                        </a:lnSpc>
+                        <a:spcBef>
+                          <a:spcPts val="0"/>
+                        </a:spcBef>
+                        <a:spcAft>
+                          <a:spcPts val="0"/>
+                        </a:spcAft>
+                      </a:pPr>
+                      <a:r>
+                        <a:rPr lang="en-US" sz="1000">
+                          <a:effectLst/>
+                        </a:rPr>
+                        <a:t>26/06/2017</a:t>
+                      </a:r>
+                      <a:endParaRPr lang="en-US" sz="1000">
+                        <a:effectLst/>
+                        <a:latin typeface="Arial" panose="020B0604020202020204" pitchFamily="34" charset="0"/>
+                        <a:ea typeface="Times New Roman" panose="02020603050405020304" pitchFamily="18" charset="0"/>
+                        <a:cs typeface="Times New Roman" panose="02020603050405020304" pitchFamily="18" charset="0"/>
+                      </a:endParaRPr>
+                    </a:p>
+                  </a:txBody>
+                  <a:tcPr marL="68580" marR="68580" marT="0" marB="0"/>
+                </a:tc>
+                <a:tc>
+                  <a:txBody>
+                    <a:bodyPr/>
+                    <a:lstStyle/>
+                    <a:p>
+                      <a:pPr marL="0" marR="0" algn="ctr">
+                        <a:lnSpc>
+                          <a:spcPts val="1200"/>
+                        </a:lnSpc>
+                        <a:spcBef>
+                          <a:spcPts val="0"/>
+                        </a:spcBef>
+                        <a:spcAft>
+                          <a:spcPts val="0"/>
+                        </a:spcAft>
+                      </a:pPr>
+                      <a:r>
+                        <a:rPr lang="en-US" sz="1000">
+                          <a:effectLst/>
+                        </a:rPr>
+                        <a:t>1</a:t>
+                      </a:r>
+                      <a:endParaRPr lang="en-US" sz="1000">
+                        <a:effectLst/>
+                        <a:latin typeface="Arial" panose="020B0604020202020204" pitchFamily="34" charset="0"/>
+                        <a:ea typeface="Times New Roman" panose="02020603050405020304" pitchFamily="18" charset="0"/>
+                        <a:cs typeface="Times New Roman" panose="02020603050405020304" pitchFamily="18" charset="0"/>
+                      </a:endParaRPr>
+                    </a:p>
+                  </a:txBody>
+                  <a:tcPr marL="68580" marR="68580" marT="0" marB="0"/>
+                </a:tc>
+              </a:tr>
+              <a:tr h="237345">
+                <a:tc>
+                  <a:txBody>
+                    <a:bodyPr/>
+                    <a:lstStyle/>
+                    <a:p>
+                      <a:pPr marL="0" marR="0" algn="ctr">
+                        <a:lnSpc>
+                          <a:spcPts val="1200"/>
+                        </a:lnSpc>
+                        <a:spcBef>
+                          <a:spcPts val="0"/>
+                        </a:spcBef>
+                        <a:spcAft>
+                          <a:spcPts val="0"/>
+                        </a:spcAft>
+                      </a:pPr>
+                      <a:r>
+                        <a:rPr lang="en-US" sz="1000">
+                          <a:effectLst/>
+                        </a:rPr>
+                        <a:t>9</a:t>
+                      </a:r>
+                      <a:endParaRPr lang="en-US" sz="1000">
+                        <a:effectLst/>
+                        <a:latin typeface="Arial" panose="020B0604020202020204" pitchFamily="34" charset="0"/>
+                        <a:ea typeface="Times New Roman" panose="02020603050405020304" pitchFamily="18" charset="0"/>
+                        <a:cs typeface="Times New Roman" panose="02020603050405020304" pitchFamily="18" charset="0"/>
+                      </a:endParaRPr>
+                    </a:p>
+                  </a:txBody>
+                  <a:tcPr marL="68580" marR="68580" marT="0" marB="0"/>
+                </a:tc>
+                <a:tc>
+                  <a:txBody>
+                    <a:bodyPr/>
+                    <a:lstStyle/>
+                    <a:p>
+                      <a:pPr marL="0" marR="0" algn="just">
+                        <a:lnSpc>
+                          <a:spcPct val="107000"/>
+                        </a:lnSpc>
+                        <a:spcBef>
+                          <a:spcPts val="0"/>
+                        </a:spcBef>
+                        <a:spcAft>
+                          <a:spcPts val="0"/>
+                        </a:spcAft>
+                      </a:pPr>
+                      <a:r>
+                        <a:rPr lang="en-US" sz="1000">
+                          <a:effectLst/>
+                        </a:rPr>
+                        <a:t>View introduction of hotel</a:t>
+                      </a:r>
+                      <a:endParaRPr lang="en-US" sz="1200">
+                        <a:effectLst/>
+                        <a:latin typeface="Times New Roman" panose="02020603050405020304" pitchFamily="18" charset="0"/>
+                        <a:ea typeface="Times New Roman" panose="02020603050405020304" pitchFamily="18" charset="0"/>
+                        <a:cs typeface="Times New Roman" panose="02020603050405020304" pitchFamily="18" charset="0"/>
+                      </a:endParaRPr>
+                    </a:p>
+                  </a:txBody>
+                  <a:tcPr marL="68580" marR="68580" marT="0" marB="0" anchor="b"/>
+                </a:tc>
+                <a:tc>
+                  <a:txBody>
+                    <a:bodyPr/>
+                    <a:lstStyle/>
+                    <a:p>
+                      <a:pPr marL="0" marR="0" algn="ctr">
+                        <a:lnSpc>
+                          <a:spcPts val="1200"/>
+                        </a:lnSpc>
+                        <a:spcBef>
+                          <a:spcPts val="0"/>
+                        </a:spcBef>
+                        <a:spcAft>
+                          <a:spcPts val="0"/>
+                        </a:spcAft>
+                      </a:pPr>
+                      <a:r>
+                        <a:rPr lang="en-US" sz="1000">
+                          <a:effectLst/>
+                        </a:rPr>
+                        <a:t>Guest, Customer</a:t>
+                      </a:r>
+                      <a:endParaRPr lang="en-US" sz="1000">
+                        <a:effectLst/>
+                        <a:latin typeface="Arial" panose="020B0604020202020204" pitchFamily="34" charset="0"/>
+                        <a:ea typeface="Times New Roman" panose="02020603050405020304" pitchFamily="18" charset="0"/>
+                        <a:cs typeface="Times New Roman" panose="02020603050405020304" pitchFamily="18" charset="0"/>
+                      </a:endParaRPr>
+                    </a:p>
+                  </a:txBody>
+                  <a:tcPr marL="68580" marR="68580" marT="0" marB="0"/>
+                </a:tc>
+                <a:tc>
+                  <a:txBody>
+                    <a:bodyPr/>
+                    <a:lstStyle/>
+                    <a:p>
+                      <a:pPr marL="0" marR="0" algn="ctr">
+                        <a:lnSpc>
+                          <a:spcPts val="1200"/>
+                        </a:lnSpc>
+                        <a:spcBef>
+                          <a:spcPts val="0"/>
+                        </a:spcBef>
+                        <a:spcAft>
+                          <a:spcPts val="0"/>
+                        </a:spcAft>
+                      </a:pPr>
+                      <a:r>
+                        <a:rPr lang="en-US" sz="1000">
+                          <a:effectLst/>
+                        </a:rPr>
+                        <a:t>26/06/2017</a:t>
+                      </a:r>
+                      <a:endParaRPr lang="en-US" sz="1000">
+                        <a:effectLst/>
+                        <a:latin typeface="Arial" panose="020B0604020202020204" pitchFamily="34" charset="0"/>
+                        <a:ea typeface="Times New Roman" panose="02020603050405020304" pitchFamily="18" charset="0"/>
+                        <a:cs typeface="Times New Roman" panose="02020603050405020304" pitchFamily="18" charset="0"/>
+                      </a:endParaRPr>
+                    </a:p>
+                  </a:txBody>
+                  <a:tcPr marL="68580" marR="68580" marT="0" marB="0"/>
+                </a:tc>
+                <a:tc>
+                  <a:txBody>
+                    <a:bodyPr/>
+                    <a:lstStyle/>
+                    <a:p>
+                      <a:pPr marL="0" marR="0" algn="ctr">
+                        <a:lnSpc>
+                          <a:spcPts val="1200"/>
+                        </a:lnSpc>
+                        <a:spcBef>
+                          <a:spcPts val="0"/>
+                        </a:spcBef>
+                        <a:spcAft>
+                          <a:spcPts val="0"/>
+                        </a:spcAft>
+                      </a:pPr>
+                      <a:r>
+                        <a:rPr lang="en-US" sz="1000">
+                          <a:effectLst/>
+                        </a:rPr>
+                        <a:t>27/06/2017</a:t>
+                      </a:r>
+                      <a:endParaRPr lang="en-US" sz="1000">
+                        <a:effectLst/>
+                        <a:latin typeface="Arial" panose="020B0604020202020204" pitchFamily="34" charset="0"/>
+                        <a:ea typeface="Times New Roman" panose="02020603050405020304" pitchFamily="18" charset="0"/>
+                        <a:cs typeface="Times New Roman" panose="02020603050405020304" pitchFamily="18" charset="0"/>
+                      </a:endParaRPr>
+                    </a:p>
+                  </a:txBody>
+                  <a:tcPr marL="68580" marR="68580" marT="0" marB="0"/>
+                </a:tc>
+                <a:tc>
+                  <a:txBody>
+                    <a:bodyPr/>
+                    <a:lstStyle/>
+                    <a:p>
+                      <a:pPr marL="0" marR="0" algn="ctr">
+                        <a:lnSpc>
+                          <a:spcPts val="1200"/>
+                        </a:lnSpc>
+                        <a:spcBef>
+                          <a:spcPts val="0"/>
+                        </a:spcBef>
+                        <a:spcAft>
+                          <a:spcPts val="0"/>
+                        </a:spcAft>
+                      </a:pPr>
+                      <a:r>
+                        <a:rPr lang="en-US" sz="1000">
+                          <a:effectLst/>
+                        </a:rPr>
+                        <a:t>1</a:t>
+                      </a:r>
+                      <a:endParaRPr lang="en-US" sz="1000">
+                        <a:effectLst/>
+                        <a:latin typeface="Arial" panose="020B0604020202020204" pitchFamily="34" charset="0"/>
+                        <a:ea typeface="Times New Roman" panose="02020603050405020304" pitchFamily="18" charset="0"/>
+                        <a:cs typeface="Times New Roman" panose="02020603050405020304" pitchFamily="18" charset="0"/>
+                      </a:endParaRPr>
+                    </a:p>
+                  </a:txBody>
+                  <a:tcPr marL="68580" marR="68580" marT="0" marB="0"/>
+                </a:tc>
+              </a:tr>
+              <a:tr h="237345">
+                <a:tc>
+                  <a:txBody>
+                    <a:bodyPr/>
+                    <a:lstStyle/>
+                    <a:p>
+                      <a:pPr marL="0" marR="0" algn="ctr">
+                        <a:lnSpc>
+                          <a:spcPts val="1200"/>
+                        </a:lnSpc>
+                        <a:spcBef>
+                          <a:spcPts val="0"/>
+                        </a:spcBef>
+                        <a:spcAft>
+                          <a:spcPts val="0"/>
+                        </a:spcAft>
+                      </a:pPr>
+                      <a:r>
+                        <a:rPr lang="en-US" sz="1000">
+                          <a:effectLst/>
+                        </a:rPr>
+                        <a:t>10</a:t>
+                      </a:r>
+                      <a:endParaRPr lang="en-US" sz="1000">
+                        <a:effectLst/>
+                        <a:latin typeface="Arial" panose="020B0604020202020204" pitchFamily="34" charset="0"/>
+                        <a:ea typeface="Times New Roman" panose="02020603050405020304" pitchFamily="18" charset="0"/>
+                        <a:cs typeface="Times New Roman" panose="02020603050405020304" pitchFamily="18" charset="0"/>
+                      </a:endParaRPr>
+                    </a:p>
+                  </a:txBody>
+                  <a:tcPr marL="68580" marR="68580" marT="0" marB="0"/>
+                </a:tc>
+                <a:tc>
+                  <a:txBody>
+                    <a:bodyPr/>
+                    <a:lstStyle/>
+                    <a:p>
+                      <a:pPr marL="0" marR="0" algn="just">
+                        <a:lnSpc>
+                          <a:spcPct val="107000"/>
+                        </a:lnSpc>
+                        <a:spcBef>
+                          <a:spcPts val="0"/>
+                        </a:spcBef>
+                        <a:spcAft>
+                          <a:spcPts val="0"/>
+                        </a:spcAft>
+                      </a:pPr>
+                      <a:r>
+                        <a:rPr lang="en-US" sz="1000">
+                          <a:effectLst/>
+                        </a:rPr>
+                        <a:t>Filer rooms</a:t>
+                      </a:r>
+                      <a:endParaRPr lang="en-US" sz="1200">
+                        <a:effectLst/>
+                        <a:latin typeface="Times New Roman" panose="02020603050405020304" pitchFamily="18" charset="0"/>
+                        <a:ea typeface="Times New Roman" panose="02020603050405020304" pitchFamily="18" charset="0"/>
+                        <a:cs typeface="Times New Roman" panose="02020603050405020304" pitchFamily="18" charset="0"/>
+                      </a:endParaRPr>
+                    </a:p>
+                  </a:txBody>
+                  <a:tcPr marL="68580" marR="68580" marT="0" marB="0" anchor="b"/>
+                </a:tc>
+                <a:tc>
+                  <a:txBody>
+                    <a:bodyPr/>
+                    <a:lstStyle/>
+                    <a:p>
+                      <a:pPr marL="0" marR="0" algn="ctr">
+                        <a:lnSpc>
+                          <a:spcPts val="1200"/>
+                        </a:lnSpc>
+                        <a:spcBef>
+                          <a:spcPts val="0"/>
+                        </a:spcBef>
+                        <a:spcAft>
+                          <a:spcPts val="0"/>
+                        </a:spcAft>
+                      </a:pPr>
+                      <a:r>
+                        <a:rPr lang="en-US" sz="1000">
+                          <a:effectLst/>
+                        </a:rPr>
+                        <a:t>Guest, Customer, Admin</a:t>
+                      </a:r>
+                      <a:endParaRPr lang="en-US" sz="1000">
+                        <a:effectLst/>
+                        <a:latin typeface="Arial" panose="020B0604020202020204" pitchFamily="34" charset="0"/>
+                        <a:ea typeface="Times New Roman" panose="02020603050405020304" pitchFamily="18" charset="0"/>
+                        <a:cs typeface="Times New Roman" panose="02020603050405020304" pitchFamily="18" charset="0"/>
+                      </a:endParaRPr>
+                    </a:p>
+                  </a:txBody>
+                  <a:tcPr marL="68580" marR="68580" marT="0" marB="0"/>
+                </a:tc>
+                <a:tc>
+                  <a:txBody>
+                    <a:bodyPr/>
+                    <a:lstStyle/>
+                    <a:p>
+                      <a:pPr marL="0" marR="0" algn="ctr">
+                        <a:lnSpc>
+                          <a:spcPts val="1200"/>
+                        </a:lnSpc>
+                        <a:spcBef>
+                          <a:spcPts val="0"/>
+                        </a:spcBef>
+                        <a:spcAft>
+                          <a:spcPts val="0"/>
+                        </a:spcAft>
+                      </a:pPr>
+                      <a:r>
+                        <a:rPr lang="en-US" sz="1000">
+                          <a:effectLst/>
+                        </a:rPr>
+                        <a:t>27/06/2017</a:t>
+                      </a:r>
+                      <a:endParaRPr lang="en-US" sz="1000">
+                        <a:effectLst/>
+                        <a:latin typeface="Arial" panose="020B0604020202020204" pitchFamily="34" charset="0"/>
+                        <a:ea typeface="Times New Roman" panose="02020603050405020304" pitchFamily="18" charset="0"/>
+                        <a:cs typeface="Times New Roman" panose="02020603050405020304" pitchFamily="18" charset="0"/>
+                      </a:endParaRPr>
+                    </a:p>
+                  </a:txBody>
+                  <a:tcPr marL="68580" marR="68580" marT="0" marB="0"/>
+                </a:tc>
+                <a:tc>
+                  <a:txBody>
+                    <a:bodyPr/>
+                    <a:lstStyle/>
+                    <a:p>
+                      <a:pPr marL="0" marR="0" algn="ctr">
+                        <a:lnSpc>
+                          <a:spcPts val="1200"/>
+                        </a:lnSpc>
+                        <a:spcBef>
+                          <a:spcPts val="0"/>
+                        </a:spcBef>
+                        <a:spcAft>
+                          <a:spcPts val="0"/>
+                        </a:spcAft>
+                      </a:pPr>
+                      <a:r>
+                        <a:rPr lang="en-US" sz="1000">
+                          <a:effectLst/>
+                        </a:rPr>
+                        <a:t>29/06/2017</a:t>
+                      </a:r>
+                      <a:endParaRPr lang="en-US" sz="1000">
+                        <a:effectLst/>
+                        <a:latin typeface="Arial" panose="020B0604020202020204" pitchFamily="34" charset="0"/>
+                        <a:ea typeface="Times New Roman" panose="02020603050405020304" pitchFamily="18" charset="0"/>
+                        <a:cs typeface="Times New Roman" panose="02020603050405020304" pitchFamily="18" charset="0"/>
+                      </a:endParaRPr>
+                    </a:p>
+                  </a:txBody>
+                  <a:tcPr marL="68580" marR="68580" marT="0" marB="0"/>
+                </a:tc>
+                <a:tc>
+                  <a:txBody>
+                    <a:bodyPr/>
+                    <a:lstStyle/>
+                    <a:p>
+                      <a:pPr marL="0" marR="0" algn="ctr">
+                        <a:lnSpc>
+                          <a:spcPts val="1200"/>
+                        </a:lnSpc>
+                        <a:spcBef>
+                          <a:spcPts val="0"/>
+                        </a:spcBef>
+                        <a:spcAft>
+                          <a:spcPts val="0"/>
+                        </a:spcAft>
+                      </a:pPr>
+                      <a:r>
+                        <a:rPr lang="en-US" sz="1000">
+                          <a:effectLst/>
+                        </a:rPr>
+                        <a:t>2</a:t>
+                      </a:r>
+                      <a:endParaRPr lang="en-US" sz="1000">
+                        <a:effectLst/>
+                        <a:latin typeface="Arial" panose="020B0604020202020204" pitchFamily="34" charset="0"/>
+                        <a:ea typeface="Times New Roman" panose="02020603050405020304" pitchFamily="18" charset="0"/>
+                        <a:cs typeface="Times New Roman" panose="02020603050405020304" pitchFamily="18" charset="0"/>
+                      </a:endParaRPr>
+                    </a:p>
+                  </a:txBody>
+                  <a:tcPr marL="68580" marR="68580" marT="0" marB="0"/>
+                </a:tc>
+              </a:tr>
+              <a:tr h="237345">
+                <a:tc>
+                  <a:txBody>
+                    <a:bodyPr/>
+                    <a:lstStyle/>
+                    <a:p>
+                      <a:pPr marL="0" marR="0" algn="ctr">
+                        <a:lnSpc>
+                          <a:spcPts val="1200"/>
+                        </a:lnSpc>
+                        <a:spcBef>
+                          <a:spcPts val="0"/>
+                        </a:spcBef>
+                        <a:spcAft>
+                          <a:spcPts val="0"/>
+                        </a:spcAft>
+                      </a:pPr>
+                      <a:r>
+                        <a:rPr lang="en-US" sz="1000">
+                          <a:effectLst/>
+                        </a:rPr>
+                        <a:t>11</a:t>
+                      </a:r>
+                      <a:endParaRPr lang="en-US" sz="1000">
+                        <a:effectLst/>
+                        <a:latin typeface="Arial" panose="020B0604020202020204" pitchFamily="34" charset="0"/>
+                        <a:ea typeface="Times New Roman" panose="02020603050405020304" pitchFamily="18" charset="0"/>
+                        <a:cs typeface="Times New Roman" panose="02020603050405020304" pitchFamily="18" charset="0"/>
+                      </a:endParaRPr>
+                    </a:p>
+                  </a:txBody>
+                  <a:tcPr marL="68580" marR="68580" marT="0" marB="0"/>
+                </a:tc>
+                <a:tc>
+                  <a:txBody>
+                    <a:bodyPr/>
+                    <a:lstStyle/>
+                    <a:p>
+                      <a:pPr marL="0" marR="0" algn="just">
+                        <a:lnSpc>
+                          <a:spcPct val="107000"/>
+                        </a:lnSpc>
+                        <a:spcBef>
+                          <a:spcPts val="0"/>
+                        </a:spcBef>
+                        <a:spcAft>
+                          <a:spcPts val="0"/>
+                        </a:spcAft>
+                      </a:pPr>
+                      <a:r>
+                        <a:rPr lang="en-US" sz="1000">
+                          <a:effectLst/>
+                        </a:rPr>
+                        <a:t>Filer food or drink</a:t>
+                      </a:r>
+                      <a:endParaRPr lang="en-US" sz="1200">
+                        <a:effectLst/>
+                        <a:latin typeface="Times New Roman" panose="02020603050405020304" pitchFamily="18" charset="0"/>
+                        <a:ea typeface="Times New Roman" panose="02020603050405020304" pitchFamily="18" charset="0"/>
+                        <a:cs typeface="Times New Roman" panose="02020603050405020304" pitchFamily="18" charset="0"/>
+                      </a:endParaRPr>
+                    </a:p>
+                  </a:txBody>
+                  <a:tcPr marL="68580" marR="68580" marT="0" marB="0" anchor="b"/>
+                </a:tc>
+                <a:tc>
+                  <a:txBody>
+                    <a:bodyPr/>
+                    <a:lstStyle/>
+                    <a:p>
+                      <a:pPr marL="0" marR="0" algn="ctr">
+                        <a:lnSpc>
+                          <a:spcPts val="1200"/>
+                        </a:lnSpc>
+                        <a:spcBef>
+                          <a:spcPts val="0"/>
+                        </a:spcBef>
+                        <a:spcAft>
+                          <a:spcPts val="0"/>
+                        </a:spcAft>
+                      </a:pPr>
+                      <a:r>
+                        <a:rPr lang="en-US" sz="1000">
+                          <a:effectLst/>
+                        </a:rPr>
+                        <a:t>Guest, Customer, Admin</a:t>
+                      </a:r>
+                      <a:endParaRPr lang="en-US" sz="1000">
+                        <a:effectLst/>
+                        <a:latin typeface="Arial" panose="020B0604020202020204" pitchFamily="34" charset="0"/>
+                        <a:ea typeface="Times New Roman" panose="02020603050405020304" pitchFamily="18" charset="0"/>
+                        <a:cs typeface="Times New Roman" panose="02020603050405020304" pitchFamily="18" charset="0"/>
+                      </a:endParaRPr>
+                    </a:p>
+                  </a:txBody>
+                  <a:tcPr marL="68580" marR="68580" marT="0" marB="0"/>
+                </a:tc>
+                <a:tc>
+                  <a:txBody>
+                    <a:bodyPr/>
+                    <a:lstStyle/>
+                    <a:p>
+                      <a:pPr marL="0" marR="0" algn="ctr">
+                        <a:lnSpc>
+                          <a:spcPts val="1200"/>
+                        </a:lnSpc>
+                        <a:spcBef>
+                          <a:spcPts val="0"/>
+                        </a:spcBef>
+                        <a:spcAft>
+                          <a:spcPts val="0"/>
+                        </a:spcAft>
+                      </a:pPr>
+                      <a:r>
+                        <a:rPr lang="en-US" sz="1000">
+                          <a:effectLst/>
+                        </a:rPr>
+                        <a:t>29/06/2017</a:t>
+                      </a:r>
+                      <a:endParaRPr lang="en-US" sz="1000">
+                        <a:effectLst/>
+                        <a:latin typeface="Arial" panose="020B0604020202020204" pitchFamily="34" charset="0"/>
+                        <a:ea typeface="Times New Roman" panose="02020603050405020304" pitchFamily="18" charset="0"/>
+                        <a:cs typeface="Times New Roman" panose="02020603050405020304" pitchFamily="18" charset="0"/>
+                      </a:endParaRPr>
+                    </a:p>
+                  </a:txBody>
+                  <a:tcPr marL="68580" marR="68580" marT="0" marB="0"/>
+                </a:tc>
+                <a:tc>
+                  <a:txBody>
+                    <a:bodyPr/>
+                    <a:lstStyle/>
+                    <a:p>
+                      <a:pPr marL="0" marR="0" algn="ctr">
+                        <a:lnSpc>
+                          <a:spcPts val="1200"/>
+                        </a:lnSpc>
+                        <a:spcBef>
+                          <a:spcPts val="0"/>
+                        </a:spcBef>
+                        <a:spcAft>
+                          <a:spcPts val="0"/>
+                        </a:spcAft>
+                      </a:pPr>
+                      <a:r>
+                        <a:rPr lang="en-US" sz="1000">
+                          <a:effectLst/>
+                        </a:rPr>
+                        <a:t>01/07/2017</a:t>
+                      </a:r>
+                      <a:endParaRPr lang="en-US" sz="1000">
+                        <a:effectLst/>
+                        <a:latin typeface="Arial" panose="020B0604020202020204" pitchFamily="34" charset="0"/>
+                        <a:ea typeface="Times New Roman" panose="02020603050405020304" pitchFamily="18" charset="0"/>
+                        <a:cs typeface="Times New Roman" panose="02020603050405020304" pitchFamily="18" charset="0"/>
+                      </a:endParaRPr>
+                    </a:p>
+                  </a:txBody>
+                  <a:tcPr marL="68580" marR="68580" marT="0" marB="0"/>
+                </a:tc>
+                <a:tc>
+                  <a:txBody>
+                    <a:bodyPr/>
+                    <a:lstStyle/>
+                    <a:p>
+                      <a:pPr marL="0" marR="0" algn="ctr">
+                        <a:lnSpc>
+                          <a:spcPts val="1200"/>
+                        </a:lnSpc>
+                        <a:spcBef>
+                          <a:spcPts val="0"/>
+                        </a:spcBef>
+                        <a:spcAft>
+                          <a:spcPts val="0"/>
+                        </a:spcAft>
+                      </a:pPr>
+                      <a:r>
+                        <a:rPr lang="en-US" sz="1000">
+                          <a:effectLst/>
+                        </a:rPr>
+                        <a:t>2</a:t>
+                      </a:r>
+                      <a:endParaRPr lang="en-US" sz="1000">
+                        <a:effectLst/>
+                        <a:latin typeface="Arial" panose="020B0604020202020204" pitchFamily="34" charset="0"/>
+                        <a:ea typeface="Times New Roman" panose="02020603050405020304" pitchFamily="18" charset="0"/>
+                        <a:cs typeface="Times New Roman" panose="02020603050405020304" pitchFamily="18" charset="0"/>
+                      </a:endParaRPr>
+                    </a:p>
+                  </a:txBody>
+                  <a:tcPr marL="68580" marR="68580" marT="0" marB="0"/>
+                </a:tc>
+              </a:tr>
+              <a:tr h="237345">
+                <a:tc>
+                  <a:txBody>
+                    <a:bodyPr/>
+                    <a:lstStyle/>
+                    <a:p>
+                      <a:pPr marL="0" marR="0" algn="ctr">
+                        <a:lnSpc>
+                          <a:spcPts val="1200"/>
+                        </a:lnSpc>
+                        <a:spcBef>
+                          <a:spcPts val="0"/>
+                        </a:spcBef>
+                        <a:spcAft>
+                          <a:spcPts val="0"/>
+                        </a:spcAft>
+                      </a:pPr>
+                      <a:r>
+                        <a:rPr lang="en-US" sz="1000">
+                          <a:effectLst/>
+                        </a:rPr>
+                        <a:t>12</a:t>
+                      </a:r>
+                      <a:endParaRPr lang="en-US" sz="1000">
+                        <a:effectLst/>
+                        <a:latin typeface="Arial" panose="020B0604020202020204" pitchFamily="34" charset="0"/>
+                        <a:ea typeface="Times New Roman" panose="02020603050405020304" pitchFamily="18" charset="0"/>
+                        <a:cs typeface="Times New Roman" panose="02020603050405020304" pitchFamily="18" charset="0"/>
+                      </a:endParaRPr>
+                    </a:p>
+                  </a:txBody>
+                  <a:tcPr marL="68580" marR="68580" marT="0" marB="0"/>
+                </a:tc>
+                <a:tc>
+                  <a:txBody>
+                    <a:bodyPr/>
+                    <a:lstStyle/>
+                    <a:p>
+                      <a:pPr marL="0" marR="0" algn="just">
+                        <a:lnSpc>
+                          <a:spcPct val="107000"/>
+                        </a:lnSpc>
+                        <a:spcBef>
+                          <a:spcPts val="0"/>
+                        </a:spcBef>
+                        <a:spcAft>
+                          <a:spcPts val="0"/>
+                        </a:spcAft>
+                      </a:pPr>
+                      <a:r>
+                        <a:rPr lang="en-US" sz="1000">
+                          <a:effectLst/>
+                        </a:rPr>
+                        <a:t>Send contact</a:t>
+                      </a:r>
+                      <a:endParaRPr lang="en-US" sz="1200">
+                        <a:effectLst/>
+                        <a:latin typeface="Times New Roman" panose="02020603050405020304" pitchFamily="18" charset="0"/>
+                        <a:ea typeface="Times New Roman" panose="02020603050405020304" pitchFamily="18" charset="0"/>
+                        <a:cs typeface="Times New Roman" panose="02020603050405020304" pitchFamily="18" charset="0"/>
+                      </a:endParaRPr>
+                    </a:p>
+                  </a:txBody>
+                  <a:tcPr marL="68580" marR="68580" marT="0" marB="0" anchor="b"/>
+                </a:tc>
+                <a:tc>
+                  <a:txBody>
+                    <a:bodyPr/>
+                    <a:lstStyle/>
+                    <a:p>
+                      <a:pPr marL="0" marR="0" algn="ctr">
+                        <a:lnSpc>
+                          <a:spcPts val="1200"/>
+                        </a:lnSpc>
+                        <a:spcBef>
+                          <a:spcPts val="0"/>
+                        </a:spcBef>
+                        <a:spcAft>
+                          <a:spcPts val="0"/>
+                        </a:spcAft>
+                      </a:pPr>
+                      <a:r>
+                        <a:rPr lang="en-US" sz="1000">
+                          <a:effectLst/>
+                        </a:rPr>
+                        <a:t>Guest, Customer</a:t>
+                      </a:r>
+                      <a:endParaRPr lang="en-US" sz="1000">
+                        <a:effectLst/>
+                        <a:latin typeface="Arial" panose="020B0604020202020204" pitchFamily="34" charset="0"/>
+                        <a:ea typeface="Times New Roman" panose="02020603050405020304" pitchFamily="18" charset="0"/>
+                        <a:cs typeface="Times New Roman" panose="02020603050405020304" pitchFamily="18" charset="0"/>
+                      </a:endParaRPr>
+                    </a:p>
+                  </a:txBody>
+                  <a:tcPr marL="68580" marR="68580" marT="0" marB="0"/>
+                </a:tc>
+                <a:tc>
+                  <a:txBody>
+                    <a:bodyPr/>
+                    <a:lstStyle/>
+                    <a:p>
+                      <a:pPr marL="0" marR="0" algn="ctr">
+                        <a:lnSpc>
+                          <a:spcPts val="1200"/>
+                        </a:lnSpc>
+                        <a:spcBef>
+                          <a:spcPts val="0"/>
+                        </a:spcBef>
+                        <a:spcAft>
+                          <a:spcPts val="0"/>
+                        </a:spcAft>
+                      </a:pPr>
+                      <a:r>
+                        <a:rPr lang="en-US" sz="1000">
+                          <a:effectLst/>
+                        </a:rPr>
+                        <a:t>01/07/2017</a:t>
+                      </a:r>
+                      <a:endParaRPr lang="en-US" sz="1000">
+                        <a:effectLst/>
+                        <a:latin typeface="Arial" panose="020B0604020202020204" pitchFamily="34" charset="0"/>
+                        <a:ea typeface="Times New Roman" panose="02020603050405020304" pitchFamily="18" charset="0"/>
+                        <a:cs typeface="Times New Roman" panose="02020603050405020304" pitchFamily="18" charset="0"/>
+                      </a:endParaRPr>
+                    </a:p>
+                  </a:txBody>
+                  <a:tcPr marL="68580" marR="68580" marT="0" marB="0"/>
+                </a:tc>
+                <a:tc>
+                  <a:txBody>
+                    <a:bodyPr/>
+                    <a:lstStyle/>
+                    <a:p>
+                      <a:pPr marL="0" marR="0" algn="ctr">
+                        <a:lnSpc>
+                          <a:spcPts val="1200"/>
+                        </a:lnSpc>
+                        <a:spcBef>
+                          <a:spcPts val="0"/>
+                        </a:spcBef>
+                        <a:spcAft>
+                          <a:spcPts val="0"/>
+                        </a:spcAft>
+                      </a:pPr>
+                      <a:r>
+                        <a:rPr lang="en-US" sz="1000">
+                          <a:effectLst/>
+                        </a:rPr>
+                        <a:t>04/07/2017</a:t>
+                      </a:r>
+                      <a:endParaRPr lang="en-US" sz="1000">
+                        <a:effectLst/>
+                        <a:latin typeface="Arial" panose="020B0604020202020204" pitchFamily="34" charset="0"/>
+                        <a:ea typeface="Times New Roman" panose="02020603050405020304" pitchFamily="18" charset="0"/>
+                        <a:cs typeface="Times New Roman" panose="02020603050405020304" pitchFamily="18" charset="0"/>
+                      </a:endParaRPr>
+                    </a:p>
+                  </a:txBody>
+                  <a:tcPr marL="68580" marR="68580" marT="0" marB="0"/>
+                </a:tc>
+                <a:tc>
+                  <a:txBody>
+                    <a:bodyPr/>
+                    <a:lstStyle/>
+                    <a:p>
+                      <a:pPr marL="0" marR="0" algn="ctr">
+                        <a:lnSpc>
+                          <a:spcPts val="1200"/>
+                        </a:lnSpc>
+                        <a:spcBef>
+                          <a:spcPts val="0"/>
+                        </a:spcBef>
+                        <a:spcAft>
+                          <a:spcPts val="0"/>
+                        </a:spcAft>
+                      </a:pPr>
+                      <a:r>
+                        <a:rPr lang="en-US" sz="1000">
+                          <a:effectLst/>
+                        </a:rPr>
+                        <a:t>3</a:t>
+                      </a:r>
+                      <a:endParaRPr lang="en-US" sz="1000">
+                        <a:effectLst/>
+                        <a:latin typeface="Arial" panose="020B0604020202020204" pitchFamily="34" charset="0"/>
+                        <a:ea typeface="Times New Roman" panose="02020603050405020304" pitchFamily="18" charset="0"/>
+                        <a:cs typeface="Times New Roman" panose="02020603050405020304" pitchFamily="18" charset="0"/>
+                      </a:endParaRPr>
+                    </a:p>
+                  </a:txBody>
+                  <a:tcPr marL="68580" marR="68580" marT="0" marB="0"/>
+                </a:tc>
+              </a:tr>
+              <a:tr h="237345">
+                <a:tc>
+                  <a:txBody>
+                    <a:bodyPr/>
+                    <a:lstStyle/>
+                    <a:p>
+                      <a:pPr marL="0" marR="0" algn="ctr">
+                        <a:lnSpc>
+                          <a:spcPts val="1200"/>
+                        </a:lnSpc>
+                        <a:spcBef>
+                          <a:spcPts val="0"/>
+                        </a:spcBef>
+                        <a:spcAft>
+                          <a:spcPts val="0"/>
+                        </a:spcAft>
+                      </a:pPr>
+                      <a:r>
+                        <a:rPr lang="en-US" sz="1000">
+                          <a:effectLst/>
+                        </a:rPr>
+                        <a:t>13</a:t>
+                      </a:r>
+                      <a:endParaRPr lang="en-US" sz="1000">
+                        <a:effectLst/>
+                        <a:latin typeface="Arial" panose="020B0604020202020204" pitchFamily="34" charset="0"/>
+                        <a:ea typeface="Times New Roman" panose="02020603050405020304" pitchFamily="18" charset="0"/>
+                        <a:cs typeface="Times New Roman" panose="02020603050405020304" pitchFamily="18" charset="0"/>
+                      </a:endParaRPr>
+                    </a:p>
+                  </a:txBody>
+                  <a:tcPr marL="68580" marR="68580" marT="0" marB="0"/>
+                </a:tc>
+                <a:tc>
+                  <a:txBody>
+                    <a:bodyPr/>
+                    <a:lstStyle/>
+                    <a:p>
+                      <a:pPr marL="0" marR="0" algn="just">
+                        <a:lnSpc>
+                          <a:spcPct val="107000"/>
+                        </a:lnSpc>
+                        <a:spcBef>
+                          <a:spcPts val="0"/>
+                        </a:spcBef>
+                        <a:spcAft>
+                          <a:spcPts val="0"/>
+                        </a:spcAft>
+                      </a:pPr>
+                      <a:r>
+                        <a:rPr lang="en-US" sz="1000">
+                          <a:effectLst/>
+                        </a:rPr>
+                        <a:t>Send reservation form</a:t>
+                      </a:r>
+                      <a:endParaRPr lang="en-US" sz="1200">
+                        <a:effectLst/>
+                        <a:latin typeface="Times New Roman" panose="02020603050405020304" pitchFamily="18" charset="0"/>
+                        <a:ea typeface="Times New Roman" panose="02020603050405020304" pitchFamily="18" charset="0"/>
+                        <a:cs typeface="Times New Roman" panose="02020603050405020304" pitchFamily="18" charset="0"/>
+                      </a:endParaRPr>
+                    </a:p>
+                  </a:txBody>
+                  <a:tcPr marL="68580" marR="68580" marT="0" marB="0" anchor="b"/>
+                </a:tc>
+                <a:tc>
+                  <a:txBody>
+                    <a:bodyPr/>
+                    <a:lstStyle/>
+                    <a:p>
+                      <a:pPr marL="0" marR="0" algn="ctr">
+                        <a:lnSpc>
+                          <a:spcPts val="1200"/>
+                        </a:lnSpc>
+                        <a:spcBef>
+                          <a:spcPts val="0"/>
+                        </a:spcBef>
+                        <a:spcAft>
+                          <a:spcPts val="0"/>
+                        </a:spcAft>
+                      </a:pPr>
+                      <a:r>
+                        <a:rPr lang="en-US" sz="1000">
+                          <a:effectLst/>
+                        </a:rPr>
+                        <a:t>Guest, Customer</a:t>
+                      </a:r>
+                      <a:endParaRPr lang="en-US" sz="1000">
+                        <a:effectLst/>
+                        <a:latin typeface="Arial" panose="020B0604020202020204" pitchFamily="34" charset="0"/>
+                        <a:ea typeface="Times New Roman" panose="02020603050405020304" pitchFamily="18" charset="0"/>
+                        <a:cs typeface="Times New Roman" panose="02020603050405020304" pitchFamily="18" charset="0"/>
+                      </a:endParaRPr>
+                    </a:p>
+                  </a:txBody>
+                  <a:tcPr marL="68580" marR="68580" marT="0" marB="0"/>
+                </a:tc>
+                <a:tc>
+                  <a:txBody>
+                    <a:bodyPr/>
+                    <a:lstStyle/>
+                    <a:p>
+                      <a:pPr marL="0" marR="0" algn="ctr">
+                        <a:lnSpc>
+                          <a:spcPts val="1200"/>
+                        </a:lnSpc>
+                        <a:spcBef>
+                          <a:spcPts val="0"/>
+                        </a:spcBef>
+                        <a:spcAft>
+                          <a:spcPts val="0"/>
+                        </a:spcAft>
+                      </a:pPr>
+                      <a:r>
+                        <a:rPr lang="en-US" sz="1000">
+                          <a:effectLst/>
+                        </a:rPr>
+                        <a:t>04/07/2017</a:t>
+                      </a:r>
+                      <a:endParaRPr lang="en-US" sz="1000">
+                        <a:effectLst/>
+                        <a:latin typeface="Arial" panose="020B0604020202020204" pitchFamily="34" charset="0"/>
+                        <a:ea typeface="Times New Roman" panose="02020603050405020304" pitchFamily="18" charset="0"/>
+                        <a:cs typeface="Times New Roman" panose="02020603050405020304" pitchFamily="18" charset="0"/>
+                      </a:endParaRPr>
+                    </a:p>
+                  </a:txBody>
+                  <a:tcPr marL="68580" marR="68580" marT="0" marB="0"/>
+                </a:tc>
+                <a:tc>
+                  <a:txBody>
+                    <a:bodyPr/>
+                    <a:lstStyle/>
+                    <a:p>
+                      <a:pPr marL="0" marR="0" algn="ctr">
+                        <a:lnSpc>
+                          <a:spcPts val="1200"/>
+                        </a:lnSpc>
+                        <a:spcBef>
+                          <a:spcPts val="0"/>
+                        </a:spcBef>
+                        <a:spcAft>
+                          <a:spcPts val="0"/>
+                        </a:spcAft>
+                      </a:pPr>
+                      <a:r>
+                        <a:rPr lang="en-US" sz="1000">
+                          <a:effectLst/>
+                        </a:rPr>
+                        <a:t>08/07/2017</a:t>
+                      </a:r>
+                      <a:endParaRPr lang="en-US" sz="1000">
+                        <a:effectLst/>
+                        <a:latin typeface="Arial" panose="020B0604020202020204" pitchFamily="34" charset="0"/>
+                        <a:ea typeface="Times New Roman" panose="02020603050405020304" pitchFamily="18" charset="0"/>
+                        <a:cs typeface="Times New Roman" panose="02020603050405020304" pitchFamily="18" charset="0"/>
+                      </a:endParaRPr>
+                    </a:p>
+                  </a:txBody>
+                  <a:tcPr marL="68580" marR="68580" marT="0" marB="0"/>
+                </a:tc>
+                <a:tc>
+                  <a:txBody>
+                    <a:bodyPr/>
+                    <a:lstStyle/>
+                    <a:p>
+                      <a:pPr marL="0" marR="0" algn="ctr">
+                        <a:lnSpc>
+                          <a:spcPts val="1200"/>
+                        </a:lnSpc>
+                        <a:spcBef>
+                          <a:spcPts val="0"/>
+                        </a:spcBef>
+                        <a:spcAft>
+                          <a:spcPts val="0"/>
+                        </a:spcAft>
+                      </a:pPr>
+                      <a:r>
+                        <a:rPr lang="en-US" sz="1000">
+                          <a:effectLst/>
+                        </a:rPr>
+                        <a:t>4</a:t>
+                      </a:r>
+                      <a:endParaRPr lang="en-US" sz="1000">
+                        <a:effectLst/>
+                        <a:latin typeface="Arial" panose="020B0604020202020204" pitchFamily="34" charset="0"/>
+                        <a:ea typeface="Times New Roman" panose="02020603050405020304" pitchFamily="18" charset="0"/>
+                        <a:cs typeface="Times New Roman" panose="02020603050405020304" pitchFamily="18" charset="0"/>
+                      </a:endParaRPr>
+                    </a:p>
+                  </a:txBody>
+                  <a:tcPr marL="68580" marR="68580" marT="0" marB="0"/>
+                </a:tc>
+              </a:tr>
+              <a:tr h="237345">
+                <a:tc>
+                  <a:txBody>
+                    <a:bodyPr/>
+                    <a:lstStyle/>
+                    <a:p>
+                      <a:pPr marL="0" marR="0" algn="ctr">
+                        <a:lnSpc>
+                          <a:spcPts val="1200"/>
+                        </a:lnSpc>
+                        <a:spcBef>
+                          <a:spcPts val="0"/>
+                        </a:spcBef>
+                        <a:spcAft>
+                          <a:spcPts val="0"/>
+                        </a:spcAft>
+                      </a:pPr>
+                      <a:r>
+                        <a:rPr lang="en-US" sz="1000">
+                          <a:effectLst/>
+                        </a:rPr>
+                        <a:t>14</a:t>
+                      </a:r>
+                      <a:endParaRPr lang="en-US" sz="1000">
+                        <a:effectLst/>
+                        <a:latin typeface="Arial" panose="020B0604020202020204" pitchFamily="34" charset="0"/>
+                        <a:ea typeface="Times New Roman" panose="02020603050405020304" pitchFamily="18" charset="0"/>
+                        <a:cs typeface="Times New Roman" panose="02020603050405020304" pitchFamily="18" charset="0"/>
+                      </a:endParaRPr>
+                    </a:p>
+                  </a:txBody>
+                  <a:tcPr marL="68580" marR="68580" marT="0" marB="0"/>
+                </a:tc>
+                <a:tc>
+                  <a:txBody>
+                    <a:bodyPr/>
+                    <a:lstStyle/>
+                    <a:p>
+                      <a:pPr marL="0" marR="0" algn="just">
+                        <a:lnSpc>
+                          <a:spcPct val="107000"/>
+                        </a:lnSpc>
+                        <a:spcBef>
+                          <a:spcPts val="0"/>
+                        </a:spcBef>
+                        <a:spcAft>
+                          <a:spcPts val="0"/>
+                        </a:spcAft>
+                      </a:pPr>
+                      <a:r>
+                        <a:rPr lang="en-US" sz="1000">
+                          <a:effectLst/>
+                        </a:rPr>
+                        <a:t>Book room </a:t>
+                      </a:r>
+                      <a:endParaRPr lang="en-US" sz="1200">
+                        <a:effectLst/>
+                        <a:latin typeface="Times New Roman" panose="02020603050405020304" pitchFamily="18" charset="0"/>
+                        <a:ea typeface="Times New Roman" panose="02020603050405020304" pitchFamily="18" charset="0"/>
+                        <a:cs typeface="Times New Roman" panose="02020603050405020304" pitchFamily="18" charset="0"/>
+                      </a:endParaRPr>
+                    </a:p>
+                  </a:txBody>
+                  <a:tcPr marL="68580" marR="68580" marT="0" marB="0" anchor="b"/>
+                </a:tc>
+                <a:tc>
+                  <a:txBody>
+                    <a:bodyPr/>
+                    <a:lstStyle/>
+                    <a:p>
+                      <a:pPr marL="0" marR="0" algn="ctr">
+                        <a:lnSpc>
+                          <a:spcPts val="1200"/>
+                        </a:lnSpc>
+                        <a:spcBef>
+                          <a:spcPts val="0"/>
+                        </a:spcBef>
+                        <a:spcAft>
+                          <a:spcPts val="0"/>
+                        </a:spcAft>
+                      </a:pPr>
+                      <a:r>
+                        <a:rPr lang="en-US" sz="1000">
+                          <a:effectLst/>
+                        </a:rPr>
+                        <a:t>Customer</a:t>
+                      </a:r>
+                      <a:endParaRPr lang="en-US" sz="1000">
+                        <a:effectLst/>
+                        <a:latin typeface="Arial" panose="020B0604020202020204" pitchFamily="34" charset="0"/>
+                        <a:ea typeface="Times New Roman" panose="02020603050405020304" pitchFamily="18" charset="0"/>
+                        <a:cs typeface="Times New Roman" panose="02020603050405020304" pitchFamily="18" charset="0"/>
+                      </a:endParaRPr>
+                    </a:p>
+                  </a:txBody>
+                  <a:tcPr marL="68580" marR="68580" marT="0" marB="0"/>
+                </a:tc>
+                <a:tc>
+                  <a:txBody>
+                    <a:bodyPr/>
+                    <a:lstStyle/>
+                    <a:p>
+                      <a:pPr marL="0" marR="0" algn="ctr">
+                        <a:lnSpc>
+                          <a:spcPts val="1200"/>
+                        </a:lnSpc>
+                        <a:spcBef>
+                          <a:spcPts val="0"/>
+                        </a:spcBef>
+                        <a:spcAft>
+                          <a:spcPts val="0"/>
+                        </a:spcAft>
+                      </a:pPr>
+                      <a:r>
+                        <a:rPr lang="en-US" sz="1000">
+                          <a:effectLst/>
+                        </a:rPr>
+                        <a:t>08/07/2017</a:t>
+                      </a:r>
+                      <a:endParaRPr lang="en-US" sz="1000">
+                        <a:effectLst/>
+                        <a:latin typeface="Arial" panose="020B0604020202020204" pitchFamily="34" charset="0"/>
+                        <a:ea typeface="Times New Roman" panose="02020603050405020304" pitchFamily="18" charset="0"/>
+                        <a:cs typeface="Times New Roman" panose="02020603050405020304" pitchFamily="18" charset="0"/>
+                      </a:endParaRPr>
+                    </a:p>
+                  </a:txBody>
+                  <a:tcPr marL="68580" marR="68580" marT="0" marB="0"/>
+                </a:tc>
+                <a:tc>
+                  <a:txBody>
+                    <a:bodyPr/>
+                    <a:lstStyle/>
+                    <a:p>
+                      <a:pPr marL="0" marR="0" algn="ctr">
+                        <a:lnSpc>
+                          <a:spcPts val="1200"/>
+                        </a:lnSpc>
+                        <a:spcBef>
+                          <a:spcPts val="0"/>
+                        </a:spcBef>
+                        <a:spcAft>
+                          <a:spcPts val="0"/>
+                        </a:spcAft>
+                      </a:pPr>
+                      <a:r>
+                        <a:rPr lang="en-US" sz="1000">
+                          <a:effectLst/>
+                        </a:rPr>
+                        <a:t>12/07/2017</a:t>
+                      </a:r>
+                      <a:endParaRPr lang="en-US" sz="1000">
+                        <a:effectLst/>
+                        <a:latin typeface="Arial" panose="020B0604020202020204" pitchFamily="34" charset="0"/>
+                        <a:ea typeface="Times New Roman" panose="02020603050405020304" pitchFamily="18" charset="0"/>
+                        <a:cs typeface="Times New Roman" panose="02020603050405020304" pitchFamily="18" charset="0"/>
+                      </a:endParaRPr>
+                    </a:p>
+                  </a:txBody>
+                  <a:tcPr marL="68580" marR="68580" marT="0" marB="0"/>
+                </a:tc>
+                <a:tc>
+                  <a:txBody>
+                    <a:bodyPr/>
+                    <a:lstStyle/>
+                    <a:p>
+                      <a:pPr marL="0" marR="0" algn="ctr">
+                        <a:lnSpc>
+                          <a:spcPts val="1200"/>
+                        </a:lnSpc>
+                        <a:spcBef>
+                          <a:spcPts val="0"/>
+                        </a:spcBef>
+                        <a:spcAft>
+                          <a:spcPts val="0"/>
+                        </a:spcAft>
+                      </a:pPr>
+                      <a:r>
+                        <a:rPr lang="en-US" sz="1000">
+                          <a:effectLst/>
+                        </a:rPr>
+                        <a:t>4</a:t>
+                      </a:r>
+                      <a:endParaRPr lang="en-US" sz="1000">
+                        <a:effectLst/>
+                        <a:latin typeface="Arial" panose="020B0604020202020204" pitchFamily="34" charset="0"/>
+                        <a:ea typeface="Times New Roman" panose="02020603050405020304" pitchFamily="18" charset="0"/>
+                        <a:cs typeface="Times New Roman" panose="02020603050405020304" pitchFamily="18" charset="0"/>
+                      </a:endParaRPr>
+                    </a:p>
+                  </a:txBody>
+                  <a:tcPr marL="68580" marR="68580" marT="0" marB="0"/>
+                </a:tc>
+              </a:tr>
+              <a:tr h="237345">
+                <a:tc>
+                  <a:txBody>
+                    <a:bodyPr/>
+                    <a:lstStyle/>
+                    <a:p>
+                      <a:pPr marL="0" marR="0" algn="ctr">
+                        <a:lnSpc>
+                          <a:spcPts val="1200"/>
+                        </a:lnSpc>
+                        <a:spcBef>
+                          <a:spcPts val="0"/>
+                        </a:spcBef>
+                        <a:spcAft>
+                          <a:spcPts val="0"/>
+                        </a:spcAft>
+                      </a:pPr>
+                      <a:r>
+                        <a:rPr lang="en-US" sz="1000">
+                          <a:effectLst/>
+                        </a:rPr>
+                        <a:t>15</a:t>
+                      </a:r>
+                      <a:endParaRPr lang="en-US" sz="1000">
+                        <a:effectLst/>
+                        <a:latin typeface="Arial" panose="020B0604020202020204" pitchFamily="34" charset="0"/>
+                        <a:ea typeface="Times New Roman" panose="02020603050405020304" pitchFamily="18" charset="0"/>
+                        <a:cs typeface="Times New Roman" panose="02020603050405020304" pitchFamily="18" charset="0"/>
+                      </a:endParaRPr>
+                    </a:p>
+                  </a:txBody>
+                  <a:tcPr marL="68580" marR="68580" marT="0" marB="0"/>
+                </a:tc>
+                <a:tc>
+                  <a:txBody>
+                    <a:bodyPr/>
+                    <a:lstStyle/>
+                    <a:p>
+                      <a:pPr marL="0" marR="0" algn="just">
+                        <a:lnSpc>
+                          <a:spcPct val="107000"/>
+                        </a:lnSpc>
+                        <a:spcBef>
+                          <a:spcPts val="0"/>
+                        </a:spcBef>
+                        <a:spcAft>
+                          <a:spcPts val="0"/>
+                        </a:spcAft>
+                      </a:pPr>
+                      <a:r>
+                        <a:rPr lang="en-US" sz="1000">
+                          <a:effectLst/>
+                        </a:rPr>
+                        <a:t>Cancel room</a:t>
+                      </a:r>
+                      <a:endParaRPr lang="en-US" sz="1200">
+                        <a:effectLst/>
+                        <a:latin typeface="Times New Roman" panose="02020603050405020304" pitchFamily="18" charset="0"/>
+                        <a:ea typeface="Times New Roman" panose="02020603050405020304" pitchFamily="18" charset="0"/>
+                        <a:cs typeface="Times New Roman" panose="02020603050405020304" pitchFamily="18" charset="0"/>
+                      </a:endParaRPr>
+                    </a:p>
+                  </a:txBody>
+                  <a:tcPr marL="68580" marR="68580" marT="0" marB="0" anchor="b"/>
+                </a:tc>
+                <a:tc>
+                  <a:txBody>
+                    <a:bodyPr/>
+                    <a:lstStyle/>
+                    <a:p>
+                      <a:pPr marL="0" marR="0" algn="ctr">
+                        <a:lnSpc>
+                          <a:spcPts val="1200"/>
+                        </a:lnSpc>
+                        <a:spcBef>
+                          <a:spcPts val="0"/>
+                        </a:spcBef>
+                        <a:spcAft>
+                          <a:spcPts val="0"/>
+                        </a:spcAft>
+                      </a:pPr>
+                      <a:r>
+                        <a:rPr lang="en-US" sz="1000">
+                          <a:effectLst/>
+                        </a:rPr>
+                        <a:t>Customer</a:t>
+                      </a:r>
+                      <a:endParaRPr lang="en-US" sz="1000">
+                        <a:effectLst/>
+                        <a:latin typeface="Arial" panose="020B0604020202020204" pitchFamily="34" charset="0"/>
+                        <a:ea typeface="Times New Roman" panose="02020603050405020304" pitchFamily="18" charset="0"/>
+                        <a:cs typeface="Times New Roman" panose="02020603050405020304" pitchFamily="18" charset="0"/>
+                      </a:endParaRPr>
+                    </a:p>
+                  </a:txBody>
+                  <a:tcPr marL="68580" marR="68580" marT="0" marB="0"/>
+                </a:tc>
+                <a:tc>
+                  <a:txBody>
+                    <a:bodyPr/>
+                    <a:lstStyle/>
+                    <a:p>
+                      <a:pPr marL="0" marR="0" algn="ctr">
+                        <a:lnSpc>
+                          <a:spcPts val="1200"/>
+                        </a:lnSpc>
+                        <a:spcBef>
+                          <a:spcPts val="0"/>
+                        </a:spcBef>
+                        <a:spcAft>
+                          <a:spcPts val="0"/>
+                        </a:spcAft>
+                      </a:pPr>
+                      <a:r>
+                        <a:rPr lang="en-US" sz="1000">
+                          <a:effectLst/>
+                        </a:rPr>
+                        <a:t>12/07/2017</a:t>
+                      </a:r>
+                      <a:endParaRPr lang="en-US" sz="1000">
+                        <a:effectLst/>
+                        <a:latin typeface="Arial" panose="020B0604020202020204" pitchFamily="34" charset="0"/>
+                        <a:ea typeface="Times New Roman" panose="02020603050405020304" pitchFamily="18" charset="0"/>
+                        <a:cs typeface="Times New Roman" panose="02020603050405020304" pitchFamily="18" charset="0"/>
+                      </a:endParaRPr>
+                    </a:p>
+                  </a:txBody>
+                  <a:tcPr marL="68580" marR="68580" marT="0" marB="0"/>
+                </a:tc>
+                <a:tc>
+                  <a:txBody>
+                    <a:bodyPr/>
+                    <a:lstStyle/>
+                    <a:p>
+                      <a:pPr marL="0" marR="0" algn="ctr">
+                        <a:lnSpc>
+                          <a:spcPts val="1200"/>
+                        </a:lnSpc>
+                        <a:spcBef>
+                          <a:spcPts val="0"/>
+                        </a:spcBef>
+                        <a:spcAft>
+                          <a:spcPts val="0"/>
+                        </a:spcAft>
+                      </a:pPr>
+                      <a:r>
+                        <a:rPr lang="en-US" sz="1000">
+                          <a:effectLst/>
+                        </a:rPr>
+                        <a:t>15/07/2017</a:t>
+                      </a:r>
+                      <a:endParaRPr lang="en-US" sz="1000">
+                        <a:effectLst/>
+                        <a:latin typeface="Arial" panose="020B0604020202020204" pitchFamily="34" charset="0"/>
+                        <a:ea typeface="Times New Roman" panose="02020603050405020304" pitchFamily="18" charset="0"/>
+                        <a:cs typeface="Times New Roman" panose="02020603050405020304" pitchFamily="18" charset="0"/>
+                      </a:endParaRPr>
+                    </a:p>
+                  </a:txBody>
+                  <a:tcPr marL="68580" marR="68580" marT="0" marB="0"/>
+                </a:tc>
+                <a:tc>
+                  <a:txBody>
+                    <a:bodyPr/>
+                    <a:lstStyle/>
+                    <a:p>
+                      <a:pPr marL="0" marR="0" algn="ctr">
+                        <a:lnSpc>
+                          <a:spcPts val="1200"/>
+                        </a:lnSpc>
+                        <a:spcBef>
+                          <a:spcPts val="0"/>
+                        </a:spcBef>
+                        <a:spcAft>
+                          <a:spcPts val="0"/>
+                        </a:spcAft>
+                      </a:pPr>
+                      <a:r>
+                        <a:rPr lang="en-US" sz="1000">
+                          <a:effectLst/>
+                        </a:rPr>
+                        <a:t>3</a:t>
+                      </a:r>
+                      <a:endParaRPr lang="en-US" sz="1000">
+                        <a:effectLst/>
+                        <a:latin typeface="Arial" panose="020B0604020202020204" pitchFamily="34" charset="0"/>
+                        <a:ea typeface="Times New Roman" panose="02020603050405020304" pitchFamily="18" charset="0"/>
+                        <a:cs typeface="Times New Roman" panose="02020603050405020304" pitchFamily="18" charset="0"/>
+                      </a:endParaRPr>
+                    </a:p>
+                  </a:txBody>
+                  <a:tcPr marL="68580" marR="68580" marT="0" marB="0"/>
+                </a:tc>
+              </a:tr>
+              <a:tr h="237345">
+                <a:tc>
+                  <a:txBody>
+                    <a:bodyPr/>
+                    <a:lstStyle/>
+                    <a:p>
+                      <a:pPr marL="0" marR="0" algn="ctr">
+                        <a:lnSpc>
+                          <a:spcPts val="1200"/>
+                        </a:lnSpc>
+                        <a:spcBef>
+                          <a:spcPts val="0"/>
+                        </a:spcBef>
+                        <a:spcAft>
+                          <a:spcPts val="0"/>
+                        </a:spcAft>
+                      </a:pPr>
+                      <a:r>
+                        <a:rPr lang="en-US" sz="1000">
+                          <a:effectLst/>
+                        </a:rPr>
+                        <a:t>16</a:t>
+                      </a:r>
+                      <a:endParaRPr lang="en-US" sz="1000">
+                        <a:effectLst/>
+                        <a:latin typeface="Arial" panose="020B0604020202020204" pitchFamily="34" charset="0"/>
+                        <a:ea typeface="Times New Roman" panose="02020603050405020304" pitchFamily="18" charset="0"/>
+                        <a:cs typeface="Times New Roman" panose="02020603050405020304" pitchFamily="18" charset="0"/>
+                      </a:endParaRPr>
+                    </a:p>
+                  </a:txBody>
+                  <a:tcPr marL="68580" marR="68580" marT="0" marB="0"/>
+                </a:tc>
+                <a:tc>
+                  <a:txBody>
+                    <a:bodyPr/>
+                    <a:lstStyle/>
+                    <a:p>
+                      <a:pPr marL="0" marR="0" algn="just">
+                        <a:lnSpc>
+                          <a:spcPct val="107000"/>
+                        </a:lnSpc>
+                        <a:spcBef>
+                          <a:spcPts val="0"/>
+                        </a:spcBef>
+                        <a:spcAft>
+                          <a:spcPts val="0"/>
+                        </a:spcAft>
+                      </a:pPr>
+                      <a:r>
+                        <a:rPr lang="en-US" sz="1000">
+                          <a:effectLst/>
+                        </a:rPr>
+                        <a:t>View profile</a:t>
+                      </a:r>
+                      <a:endParaRPr lang="en-US" sz="1200">
+                        <a:effectLst/>
+                        <a:latin typeface="Times New Roman" panose="02020603050405020304" pitchFamily="18" charset="0"/>
+                        <a:ea typeface="Times New Roman" panose="02020603050405020304" pitchFamily="18" charset="0"/>
+                        <a:cs typeface="Times New Roman" panose="02020603050405020304" pitchFamily="18" charset="0"/>
+                      </a:endParaRPr>
+                    </a:p>
+                  </a:txBody>
+                  <a:tcPr marL="68580" marR="68580" marT="0" marB="0" anchor="b"/>
+                </a:tc>
+                <a:tc>
+                  <a:txBody>
+                    <a:bodyPr/>
+                    <a:lstStyle/>
+                    <a:p>
+                      <a:pPr marL="0" marR="0" algn="ctr">
+                        <a:lnSpc>
+                          <a:spcPts val="1200"/>
+                        </a:lnSpc>
+                        <a:spcBef>
+                          <a:spcPts val="0"/>
+                        </a:spcBef>
+                        <a:spcAft>
+                          <a:spcPts val="0"/>
+                        </a:spcAft>
+                      </a:pPr>
+                      <a:r>
+                        <a:rPr lang="en-US" sz="1000">
+                          <a:effectLst/>
+                        </a:rPr>
+                        <a:t>Customer, Admin</a:t>
+                      </a:r>
+                      <a:endParaRPr lang="en-US" sz="1000">
+                        <a:effectLst/>
+                        <a:latin typeface="Arial" panose="020B0604020202020204" pitchFamily="34" charset="0"/>
+                        <a:ea typeface="Times New Roman" panose="02020603050405020304" pitchFamily="18" charset="0"/>
+                        <a:cs typeface="Times New Roman" panose="02020603050405020304" pitchFamily="18" charset="0"/>
+                      </a:endParaRPr>
+                    </a:p>
+                  </a:txBody>
+                  <a:tcPr marL="68580" marR="68580" marT="0" marB="0"/>
+                </a:tc>
+                <a:tc>
+                  <a:txBody>
+                    <a:bodyPr/>
+                    <a:lstStyle/>
+                    <a:p>
+                      <a:pPr marL="0" marR="0" algn="ctr">
+                        <a:lnSpc>
+                          <a:spcPts val="1200"/>
+                        </a:lnSpc>
+                        <a:spcBef>
+                          <a:spcPts val="0"/>
+                        </a:spcBef>
+                        <a:spcAft>
+                          <a:spcPts val="0"/>
+                        </a:spcAft>
+                      </a:pPr>
+                      <a:r>
+                        <a:rPr lang="en-US" sz="1000">
+                          <a:effectLst/>
+                        </a:rPr>
+                        <a:t>15/07/2017</a:t>
+                      </a:r>
+                      <a:endParaRPr lang="en-US" sz="1000">
+                        <a:effectLst/>
+                        <a:latin typeface="Arial" panose="020B0604020202020204" pitchFamily="34" charset="0"/>
+                        <a:ea typeface="Times New Roman" panose="02020603050405020304" pitchFamily="18" charset="0"/>
+                        <a:cs typeface="Times New Roman" panose="02020603050405020304" pitchFamily="18" charset="0"/>
+                      </a:endParaRPr>
+                    </a:p>
+                  </a:txBody>
+                  <a:tcPr marL="68580" marR="68580" marT="0" marB="0"/>
+                </a:tc>
+                <a:tc>
+                  <a:txBody>
+                    <a:bodyPr/>
+                    <a:lstStyle/>
+                    <a:p>
+                      <a:pPr marL="0" marR="0" algn="ctr">
+                        <a:lnSpc>
+                          <a:spcPts val="1200"/>
+                        </a:lnSpc>
+                        <a:spcBef>
+                          <a:spcPts val="0"/>
+                        </a:spcBef>
+                        <a:spcAft>
+                          <a:spcPts val="0"/>
+                        </a:spcAft>
+                      </a:pPr>
+                      <a:r>
+                        <a:rPr lang="en-US" sz="1000">
+                          <a:effectLst/>
+                        </a:rPr>
+                        <a:t>18/07/2017</a:t>
+                      </a:r>
+                      <a:endParaRPr lang="en-US" sz="1000">
+                        <a:effectLst/>
+                        <a:latin typeface="Arial" panose="020B0604020202020204" pitchFamily="34" charset="0"/>
+                        <a:ea typeface="Times New Roman" panose="02020603050405020304" pitchFamily="18" charset="0"/>
+                        <a:cs typeface="Times New Roman" panose="02020603050405020304" pitchFamily="18" charset="0"/>
+                      </a:endParaRPr>
+                    </a:p>
+                  </a:txBody>
+                  <a:tcPr marL="68580" marR="68580" marT="0" marB="0"/>
+                </a:tc>
+                <a:tc>
+                  <a:txBody>
+                    <a:bodyPr/>
+                    <a:lstStyle/>
+                    <a:p>
+                      <a:pPr marL="0" marR="0" algn="ctr">
+                        <a:lnSpc>
+                          <a:spcPts val="1200"/>
+                        </a:lnSpc>
+                        <a:spcBef>
+                          <a:spcPts val="0"/>
+                        </a:spcBef>
+                        <a:spcAft>
+                          <a:spcPts val="0"/>
+                        </a:spcAft>
+                      </a:pPr>
+                      <a:r>
+                        <a:rPr lang="en-US" sz="1000" dirty="0">
+                          <a:effectLst/>
+                        </a:rPr>
+                        <a:t>3</a:t>
+                      </a:r>
+                      <a:endParaRPr lang="en-US" sz="1000" dirty="0">
+                        <a:effectLst/>
+                        <a:latin typeface="Arial" panose="020B0604020202020204" pitchFamily="34" charset="0"/>
+                        <a:ea typeface="Times New Roman" panose="02020603050405020304" pitchFamily="18" charset="0"/>
+                        <a:cs typeface="Times New Roman" panose="02020603050405020304" pitchFamily="18" charset="0"/>
+                      </a:endParaRPr>
+                    </a:p>
+                  </a:txBody>
+                  <a:tcPr marL="68580" marR="68580" marT="0" marB="0"/>
+                </a:tc>
+              </a:tr>
+            </a:tbl>
+          </a:graphicData>
+        </a:graphic>
+      </p:graphicFrame>
     </p:spTree>
     <p:extLst>
       <p:ext uri="{BB962C8B-B14F-4D97-AF65-F5344CB8AC3E}">
-        <p14:creationId xmlns:p14="http://schemas.microsoft.com/office/powerpoint/2010/main" val="1267852879"/>
+        <p14:creationId xmlns:p14="http://schemas.microsoft.com/office/powerpoint/2010/main" val="2986213385"/>
       </p:ext>
     </p:extLst>
   </p:cSld>
@@ -7070,8 +10546,8 @@
         </p:nvSpPr>
         <p:spPr>
           <a:xfrm>
-            <a:off x="152400" y="0"/>
-            <a:ext cx="10515600" cy="990600"/>
+            <a:off x="778934" y="177800"/>
+            <a:ext cx="8596668" cy="1320800"/>
           </a:xfrm>
         </p:spPr>
         <p:txBody>
@@ -7080,46 +10556,5290 @@
           <a:p>
             <a:r>
               <a:rPr lang="en-US" dirty="0" smtClean="0"/>
-              <a:t>System Architecture</a:t>
+              <a:t>List of features (cont.)</a:t>
             </a:r>
             <a:endParaRPr lang="en-US" dirty="0"/>
           </a:p>
         </p:txBody>
       </p:sp>
-      <p:pic>
-        <p:nvPicPr>
-          <p:cNvPr id="4" name="Picture 3"/>
-          <p:cNvPicPr>
-            <a:picLocks noChangeAspect="1"/>
-          </p:cNvPicPr>
-          <p:nvPr/>
-        </p:nvPicPr>
-        <p:blipFill>
-          <a:blip r:embed="rId2">
-            <a:extLst>
-              <a:ext uri="{28A0092B-C50C-407E-A947-70E740481C1C}">
-                <a14:useLocalDpi xmlns:a14="http://schemas.microsoft.com/office/drawing/2010/main" val="0"/>
-              </a:ext>
-            </a:extLst>
-          </a:blip>
-          <a:stretch>
-            <a:fillRect/>
-          </a:stretch>
-        </p:blipFill>
-        <p:spPr>
-          <a:xfrm>
-            <a:off x="0" y="537882"/>
-            <a:ext cx="12192000" cy="6320118"/>
-          </a:xfrm>
-          <a:prstGeom prst="rect">
-            <a:avLst/>
-          </a:prstGeom>
-        </p:spPr>
-      </p:pic>
+      <p:graphicFrame>
+        <p:nvGraphicFramePr>
+          <p:cNvPr id="5" name="Table 4"/>
+          <p:cNvGraphicFramePr>
+            <a:graphicFrameLocks noGrp="1"/>
+          </p:cNvGraphicFramePr>
+          <p:nvPr>
+            <p:extLst>
+              <p:ext uri="{D42A27DB-BD31-4B8C-83A1-F6EECF244321}">
+                <p14:modId xmlns:p14="http://schemas.microsoft.com/office/powerpoint/2010/main" val="2944830495"/>
+              </p:ext>
+            </p:extLst>
+          </p:nvPr>
+        </p:nvGraphicFramePr>
+        <p:xfrm>
+          <a:off x="1320801" y="825494"/>
+          <a:ext cx="9169400" cy="5756839"/>
+        </p:xfrm>
+        <a:graphic>
+          <a:graphicData uri="http://schemas.openxmlformats.org/drawingml/2006/table">
+            <a:tbl>
+              <a:tblPr>
+                <a:tableStyleId>{5C22544A-7EE6-4342-B048-85BDC9FD1C3A}</a:tableStyleId>
+              </a:tblPr>
+              <a:tblGrid>
+                <a:gridCol w="694136"/>
+                <a:gridCol w="2446468"/>
+                <a:gridCol w="2359094"/>
+                <a:gridCol w="1310608"/>
+                <a:gridCol w="1310608"/>
+                <a:gridCol w="1048486"/>
+              </a:tblGrid>
+              <a:tr h="287187">
+                <a:tc>
+                  <a:txBody>
+                    <a:bodyPr/>
+                    <a:lstStyle/>
+                    <a:p>
+                      <a:pPr marL="0" marR="0" algn="ctr">
+                        <a:lnSpc>
+                          <a:spcPct val="107000"/>
+                        </a:lnSpc>
+                        <a:spcBef>
+                          <a:spcPts val="100"/>
+                        </a:spcBef>
+                        <a:spcAft>
+                          <a:spcPts val="100"/>
+                        </a:spcAft>
+                      </a:pPr>
+                      <a:r>
+                        <a:rPr lang="en-US" sz="800">
+                          <a:effectLst/>
+                        </a:rPr>
+                        <a:t>No.</a:t>
+                      </a:r>
+                      <a:endParaRPr lang="en-US" sz="800">
+                        <a:effectLst/>
+                        <a:latin typeface="Times New Roman" panose="02020603050405020304" pitchFamily="18" charset="0"/>
+                        <a:ea typeface="Times New Roman" panose="02020603050405020304" pitchFamily="18" charset="0"/>
+                        <a:cs typeface="Arial" panose="020B0604020202020204" pitchFamily="34" charset="0"/>
+                      </a:endParaRPr>
+                    </a:p>
+                  </a:txBody>
+                  <a:tcPr marL="56775" marR="56775" marT="0" marB="0"/>
+                </a:tc>
+                <a:tc>
+                  <a:txBody>
+                    <a:bodyPr/>
+                    <a:lstStyle/>
+                    <a:p>
+                      <a:pPr marL="0" marR="0" algn="ctr">
+                        <a:lnSpc>
+                          <a:spcPct val="107000"/>
+                        </a:lnSpc>
+                        <a:spcBef>
+                          <a:spcPts val="100"/>
+                        </a:spcBef>
+                        <a:spcAft>
+                          <a:spcPts val="100"/>
+                        </a:spcAft>
+                      </a:pPr>
+                      <a:r>
+                        <a:rPr lang="en-US" sz="800" dirty="0">
+                          <a:effectLst/>
+                        </a:rPr>
+                        <a:t>Feature</a:t>
+                      </a:r>
+                      <a:endParaRPr lang="en-US" sz="800" dirty="0">
+                        <a:effectLst/>
+                        <a:latin typeface="Times New Roman" panose="02020603050405020304" pitchFamily="18" charset="0"/>
+                        <a:ea typeface="Times New Roman" panose="02020603050405020304" pitchFamily="18" charset="0"/>
+                        <a:cs typeface="Arial" panose="020B0604020202020204" pitchFamily="34" charset="0"/>
+                      </a:endParaRPr>
+                    </a:p>
+                  </a:txBody>
+                  <a:tcPr marL="56775" marR="56775" marT="0" marB="0"/>
+                </a:tc>
+                <a:tc>
+                  <a:txBody>
+                    <a:bodyPr/>
+                    <a:lstStyle/>
+                    <a:p>
+                      <a:pPr marL="0" marR="0" algn="ctr">
+                        <a:lnSpc>
+                          <a:spcPct val="107000"/>
+                        </a:lnSpc>
+                        <a:spcBef>
+                          <a:spcPts val="100"/>
+                        </a:spcBef>
+                        <a:spcAft>
+                          <a:spcPts val="100"/>
+                        </a:spcAft>
+                      </a:pPr>
+                      <a:r>
+                        <a:rPr lang="en-US" sz="800">
+                          <a:effectLst/>
+                        </a:rPr>
+                        <a:t>User</a:t>
+                      </a:r>
+                      <a:endParaRPr lang="en-US" sz="800">
+                        <a:effectLst/>
+                        <a:latin typeface="Times New Roman" panose="02020603050405020304" pitchFamily="18" charset="0"/>
+                        <a:ea typeface="Times New Roman" panose="02020603050405020304" pitchFamily="18" charset="0"/>
+                        <a:cs typeface="Arial" panose="020B0604020202020204" pitchFamily="34" charset="0"/>
+                      </a:endParaRPr>
+                    </a:p>
+                  </a:txBody>
+                  <a:tcPr marL="56775" marR="56775" marT="0" marB="0"/>
+                </a:tc>
+                <a:tc>
+                  <a:txBody>
+                    <a:bodyPr/>
+                    <a:lstStyle/>
+                    <a:p>
+                      <a:pPr marL="0" marR="0" algn="ctr">
+                        <a:lnSpc>
+                          <a:spcPct val="107000"/>
+                        </a:lnSpc>
+                        <a:spcBef>
+                          <a:spcPts val="100"/>
+                        </a:spcBef>
+                        <a:spcAft>
+                          <a:spcPts val="100"/>
+                        </a:spcAft>
+                      </a:pPr>
+                      <a:r>
+                        <a:rPr lang="en-US" sz="800">
+                          <a:effectLst/>
+                        </a:rPr>
+                        <a:t>Begin</a:t>
+                      </a:r>
+                      <a:endParaRPr lang="en-US" sz="800">
+                        <a:effectLst/>
+                        <a:latin typeface="Times New Roman" panose="02020603050405020304" pitchFamily="18" charset="0"/>
+                        <a:ea typeface="Times New Roman" panose="02020603050405020304" pitchFamily="18" charset="0"/>
+                        <a:cs typeface="Arial" panose="020B0604020202020204" pitchFamily="34" charset="0"/>
+                      </a:endParaRPr>
+                    </a:p>
+                  </a:txBody>
+                  <a:tcPr marL="56775" marR="56775" marT="0" marB="0"/>
+                </a:tc>
+                <a:tc>
+                  <a:txBody>
+                    <a:bodyPr/>
+                    <a:lstStyle/>
+                    <a:p>
+                      <a:pPr marL="0" marR="0" algn="ctr">
+                        <a:lnSpc>
+                          <a:spcPct val="107000"/>
+                        </a:lnSpc>
+                        <a:spcBef>
+                          <a:spcPts val="100"/>
+                        </a:spcBef>
+                        <a:spcAft>
+                          <a:spcPts val="100"/>
+                        </a:spcAft>
+                      </a:pPr>
+                      <a:r>
+                        <a:rPr lang="en-US" sz="800">
+                          <a:effectLst/>
+                        </a:rPr>
+                        <a:t>Finish</a:t>
+                      </a:r>
+                      <a:endParaRPr lang="en-US" sz="800">
+                        <a:effectLst/>
+                        <a:latin typeface="Times New Roman" panose="02020603050405020304" pitchFamily="18" charset="0"/>
+                        <a:ea typeface="Times New Roman" panose="02020603050405020304" pitchFamily="18" charset="0"/>
+                        <a:cs typeface="Arial" panose="020B0604020202020204" pitchFamily="34" charset="0"/>
+                      </a:endParaRPr>
+                    </a:p>
+                  </a:txBody>
+                  <a:tcPr marL="56775" marR="56775" marT="0" marB="0"/>
+                </a:tc>
+                <a:tc>
+                  <a:txBody>
+                    <a:bodyPr/>
+                    <a:lstStyle/>
+                    <a:p>
+                      <a:pPr marL="0" marR="0" algn="ctr">
+                        <a:lnSpc>
+                          <a:spcPct val="107000"/>
+                        </a:lnSpc>
+                        <a:spcBef>
+                          <a:spcPts val="100"/>
+                        </a:spcBef>
+                        <a:spcAft>
+                          <a:spcPts val="100"/>
+                        </a:spcAft>
+                      </a:pPr>
+                      <a:r>
+                        <a:rPr lang="en-US" sz="800">
+                          <a:effectLst/>
+                        </a:rPr>
+                        <a:t>Duration</a:t>
+                      </a:r>
+                      <a:endParaRPr lang="en-US" sz="800">
+                        <a:effectLst/>
+                        <a:latin typeface="Times New Roman" panose="02020603050405020304" pitchFamily="18" charset="0"/>
+                        <a:ea typeface="Times New Roman" panose="02020603050405020304" pitchFamily="18" charset="0"/>
+                        <a:cs typeface="Arial" panose="020B0604020202020204" pitchFamily="34" charset="0"/>
+                      </a:endParaRPr>
+                    </a:p>
+                  </a:txBody>
+                  <a:tcPr marL="56775" marR="56775" marT="0" marB="0"/>
+                </a:tc>
+              </a:tr>
+              <a:tr h="189218">
+                <a:tc>
+                  <a:txBody>
+                    <a:bodyPr/>
+                    <a:lstStyle/>
+                    <a:p>
+                      <a:pPr marL="0" marR="0" algn="ctr">
+                        <a:lnSpc>
+                          <a:spcPts val="1200"/>
+                        </a:lnSpc>
+                        <a:spcBef>
+                          <a:spcPts val="0"/>
+                        </a:spcBef>
+                        <a:spcAft>
+                          <a:spcPts val="0"/>
+                        </a:spcAft>
+                      </a:pPr>
+                      <a:r>
+                        <a:rPr lang="en-US" sz="800">
+                          <a:effectLst/>
+                        </a:rPr>
+                        <a:t>17</a:t>
+                      </a:r>
+                      <a:endParaRPr lang="en-US" sz="800">
+                        <a:effectLst/>
+                        <a:latin typeface="Arial" panose="020B0604020202020204" pitchFamily="34" charset="0"/>
+                        <a:ea typeface="Times New Roman" panose="02020603050405020304" pitchFamily="18" charset="0"/>
+                        <a:cs typeface="Times New Roman" panose="02020603050405020304" pitchFamily="18" charset="0"/>
+                      </a:endParaRPr>
+                    </a:p>
+                  </a:txBody>
+                  <a:tcPr marL="56775" marR="56775" marT="0" marB="0"/>
+                </a:tc>
+                <a:tc>
+                  <a:txBody>
+                    <a:bodyPr/>
+                    <a:lstStyle/>
+                    <a:p>
+                      <a:pPr marL="0" marR="0" algn="just">
+                        <a:lnSpc>
+                          <a:spcPct val="107000"/>
+                        </a:lnSpc>
+                        <a:spcBef>
+                          <a:spcPts val="0"/>
+                        </a:spcBef>
+                        <a:spcAft>
+                          <a:spcPts val="0"/>
+                        </a:spcAft>
+                      </a:pPr>
+                      <a:r>
+                        <a:rPr lang="en-US" sz="800">
+                          <a:effectLst/>
+                        </a:rPr>
+                        <a:t>Edit profile</a:t>
+                      </a:r>
+                      <a:endParaRPr lang="en-US" sz="1000">
+                        <a:effectLst/>
+                        <a:latin typeface="Times New Roman" panose="02020603050405020304" pitchFamily="18" charset="0"/>
+                        <a:ea typeface="Times New Roman" panose="02020603050405020304" pitchFamily="18" charset="0"/>
+                        <a:cs typeface="Times New Roman" panose="02020603050405020304" pitchFamily="18" charset="0"/>
+                      </a:endParaRPr>
+                    </a:p>
+                  </a:txBody>
+                  <a:tcPr marL="56775" marR="56775" marT="0" marB="0" anchor="b"/>
+                </a:tc>
+                <a:tc>
+                  <a:txBody>
+                    <a:bodyPr/>
+                    <a:lstStyle/>
+                    <a:p>
+                      <a:pPr marL="0" marR="0" algn="ctr">
+                        <a:lnSpc>
+                          <a:spcPts val="1200"/>
+                        </a:lnSpc>
+                        <a:spcBef>
+                          <a:spcPts val="0"/>
+                        </a:spcBef>
+                        <a:spcAft>
+                          <a:spcPts val="0"/>
+                        </a:spcAft>
+                      </a:pPr>
+                      <a:r>
+                        <a:rPr lang="en-US" sz="800">
+                          <a:effectLst/>
+                        </a:rPr>
+                        <a:t>Customer, Admin</a:t>
+                      </a:r>
+                      <a:endParaRPr lang="en-US" sz="800">
+                        <a:effectLst/>
+                        <a:latin typeface="Arial" panose="020B0604020202020204" pitchFamily="34" charset="0"/>
+                        <a:ea typeface="Times New Roman" panose="02020603050405020304" pitchFamily="18" charset="0"/>
+                        <a:cs typeface="Times New Roman" panose="02020603050405020304" pitchFamily="18" charset="0"/>
+                      </a:endParaRPr>
+                    </a:p>
+                  </a:txBody>
+                  <a:tcPr marL="56775" marR="56775" marT="0" marB="0"/>
+                </a:tc>
+                <a:tc>
+                  <a:txBody>
+                    <a:bodyPr/>
+                    <a:lstStyle/>
+                    <a:p>
+                      <a:pPr marL="0" marR="0" algn="ctr">
+                        <a:lnSpc>
+                          <a:spcPts val="1200"/>
+                        </a:lnSpc>
+                        <a:spcBef>
+                          <a:spcPts val="0"/>
+                        </a:spcBef>
+                        <a:spcAft>
+                          <a:spcPts val="0"/>
+                        </a:spcAft>
+                      </a:pPr>
+                      <a:r>
+                        <a:rPr lang="en-US" sz="800">
+                          <a:effectLst/>
+                        </a:rPr>
+                        <a:t>18/07/2017</a:t>
+                      </a:r>
+                      <a:endParaRPr lang="en-US" sz="800">
+                        <a:effectLst/>
+                        <a:latin typeface="Arial" panose="020B0604020202020204" pitchFamily="34" charset="0"/>
+                        <a:ea typeface="Times New Roman" panose="02020603050405020304" pitchFamily="18" charset="0"/>
+                        <a:cs typeface="Times New Roman" panose="02020603050405020304" pitchFamily="18" charset="0"/>
+                      </a:endParaRPr>
+                    </a:p>
+                  </a:txBody>
+                  <a:tcPr marL="56775" marR="56775" marT="0" marB="0"/>
+                </a:tc>
+                <a:tc>
+                  <a:txBody>
+                    <a:bodyPr/>
+                    <a:lstStyle/>
+                    <a:p>
+                      <a:pPr marL="0" marR="0" algn="ctr">
+                        <a:lnSpc>
+                          <a:spcPts val="1200"/>
+                        </a:lnSpc>
+                        <a:spcBef>
+                          <a:spcPts val="0"/>
+                        </a:spcBef>
+                        <a:spcAft>
+                          <a:spcPts val="0"/>
+                        </a:spcAft>
+                      </a:pPr>
+                      <a:r>
+                        <a:rPr lang="en-US" sz="800">
+                          <a:effectLst/>
+                        </a:rPr>
+                        <a:t>22/07/2017</a:t>
+                      </a:r>
+                      <a:endParaRPr lang="en-US" sz="800">
+                        <a:effectLst/>
+                        <a:latin typeface="Arial" panose="020B0604020202020204" pitchFamily="34" charset="0"/>
+                        <a:ea typeface="Times New Roman" panose="02020603050405020304" pitchFamily="18" charset="0"/>
+                        <a:cs typeface="Times New Roman" panose="02020603050405020304" pitchFamily="18" charset="0"/>
+                      </a:endParaRPr>
+                    </a:p>
+                  </a:txBody>
+                  <a:tcPr marL="56775" marR="56775" marT="0" marB="0"/>
+                </a:tc>
+                <a:tc>
+                  <a:txBody>
+                    <a:bodyPr/>
+                    <a:lstStyle/>
+                    <a:p>
+                      <a:pPr marL="0" marR="0" algn="ctr">
+                        <a:lnSpc>
+                          <a:spcPts val="1200"/>
+                        </a:lnSpc>
+                        <a:spcBef>
+                          <a:spcPts val="0"/>
+                        </a:spcBef>
+                        <a:spcAft>
+                          <a:spcPts val="0"/>
+                        </a:spcAft>
+                      </a:pPr>
+                      <a:r>
+                        <a:rPr lang="en-US" sz="800">
+                          <a:effectLst/>
+                        </a:rPr>
+                        <a:t>4</a:t>
+                      </a:r>
+                      <a:endParaRPr lang="en-US" sz="800">
+                        <a:effectLst/>
+                        <a:latin typeface="Arial" panose="020B0604020202020204" pitchFamily="34" charset="0"/>
+                        <a:ea typeface="Times New Roman" panose="02020603050405020304" pitchFamily="18" charset="0"/>
+                        <a:cs typeface="Times New Roman" panose="02020603050405020304" pitchFamily="18" charset="0"/>
+                      </a:endParaRPr>
+                    </a:p>
+                  </a:txBody>
+                  <a:tcPr marL="56775" marR="56775" marT="0" marB="0"/>
+                </a:tc>
+              </a:tr>
+              <a:tr h="189218">
+                <a:tc>
+                  <a:txBody>
+                    <a:bodyPr/>
+                    <a:lstStyle/>
+                    <a:p>
+                      <a:pPr marL="0" marR="0" algn="ctr">
+                        <a:lnSpc>
+                          <a:spcPts val="1200"/>
+                        </a:lnSpc>
+                        <a:spcBef>
+                          <a:spcPts val="0"/>
+                        </a:spcBef>
+                        <a:spcAft>
+                          <a:spcPts val="0"/>
+                        </a:spcAft>
+                      </a:pPr>
+                      <a:r>
+                        <a:rPr lang="en-US" sz="800">
+                          <a:effectLst/>
+                        </a:rPr>
+                        <a:t>18</a:t>
+                      </a:r>
+                      <a:endParaRPr lang="en-US" sz="800">
+                        <a:effectLst/>
+                        <a:latin typeface="Arial" panose="020B0604020202020204" pitchFamily="34" charset="0"/>
+                        <a:ea typeface="Times New Roman" panose="02020603050405020304" pitchFamily="18" charset="0"/>
+                        <a:cs typeface="Times New Roman" panose="02020603050405020304" pitchFamily="18" charset="0"/>
+                      </a:endParaRPr>
+                    </a:p>
+                  </a:txBody>
+                  <a:tcPr marL="56775" marR="56775" marT="0" marB="0"/>
+                </a:tc>
+                <a:tc>
+                  <a:txBody>
+                    <a:bodyPr/>
+                    <a:lstStyle/>
+                    <a:p>
+                      <a:pPr marL="0" marR="0" algn="just">
+                        <a:lnSpc>
+                          <a:spcPct val="107000"/>
+                        </a:lnSpc>
+                        <a:spcBef>
+                          <a:spcPts val="0"/>
+                        </a:spcBef>
+                        <a:spcAft>
+                          <a:spcPts val="0"/>
+                        </a:spcAft>
+                      </a:pPr>
+                      <a:r>
+                        <a:rPr lang="en-US" sz="800">
+                          <a:effectLst/>
+                        </a:rPr>
+                        <a:t>Change password</a:t>
+                      </a:r>
+                      <a:endParaRPr lang="en-US" sz="1000">
+                        <a:effectLst/>
+                        <a:latin typeface="Times New Roman" panose="02020603050405020304" pitchFamily="18" charset="0"/>
+                        <a:ea typeface="Times New Roman" panose="02020603050405020304" pitchFamily="18" charset="0"/>
+                        <a:cs typeface="Times New Roman" panose="02020603050405020304" pitchFamily="18" charset="0"/>
+                      </a:endParaRPr>
+                    </a:p>
+                  </a:txBody>
+                  <a:tcPr marL="56775" marR="56775" marT="0" marB="0" anchor="b"/>
+                </a:tc>
+                <a:tc>
+                  <a:txBody>
+                    <a:bodyPr/>
+                    <a:lstStyle/>
+                    <a:p>
+                      <a:pPr marL="0" marR="0" algn="ctr">
+                        <a:lnSpc>
+                          <a:spcPts val="1200"/>
+                        </a:lnSpc>
+                        <a:spcBef>
+                          <a:spcPts val="0"/>
+                        </a:spcBef>
+                        <a:spcAft>
+                          <a:spcPts val="0"/>
+                        </a:spcAft>
+                      </a:pPr>
+                      <a:r>
+                        <a:rPr lang="en-US" sz="800">
+                          <a:effectLst/>
+                        </a:rPr>
+                        <a:t>Customer, Admin</a:t>
+                      </a:r>
+                      <a:endParaRPr lang="en-US" sz="800">
+                        <a:effectLst/>
+                        <a:latin typeface="Arial" panose="020B0604020202020204" pitchFamily="34" charset="0"/>
+                        <a:ea typeface="Times New Roman" panose="02020603050405020304" pitchFamily="18" charset="0"/>
+                        <a:cs typeface="Times New Roman" panose="02020603050405020304" pitchFamily="18" charset="0"/>
+                      </a:endParaRPr>
+                    </a:p>
+                  </a:txBody>
+                  <a:tcPr marL="56775" marR="56775" marT="0" marB="0"/>
+                </a:tc>
+                <a:tc>
+                  <a:txBody>
+                    <a:bodyPr/>
+                    <a:lstStyle/>
+                    <a:p>
+                      <a:pPr marL="0" marR="0" algn="ctr">
+                        <a:lnSpc>
+                          <a:spcPts val="1200"/>
+                        </a:lnSpc>
+                        <a:spcBef>
+                          <a:spcPts val="0"/>
+                        </a:spcBef>
+                        <a:spcAft>
+                          <a:spcPts val="0"/>
+                        </a:spcAft>
+                      </a:pPr>
+                      <a:r>
+                        <a:rPr lang="en-US" sz="800">
+                          <a:effectLst/>
+                        </a:rPr>
+                        <a:t>22/07/2017</a:t>
+                      </a:r>
+                      <a:endParaRPr lang="en-US" sz="800">
+                        <a:effectLst/>
+                        <a:latin typeface="Arial" panose="020B0604020202020204" pitchFamily="34" charset="0"/>
+                        <a:ea typeface="Times New Roman" panose="02020603050405020304" pitchFamily="18" charset="0"/>
+                        <a:cs typeface="Times New Roman" panose="02020603050405020304" pitchFamily="18" charset="0"/>
+                      </a:endParaRPr>
+                    </a:p>
+                  </a:txBody>
+                  <a:tcPr marL="56775" marR="56775" marT="0" marB="0"/>
+                </a:tc>
+                <a:tc>
+                  <a:txBody>
+                    <a:bodyPr/>
+                    <a:lstStyle/>
+                    <a:p>
+                      <a:pPr marL="0" marR="0" algn="ctr">
+                        <a:lnSpc>
+                          <a:spcPts val="1200"/>
+                        </a:lnSpc>
+                        <a:spcBef>
+                          <a:spcPts val="0"/>
+                        </a:spcBef>
+                        <a:spcAft>
+                          <a:spcPts val="0"/>
+                        </a:spcAft>
+                      </a:pPr>
+                      <a:r>
+                        <a:rPr lang="en-US" sz="800">
+                          <a:effectLst/>
+                        </a:rPr>
+                        <a:t>26/07/2017</a:t>
+                      </a:r>
+                      <a:endParaRPr lang="en-US" sz="800">
+                        <a:effectLst/>
+                        <a:latin typeface="Arial" panose="020B0604020202020204" pitchFamily="34" charset="0"/>
+                        <a:ea typeface="Times New Roman" panose="02020603050405020304" pitchFamily="18" charset="0"/>
+                        <a:cs typeface="Times New Roman" panose="02020603050405020304" pitchFamily="18" charset="0"/>
+                      </a:endParaRPr>
+                    </a:p>
+                  </a:txBody>
+                  <a:tcPr marL="56775" marR="56775" marT="0" marB="0"/>
+                </a:tc>
+                <a:tc>
+                  <a:txBody>
+                    <a:bodyPr/>
+                    <a:lstStyle/>
+                    <a:p>
+                      <a:pPr marL="0" marR="0" algn="ctr">
+                        <a:lnSpc>
+                          <a:spcPts val="1200"/>
+                        </a:lnSpc>
+                        <a:spcBef>
+                          <a:spcPts val="0"/>
+                        </a:spcBef>
+                        <a:spcAft>
+                          <a:spcPts val="0"/>
+                        </a:spcAft>
+                      </a:pPr>
+                      <a:r>
+                        <a:rPr lang="en-US" sz="800">
+                          <a:effectLst/>
+                        </a:rPr>
+                        <a:t>4</a:t>
+                      </a:r>
+                      <a:endParaRPr lang="en-US" sz="800">
+                        <a:effectLst/>
+                        <a:latin typeface="Arial" panose="020B0604020202020204" pitchFamily="34" charset="0"/>
+                        <a:ea typeface="Times New Roman" panose="02020603050405020304" pitchFamily="18" charset="0"/>
+                        <a:cs typeface="Times New Roman" panose="02020603050405020304" pitchFamily="18" charset="0"/>
+                      </a:endParaRPr>
+                    </a:p>
+                  </a:txBody>
+                  <a:tcPr marL="56775" marR="56775" marT="0" marB="0"/>
+                </a:tc>
+              </a:tr>
+              <a:tr h="189218">
+                <a:tc>
+                  <a:txBody>
+                    <a:bodyPr/>
+                    <a:lstStyle/>
+                    <a:p>
+                      <a:pPr marL="0" marR="0" algn="ctr">
+                        <a:lnSpc>
+                          <a:spcPts val="1200"/>
+                        </a:lnSpc>
+                        <a:spcBef>
+                          <a:spcPts val="0"/>
+                        </a:spcBef>
+                        <a:spcAft>
+                          <a:spcPts val="0"/>
+                        </a:spcAft>
+                      </a:pPr>
+                      <a:r>
+                        <a:rPr lang="en-US" sz="800">
+                          <a:effectLst/>
+                        </a:rPr>
+                        <a:t>19</a:t>
+                      </a:r>
+                      <a:endParaRPr lang="en-US" sz="800">
+                        <a:effectLst/>
+                        <a:latin typeface="Arial" panose="020B0604020202020204" pitchFamily="34" charset="0"/>
+                        <a:ea typeface="Times New Roman" panose="02020603050405020304" pitchFamily="18" charset="0"/>
+                        <a:cs typeface="Times New Roman" panose="02020603050405020304" pitchFamily="18" charset="0"/>
+                      </a:endParaRPr>
+                    </a:p>
+                  </a:txBody>
+                  <a:tcPr marL="56775" marR="56775" marT="0" marB="0"/>
+                </a:tc>
+                <a:tc>
+                  <a:txBody>
+                    <a:bodyPr/>
+                    <a:lstStyle/>
+                    <a:p>
+                      <a:pPr marL="0" marR="0" algn="just">
+                        <a:lnSpc>
+                          <a:spcPct val="107000"/>
+                        </a:lnSpc>
+                        <a:spcBef>
+                          <a:spcPts val="0"/>
+                        </a:spcBef>
+                        <a:spcAft>
+                          <a:spcPts val="0"/>
+                        </a:spcAft>
+                      </a:pPr>
+                      <a:r>
+                        <a:rPr lang="en-US" sz="800">
+                          <a:effectLst/>
+                        </a:rPr>
+                        <a:t>View activity</a:t>
+                      </a:r>
+                      <a:endParaRPr lang="en-US" sz="1000">
+                        <a:effectLst/>
+                        <a:latin typeface="Times New Roman" panose="02020603050405020304" pitchFamily="18" charset="0"/>
+                        <a:ea typeface="Times New Roman" panose="02020603050405020304" pitchFamily="18" charset="0"/>
+                        <a:cs typeface="Times New Roman" panose="02020603050405020304" pitchFamily="18" charset="0"/>
+                      </a:endParaRPr>
+                    </a:p>
+                  </a:txBody>
+                  <a:tcPr marL="56775" marR="56775" marT="0" marB="0" anchor="b"/>
+                </a:tc>
+                <a:tc>
+                  <a:txBody>
+                    <a:bodyPr/>
+                    <a:lstStyle/>
+                    <a:p>
+                      <a:pPr marL="0" marR="0" algn="ctr">
+                        <a:lnSpc>
+                          <a:spcPts val="1200"/>
+                        </a:lnSpc>
+                        <a:spcBef>
+                          <a:spcPts val="0"/>
+                        </a:spcBef>
+                        <a:spcAft>
+                          <a:spcPts val="0"/>
+                        </a:spcAft>
+                      </a:pPr>
+                      <a:r>
+                        <a:rPr lang="en-US" sz="800">
+                          <a:effectLst/>
+                        </a:rPr>
+                        <a:t>Customer</a:t>
+                      </a:r>
+                      <a:endParaRPr lang="en-US" sz="800">
+                        <a:effectLst/>
+                        <a:latin typeface="Arial" panose="020B0604020202020204" pitchFamily="34" charset="0"/>
+                        <a:ea typeface="Times New Roman" panose="02020603050405020304" pitchFamily="18" charset="0"/>
+                        <a:cs typeface="Times New Roman" panose="02020603050405020304" pitchFamily="18" charset="0"/>
+                      </a:endParaRPr>
+                    </a:p>
+                  </a:txBody>
+                  <a:tcPr marL="56775" marR="56775" marT="0" marB="0"/>
+                </a:tc>
+                <a:tc>
+                  <a:txBody>
+                    <a:bodyPr/>
+                    <a:lstStyle/>
+                    <a:p>
+                      <a:pPr marL="0" marR="0" algn="ctr">
+                        <a:lnSpc>
+                          <a:spcPts val="1200"/>
+                        </a:lnSpc>
+                        <a:spcBef>
+                          <a:spcPts val="0"/>
+                        </a:spcBef>
+                        <a:spcAft>
+                          <a:spcPts val="0"/>
+                        </a:spcAft>
+                      </a:pPr>
+                      <a:r>
+                        <a:rPr lang="en-US" sz="800">
+                          <a:effectLst/>
+                        </a:rPr>
+                        <a:t>26/07/2017</a:t>
+                      </a:r>
+                      <a:endParaRPr lang="en-US" sz="800">
+                        <a:effectLst/>
+                        <a:latin typeface="Arial" panose="020B0604020202020204" pitchFamily="34" charset="0"/>
+                        <a:ea typeface="Times New Roman" panose="02020603050405020304" pitchFamily="18" charset="0"/>
+                        <a:cs typeface="Times New Roman" panose="02020603050405020304" pitchFamily="18" charset="0"/>
+                      </a:endParaRPr>
+                    </a:p>
+                  </a:txBody>
+                  <a:tcPr marL="56775" marR="56775" marT="0" marB="0"/>
+                </a:tc>
+                <a:tc>
+                  <a:txBody>
+                    <a:bodyPr/>
+                    <a:lstStyle/>
+                    <a:p>
+                      <a:pPr marL="0" marR="0" algn="ctr">
+                        <a:lnSpc>
+                          <a:spcPts val="1200"/>
+                        </a:lnSpc>
+                        <a:spcBef>
+                          <a:spcPts val="0"/>
+                        </a:spcBef>
+                        <a:spcAft>
+                          <a:spcPts val="0"/>
+                        </a:spcAft>
+                      </a:pPr>
+                      <a:r>
+                        <a:rPr lang="en-US" sz="800">
+                          <a:effectLst/>
+                        </a:rPr>
+                        <a:t>28/07/2017</a:t>
+                      </a:r>
+                      <a:endParaRPr lang="en-US" sz="800">
+                        <a:effectLst/>
+                        <a:latin typeface="Arial" panose="020B0604020202020204" pitchFamily="34" charset="0"/>
+                        <a:ea typeface="Times New Roman" panose="02020603050405020304" pitchFamily="18" charset="0"/>
+                        <a:cs typeface="Times New Roman" panose="02020603050405020304" pitchFamily="18" charset="0"/>
+                      </a:endParaRPr>
+                    </a:p>
+                  </a:txBody>
+                  <a:tcPr marL="56775" marR="56775" marT="0" marB="0"/>
+                </a:tc>
+                <a:tc>
+                  <a:txBody>
+                    <a:bodyPr/>
+                    <a:lstStyle/>
+                    <a:p>
+                      <a:pPr marL="0" marR="0" algn="ctr">
+                        <a:lnSpc>
+                          <a:spcPts val="1200"/>
+                        </a:lnSpc>
+                        <a:spcBef>
+                          <a:spcPts val="0"/>
+                        </a:spcBef>
+                        <a:spcAft>
+                          <a:spcPts val="0"/>
+                        </a:spcAft>
+                      </a:pPr>
+                      <a:r>
+                        <a:rPr lang="en-US" sz="800">
+                          <a:effectLst/>
+                        </a:rPr>
+                        <a:t>2</a:t>
+                      </a:r>
+                      <a:endParaRPr lang="en-US" sz="800">
+                        <a:effectLst/>
+                        <a:latin typeface="Arial" panose="020B0604020202020204" pitchFamily="34" charset="0"/>
+                        <a:ea typeface="Times New Roman" panose="02020603050405020304" pitchFamily="18" charset="0"/>
+                        <a:cs typeface="Times New Roman" panose="02020603050405020304" pitchFamily="18" charset="0"/>
+                      </a:endParaRPr>
+                    </a:p>
+                  </a:txBody>
+                  <a:tcPr marL="56775" marR="56775" marT="0" marB="0"/>
+                </a:tc>
+              </a:tr>
+              <a:tr h="189218">
+                <a:tc>
+                  <a:txBody>
+                    <a:bodyPr/>
+                    <a:lstStyle/>
+                    <a:p>
+                      <a:pPr marL="0" marR="0" algn="ctr">
+                        <a:lnSpc>
+                          <a:spcPts val="1200"/>
+                        </a:lnSpc>
+                        <a:spcBef>
+                          <a:spcPts val="0"/>
+                        </a:spcBef>
+                        <a:spcAft>
+                          <a:spcPts val="0"/>
+                        </a:spcAft>
+                      </a:pPr>
+                      <a:r>
+                        <a:rPr lang="en-US" sz="800">
+                          <a:effectLst/>
+                        </a:rPr>
+                        <a:t>20</a:t>
+                      </a:r>
+                      <a:endParaRPr lang="en-US" sz="800">
+                        <a:effectLst/>
+                        <a:latin typeface="Arial" panose="020B0604020202020204" pitchFamily="34" charset="0"/>
+                        <a:ea typeface="Times New Roman" panose="02020603050405020304" pitchFamily="18" charset="0"/>
+                        <a:cs typeface="Times New Roman" panose="02020603050405020304" pitchFamily="18" charset="0"/>
+                      </a:endParaRPr>
+                    </a:p>
+                  </a:txBody>
+                  <a:tcPr marL="56775" marR="56775" marT="0" marB="0"/>
+                </a:tc>
+                <a:tc>
+                  <a:txBody>
+                    <a:bodyPr/>
+                    <a:lstStyle/>
+                    <a:p>
+                      <a:pPr marL="0" marR="0" algn="just">
+                        <a:lnSpc>
+                          <a:spcPct val="107000"/>
+                        </a:lnSpc>
+                        <a:spcBef>
+                          <a:spcPts val="0"/>
+                        </a:spcBef>
+                        <a:spcAft>
+                          <a:spcPts val="0"/>
+                        </a:spcAft>
+                      </a:pPr>
+                      <a:r>
+                        <a:rPr lang="en-US" sz="800">
+                          <a:effectLst/>
+                        </a:rPr>
+                        <a:t>Send feedback</a:t>
+                      </a:r>
+                      <a:endParaRPr lang="en-US" sz="1000">
+                        <a:effectLst/>
+                        <a:latin typeface="Times New Roman" panose="02020603050405020304" pitchFamily="18" charset="0"/>
+                        <a:ea typeface="Times New Roman" panose="02020603050405020304" pitchFamily="18" charset="0"/>
+                        <a:cs typeface="Times New Roman" panose="02020603050405020304" pitchFamily="18" charset="0"/>
+                      </a:endParaRPr>
+                    </a:p>
+                  </a:txBody>
+                  <a:tcPr marL="56775" marR="56775" marT="0" marB="0" anchor="b"/>
+                </a:tc>
+                <a:tc>
+                  <a:txBody>
+                    <a:bodyPr/>
+                    <a:lstStyle/>
+                    <a:p>
+                      <a:pPr marL="0" marR="0" algn="ctr">
+                        <a:lnSpc>
+                          <a:spcPts val="1200"/>
+                        </a:lnSpc>
+                        <a:spcBef>
+                          <a:spcPts val="0"/>
+                        </a:spcBef>
+                        <a:spcAft>
+                          <a:spcPts val="0"/>
+                        </a:spcAft>
+                      </a:pPr>
+                      <a:r>
+                        <a:rPr lang="en-US" sz="800">
+                          <a:effectLst/>
+                        </a:rPr>
+                        <a:t>Customer</a:t>
+                      </a:r>
+                      <a:endParaRPr lang="en-US" sz="800">
+                        <a:effectLst/>
+                        <a:latin typeface="Arial" panose="020B0604020202020204" pitchFamily="34" charset="0"/>
+                        <a:ea typeface="Times New Roman" panose="02020603050405020304" pitchFamily="18" charset="0"/>
+                        <a:cs typeface="Times New Roman" panose="02020603050405020304" pitchFamily="18" charset="0"/>
+                      </a:endParaRPr>
+                    </a:p>
+                  </a:txBody>
+                  <a:tcPr marL="56775" marR="56775" marT="0" marB="0"/>
+                </a:tc>
+                <a:tc>
+                  <a:txBody>
+                    <a:bodyPr/>
+                    <a:lstStyle/>
+                    <a:p>
+                      <a:pPr marL="0" marR="0" algn="ctr">
+                        <a:lnSpc>
+                          <a:spcPts val="1200"/>
+                        </a:lnSpc>
+                        <a:spcBef>
+                          <a:spcPts val="0"/>
+                        </a:spcBef>
+                        <a:spcAft>
+                          <a:spcPts val="0"/>
+                        </a:spcAft>
+                      </a:pPr>
+                      <a:r>
+                        <a:rPr lang="en-US" sz="800">
+                          <a:effectLst/>
+                        </a:rPr>
+                        <a:t>28/07/2017</a:t>
+                      </a:r>
+                      <a:endParaRPr lang="en-US" sz="800">
+                        <a:effectLst/>
+                        <a:latin typeface="Arial" panose="020B0604020202020204" pitchFamily="34" charset="0"/>
+                        <a:ea typeface="Times New Roman" panose="02020603050405020304" pitchFamily="18" charset="0"/>
+                        <a:cs typeface="Times New Roman" panose="02020603050405020304" pitchFamily="18" charset="0"/>
+                      </a:endParaRPr>
+                    </a:p>
+                  </a:txBody>
+                  <a:tcPr marL="56775" marR="56775" marT="0" marB="0"/>
+                </a:tc>
+                <a:tc>
+                  <a:txBody>
+                    <a:bodyPr/>
+                    <a:lstStyle/>
+                    <a:p>
+                      <a:pPr marL="0" marR="0" algn="ctr">
+                        <a:lnSpc>
+                          <a:spcPts val="1200"/>
+                        </a:lnSpc>
+                        <a:spcBef>
+                          <a:spcPts val="0"/>
+                        </a:spcBef>
+                        <a:spcAft>
+                          <a:spcPts val="0"/>
+                        </a:spcAft>
+                      </a:pPr>
+                      <a:r>
+                        <a:rPr lang="en-US" sz="800">
+                          <a:effectLst/>
+                        </a:rPr>
+                        <a:t>02/08/2017</a:t>
+                      </a:r>
+                      <a:endParaRPr lang="en-US" sz="800">
+                        <a:effectLst/>
+                        <a:latin typeface="Arial" panose="020B0604020202020204" pitchFamily="34" charset="0"/>
+                        <a:ea typeface="Times New Roman" panose="02020603050405020304" pitchFamily="18" charset="0"/>
+                        <a:cs typeface="Times New Roman" panose="02020603050405020304" pitchFamily="18" charset="0"/>
+                      </a:endParaRPr>
+                    </a:p>
+                  </a:txBody>
+                  <a:tcPr marL="56775" marR="56775" marT="0" marB="0"/>
+                </a:tc>
+                <a:tc>
+                  <a:txBody>
+                    <a:bodyPr/>
+                    <a:lstStyle/>
+                    <a:p>
+                      <a:pPr marL="0" marR="0" algn="ctr">
+                        <a:lnSpc>
+                          <a:spcPts val="1200"/>
+                        </a:lnSpc>
+                        <a:spcBef>
+                          <a:spcPts val="0"/>
+                        </a:spcBef>
+                        <a:spcAft>
+                          <a:spcPts val="0"/>
+                        </a:spcAft>
+                      </a:pPr>
+                      <a:r>
+                        <a:rPr lang="en-US" sz="800">
+                          <a:effectLst/>
+                        </a:rPr>
+                        <a:t>5</a:t>
+                      </a:r>
+                      <a:endParaRPr lang="en-US" sz="800">
+                        <a:effectLst/>
+                        <a:latin typeface="Arial" panose="020B0604020202020204" pitchFamily="34" charset="0"/>
+                        <a:ea typeface="Times New Roman" panose="02020603050405020304" pitchFamily="18" charset="0"/>
+                        <a:cs typeface="Times New Roman" panose="02020603050405020304" pitchFamily="18" charset="0"/>
+                      </a:endParaRPr>
+                    </a:p>
+                  </a:txBody>
+                  <a:tcPr marL="56775" marR="56775" marT="0" marB="0"/>
+                </a:tc>
+              </a:tr>
+              <a:tr h="189218">
+                <a:tc>
+                  <a:txBody>
+                    <a:bodyPr/>
+                    <a:lstStyle/>
+                    <a:p>
+                      <a:pPr marL="0" marR="0" algn="ctr">
+                        <a:lnSpc>
+                          <a:spcPts val="1200"/>
+                        </a:lnSpc>
+                        <a:spcBef>
+                          <a:spcPts val="0"/>
+                        </a:spcBef>
+                        <a:spcAft>
+                          <a:spcPts val="0"/>
+                        </a:spcAft>
+                      </a:pPr>
+                      <a:r>
+                        <a:rPr lang="en-US" sz="800">
+                          <a:effectLst/>
+                        </a:rPr>
+                        <a:t>21</a:t>
+                      </a:r>
+                      <a:endParaRPr lang="en-US" sz="800">
+                        <a:effectLst/>
+                        <a:latin typeface="Arial" panose="020B0604020202020204" pitchFamily="34" charset="0"/>
+                        <a:ea typeface="Times New Roman" panose="02020603050405020304" pitchFamily="18" charset="0"/>
+                        <a:cs typeface="Times New Roman" panose="02020603050405020304" pitchFamily="18" charset="0"/>
+                      </a:endParaRPr>
+                    </a:p>
+                  </a:txBody>
+                  <a:tcPr marL="56775" marR="56775" marT="0" marB="0"/>
+                </a:tc>
+                <a:tc>
+                  <a:txBody>
+                    <a:bodyPr/>
+                    <a:lstStyle/>
+                    <a:p>
+                      <a:pPr marL="0" marR="0" algn="just">
+                        <a:lnSpc>
+                          <a:spcPct val="107000"/>
+                        </a:lnSpc>
+                        <a:spcBef>
+                          <a:spcPts val="0"/>
+                        </a:spcBef>
+                        <a:spcAft>
+                          <a:spcPts val="0"/>
+                        </a:spcAft>
+                      </a:pPr>
+                      <a:r>
+                        <a:rPr lang="en-US" sz="800">
+                          <a:effectLst/>
+                        </a:rPr>
+                        <a:t>Dashboard management</a:t>
+                      </a:r>
+                      <a:endParaRPr lang="en-US" sz="1000">
+                        <a:effectLst/>
+                        <a:latin typeface="Times New Roman" panose="02020603050405020304" pitchFamily="18" charset="0"/>
+                        <a:ea typeface="Times New Roman" panose="02020603050405020304" pitchFamily="18" charset="0"/>
+                        <a:cs typeface="Times New Roman" panose="02020603050405020304" pitchFamily="18" charset="0"/>
+                      </a:endParaRPr>
+                    </a:p>
+                  </a:txBody>
+                  <a:tcPr marL="56775" marR="56775" marT="0" marB="0" anchor="b"/>
+                </a:tc>
+                <a:tc>
+                  <a:txBody>
+                    <a:bodyPr/>
+                    <a:lstStyle/>
+                    <a:p>
+                      <a:pPr marL="0" marR="0" algn="ctr">
+                        <a:lnSpc>
+                          <a:spcPts val="1200"/>
+                        </a:lnSpc>
+                        <a:spcBef>
+                          <a:spcPts val="0"/>
+                        </a:spcBef>
+                        <a:spcAft>
+                          <a:spcPts val="0"/>
+                        </a:spcAft>
+                      </a:pPr>
+                      <a:r>
+                        <a:rPr lang="en-US" sz="800">
+                          <a:effectLst/>
+                        </a:rPr>
+                        <a:t>Admin</a:t>
+                      </a:r>
+                      <a:endParaRPr lang="en-US" sz="800">
+                        <a:effectLst/>
+                        <a:latin typeface="Arial" panose="020B0604020202020204" pitchFamily="34" charset="0"/>
+                        <a:ea typeface="Times New Roman" panose="02020603050405020304" pitchFamily="18" charset="0"/>
+                        <a:cs typeface="Times New Roman" panose="02020603050405020304" pitchFamily="18" charset="0"/>
+                      </a:endParaRPr>
+                    </a:p>
+                  </a:txBody>
+                  <a:tcPr marL="56775" marR="56775" marT="0" marB="0"/>
+                </a:tc>
+                <a:tc>
+                  <a:txBody>
+                    <a:bodyPr/>
+                    <a:lstStyle/>
+                    <a:p>
+                      <a:pPr marL="0" marR="0" algn="ctr">
+                        <a:lnSpc>
+                          <a:spcPts val="1200"/>
+                        </a:lnSpc>
+                        <a:spcBef>
+                          <a:spcPts val="0"/>
+                        </a:spcBef>
+                        <a:spcAft>
+                          <a:spcPts val="0"/>
+                        </a:spcAft>
+                      </a:pPr>
+                      <a:r>
+                        <a:rPr lang="en-US" sz="800">
+                          <a:effectLst/>
+                        </a:rPr>
+                        <a:t>02/08/2017</a:t>
+                      </a:r>
+                      <a:endParaRPr lang="en-US" sz="800">
+                        <a:effectLst/>
+                        <a:latin typeface="Arial" panose="020B0604020202020204" pitchFamily="34" charset="0"/>
+                        <a:ea typeface="Times New Roman" panose="02020603050405020304" pitchFamily="18" charset="0"/>
+                        <a:cs typeface="Times New Roman" panose="02020603050405020304" pitchFamily="18" charset="0"/>
+                      </a:endParaRPr>
+                    </a:p>
+                  </a:txBody>
+                  <a:tcPr marL="56775" marR="56775" marT="0" marB="0"/>
+                </a:tc>
+                <a:tc>
+                  <a:txBody>
+                    <a:bodyPr/>
+                    <a:lstStyle/>
+                    <a:p>
+                      <a:pPr marL="0" marR="0" algn="ctr">
+                        <a:lnSpc>
+                          <a:spcPts val="1200"/>
+                        </a:lnSpc>
+                        <a:spcBef>
+                          <a:spcPts val="0"/>
+                        </a:spcBef>
+                        <a:spcAft>
+                          <a:spcPts val="0"/>
+                        </a:spcAft>
+                      </a:pPr>
+                      <a:r>
+                        <a:rPr lang="en-US" sz="800">
+                          <a:effectLst/>
+                        </a:rPr>
+                        <a:t>09/08/2017</a:t>
+                      </a:r>
+                      <a:endParaRPr lang="en-US" sz="800">
+                        <a:effectLst/>
+                        <a:latin typeface="Arial" panose="020B0604020202020204" pitchFamily="34" charset="0"/>
+                        <a:ea typeface="Times New Roman" panose="02020603050405020304" pitchFamily="18" charset="0"/>
+                        <a:cs typeface="Times New Roman" panose="02020603050405020304" pitchFamily="18" charset="0"/>
+                      </a:endParaRPr>
+                    </a:p>
+                  </a:txBody>
+                  <a:tcPr marL="56775" marR="56775" marT="0" marB="0"/>
+                </a:tc>
+                <a:tc>
+                  <a:txBody>
+                    <a:bodyPr/>
+                    <a:lstStyle/>
+                    <a:p>
+                      <a:pPr marL="0" marR="0" algn="ctr">
+                        <a:lnSpc>
+                          <a:spcPts val="1200"/>
+                        </a:lnSpc>
+                        <a:spcBef>
+                          <a:spcPts val="0"/>
+                        </a:spcBef>
+                        <a:spcAft>
+                          <a:spcPts val="0"/>
+                        </a:spcAft>
+                      </a:pPr>
+                      <a:r>
+                        <a:rPr lang="en-US" sz="800">
+                          <a:effectLst/>
+                        </a:rPr>
+                        <a:t>7</a:t>
+                      </a:r>
+                      <a:endParaRPr lang="en-US" sz="800">
+                        <a:effectLst/>
+                        <a:latin typeface="Arial" panose="020B0604020202020204" pitchFamily="34" charset="0"/>
+                        <a:ea typeface="Times New Roman" panose="02020603050405020304" pitchFamily="18" charset="0"/>
+                        <a:cs typeface="Times New Roman" panose="02020603050405020304" pitchFamily="18" charset="0"/>
+                      </a:endParaRPr>
+                    </a:p>
+                  </a:txBody>
+                  <a:tcPr marL="56775" marR="56775" marT="0" marB="0"/>
+                </a:tc>
+              </a:tr>
+              <a:tr h="189218">
+                <a:tc>
+                  <a:txBody>
+                    <a:bodyPr/>
+                    <a:lstStyle/>
+                    <a:p>
+                      <a:pPr marL="0" marR="0" algn="ctr">
+                        <a:lnSpc>
+                          <a:spcPts val="1200"/>
+                        </a:lnSpc>
+                        <a:spcBef>
+                          <a:spcPts val="0"/>
+                        </a:spcBef>
+                        <a:spcAft>
+                          <a:spcPts val="0"/>
+                        </a:spcAft>
+                      </a:pPr>
+                      <a:r>
+                        <a:rPr lang="en-US" sz="800">
+                          <a:effectLst/>
+                        </a:rPr>
+                        <a:t>22</a:t>
+                      </a:r>
+                      <a:endParaRPr lang="en-US" sz="800">
+                        <a:effectLst/>
+                        <a:latin typeface="Arial" panose="020B0604020202020204" pitchFamily="34" charset="0"/>
+                        <a:ea typeface="Times New Roman" panose="02020603050405020304" pitchFamily="18" charset="0"/>
+                        <a:cs typeface="Times New Roman" panose="02020603050405020304" pitchFamily="18" charset="0"/>
+                      </a:endParaRPr>
+                    </a:p>
+                  </a:txBody>
+                  <a:tcPr marL="56775" marR="56775" marT="0" marB="0"/>
+                </a:tc>
+                <a:tc>
+                  <a:txBody>
+                    <a:bodyPr/>
+                    <a:lstStyle/>
+                    <a:p>
+                      <a:pPr marL="0" marR="0" algn="just">
+                        <a:lnSpc>
+                          <a:spcPct val="107000"/>
+                        </a:lnSpc>
+                        <a:spcBef>
+                          <a:spcPts val="0"/>
+                        </a:spcBef>
+                        <a:spcAft>
+                          <a:spcPts val="0"/>
+                        </a:spcAft>
+                      </a:pPr>
+                      <a:r>
+                        <a:rPr lang="en-US" sz="800">
+                          <a:effectLst/>
+                        </a:rPr>
+                        <a:t>Receive notification</a:t>
+                      </a:r>
+                      <a:endParaRPr lang="en-US" sz="1000">
+                        <a:effectLst/>
+                        <a:latin typeface="Times New Roman" panose="02020603050405020304" pitchFamily="18" charset="0"/>
+                        <a:ea typeface="Times New Roman" panose="02020603050405020304" pitchFamily="18" charset="0"/>
+                        <a:cs typeface="Times New Roman" panose="02020603050405020304" pitchFamily="18" charset="0"/>
+                      </a:endParaRPr>
+                    </a:p>
+                  </a:txBody>
+                  <a:tcPr marL="56775" marR="56775" marT="0" marB="0" anchor="b"/>
+                </a:tc>
+                <a:tc>
+                  <a:txBody>
+                    <a:bodyPr/>
+                    <a:lstStyle/>
+                    <a:p>
+                      <a:pPr marL="0" marR="0" algn="ctr">
+                        <a:lnSpc>
+                          <a:spcPts val="1200"/>
+                        </a:lnSpc>
+                        <a:spcBef>
+                          <a:spcPts val="0"/>
+                        </a:spcBef>
+                        <a:spcAft>
+                          <a:spcPts val="0"/>
+                        </a:spcAft>
+                      </a:pPr>
+                      <a:r>
+                        <a:rPr lang="en-US" sz="800">
+                          <a:effectLst/>
+                        </a:rPr>
+                        <a:t>Admin</a:t>
+                      </a:r>
+                      <a:endParaRPr lang="en-US" sz="800">
+                        <a:effectLst/>
+                        <a:latin typeface="Arial" panose="020B0604020202020204" pitchFamily="34" charset="0"/>
+                        <a:ea typeface="Times New Roman" panose="02020603050405020304" pitchFamily="18" charset="0"/>
+                        <a:cs typeface="Times New Roman" panose="02020603050405020304" pitchFamily="18" charset="0"/>
+                      </a:endParaRPr>
+                    </a:p>
+                  </a:txBody>
+                  <a:tcPr marL="56775" marR="56775" marT="0" marB="0"/>
+                </a:tc>
+                <a:tc>
+                  <a:txBody>
+                    <a:bodyPr/>
+                    <a:lstStyle/>
+                    <a:p>
+                      <a:pPr marL="0" marR="0" algn="ctr">
+                        <a:lnSpc>
+                          <a:spcPts val="1200"/>
+                        </a:lnSpc>
+                        <a:spcBef>
+                          <a:spcPts val="0"/>
+                        </a:spcBef>
+                        <a:spcAft>
+                          <a:spcPts val="0"/>
+                        </a:spcAft>
+                      </a:pPr>
+                      <a:r>
+                        <a:rPr lang="en-US" sz="800">
+                          <a:effectLst/>
+                        </a:rPr>
+                        <a:t>09/08/2017</a:t>
+                      </a:r>
+                      <a:endParaRPr lang="en-US" sz="800">
+                        <a:effectLst/>
+                        <a:latin typeface="Arial" panose="020B0604020202020204" pitchFamily="34" charset="0"/>
+                        <a:ea typeface="Times New Roman" panose="02020603050405020304" pitchFamily="18" charset="0"/>
+                        <a:cs typeface="Times New Roman" panose="02020603050405020304" pitchFamily="18" charset="0"/>
+                      </a:endParaRPr>
+                    </a:p>
+                  </a:txBody>
+                  <a:tcPr marL="56775" marR="56775" marT="0" marB="0"/>
+                </a:tc>
+                <a:tc>
+                  <a:txBody>
+                    <a:bodyPr/>
+                    <a:lstStyle/>
+                    <a:p>
+                      <a:pPr marL="0" marR="0" algn="ctr">
+                        <a:lnSpc>
+                          <a:spcPts val="1200"/>
+                        </a:lnSpc>
+                        <a:spcBef>
+                          <a:spcPts val="0"/>
+                        </a:spcBef>
+                        <a:spcAft>
+                          <a:spcPts val="0"/>
+                        </a:spcAft>
+                      </a:pPr>
+                      <a:r>
+                        <a:rPr lang="en-US" sz="800">
+                          <a:effectLst/>
+                        </a:rPr>
+                        <a:t>15/08/2017</a:t>
+                      </a:r>
+                      <a:endParaRPr lang="en-US" sz="800">
+                        <a:effectLst/>
+                        <a:latin typeface="Arial" panose="020B0604020202020204" pitchFamily="34" charset="0"/>
+                        <a:ea typeface="Times New Roman" panose="02020603050405020304" pitchFamily="18" charset="0"/>
+                        <a:cs typeface="Times New Roman" panose="02020603050405020304" pitchFamily="18" charset="0"/>
+                      </a:endParaRPr>
+                    </a:p>
+                  </a:txBody>
+                  <a:tcPr marL="56775" marR="56775" marT="0" marB="0"/>
+                </a:tc>
+                <a:tc>
+                  <a:txBody>
+                    <a:bodyPr/>
+                    <a:lstStyle/>
+                    <a:p>
+                      <a:pPr marL="0" marR="0" algn="ctr">
+                        <a:lnSpc>
+                          <a:spcPts val="1200"/>
+                        </a:lnSpc>
+                        <a:spcBef>
+                          <a:spcPts val="0"/>
+                        </a:spcBef>
+                        <a:spcAft>
+                          <a:spcPts val="0"/>
+                        </a:spcAft>
+                      </a:pPr>
+                      <a:r>
+                        <a:rPr lang="en-US" sz="800">
+                          <a:effectLst/>
+                        </a:rPr>
+                        <a:t>6</a:t>
+                      </a:r>
+                      <a:endParaRPr lang="en-US" sz="800">
+                        <a:effectLst/>
+                        <a:latin typeface="Arial" panose="020B0604020202020204" pitchFamily="34" charset="0"/>
+                        <a:ea typeface="Times New Roman" panose="02020603050405020304" pitchFamily="18" charset="0"/>
+                        <a:cs typeface="Times New Roman" panose="02020603050405020304" pitchFamily="18" charset="0"/>
+                      </a:endParaRPr>
+                    </a:p>
+                  </a:txBody>
+                  <a:tcPr marL="56775" marR="56775" marT="0" marB="0"/>
+                </a:tc>
+              </a:tr>
+              <a:tr h="189218">
+                <a:tc>
+                  <a:txBody>
+                    <a:bodyPr/>
+                    <a:lstStyle/>
+                    <a:p>
+                      <a:pPr marL="0" marR="0" algn="ctr">
+                        <a:lnSpc>
+                          <a:spcPts val="1200"/>
+                        </a:lnSpc>
+                        <a:spcBef>
+                          <a:spcPts val="0"/>
+                        </a:spcBef>
+                        <a:spcAft>
+                          <a:spcPts val="0"/>
+                        </a:spcAft>
+                      </a:pPr>
+                      <a:r>
+                        <a:rPr lang="en-US" sz="800">
+                          <a:effectLst/>
+                        </a:rPr>
+                        <a:t>23</a:t>
+                      </a:r>
+                      <a:endParaRPr lang="en-US" sz="800">
+                        <a:effectLst/>
+                        <a:latin typeface="Arial" panose="020B0604020202020204" pitchFamily="34" charset="0"/>
+                        <a:ea typeface="Times New Roman" panose="02020603050405020304" pitchFamily="18" charset="0"/>
+                        <a:cs typeface="Times New Roman" panose="02020603050405020304" pitchFamily="18" charset="0"/>
+                      </a:endParaRPr>
+                    </a:p>
+                  </a:txBody>
+                  <a:tcPr marL="56775" marR="56775" marT="0" marB="0"/>
+                </a:tc>
+                <a:tc>
+                  <a:txBody>
+                    <a:bodyPr/>
+                    <a:lstStyle/>
+                    <a:p>
+                      <a:pPr marL="0" marR="0" algn="l">
+                        <a:lnSpc>
+                          <a:spcPct val="107000"/>
+                        </a:lnSpc>
+                        <a:spcBef>
+                          <a:spcPts val="0"/>
+                        </a:spcBef>
+                        <a:spcAft>
+                          <a:spcPts val="0"/>
+                        </a:spcAft>
+                      </a:pPr>
+                      <a:r>
+                        <a:rPr lang="en-US" sz="800">
+                          <a:effectLst/>
+                        </a:rPr>
+                        <a:t>Send message</a:t>
+                      </a:r>
+                      <a:endParaRPr lang="en-US" sz="1000">
+                        <a:effectLst/>
+                        <a:latin typeface="Times New Roman" panose="02020603050405020304" pitchFamily="18" charset="0"/>
+                        <a:ea typeface="Times New Roman" panose="02020603050405020304" pitchFamily="18" charset="0"/>
+                        <a:cs typeface="Times New Roman" panose="02020603050405020304" pitchFamily="18" charset="0"/>
+                      </a:endParaRPr>
+                    </a:p>
+                  </a:txBody>
+                  <a:tcPr marL="56775" marR="56775" marT="0" marB="0" anchor="b"/>
+                </a:tc>
+                <a:tc>
+                  <a:txBody>
+                    <a:bodyPr/>
+                    <a:lstStyle/>
+                    <a:p>
+                      <a:pPr marL="0" marR="0" algn="ctr">
+                        <a:lnSpc>
+                          <a:spcPts val="1200"/>
+                        </a:lnSpc>
+                        <a:spcBef>
+                          <a:spcPts val="0"/>
+                        </a:spcBef>
+                        <a:spcAft>
+                          <a:spcPts val="0"/>
+                        </a:spcAft>
+                      </a:pPr>
+                      <a:r>
+                        <a:rPr lang="en-US" sz="800">
+                          <a:effectLst/>
+                        </a:rPr>
+                        <a:t>Admin</a:t>
+                      </a:r>
+                      <a:endParaRPr lang="en-US" sz="800">
+                        <a:effectLst/>
+                        <a:latin typeface="Arial" panose="020B0604020202020204" pitchFamily="34" charset="0"/>
+                        <a:ea typeface="Times New Roman" panose="02020603050405020304" pitchFamily="18" charset="0"/>
+                        <a:cs typeface="Times New Roman" panose="02020603050405020304" pitchFamily="18" charset="0"/>
+                      </a:endParaRPr>
+                    </a:p>
+                  </a:txBody>
+                  <a:tcPr marL="56775" marR="56775" marT="0" marB="0"/>
+                </a:tc>
+                <a:tc>
+                  <a:txBody>
+                    <a:bodyPr/>
+                    <a:lstStyle/>
+                    <a:p>
+                      <a:pPr marL="0" marR="0" algn="ctr">
+                        <a:lnSpc>
+                          <a:spcPts val="1200"/>
+                        </a:lnSpc>
+                        <a:spcBef>
+                          <a:spcPts val="0"/>
+                        </a:spcBef>
+                        <a:spcAft>
+                          <a:spcPts val="0"/>
+                        </a:spcAft>
+                      </a:pPr>
+                      <a:r>
+                        <a:rPr lang="en-US" sz="800">
+                          <a:effectLst/>
+                        </a:rPr>
+                        <a:t>15/08/2017</a:t>
+                      </a:r>
+                      <a:endParaRPr lang="en-US" sz="800">
+                        <a:effectLst/>
+                        <a:latin typeface="Arial" panose="020B0604020202020204" pitchFamily="34" charset="0"/>
+                        <a:ea typeface="Times New Roman" panose="02020603050405020304" pitchFamily="18" charset="0"/>
+                        <a:cs typeface="Times New Roman" panose="02020603050405020304" pitchFamily="18" charset="0"/>
+                      </a:endParaRPr>
+                    </a:p>
+                  </a:txBody>
+                  <a:tcPr marL="56775" marR="56775" marT="0" marB="0"/>
+                </a:tc>
+                <a:tc>
+                  <a:txBody>
+                    <a:bodyPr/>
+                    <a:lstStyle/>
+                    <a:p>
+                      <a:pPr marL="0" marR="0" algn="ctr">
+                        <a:lnSpc>
+                          <a:spcPts val="1200"/>
+                        </a:lnSpc>
+                        <a:spcBef>
+                          <a:spcPts val="0"/>
+                        </a:spcBef>
+                        <a:spcAft>
+                          <a:spcPts val="0"/>
+                        </a:spcAft>
+                      </a:pPr>
+                      <a:r>
+                        <a:rPr lang="en-US" sz="800">
+                          <a:effectLst/>
+                        </a:rPr>
+                        <a:t>18/08/2017</a:t>
+                      </a:r>
+                      <a:endParaRPr lang="en-US" sz="800">
+                        <a:effectLst/>
+                        <a:latin typeface="Arial" panose="020B0604020202020204" pitchFamily="34" charset="0"/>
+                        <a:ea typeface="Times New Roman" panose="02020603050405020304" pitchFamily="18" charset="0"/>
+                        <a:cs typeface="Times New Roman" panose="02020603050405020304" pitchFamily="18" charset="0"/>
+                      </a:endParaRPr>
+                    </a:p>
+                  </a:txBody>
+                  <a:tcPr marL="56775" marR="56775" marT="0" marB="0"/>
+                </a:tc>
+                <a:tc>
+                  <a:txBody>
+                    <a:bodyPr/>
+                    <a:lstStyle/>
+                    <a:p>
+                      <a:pPr marL="0" marR="0" algn="ctr">
+                        <a:lnSpc>
+                          <a:spcPts val="1200"/>
+                        </a:lnSpc>
+                        <a:spcBef>
+                          <a:spcPts val="0"/>
+                        </a:spcBef>
+                        <a:spcAft>
+                          <a:spcPts val="0"/>
+                        </a:spcAft>
+                      </a:pPr>
+                      <a:r>
+                        <a:rPr lang="en-US" sz="800">
+                          <a:effectLst/>
+                        </a:rPr>
+                        <a:t>3</a:t>
+                      </a:r>
+                      <a:endParaRPr lang="en-US" sz="800">
+                        <a:effectLst/>
+                        <a:latin typeface="Arial" panose="020B0604020202020204" pitchFamily="34" charset="0"/>
+                        <a:ea typeface="Times New Roman" panose="02020603050405020304" pitchFamily="18" charset="0"/>
+                        <a:cs typeface="Times New Roman" panose="02020603050405020304" pitchFamily="18" charset="0"/>
+                      </a:endParaRPr>
+                    </a:p>
+                  </a:txBody>
+                  <a:tcPr marL="56775" marR="56775" marT="0" marB="0"/>
+                </a:tc>
+              </a:tr>
+              <a:tr h="189218">
+                <a:tc>
+                  <a:txBody>
+                    <a:bodyPr/>
+                    <a:lstStyle/>
+                    <a:p>
+                      <a:pPr marL="0" marR="0" algn="ctr">
+                        <a:lnSpc>
+                          <a:spcPts val="1200"/>
+                        </a:lnSpc>
+                        <a:spcBef>
+                          <a:spcPts val="0"/>
+                        </a:spcBef>
+                        <a:spcAft>
+                          <a:spcPts val="0"/>
+                        </a:spcAft>
+                      </a:pPr>
+                      <a:r>
+                        <a:rPr lang="en-US" sz="800">
+                          <a:effectLst/>
+                        </a:rPr>
+                        <a:t>24</a:t>
+                      </a:r>
+                      <a:endParaRPr lang="en-US" sz="800">
+                        <a:effectLst/>
+                        <a:latin typeface="Arial" panose="020B0604020202020204" pitchFamily="34" charset="0"/>
+                        <a:ea typeface="Times New Roman" panose="02020603050405020304" pitchFamily="18" charset="0"/>
+                        <a:cs typeface="Times New Roman" panose="02020603050405020304" pitchFamily="18" charset="0"/>
+                      </a:endParaRPr>
+                    </a:p>
+                  </a:txBody>
+                  <a:tcPr marL="56775" marR="56775" marT="0" marB="0"/>
+                </a:tc>
+                <a:tc>
+                  <a:txBody>
+                    <a:bodyPr/>
+                    <a:lstStyle/>
+                    <a:p>
+                      <a:pPr marL="0" marR="0" algn="l">
+                        <a:lnSpc>
+                          <a:spcPct val="107000"/>
+                        </a:lnSpc>
+                        <a:spcBef>
+                          <a:spcPts val="0"/>
+                        </a:spcBef>
+                        <a:spcAft>
+                          <a:spcPts val="0"/>
+                        </a:spcAft>
+                      </a:pPr>
+                      <a:r>
+                        <a:rPr lang="en-US" sz="800">
+                          <a:effectLst/>
+                        </a:rPr>
+                        <a:t>View users</a:t>
+                      </a:r>
+                      <a:endParaRPr lang="en-US" sz="1000">
+                        <a:effectLst/>
+                        <a:latin typeface="Times New Roman" panose="02020603050405020304" pitchFamily="18" charset="0"/>
+                        <a:ea typeface="Times New Roman" panose="02020603050405020304" pitchFamily="18" charset="0"/>
+                        <a:cs typeface="Times New Roman" panose="02020603050405020304" pitchFamily="18" charset="0"/>
+                      </a:endParaRPr>
+                    </a:p>
+                  </a:txBody>
+                  <a:tcPr marL="56775" marR="56775" marT="0" marB="0" anchor="b"/>
+                </a:tc>
+                <a:tc>
+                  <a:txBody>
+                    <a:bodyPr/>
+                    <a:lstStyle/>
+                    <a:p>
+                      <a:pPr marL="0" marR="0" algn="ctr">
+                        <a:lnSpc>
+                          <a:spcPts val="1200"/>
+                        </a:lnSpc>
+                        <a:spcBef>
+                          <a:spcPts val="0"/>
+                        </a:spcBef>
+                        <a:spcAft>
+                          <a:spcPts val="0"/>
+                        </a:spcAft>
+                      </a:pPr>
+                      <a:r>
+                        <a:rPr lang="en-US" sz="800">
+                          <a:effectLst/>
+                        </a:rPr>
+                        <a:t>Admin</a:t>
+                      </a:r>
+                      <a:endParaRPr lang="en-US" sz="800">
+                        <a:effectLst/>
+                        <a:latin typeface="Arial" panose="020B0604020202020204" pitchFamily="34" charset="0"/>
+                        <a:ea typeface="Times New Roman" panose="02020603050405020304" pitchFamily="18" charset="0"/>
+                        <a:cs typeface="Times New Roman" panose="02020603050405020304" pitchFamily="18" charset="0"/>
+                      </a:endParaRPr>
+                    </a:p>
+                  </a:txBody>
+                  <a:tcPr marL="56775" marR="56775" marT="0" marB="0"/>
+                </a:tc>
+                <a:tc>
+                  <a:txBody>
+                    <a:bodyPr/>
+                    <a:lstStyle/>
+                    <a:p>
+                      <a:pPr marL="0" marR="0" algn="ctr">
+                        <a:lnSpc>
+                          <a:spcPts val="1200"/>
+                        </a:lnSpc>
+                        <a:spcBef>
+                          <a:spcPts val="0"/>
+                        </a:spcBef>
+                        <a:spcAft>
+                          <a:spcPts val="0"/>
+                        </a:spcAft>
+                      </a:pPr>
+                      <a:r>
+                        <a:rPr lang="en-US" sz="800">
+                          <a:effectLst/>
+                        </a:rPr>
+                        <a:t>18/08/2017</a:t>
+                      </a:r>
+                      <a:endParaRPr lang="en-US" sz="800">
+                        <a:effectLst/>
+                        <a:latin typeface="Arial" panose="020B0604020202020204" pitchFamily="34" charset="0"/>
+                        <a:ea typeface="Times New Roman" panose="02020603050405020304" pitchFamily="18" charset="0"/>
+                        <a:cs typeface="Times New Roman" panose="02020603050405020304" pitchFamily="18" charset="0"/>
+                      </a:endParaRPr>
+                    </a:p>
+                  </a:txBody>
+                  <a:tcPr marL="56775" marR="56775" marT="0" marB="0"/>
+                </a:tc>
+                <a:tc>
+                  <a:txBody>
+                    <a:bodyPr/>
+                    <a:lstStyle/>
+                    <a:p>
+                      <a:pPr marL="0" marR="0" algn="ctr">
+                        <a:lnSpc>
+                          <a:spcPts val="1200"/>
+                        </a:lnSpc>
+                        <a:spcBef>
+                          <a:spcPts val="0"/>
+                        </a:spcBef>
+                        <a:spcAft>
+                          <a:spcPts val="0"/>
+                        </a:spcAft>
+                      </a:pPr>
+                      <a:r>
+                        <a:rPr lang="en-US" sz="800">
+                          <a:effectLst/>
+                        </a:rPr>
+                        <a:t>22/082017</a:t>
+                      </a:r>
+                      <a:endParaRPr lang="en-US" sz="800">
+                        <a:effectLst/>
+                        <a:latin typeface="Arial" panose="020B0604020202020204" pitchFamily="34" charset="0"/>
+                        <a:ea typeface="Times New Roman" panose="02020603050405020304" pitchFamily="18" charset="0"/>
+                        <a:cs typeface="Times New Roman" panose="02020603050405020304" pitchFamily="18" charset="0"/>
+                      </a:endParaRPr>
+                    </a:p>
+                  </a:txBody>
+                  <a:tcPr marL="56775" marR="56775" marT="0" marB="0"/>
+                </a:tc>
+                <a:tc>
+                  <a:txBody>
+                    <a:bodyPr/>
+                    <a:lstStyle/>
+                    <a:p>
+                      <a:pPr marL="0" marR="0" algn="ctr">
+                        <a:lnSpc>
+                          <a:spcPts val="1200"/>
+                        </a:lnSpc>
+                        <a:spcBef>
+                          <a:spcPts val="0"/>
+                        </a:spcBef>
+                        <a:spcAft>
+                          <a:spcPts val="0"/>
+                        </a:spcAft>
+                      </a:pPr>
+                      <a:r>
+                        <a:rPr lang="en-US" sz="800">
+                          <a:effectLst/>
+                        </a:rPr>
+                        <a:t>4</a:t>
+                      </a:r>
+                      <a:endParaRPr lang="en-US" sz="800">
+                        <a:effectLst/>
+                        <a:latin typeface="Arial" panose="020B0604020202020204" pitchFamily="34" charset="0"/>
+                        <a:ea typeface="Times New Roman" panose="02020603050405020304" pitchFamily="18" charset="0"/>
+                        <a:cs typeface="Times New Roman" panose="02020603050405020304" pitchFamily="18" charset="0"/>
+                      </a:endParaRPr>
+                    </a:p>
+                  </a:txBody>
+                  <a:tcPr marL="56775" marR="56775" marT="0" marB="0"/>
+                </a:tc>
+              </a:tr>
+              <a:tr h="189218">
+                <a:tc>
+                  <a:txBody>
+                    <a:bodyPr/>
+                    <a:lstStyle/>
+                    <a:p>
+                      <a:pPr marL="0" marR="0" algn="ctr">
+                        <a:lnSpc>
+                          <a:spcPts val="1200"/>
+                        </a:lnSpc>
+                        <a:spcBef>
+                          <a:spcPts val="0"/>
+                        </a:spcBef>
+                        <a:spcAft>
+                          <a:spcPts val="0"/>
+                        </a:spcAft>
+                      </a:pPr>
+                      <a:r>
+                        <a:rPr lang="en-US" sz="800">
+                          <a:effectLst/>
+                        </a:rPr>
+                        <a:t>25</a:t>
+                      </a:r>
+                      <a:endParaRPr lang="en-US" sz="800">
+                        <a:effectLst/>
+                        <a:latin typeface="Arial" panose="020B0604020202020204" pitchFamily="34" charset="0"/>
+                        <a:ea typeface="Times New Roman" panose="02020603050405020304" pitchFamily="18" charset="0"/>
+                        <a:cs typeface="Times New Roman" panose="02020603050405020304" pitchFamily="18" charset="0"/>
+                      </a:endParaRPr>
+                    </a:p>
+                  </a:txBody>
+                  <a:tcPr marL="56775" marR="56775" marT="0" marB="0"/>
+                </a:tc>
+                <a:tc>
+                  <a:txBody>
+                    <a:bodyPr/>
+                    <a:lstStyle/>
+                    <a:p>
+                      <a:pPr marL="0" marR="0" algn="l">
+                        <a:lnSpc>
+                          <a:spcPct val="107000"/>
+                        </a:lnSpc>
+                        <a:spcBef>
+                          <a:spcPts val="0"/>
+                        </a:spcBef>
+                        <a:spcAft>
+                          <a:spcPts val="0"/>
+                        </a:spcAft>
+                      </a:pPr>
+                      <a:r>
+                        <a:rPr lang="en-US" sz="800">
+                          <a:effectLst/>
+                        </a:rPr>
+                        <a:t>Manage users</a:t>
+                      </a:r>
+                      <a:endParaRPr lang="en-US" sz="1000">
+                        <a:effectLst/>
+                        <a:latin typeface="Times New Roman" panose="02020603050405020304" pitchFamily="18" charset="0"/>
+                        <a:ea typeface="Times New Roman" panose="02020603050405020304" pitchFamily="18" charset="0"/>
+                        <a:cs typeface="Times New Roman" panose="02020603050405020304" pitchFamily="18" charset="0"/>
+                      </a:endParaRPr>
+                    </a:p>
+                  </a:txBody>
+                  <a:tcPr marL="56775" marR="56775" marT="0" marB="0" anchor="b"/>
+                </a:tc>
+                <a:tc>
+                  <a:txBody>
+                    <a:bodyPr/>
+                    <a:lstStyle/>
+                    <a:p>
+                      <a:pPr marL="0" marR="0" algn="ctr">
+                        <a:lnSpc>
+                          <a:spcPts val="1200"/>
+                        </a:lnSpc>
+                        <a:spcBef>
+                          <a:spcPts val="0"/>
+                        </a:spcBef>
+                        <a:spcAft>
+                          <a:spcPts val="0"/>
+                        </a:spcAft>
+                      </a:pPr>
+                      <a:r>
+                        <a:rPr lang="en-US" sz="800">
+                          <a:effectLst/>
+                        </a:rPr>
+                        <a:t>Admin</a:t>
+                      </a:r>
+                      <a:endParaRPr lang="en-US" sz="800">
+                        <a:effectLst/>
+                        <a:latin typeface="Arial" panose="020B0604020202020204" pitchFamily="34" charset="0"/>
+                        <a:ea typeface="Times New Roman" panose="02020603050405020304" pitchFamily="18" charset="0"/>
+                        <a:cs typeface="Times New Roman" panose="02020603050405020304" pitchFamily="18" charset="0"/>
+                      </a:endParaRPr>
+                    </a:p>
+                  </a:txBody>
+                  <a:tcPr marL="56775" marR="56775" marT="0" marB="0"/>
+                </a:tc>
+                <a:tc>
+                  <a:txBody>
+                    <a:bodyPr/>
+                    <a:lstStyle/>
+                    <a:p>
+                      <a:pPr marL="0" marR="0" algn="ctr">
+                        <a:lnSpc>
+                          <a:spcPts val="1200"/>
+                        </a:lnSpc>
+                        <a:spcBef>
+                          <a:spcPts val="0"/>
+                        </a:spcBef>
+                        <a:spcAft>
+                          <a:spcPts val="0"/>
+                        </a:spcAft>
+                      </a:pPr>
+                      <a:r>
+                        <a:rPr lang="en-US" sz="800">
+                          <a:effectLst/>
+                        </a:rPr>
+                        <a:t>22/082017</a:t>
+                      </a:r>
+                      <a:endParaRPr lang="en-US" sz="800">
+                        <a:effectLst/>
+                        <a:latin typeface="Arial" panose="020B0604020202020204" pitchFamily="34" charset="0"/>
+                        <a:ea typeface="Times New Roman" panose="02020603050405020304" pitchFamily="18" charset="0"/>
+                        <a:cs typeface="Times New Roman" panose="02020603050405020304" pitchFamily="18" charset="0"/>
+                      </a:endParaRPr>
+                    </a:p>
+                  </a:txBody>
+                  <a:tcPr marL="56775" marR="56775" marT="0" marB="0"/>
+                </a:tc>
+                <a:tc>
+                  <a:txBody>
+                    <a:bodyPr/>
+                    <a:lstStyle/>
+                    <a:p>
+                      <a:pPr marL="0" marR="0" algn="ctr">
+                        <a:lnSpc>
+                          <a:spcPts val="1200"/>
+                        </a:lnSpc>
+                        <a:spcBef>
+                          <a:spcPts val="0"/>
+                        </a:spcBef>
+                        <a:spcAft>
+                          <a:spcPts val="0"/>
+                        </a:spcAft>
+                      </a:pPr>
+                      <a:r>
+                        <a:rPr lang="en-US" sz="800">
+                          <a:effectLst/>
+                        </a:rPr>
+                        <a:t>25/08/2017</a:t>
+                      </a:r>
+                      <a:endParaRPr lang="en-US" sz="800">
+                        <a:effectLst/>
+                        <a:latin typeface="Arial" panose="020B0604020202020204" pitchFamily="34" charset="0"/>
+                        <a:ea typeface="Times New Roman" panose="02020603050405020304" pitchFamily="18" charset="0"/>
+                        <a:cs typeface="Times New Roman" panose="02020603050405020304" pitchFamily="18" charset="0"/>
+                      </a:endParaRPr>
+                    </a:p>
+                  </a:txBody>
+                  <a:tcPr marL="56775" marR="56775" marT="0" marB="0"/>
+                </a:tc>
+                <a:tc>
+                  <a:txBody>
+                    <a:bodyPr/>
+                    <a:lstStyle/>
+                    <a:p>
+                      <a:pPr marL="0" marR="0" algn="ctr">
+                        <a:lnSpc>
+                          <a:spcPts val="1200"/>
+                        </a:lnSpc>
+                        <a:spcBef>
+                          <a:spcPts val="0"/>
+                        </a:spcBef>
+                        <a:spcAft>
+                          <a:spcPts val="0"/>
+                        </a:spcAft>
+                      </a:pPr>
+                      <a:r>
+                        <a:rPr lang="en-US" sz="800">
+                          <a:effectLst/>
+                        </a:rPr>
+                        <a:t>3</a:t>
+                      </a:r>
+                      <a:endParaRPr lang="en-US" sz="800">
+                        <a:effectLst/>
+                        <a:latin typeface="Arial" panose="020B0604020202020204" pitchFamily="34" charset="0"/>
+                        <a:ea typeface="Times New Roman" panose="02020603050405020304" pitchFamily="18" charset="0"/>
+                        <a:cs typeface="Times New Roman" panose="02020603050405020304" pitchFamily="18" charset="0"/>
+                      </a:endParaRPr>
+                    </a:p>
+                  </a:txBody>
+                  <a:tcPr marL="56775" marR="56775" marT="0" marB="0"/>
+                </a:tc>
+              </a:tr>
+              <a:tr h="189218">
+                <a:tc>
+                  <a:txBody>
+                    <a:bodyPr/>
+                    <a:lstStyle/>
+                    <a:p>
+                      <a:pPr marL="0" marR="0" algn="ctr">
+                        <a:lnSpc>
+                          <a:spcPts val="1200"/>
+                        </a:lnSpc>
+                        <a:spcBef>
+                          <a:spcPts val="0"/>
+                        </a:spcBef>
+                        <a:spcAft>
+                          <a:spcPts val="0"/>
+                        </a:spcAft>
+                      </a:pPr>
+                      <a:r>
+                        <a:rPr lang="en-US" sz="800">
+                          <a:effectLst/>
+                        </a:rPr>
+                        <a:t>26</a:t>
+                      </a:r>
+                      <a:endParaRPr lang="en-US" sz="800">
+                        <a:effectLst/>
+                        <a:latin typeface="Arial" panose="020B0604020202020204" pitchFamily="34" charset="0"/>
+                        <a:ea typeface="Times New Roman" panose="02020603050405020304" pitchFamily="18" charset="0"/>
+                        <a:cs typeface="Times New Roman" panose="02020603050405020304" pitchFamily="18" charset="0"/>
+                      </a:endParaRPr>
+                    </a:p>
+                  </a:txBody>
+                  <a:tcPr marL="56775" marR="56775" marT="0" marB="0"/>
+                </a:tc>
+                <a:tc>
+                  <a:txBody>
+                    <a:bodyPr/>
+                    <a:lstStyle/>
+                    <a:p>
+                      <a:pPr marL="0" marR="0" algn="l">
+                        <a:lnSpc>
+                          <a:spcPct val="107000"/>
+                        </a:lnSpc>
+                        <a:spcBef>
+                          <a:spcPts val="0"/>
+                        </a:spcBef>
+                        <a:spcAft>
+                          <a:spcPts val="0"/>
+                        </a:spcAft>
+                      </a:pPr>
+                      <a:r>
+                        <a:rPr lang="en-US" sz="800">
+                          <a:effectLst/>
+                        </a:rPr>
+                        <a:t>Ban users</a:t>
+                      </a:r>
+                      <a:endParaRPr lang="en-US" sz="1000">
+                        <a:effectLst/>
+                        <a:latin typeface="Times New Roman" panose="02020603050405020304" pitchFamily="18" charset="0"/>
+                        <a:ea typeface="Times New Roman" panose="02020603050405020304" pitchFamily="18" charset="0"/>
+                        <a:cs typeface="Times New Roman" panose="02020603050405020304" pitchFamily="18" charset="0"/>
+                      </a:endParaRPr>
+                    </a:p>
+                  </a:txBody>
+                  <a:tcPr marL="56775" marR="56775" marT="0" marB="0" anchor="b"/>
+                </a:tc>
+                <a:tc>
+                  <a:txBody>
+                    <a:bodyPr/>
+                    <a:lstStyle/>
+                    <a:p>
+                      <a:pPr marL="0" marR="0" algn="ctr">
+                        <a:lnSpc>
+                          <a:spcPts val="1200"/>
+                        </a:lnSpc>
+                        <a:spcBef>
+                          <a:spcPts val="0"/>
+                        </a:spcBef>
+                        <a:spcAft>
+                          <a:spcPts val="0"/>
+                        </a:spcAft>
+                      </a:pPr>
+                      <a:r>
+                        <a:rPr lang="en-US" sz="800">
+                          <a:effectLst/>
+                        </a:rPr>
+                        <a:t>Admin</a:t>
+                      </a:r>
+                      <a:endParaRPr lang="en-US" sz="800">
+                        <a:effectLst/>
+                        <a:latin typeface="Arial" panose="020B0604020202020204" pitchFamily="34" charset="0"/>
+                        <a:ea typeface="Times New Roman" panose="02020603050405020304" pitchFamily="18" charset="0"/>
+                        <a:cs typeface="Times New Roman" panose="02020603050405020304" pitchFamily="18" charset="0"/>
+                      </a:endParaRPr>
+                    </a:p>
+                  </a:txBody>
+                  <a:tcPr marL="56775" marR="56775" marT="0" marB="0"/>
+                </a:tc>
+                <a:tc>
+                  <a:txBody>
+                    <a:bodyPr/>
+                    <a:lstStyle/>
+                    <a:p>
+                      <a:pPr marL="0" marR="0" algn="ctr">
+                        <a:lnSpc>
+                          <a:spcPts val="1200"/>
+                        </a:lnSpc>
+                        <a:spcBef>
+                          <a:spcPts val="0"/>
+                        </a:spcBef>
+                        <a:spcAft>
+                          <a:spcPts val="0"/>
+                        </a:spcAft>
+                      </a:pPr>
+                      <a:r>
+                        <a:rPr lang="en-US" sz="800">
+                          <a:effectLst/>
+                        </a:rPr>
+                        <a:t>25/08/2017</a:t>
+                      </a:r>
+                      <a:endParaRPr lang="en-US" sz="800">
+                        <a:effectLst/>
+                        <a:latin typeface="Arial" panose="020B0604020202020204" pitchFamily="34" charset="0"/>
+                        <a:ea typeface="Times New Roman" panose="02020603050405020304" pitchFamily="18" charset="0"/>
+                        <a:cs typeface="Times New Roman" panose="02020603050405020304" pitchFamily="18" charset="0"/>
+                      </a:endParaRPr>
+                    </a:p>
+                  </a:txBody>
+                  <a:tcPr marL="56775" marR="56775" marT="0" marB="0"/>
+                </a:tc>
+                <a:tc>
+                  <a:txBody>
+                    <a:bodyPr/>
+                    <a:lstStyle/>
+                    <a:p>
+                      <a:pPr marL="0" marR="0" algn="ctr">
+                        <a:lnSpc>
+                          <a:spcPts val="1200"/>
+                        </a:lnSpc>
+                        <a:spcBef>
+                          <a:spcPts val="0"/>
+                        </a:spcBef>
+                        <a:spcAft>
+                          <a:spcPts val="0"/>
+                        </a:spcAft>
+                      </a:pPr>
+                      <a:r>
+                        <a:rPr lang="en-US" sz="800">
+                          <a:effectLst/>
+                        </a:rPr>
+                        <a:t>29/08/2017</a:t>
+                      </a:r>
+                      <a:endParaRPr lang="en-US" sz="800">
+                        <a:effectLst/>
+                        <a:latin typeface="Arial" panose="020B0604020202020204" pitchFamily="34" charset="0"/>
+                        <a:ea typeface="Times New Roman" panose="02020603050405020304" pitchFamily="18" charset="0"/>
+                        <a:cs typeface="Times New Roman" panose="02020603050405020304" pitchFamily="18" charset="0"/>
+                      </a:endParaRPr>
+                    </a:p>
+                  </a:txBody>
+                  <a:tcPr marL="56775" marR="56775" marT="0" marB="0"/>
+                </a:tc>
+                <a:tc>
+                  <a:txBody>
+                    <a:bodyPr/>
+                    <a:lstStyle/>
+                    <a:p>
+                      <a:pPr marL="0" marR="0" algn="ctr">
+                        <a:lnSpc>
+                          <a:spcPts val="1200"/>
+                        </a:lnSpc>
+                        <a:spcBef>
+                          <a:spcPts val="0"/>
+                        </a:spcBef>
+                        <a:spcAft>
+                          <a:spcPts val="0"/>
+                        </a:spcAft>
+                      </a:pPr>
+                      <a:r>
+                        <a:rPr lang="en-US" sz="800">
+                          <a:effectLst/>
+                        </a:rPr>
+                        <a:t>4</a:t>
+                      </a:r>
+                      <a:endParaRPr lang="en-US" sz="800">
+                        <a:effectLst/>
+                        <a:latin typeface="Arial" panose="020B0604020202020204" pitchFamily="34" charset="0"/>
+                        <a:ea typeface="Times New Roman" panose="02020603050405020304" pitchFamily="18" charset="0"/>
+                        <a:cs typeface="Times New Roman" panose="02020603050405020304" pitchFamily="18" charset="0"/>
+                      </a:endParaRPr>
+                    </a:p>
+                  </a:txBody>
+                  <a:tcPr marL="56775" marR="56775" marT="0" marB="0"/>
+                </a:tc>
+              </a:tr>
+              <a:tr h="189218">
+                <a:tc>
+                  <a:txBody>
+                    <a:bodyPr/>
+                    <a:lstStyle/>
+                    <a:p>
+                      <a:pPr marL="0" marR="0" algn="ctr">
+                        <a:lnSpc>
+                          <a:spcPts val="1200"/>
+                        </a:lnSpc>
+                        <a:spcBef>
+                          <a:spcPts val="0"/>
+                        </a:spcBef>
+                        <a:spcAft>
+                          <a:spcPts val="0"/>
+                        </a:spcAft>
+                      </a:pPr>
+                      <a:r>
+                        <a:rPr lang="en-US" sz="800">
+                          <a:effectLst/>
+                        </a:rPr>
+                        <a:t>27</a:t>
+                      </a:r>
+                      <a:endParaRPr lang="en-US" sz="800">
+                        <a:effectLst/>
+                        <a:latin typeface="Arial" panose="020B0604020202020204" pitchFamily="34" charset="0"/>
+                        <a:ea typeface="Times New Roman" panose="02020603050405020304" pitchFamily="18" charset="0"/>
+                        <a:cs typeface="Times New Roman" panose="02020603050405020304" pitchFamily="18" charset="0"/>
+                      </a:endParaRPr>
+                    </a:p>
+                  </a:txBody>
+                  <a:tcPr marL="56775" marR="56775" marT="0" marB="0"/>
+                </a:tc>
+                <a:tc>
+                  <a:txBody>
+                    <a:bodyPr/>
+                    <a:lstStyle/>
+                    <a:p>
+                      <a:pPr marL="0" marR="0" algn="just">
+                        <a:lnSpc>
+                          <a:spcPct val="107000"/>
+                        </a:lnSpc>
+                        <a:spcBef>
+                          <a:spcPts val="0"/>
+                        </a:spcBef>
+                        <a:spcAft>
+                          <a:spcPts val="0"/>
+                        </a:spcAft>
+                      </a:pPr>
+                      <a:r>
+                        <a:rPr lang="en-US" sz="800">
+                          <a:effectLst/>
+                        </a:rPr>
+                        <a:t>Add new room</a:t>
+                      </a:r>
+                      <a:endParaRPr lang="en-US" sz="1000">
+                        <a:effectLst/>
+                        <a:latin typeface="Times New Roman" panose="02020603050405020304" pitchFamily="18" charset="0"/>
+                        <a:ea typeface="Times New Roman" panose="02020603050405020304" pitchFamily="18" charset="0"/>
+                        <a:cs typeface="Times New Roman" panose="02020603050405020304" pitchFamily="18" charset="0"/>
+                      </a:endParaRPr>
+                    </a:p>
+                  </a:txBody>
+                  <a:tcPr marL="56775" marR="56775" marT="0" marB="0" anchor="b"/>
+                </a:tc>
+                <a:tc>
+                  <a:txBody>
+                    <a:bodyPr/>
+                    <a:lstStyle/>
+                    <a:p>
+                      <a:pPr marL="0" marR="0" algn="ctr">
+                        <a:lnSpc>
+                          <a:spcPts val="1200"/>
+                        </a:lnSpc>
+                        <a:spcBef>
+                          <a:spcPts val="0"/>
+                        </a:spcBef>
+                        <a:spcAft>
+                          <a:spcPts val="0"/>
+                        </a:spcAft>
+                      </a:pPr>
+                      <a:r>
+                        <a:rPr lang="en-US" sz="800">
+                          <a:effectLst/>
+                        </a:rPr>
+                        <a:t>Admin</a:t>
+                      </a:r>
+                      <a:endParaRPr lang="en-US" sz="800">
+                        <a:effectLst/>
+                        <a:latin typeface="Arial" panose="020B0604020202020204" pitchFamily="34" charset="0"/>
+                        <a:ea typeface="Times New Roman" panose="02020603050405020304" pitchFamily="18" charset="0"/>
+                        <a:cs typeface="Times New Roman" panose="02020603050405020304" pitchFamily="18" charset="0"/>
+                      </a:endParaRPr>
+                    </a:p>
+                  </a:txBody>
+                  <a:tcPr marL="56775" marR="56775" marT="0" marB="0"/>
+                </a:tc>
+                <a:tc>
+                  <a:txBody>
+                    <a:bodyPr/>
+                    <a:lstStyle/>
+                    <a:p>
+                      <a:pPr marL="0" marR="0" algn="ctr">
+                        <a:lnSpc>
+                          <a:spcPts val="1200"/>
+                        </a:lnSpc>
+                        <a:spcBef>
+                          <a:spcPts val="0"/>
+                        </a:spcBef>
+                        <a:spcAft>
+                          <a:spcPts val="0"/>
+                        </a:spcAft>
+                      </a:pPr>
+                      <a:r>
+                        <a:rPr lang="en-US" sz="800">
+                          <a:effectLst/>
+                        </a:rPr>
+                        <a:t>29/08/2017</a:t>
+                      </a:r>
+                      <a:endParaRPr lang="en-US" sz="800">
+                        <a:effectLst/>
+                        <a:latin typeface="Arial" panose="020B0604020202020204" pitchFamily="34" charset="0"/>
+                        <a:ea typeface="Times New Roman" panose="02020603050405020304" pitchFamily="18" charset="0"/>
+                        <a:cs typeface="Times New Roman" panose="02020603050405020304" pitchFamily="18" charset="0"/>
+                      </a:endParaRPr>
+                    </a:p>
+                  </a:txBody>
+                  <a:tcPr marL="56775" marR="56775" marT="0" marB="0"/>
+                </a:tc>
+                <a:tc>
+                  <a:txBody>
+                    <a:bodyPr/>
+                    <a:lstStyle/>
+                    <a:p>
+                      <a:pPr marL="0" marR="0" algn="ctr">
+                        <a:lnSpc>
+                          <a:spcPts val="1200"/>
+                        </a:lnSpc>
+                        <a:spcBef>
+                          <a:spcPts val="0"/>
+                        </a:spcBef>
+                        <a:spcAft>
+                          <a:spcPts val="0"/>
+                        </a:spcAft>
+                      </a:pPr>
+                      <a:r>
+                        <a:rPr lang="en-US" sz="800">
+                          <a:effectLst/>
+                        </a:rPr>
+                        <a:t>02/09/2017</a:t>
+                      </a:r>
+                      <a:endParaRPr lang="en-US" sz="800">
+                        <a:effectLst/>
+                        <a:latin typeface="Arial" panose="020B0604020202020204" pitchFamily="34" charset="0"/>
+                        <a:ea typeface="Times New Roman" panose="02020603050405020304" pitchFamily="18" charset="0"/>
+                        <a:cs typeface="Times New Roman" panose="02020603050405020304" pitchFamily="18" charset="0"/>
+                      </a:endParaRPr>
+                    </a:p>
+                  </a:txBody>
+                  <a:tcPr marL="56775" marR="56775" marT="0" marB="0"/>
+                </a:tc>
+                <a:tc>
+                  <a:txBody>
+                    <a:bodyPr/>
+                    <a:lstStyle/>
+                    <a:p>
+                      <a:pPr marL="0" marR="0" algn="ctr">
+                        <a:lnSpc>
+                          <a:spcPts val="1200"/>
+                        </a:lnSpc>
+                        <a:spcBef>
+                          <a:spcPts val="0"/>
+                        </a:spcBef>
+                        <a:spcAft>
+                          <a:spcPts val="0"/>
+                        </a:spcAft>
+                      </a:pPr>
+                      <a:r>
+                        <a:rPr lang="en-US" sz="800">
+                          <a:effectLst/>
+                        </a:rPr>
+                        <a:t>4</a:t>
+                      </a:r>
+                      <a:endParaRPr lang="en-US" sz="800">
+                        <a:effectLst/>
+                        <a:latin typeface="Arial" panose="020B0604020202020204" pitchFamily="34" charset="0"/>
+                        <a:ea typeface="Times New Roman" panose="02020603050405020304" pitchFamily="18" charset="0"/>
+                        <a:cs typeface="Times New Roman" panose="02020603050405020304" pitchFamily="18" charset="0"/>
+                      </a:endParaRPr>
+                    </a:p>
+                  </a:txBody>
+                  <a:tcPr marL="56775" marR="56775" marT="0" marB="0"/>
+                </a:tc>
+              </a:tr>
+              <a:tr h="189218">
+                <a:tc>
+                  <a:txBody>
+                    <a:bodyPr/>
+                    <a:lstStyle/>
+                    <a:p>
+                      <a:pPr marL="0" marR="0" algn="ctr">
+                        <a:lnSpc>
+                          <a:spcPts val="1200"/>
+                        </a:lnSpc>
+                        <a:spcBef>
+                          <a:spcPts val="0"/>
+                        </a:spcBef>
+                        <a:spcAft>
+                          <a:spcPts val="0"/>
+                        </a:spcAft>
+                      </a:pPr>
+                      <a:r>
+                        <a:rPr lang="en-US" sz="800">
+                          <a:effectLst/>
+                        </a:rPr>
+                        <a:t>28</a:t>
+                      </a:r>
+                      <a:endParaRPr lang="en-US" sz="800">
+                        <a:effectLst/>
+                        <a:latin typeface="Arial" panose="020B0604020202020204" pitchFamily="34" charset="0"/>
+                        <a:ea typeface="Times New Roman" panose="02020603050405020304" pitchFamily="18" charset="0"/>
+                        <a:cs typeface="Times New Roman" panose="02020603050405020304" pitchFamily="18" charset="0"/>
+                      </a:endParaRPr>
+                    </a:p>
+                  </a:txBody>
+                  <a:tcPr marL="56775" marR="56775" marT="0" marB="0"/>
+                </a:tc>
+                <a:tc>
+                  <a:txBody>
+                    <a:bodyPr/>
+                    <a:lstStyle/>
+                    <a:p>
+                      <a:pPr marL="0" marR="0" algn="l">
+                        <a:lnSpc>
+                          <a:spcPct val="107000"/>
+                        </a:lnSpc>
+                        <a:spcBef>
+                          <a:spcPts val="0"/>
+                        </a:spcBef>
+                        <a:spcAft>
+                          <a:spcPts val="0"/>
+                        </a:spcAft>
+                      </a:pPr>
+                      <a:r>
+                        <a:rPr lang="en-US" sz="800">
+                          <a:effectLst/>
+                        </a:rPr>
+                        <a:t>Delete room</a:t>
+                      </a:r>
+                      <a:endParaRPr lang="en-US" sz="1000">
+                        <a:effectLst/>
+                        <a:latin typeface="Times New Roman" panose="02020603050405020304" pitchFamily="18" charset="0"/>
+                        <a:ea typeface="Times New Roman" panose="02020603050405020304" pitchFamily="18" charset="0"/>
+                        <a:cs typeface="Times New Roman" panose="02020603050405020304" pitchFamily="18" charset="0"/>
+                      </a:endParaRPr>
+                    </a:p>
+                  </a:txBody>
+                  <a:tcPr marL="56775" marR="56775" marT="0" marB="0" anchor="b"/>
+                </a:tc>
+                <a:tc>
+                  <a:txBody>
+                    <a:bodyPr/>
+                    <a:lstStyle/>
+                    <a:p>
+                      <a:pPr marL="0" marR="0" algn="ctr">
+                        <a:lnSpc>
+                          <a:spcPts val="1200"/>
+                        </a:lnSpc>
+                        <a:spcBef>
+                          <a:spcPts val="0"/>
+                        </a:spcBef>
+                        <a:spcAft>
+                          <a:spcPts val="0"/>
+                        </a:spcAft>
+                      </a:pPr>
+                      <a:r>
+                        <a:rPr lang="en-US" sz="800">
+                          <a:effectLst/>
+                        </a:rPr>
+                        <a:t>Admin</a:t>
+                      </a:r>
+                      <a:endParaRPr lang="en-US" sz="800">
+                        <a:effectLst/>
+                        <a:latin typeface="Arial" panose="020B0604020202020204" pitchFamily="34" charset="0"/>
+                        <a:ea typeface="Times New Roman" panose="02020603050405020304" pitchFamily="18" charset="0"/>
+                        <a:cs typeface="Times New Roman" panose="02020603050405020304" pitchFamily="18" charset="0"/>
+                      </a:endParaRPr>
+                    </a:p>
+                  </a:txBody>
+                  <a:tcPr marL="56775" marR="56775" marT="0" marB="0"/>
+                </a:tc>
+                <a:tc>
+                  <a:txBody>
+                    <a:bodyPr/>
+                    <a:lstStyle/>
+                    <a:p>
+                      <a:pPr marL="0" marR="0" algn="ctr">
+                        <a:lnSpc>
+                          <a:spcPts val="1200"/>
+                        </a:lnSpc>
+                        <a:spcBef>
+                          <a:spcPts val="0"/>
+                        </a:spcBef>
+                        <a:spcAft>
+                          <a:spcPts val="0"/>
+                        </a:spcAft>
+                      </a:pPr>
+                      <a:r>
+                        <a:rPr lang="en-US" sz="800">
+                          <a:effectLst/>
+                        </a:rPr>
+                        <a:t>01/09/2017</a:t>
+                      </a:r>
+                      <a:endParaRPr lang="en-US" sz="800">
+                        <a:effectLst/>
+                        <a:latin typeface="Arial" panose="020B0604020202020204" pitchFamily="34" charset="0"/>
+                        <a:ea typeface="Times New Roman" panose="02020603050405020304" pitchFamily="18" charset="0"/>
+                        <a:cs typeface="Times New Roman" panose="02020603050405020304" pitchFamily="18" charset="0"/>
+                      </a:endParaRPr>
+                    </a:p>
+                  </a:txBody>
+                  <a:tcPr marL="56775" marR="56775" marT="0" marB="0"/>
+                </a:tc>
+                <a:tc>
+                  <a:txBody>
+                    <a:bodyPr/>
+                    <a:lstStyle/>
+                    <a:p>
+                      <a:pPr marL="0" marR="0" algn="ctr">
+                        <a:lnSpc>
+                          <a:spcPts val="1200"/>
+                        </a:lnSpc>
+                        <a:spcBef>
+                          <a:spcPts val="0"/>
+                        </a:spcBef>
+                        <a:spcAft>
+                          <a:spcPts val="0"/>
+                        </a:spcAft>
+                      </a:pPr>
+                      <a:r>
+                        <a:rPr lang="en-US" sz="800">
+                          <a:effectLst/>
+                        </a:rPr>
+                        <a:t>05/09/2017</a:t>
+                      </a:r>
+                      <a:endParaRPr lang="en-US" sz="800">
+                        <a:effectLst/>
+                        <a:latin typeface="Arial" panose="020B0604020202020204" pitchFamily="34" charset="0"/>
+                        <a:ea typeface="Times New Roman" panose="02020603050405020304" pitchFamily="18" charset="0"/>
+                        <a:cs typeface="Times New Roman" panose="02020603050405020304" pitchFamily="18" charset="0"/>
+                      </a:endParaRPr>
+                    </a:p>
+                  </a:txBody>
+                  <a:tcPr marL="56775" marR="56775" marT="0" marB="0"/>
+                </a:tc>
+                <a:tc>
+                  <a:txBody>
+                    <a:bodyPr/>
+                    <a:lstStyle/>
+                    <a:p>
+                      <a:pPr marL="0" marR="0" algn="ctr">
+                        <a:lnSpc>
+                          <a:spcPts val="1200"/>
+                        </a:lnSpc>
+                        <a:spcBef>
+                          <a:spcPts val="0"/>
+                        </a:spcBef>
+                        <a:spcAft>
+                          <a:spcPts val="0"/>
+                        </a:spcAft>
+                      </a:pPr>
+                      <a:r>
+                        <a:rPr lang="en-US" sz="800">
+                          <a:effectLst/>
+                        </a:rPr>
+                        <a:t>4</a:t>
+                      </a:r>
+                      <a:endParaRPr lang="en-US" sz="800">
+                        <a:effectLst/>
+                        <a:latin typeface="Arial" panose="020B0604020202020204" pitchFamily="34" charset="0"/>
+                        <a:ea typeface="Times New Roman" panose="02020603050405020304" pitchFamily="18" charset="0"/>
+                        <a:cs typeface="Times New Roman" panose="02020603050405020304" pitchFamily="18" charset="0"/>
+                      </a:endParaRPr>
+                    </a:p>
+                  </a:txBody>
+                  <a:tcPr marL="56775" marR="56775" marT="0" marB="0"/>
+                </a:tc>
+              </a:tr>
+              <a:tr h="189218">
+                <a:tc>
+                  <a:txBody>
+                    <a:bodyPr/>
+                    <a:lstStyle/>
+                    <a:p>
+                      <a:pPr marL="0" marR="0" algn="ctr">
+                        <a:lnSpc>
+                          <a:spcPts val="1200"/>
+                        </a:lnSpc>
+                        <a:spcBef>
+                          <a:spcPts val="0"/>
+                        </a:spcBef>
+                        <a:spcAft>
+                          <a:spcPts val="0"/>
+                        </a:spcAft>
+                      </a:pPr>
+                      <a:r>
+                        <a:rPr lang="en-US" sz="800">
+                          <a:effectLst/>
+                        </a:rPr>
+                        <a:t>29</a:t>
+                      </a:r>
+                      <a:endParaRPr lang="en-US" sz="800">
+                        <a:effectLst/>
+                        <a:latin typeface="Arial" panose="020B0604020202020204" pitchFamily="34" charset="0"/>
+                        <a:ea typeface="Times New Roman" panose="02020603050405020304" pitchFamily="18" charset="0"/>
+                        <a:cs typeface="Times New Roman" panose="02020603050405020304" pitchFamily="18" charset="0"/>
+                      </a:endParaRPr>
+                    </a:p>
+                  </a:txBody>
+                  <a:tcPr marL="56775" marR="56775" marT="0" marB="0"/>
+                </a:tc>
+                <a:tc>
+                  <a:txBody>
+                    <a:bodyPr/>
+                    <a:lstStyle/>
+                    <a:p>
+                      <a:pPr marL="0" marR="0" algn="l">
+                        <a:lnSpc>
+                          <a:spcPct val="107000"/>
+                        </a:lnSpc>
+                        <a:spcBef>
+                          <a:spcPts val="0"/>
+                        </a:spcBef>
+                        <a:spcAft>
+                          <a:spcPts val="0"/>
+                        </a:spcAft>
+                      </a:pPr>
+                      <a:r>
+                        <a:rPr lang="en-US" sz="800">
+                          <a:effectLst/>
+                        </a:rPr>
+                        <a:t>Update room</a:t>
+                      </a:r>
+                      <a:endParaRPr lang="en-US" sz="1000">
+                        <a:effectLst/>
+                        <a:latin typeface="Times New Roman" panose="02020603050405020304" pitchFamily="18" charset="0"/>
+                        <a:ea typeface="Times New Roman" panose="02020603050405020304" pitchFamily="18" charset="0"/>
+                        <a:cs typeface="Times New Roman" panose="02020603050405020304" pitchFamily="18" charset="0"/>
+                      </a:endParaRPr>
+                    </a:p>
+                  </a:txBody>
+                  <a:tcPr marL="56775" marR="56775" marT="0" marB="0" anchor="b"/>
+                </a:tc>
+                <a:tc>
+                  <a:txBody>
+                    <a:bodyPr/>
+                    <a:lstStyle/>
+                    <a:p>
+                      <a:pPr marL="0" marR="0" algn="ctr">
+                        <a:lnSpc>
+                          <a:spcPts val="1200"/>
+                        </a:lnSpc>
+                        <a:spcBef>
+                          <a:spcPts val="0"/>
+                        </a:spcBef>
+                        <a:spcAft>
+                          <a:spcPts val="0"/>
+                        </a:spcAft>
+                      </a:pPr>
+                      <a:r>
+                        <a:rPr lang="en-US" sz="800">
+                          <a:effectLst/>
+                        </a:rPr>
+                        <a:t>Admin</a:t>
+                      </a:r>
+                      <a:endParaRPr lang="en-US" sz="800">
+                        <a:effectLst/>
+                        <a:latin typeface="Arial" panose="020B0604020202020204" pitchFamily="34" charset="0"/>
+                        <a:ea typeface="Times New Roman" panose="02020603050405020304" pitchFamily="18" charset="0"/>
+                        <a:cs typeface="Times New Roman" panose="02020603050405020304" pitchFamily="18" charset="0"/>
+                      </a:endParaRPr>
+                    </a:p>
+                  </a:txBody>
+                  <a:tcPr marL="56775" marR="56775" marT="0" marB="0"/>
+                </a:tc>
+                <a:tc>
+                  <a:txBody>
+                    <a:bodyPr/>
+                    <a:lstStyle/>
+                    <a:p>
+                      <a:pPr marL="0" marR="0" algn="ctr">
+                        <a:lnSpc>
+                          <a:spcPts val="1200"/>
+                        </a:lnSpc>
+                        <a:spcBef>
+                          <a:spcPts val="0"/>
+                        </a:spcBef>
+                        <a:spcAft>
+                          <a:spcPts val="0"/>
+                        </a:spcAft>
+                      </a:pPr>
+                      <a:r>
+                        <a:rPr lang="en-US" sz="800">
+                          <a:effectLst/>
+                        </a:rPr>
+                        <a:t>04/09/2017</a:t>
+                      </a:r>
+                      <a:endParaRPr lang="en-US" sz="800">
+                        <a:effectLst/>
+                        <a:latin typeface="Arial" panose="020B0604020202020204" pitchFamily="34" charset="0"/>
+                        <a:ea typeface="Times New Roman" panose="02020603050405020304" pitchFamily="18" charset="0"/>
+                        <a:cs typeface="Times New Roman" panose="02020603050405020304" pitchFamily="18" charset="0"/>
+                      </a:endParaRPr>
+                    </a:p>
+                  </a:txBody>
+                  <a:tcPr marL="56775" marR="56775" marT="0" marB="0"/>
+                </a:tc>
+                <a:tc>
+                  <a:txBody>
+                    <a:bodyPr/>
+                    <a:lstStyle/>
+                    <a:p>
+                      <a:pPr marL="0" marR="0" algn="ctr">
+                        <a:lnSpc>
+                          <a:spcPts val="1200"/>
+                        </a:lnSpc>
+                        <a:spcBef>
+                          <a:spcPts val="0"/>
+                        </a:spcBef>
+                        <a:spcAft>
+                          <a:spcPts val="0"/>
+                        </a:spcAft>
+                      </a:pPr>
+                      <a:r>
+                        <a:rPr lang="en-US" sz="800">
+                          <a:effectLst/>
+                        </a:rPr>
+                        <a:t>07/09/2017</a:t>
+                      </a:r>
+                      <a:endParaRPr lang="en-US" sz="800">
+                        <a:effectLst/>
+                        <a:latin typeface="Arial" panose="020B0604020202020204" pitchFamily="34" charset="0"/>
+                        <a:ea typeface="Times New Roman" panose="02020603050405020304" pitchFamily="18" charset="0"/>
+                        <a:cs typeface="Times New Roman" panose="02020603050405020304" pitchFamily="18" charset="0"/>
+                      </a:endParaRPr>
+                    </a:p>
+                  </a:txBody>
+                  <a:tcPr marL="56775" marR="56775" marT="0" marB="0"/>
+                </a:tc>
+                <a:tc>
+                  <a:txBody>
+                    <a:bodyPr/>
+                    <a:lstStyle/>
+                    <a:p>
+                      <a:pPr marL="0" marR="0" algn="ctr">
+                        <a:lnSpc>
+                          <a:spcPts val="1200"/>
+                        </a:lnSpc>
+                        <a:spcBef>
+                          <a:spcPts val="0"/>
+                        </a:spcBef>
+                        <a:spcAft>
+                          <a:spcPts val="0"/>
+                        </a:spcAft>
+                      </a:pPr>
+                      <a:r>
+                        <a:rPr lang="en-US" sz="800">
+                          <a:effectLst/>
+                        </a:rPr>
+                        <a:t>3</a:t>
+                      </a:r>
+                      <a:endParaRPr lang="en-US" sz="800">
+                        <a:effectLst/>
+                        <a:latin typeface="Arial" panose="020B0604020202020204" pitchFamily="34" charset="0"/>
+                        <a:ea typeface="Times New Roman" panose="02020603050405020304" pitchFamily="18" charset="0"/>
+                        <a:cs typeface="Times New Roman" panose="02020603050405020304" pitchFamily="18" charset="0"/>
+                      </a:endParaRPr>
+                    </a:p>
+                  </a:txBody>
+                  <a:tcPr marL="56775" marR="56775" marT="0" marB="0"/>
+                </a:tc>
+              </a:tr>
+              <a:tr h="189218">
+                <a:tc>
+                  <a:txBody>
+                    <a:bodyPr/>
+                    <a:lstStyle/>
+                    <a:p>
+                      <a:pPr marL="0" marR="0" algn="ctr">
+                        <a:lnSpc>
+                          <a:spcPts val="1200"/>
+                        </a:lnSpc>
+                        <a:spcBef>
+                          <a:spcPts val="0"/>
+                        </a:spcBef>
+                        <a:spcAft>
+                          <a:spcPts val="0"/>
+                        </a:spcAft>
+                      </a:pPr>
+                      <a:r>
+                        <a:rPr lang="en-US" sz="800">
+                          <a:effectLst/>
+                        </a:rPr>
+                        <a:t>30</a:t>
+                      </a:r>
+                      <a:endParaRPr lang="en-US" sz="800">
+                        <a:effectLst/>
+                        <a:latin typeface="Arial" panose="020B0604020202020204" pitchFamily="34" charset="0"/>
+                        <a:ea typeface="Times New Roman" panose="02020603050405020304" pitchFamily="18" charset="0"/>
+                        <a:cs typeface="Times New Roman" panose="02020603050405020304" pitchFamily="18" charset="0"/>
+                      </a:endParaRPr>
+                    </a:p>
+                  </a:txBody>
+                  <a:tcPr marL="56775" marR="56775" marT="0" marB="0"/>
+                </a:tc>
+                <a:tc>
+                  <a:txBody>
+                    <a:bodyPr/>
+                    <a:lstStyle/>
+                    <a:p>
+                      <a:pPr marL="0" marR="0" algn="l">
+                        <a:lnSpc>
+                          <a:spcPct val="107000"/>
+                        </a:lnSpc>
+                        <a:spcBef>
+                          <a:spcPts val="0"/>
+                        </a:spcBef>
+                        <a:spcAft>
+                          <a:spcPts val="0"/>
+                        </a:spcAft>
+                      </a:pPr>
+                      <a:r>
+                        <a:rPr lang="en-US" sz="800">
+                          <a:effectLst/>
+                        </a:rPr>
+                        <a:t>Add food or drink</a:t>
+                      </a:r>
+                      <a:endParaRPr lang="en-US" sz="1000">
+                        <a:effectLst/>
+                        <a:latin typeface="Times New Roman" panose="02020603050405020304" pitchFamily="18" charset="0"/>
+                        <a:ea typeface="Times New Roman" panose="02020603050405020304" pitchFamily="18" charset="0"/>
+                        <a:cs typeface="Times New Roman" panose="02020603050405020304" pitchFamily="18" charset="0"/>
+                      </a:endParaRPr>
+                    </a:p>
+                  </a:txBody>
+                  <a:tcPr marL="56775" marR="56775" marT="0" marB="0" anchor="b"/>
+                </a:tc>
+                <a:tc>
+                  <a:txBody>
+                    <a:bodyPr/>
+                    <a:lstStyle/>
+                    <a:p>
+                      <a:pPr marL="0" marR="0" algn="ctr">
+                        <a:lnSpc>
+                          <a:spcPts val="1200"/>
+                        </a:lnSpc>
+                        <a:spcBef>
+                          <a:spcPts val="0"/>
+                        </a:spcBef>
+                        <a:spcAft>
+                          <a:spcPts val="0"/>
+                        </a:spcAft>
+                      </a:pPr>
+                      <a:r>
+                        <a:rPr lang="en-US" sz="800">
+                          <a:effectLst/>
+                        </a:rPr>
+                        <a:t>Admin</a:t>
+                      </a:r>
+                      <a:endParaRPr lang="en-US" sz="800">
+                        <a:effectLst/>
+                        <a:latin typeface="Arial" panose="020B0604020202020204" pitchFamily="34" charset="0"/>
+                        <a:ea typeface="Times New Roman" panose="02020603050405020304" pitchFamily="18" charset="0"/>
+                        <a:cs typeface="Times New Roman" panose="02020603050405020304" pitchFamily="18" charset="0"/>
+                      </a:endParaRPr>
+                    </a:p>
+                  </a:txBody>
+                  <a:tcPr marL="56775" marR="56775" marT="0" marB="0"/>
+                </a:tc>
+                <a:tc>
+                  <a:txBody>
+                    <a:bodyPr/>
+                    <a:lstStyle/>
+                    <a:p>
+                      <a:pPr marL="0" marR="0" algn="ctr">
+                        <a:lnSpc>
+                          <a:spcPts val="1200"/>
+                        </a:lnSpc>
+                        <a:spcBef>
+                          <a:spcPts val="0"/>
+                        </a:spcBef>
+                        <a:spcAft>
+                          <a:spcPts val="0"/>
+                        </a:spcAft>
+                      </a:pPr>
+                      <a:r>
+                        <a:rPr lang="en-US" sz="800">
+                          <a:effectLst/>
+                        </a:rPr>
+                        <a:t>06/09/2017</a:t>
+                      </a:r>
+                      <a:endParaRPr lang="en-US" sz="800">
+                        <a:effectLst/>
+                        <a:latin typeface="Arial" panose="020B0604020202020204" pitchFamily="34" charset="0"/>
+                        <a:ea typeface="Times New Roman" panose="02020603050405020304" pitchFamily="18" charset="0"/>
+                        <a:cs typeface="Times New Roman" panose="02020603050405020304" pitchFamily="18" charset="0"/>
+                      </a:endParaRPr>
+                    </a:p>
+                  </a:txBody>
+                  <a:tcPr marL="56775" marR="56775" marT="0" marB="0"/>
+                </a:tc>
+                <a:tc>
+                  <a:txBody>
+                    <a:bodyPr/>
+                    <a:lstStyle/>
+                    <a:p>
+                      <a:pPr marL="0" marR="0" algn="ctr">
+                        <a:lnSpc>
+                          <a:spcPts val="1200"/>
+                        </a:lnSpc>
+                        <a:spcBef>
+                          <a:spcPts val="0"/>
+                        </a:spcBef>
+                        <a:spcAft>
+                          <a:spcPts val="0"/>
+                        </a:spcAft>
+                      </a:pPr>
+                      <a:r>
+                        <a:rPr lang="en-US" sz="800">
+                          <a:effectLst/>
+                        </a:rPr>
+                        <a:t>08/09/2017</a:t>
+                      </a:r>
+                      <a:endParaRPr lang="en-US" sz="800">
+                        <a:effectLst/>
+                        <a:latin typeface="Arial" panose="020B0604020202020204" pitchFamily="34" charset="0"/>
+                        <a:ea typeface="Times New Roman" panose="02020603050405020304" pitchFamily="18" charset="0"/>
+                        <a:cs typeface="Times New Roman" panose="02020603050405020304" pitchFamily="18" charset="0"/>
+                      </a:endParaRPr>
+                    </a:p>
+                  </a:txBody>
+                  <a:tcPr marL="56775" marR="56775" marT="0" marB="0"/>
+                </a:tc>
+                <a:tc>
+                  <a:txBody>
+                    <a:bodyPr/>
+                    <a:lstStyle/>
+                    <a:p>
+                      <a:pPr marL="0" marR="0" algn="ctr">
+                        <a:lnSpc>
+                          <a:spcPts val="1200"/>
+                        </a:lnSpc>
+                        <a:spcBef>
+                          <a:spcPts val="0"/>
+                        </a:spcBef>
+                        <a:spcAft>
+                          <a:spcPts val="0"/>
+                        </a:spcAft>
+                      </a:pPr>
+                      <a:r>
+                        <a:rPr lang="en-US" sz="800" dirty="0">
+                          <a:effectLst/>
+                        </a:rPr>
+                        <a:t>2</a:t>
+                      </a:r>
+                      <a:endParaRPr lang="en-US" sz="800" dirty="0">
+                        <a:effectLst/>
+                        <a:latin typeface="Arial" panose="020B0604020202020204" pitchFamily="34" charset="0"/>
+                        <a:ea typeface="Times New Roman" panose="02020603050405020304" pitchFamily="18" charset="0"/>
+                        <a:cs typeface="Times New Roman" panose="02020603050405020304" pitchFamily="18" charset="0"/>
+                      </a:endParaRPr>
+                    </a:p>
+                  </a:txBody>
+                  <a:tcPr marL="56775" marR="56775" marT="0" marB="0"/>
+                </a:tc>
+              </a:tr>
+              <a:tr h="189218">
+                <a:tc>
+                  <a:txBody>
+                    <a:bodyPr/>
+                    <a:lstStyle/>
+                    <a:p>
+                      <a:pPr marL="0" marR="0" algn="ctr">
+                        <a:lnSpc>
+                          <a:spcPts val="1200"/>
+                        </a:lnSpc>
+                        <a:spcBef>
+                          <a:spcPts val="0"/>
+                        </a:spcBef>
+                        <a:spcAft>
+                          <a:spcPts val="0"/>
+                        </a:spcAft>
+                      </a:pPr>
+                      <a:r>
+                        <a:rPr lang="en-US" sz="800">
+                          <a:effectLst/>
+                        </a:rPr>
+                        <a:t>31</a:t>
+                      </a:r>
+                      <a:endParaRPr lang="en-US" sz="800">
+                        <a:effectLst/>
+                        <a:latin typeface="Arial" panose="020B0604020202020204" pitchFamily="34" charset="0"/>
+                        <a:ea typeface="Times New Roman" panose="02020603050405020304" pitchFamily="18" charset="0"/>
+                        <a:cs typeface="Times New Roman" panose="02020603050405020304" pitchFamily="18" charset="0"/>
+                      </a:endParaRPr>
+                    </a:p>
+                  </a:txBody>
+                  <a:tcPr marL="56775" marR="56775" marT="0" marB="0"/>
+                </a:tc>
+                <a:tc>
+                  <a:txBody>
+                    <a:bodyPr/>
+                    <a:lstStyle/>
+                    <a:p>
+                      <a:pPr marL="0" marR="0" algn="just">
+                        <a:lnSpc>
+                          <a:spcPct val="107000"/>
+                        </a:lnSpc>
+                        <a:spcBef>
+                          <a:spcPts val="0"/>
+                        </a:spcBef>
+                        <a:spcAft>
+                          <a:spcPts val="0"/>
+                        </a:spcAft>
+                      </a:pPr>
+                      <a:r>
+                        <a:rPr lang="en-US" sz="800">
+                          <a:effectLst/>
+                        </a:rPr>
+                        <a:t>Remove food or drink</a:t>
+                      </a:r>
+                      <a:endParaRPr lang="en-US" sz="1000">
+                        <a:effectLst/>
+                        <a:latin typeface="Times New Roman" panose="02020603050405020304" pitchFamily="18" charset="0"/>
+                        <a:ea typeface="Times New Roman" panose="02020603050405020304" pitchFamily="18" charset="0"/>
+                        <a:cs typeface="Times New Roman" panose="02020603050405020304" pitchFamily="18" charset="0"/>
+                      </a:endParaRPr>
+                    </a:p>
+                  </a:txBody>
+                  <a:tcPr marL="56775" marR="56775" marT="0" marB="0" anchor="b"/>
+                </a:tc>
+                <a:tc>
+                  <a:txBody>
+                    <a:bodyPr/>
+                    <a:lstStyle/>
+                    <a:p>
+                      <a:pPr marL="0" marR="0" algn="ctr">
+                        <a:lnSpc>
+                          <a:spcPts val="1200"/>
+                        </a:lnSpc>
+                        <a:spcBef>
+                          <a:spcPts val="0"/>
+                        </a:spcBef>
+                        <a:spcAft>
+                          <a:spcPts val="0"/>
+                        </a:spcAft>
+                      </a:pPr>
+                      <a:r>
+                        <a:rPr lang="en-US" sz="800">
+                          <a:effectLst/>
+                        </a:rPr>
+                        <a:t>Admin</a:t>
+                      </a:r>
+                      <a:endParaRPr lang="en-US" sz="800">
+                        <a:effectLst/>
+                        <a:latin typeface="Arial" panose="020B0604020202020204" pitchFamily="34" charset="0"/>
+                        <a:ea typeface="Times New Roman" panose="02020603050405020304" pitchFamily="18" charset="0"/>
+                        <a:cs typeface="Times New Roman" panose="02020603050405020304" pitchFamily="18" charset="0"/>
+                      </a:endParaRPr>
+                    </a:p>
+                  </a:txBody>
+                  <a:tcPr marL="56775" marR="56775" marT="0" marB="0"/>
+                </a:tc>
+                <a:tc>
+                  <a:txBody>
+                    <a:bodyPr/>
+                    <a:lstStyle/>
+                    <a:p>
+                      <a:pPr marL="0" marR="0" algn="ctr">
+                        <a:lnSpc>
+                          <a:spcPts val="1200"/>
+                        </a:lnSpc>
+                        <a:spcBef>
+                          <a:spcPts val="0"/>
+                        </a:spcBef>
+                        <a:spcAft>
+                          <a:spcPts val="0"/>
+                        </a:spcAft>
+                      </a:pPr>
+                      <a:r>
+                        <a:rPr lang="en-US" sz="800">
+                          <a:effectLst/>
+                        </a:rPr>
+                        <a:t>08/09/2017</a:t>
+                      </a:r>
+                      <a:endParaRPr lang="en-US" sz="800">
+                        <a:effectLst/>
+                        <a:latin typeface="Arial" panose="020B0604020202020204" pitchFamily="34" charset="0"/>
+                        <a:ea typeface="Times New Roman" panose="02020603050405020304" pitchFamily="18" charset="0"/>
+                        <a:cs typeface="Times New Roman" panose="02020603050405020304" pitchFamily="18" charset="0"/>
+                      </a:endParaRPr>
+                    </a:p>
+                  </a:txBody>
+                  <a:tcPr marL="56775" marR="56775" marT="0" marB="0"/>
+                </a:tc>
+                <a:tc>
+                  <a:txBody>
+                    <a:bodyPr/>
+                    <a:lstStyle/>
+                    <a:p>
+                      <a:pPr marL="0" marR="0" algn="ctr">
+                        <a:lnSpc>
+                          <a:spcPts val="1200"/>
+                        </a:lnSpc>
+                        <a:spcBef>
+                          <a:spcPts val="0"/>
+                        </a:spcBef>
+                        <a:spcAft>
+                          <a:spcPts val="0"/>
+                        </a:spcAft>
+                      </a:pPr>
+                      <a:r>
+                        <a:rPr lang="en-US" sz="800">
+                          <a:effectLst/>
+                        </a:rPr>
+                        <a:t>11/09/2017</a:t>
+                      </a:r>
+                      <a:endParaRPr lang="en-US" sz="800">
+                        <a:effectLst/>
+                        <a:latin typeface="Arial" panose="020B0604020202020204" pitchFamily="34" charset="0"/>
+                        <a:ea typeface="Times New Roman" panose="02020603050405020304" pitchFamily="18" charset="0"/>
+                        <a:cs typeface="Times New Roman" panose="02020603050405020304" pitchFamily="18" charset="0"/>
+                      </a:endParaRPr>
+                    </a:p>
+                  </a:txBody>
+                  <a:tcPr marL="56775" marR="56775" marT="0" marB="0"/>
+                </a:tc>
+                <a:tc>
+                  <a:txBody>
+                    <a:bodyPr/>
+                    <a:lstStyle/>
+                    <a:p>
+                      <a:pPr marL="0" marR="0" algn="ctr">
+                        <a:lnSpc>
+                          <a:spcPts val="1200"/>
+                        </a:lnSpc>
+                        <a:spcBef>
+                          <a:spcPts val="0"/>
+                        </a:spcBef>
+                        <a:spcAft>
+                          <a:spcPts val="0"/>
+                        </a:spcAft>
+                      </a:pPr>
+                      <a:r>
+                        <a:rPr lang="en-US" sz="800">
+                          <a:effectLst/>
+                        </a:rPr>
+                        <a:t>3</a:t>
+                      </a:r>
+                      <a:endParaRPr lang="en-US" sz="800">
+                        <a:effectLst/>
+                        <a:latin typeface="Arial" panose="020B0604020202020204" pitchFamily="34" charset="0"/>
+                        <a:ea typeface="Times New Roman" panose="02020603050405020304" pitchFamily="18" charset="0"/>
+                        <a:cs typeface="Times New Roman" panose="02020603050405020304" pitchFamily="18" charset="0"/>
+                      </a:endParaRPr>
+                    </a:p>
+                  </a:txBody>
+                  <a:tcPr marL="56775" marR="56775" marT="0" marB="0"/>
+                </a:tc>
+              </a:tr>
+              <a:tr h="189218">
+                <a:tc>
+                  <a:txBody>
+                    <a:bodyPr/>
+                    <a:lstStyle/>
+                    <a:p>
+                      <a:pPr marL="0" marR="0" algn="ctr">
+                        <a:lnSpc>
+                          <a:spcPts val="1200"/>
+                        </a:lnSpc>
+                        <a:spcBef>
+                          <a:spcPts val="0"/>
+                        </a:spcBef>
+                        <a:spcAft>
+                          <a:spcPts val="0"/>
+                        </a:spcAft>
+                      </a:pPr>
+                      <a:r>
+                        <a:rPr lang="en-US" sz="800">
+                          <a:effectLst/>
+                        </a:rPr>
+                        <a:t>32</a:t>
+                      </a:r>
+                      <a:endParaRPr lang="en-US" sz="800">
+                        <a:effectLst/>
+                        <a:latin typeface="Arial" panose="020B0604020202020204" pitchFamily="34" charset="0"/>
+                        <a:ea typeface="Times New Roman" panose="02020603050405020304" pitchFamily="18" charset="0"/>
+                        <a:cs typeface="Times New Roman" panose="02020603050405020304" pitchFamily="18" charset="0"/>
+                      </a:endParaRPr>
+                    </a:p>
+                  </a:txBody>
+                  <a:tcPr marL="56775" marR="56775" marT="0" marB="0"/>
+                </a:tc>
+                <a:tc>
+                  <a:txBody>
+                    <a:bodyPr/>
+                    <a:lstStyle/>
+                    <a:p>
+                      <a:pPr marL="0" marR="0" algn="l">
+                        <a:lnSpc>
+                          <a:spcPct val="107000"/>
+                        </a:lnSpc>
+                        <a:spcBef>
+                          <a:spcPts val="0"/>
+                        </a:spcBef>
+                        <a:spcAft>
+                          <a:spcPts val="0"/>
+                        </a:spcAft>
+                      </a:pPr>
+                      <a:r>
+                        <a:rPr lang="en-US" sz="800">
+                          <a:effectLst/>
+                        </a:rPr>
+                        <a:t>Update food or drink</a:t>
+                      </a:r>
+                      <a:endParaRPr lang="en-US" sz="1000">
+                        <a:effectLst/>
+                        <a:latin typeface="Times New Roman" panose="02020603050405020304" pitchFamily="18" charset="0"/>
+                        <a:ea typeface="Times New Roman" panose="02020603050405020304" pitchFamily="18" charset="0"/>
+                        <a:cs typeface="Times New Roman" panose="02020603050405020304" pitchFamily="18" charset="0"/>
+                      </a:endParaRPr>
+                    </a:p>
+                  </a:txBody>
+                  <a:tcPr marL="56775" marR="56775" marT="0" marB="0" anchor="b"/>
+                </a:tc>
+                <a:tc>
+                  <a:txBody>
+                    <a:bodyPr/>
+                    <a:lstStyle/>
+                    <a:p>
+                      <a:pPr marL="0" marR="0" algn="ctr">
+                        <a:lnSpc>
+                          <a:spcPts val="1200"/>
+                        </a:lnSpc>
+                        <a:spcBef>
+                          <a:spcPts val="0"/>
+                        </a:spcBef>
+                        <a:spcAft>
+                          <a:spcPts val="0"/>
+                        </a:spcAft>
+                      </a:pPr>
+                      <a:r>
+                        <a:rPr lang="en-US" sz="800">
+                          <a:effectLst/>
+                        </a:rPr>
+                        <a:t>Admin</a:t>
+                      </a:r>
+                      <a:endParaRPr lang="en-US" sz="800">
+                        <a:effectLst/>
+                        <a:latin typeface="Arial" panose="020B0604020202020204" pitchFamily="34" charset="0"/>
+                        <a:ea typeface="Times New Roman" panose="02020603050405020304" pitchFamily="18" charset="0"/>
+                        <a:cs typeface="Times New Roman" panose="02020603050405020304" pitchFamily="18" charset="0"/>
+                      </a:endParaRPr>
+                    </a:p>
+                  </a:txBody>
+                  <a:tcPr marL="56775" marR="56775" marT="0" marB="0"/>
+                </a:tc>
+                <a:tc>
+                  <a:txBody>
+                    <a:bodyPr/>
+                    <a:lstStyle/>
+                    <a:p>
+                      <a:pPr marL="0" marR="0" algn="ctr">
+                        <a:lnSpc>
+                          <a:spcPts val="1200"/>
+                        </a:lnSpc>
+                        <a:spcBef>
+                          <a:spcPts val="0"/>
+                        </a:spcBef>
+                        <a:spcAft>
+                          <a:spcPts val="0"/>
+                        </a:spcAft>
+                      </a:pPr>
+                      <a:r>
+                        <a:rPr lang="en-US" sz="800">
+                          <a:effectLst/>
+                        </a:rPr>
+                        <a:t>11/09/2017</a:t>
+                      </a:r>
+                      <a:endParaRPr lang="en-US" sz="800">
+                        <a:effectLst/>
+                        <a:latin typeface="Arial" panose="020B0604020202020204" pitchFamily="34" charset="0"/>
+                        <a:ea typeface="Times New Roman" panose="02020603050405020304" pitchFamily="18" charset="0"/>
+                        <a:cs typeface="Times New Roman" panose="02020603050405020304" pitchFamily="18" charset="0"/>
+                      </a:endParaRPr>
+                    </a:p>
+                  </a:txBody>
+                  <a:tcPr marL="56775" marR="56775" marT="0" marB="0"/>
+                </a:tc>
+                <a:tc>
+                  <a:txBody>
+                    <a:bodyPr/>
+                    <a:lstStyle/>
+                    <a:p>
+                      <a:pPr marL="0" marR="0" algn="ctr">
+                        <a:lnSpc>
+                          <a:spcPts val="1200"/>
+                        </a:lnSpc>
+                        <a:spcBef>
+                          <a:spcPts val="0"/>
+                        </a:spcBef>
+                        <a:spcAft>
+                          <a:spcPts val="0"/>
+                        </a:spcAft>
+                      </a:pPr>
+                      <a:r>
+                        <a:rPr lang="en-US" sz="800">
+                          <a:effectLst/>
+                        </a:rPr>
+                        <a:t>15/09/2017</a:t>
+                      </a:r>
+                      <a:endParaRPr lang="en-US" sz="800">
+                        <a:effectLst/>
+                        <a:latin typeface="Arial" panose="020B0604020202020204" pitchFamily="34" charset="0"/>
+                        <a:ea typeface="Times New Roman" panose="02020603050405020304" pitchFamily="18" charset="0"/>
+                        <a:cs typeface="Times New Roman" panose="02020603050405020304" pitchFamily="18" charset="0"/>
+                      </a:endParaRPr>
+                    </a:p>
+                  </a:txBody>
+                  <a:tcPr marL="56775" marR="56775" marT="0" marB="0"/>
+                </a:tc>
+                <a:tc>
+                  <a:txBody>
+                    <a:bodyPr/>
+                    <a:lstStyle/>
+                    <a:p>
+                      <a:pPr marL="0" marR="0" algn="ctr">
+                        <a:lnSpc>
+                          <a:spcPts val="1200"/>
+                        </a:lnSpc>
+                        <a:spcBef>
+                          <a:spcPts val="0"/>
+                        </a:spcBef>
+                        <a:spcAft>
+                          <a:spcPts val="0"/>
+                        </a:spcAft>
+                      </a:pPr>
+                      <a:r>
+                        <a:rPr lang="en-US" sz="800">
+                          <a:effectLst/>
+                        </a:rPr>
+                        <a:t>4</a:t>
+                      </a:r>
+                      <a:endParaRPr lang="en-US" sz="800">
+                        <a:effectLst/>
+                        <a:latin typeface="Arial" panose="020B0604020202020204" pitchFamily="34" charset="0"/>
+                        <a:ea typeface="Times New Roman" panose="02020603050405020304" pitchFamily="18" charset="0"/>
+                        <a:cs typeface="Times New Roman" panose="02020603050405020304" pitchFamily="18" charset="0"/>
+                      </a:endParaRPr>
+                    </a:p>
+                  </a:txBody>
+                  <a:tcPr marL="56775" marR="56775" marT="0" marB="0"/>
+                </a:tc>
+              </a:tr>
+              <a:tr h="189218">
+                <a:tc>
+                  <a:txBody>
+                    <a:bodyPr/>
+                    <a:lstStyle/>
+                    <a:p>
+                      <a:pPr marL="0" marR="0" algn="ctr">
+                        <a:lnSpc>
+                          <a:spcPts val="1200"/>
+                        </a:lnSpc>
+                        <a:spcBef>
+                          <a:spcPts val="0"/>
+                        </a:spcBef>
+                        <a:spcAft>
+                          <a:spcPts val="0"/>
+                        </a:spcAft>
+                      </a:pPr>
+                      <a:r>
+                        <a:rPr lang="en-US" sz="800">
+                          <a:effectLst/>
+                        </a:rPr>
+                        <a:t>33</a:t>
+                      </a:r>
+                      <a:endParaRPr lang="en-US" sz="800">
+                        <a:effectLst/>
+                        <a:latin typeface="Arial" panose="020B0604020202020204" pitchFamily="34" charset="0"/>
+                        <a:ea typeface="Times New Roman" panose="02020603050405020304" pitchFamily="18" charset="0"/>
+                        <a:cs typeface="Times New Roman" panose="02020603050405020304" pitchFamily="18" charset="0"/>
+                      </a:endParaRPr>
+                    </a:p>
+                  </a:txBody>
+                  <a:tcPr marL="56775" marR="56775" marT="0" marB="0"/>
+                </a:tc>
+                <a:tc>
+                  <a:txBody>
+                    <a:bodyPr/>
+                    <a:lstStyle/>
+                    <a:p>
+                      <a:pPr marL="0" marR="0" algn="l">
+                        <a:lnSpc>
+                          <a:spcPct val="107000"/>
+                        </a:lnSpc>
+                        <a:spcBef>
+                          <a:spcPts val="0"/>
+                        </a:spcBef>
+                        <a:spcAft>
+                          <a:spcPts val="0"/>
+                        </a:spcAft>
+                      </a:pPr>
+                      <a:r>
+                        <a:rPr lang="en-US" sz="800">
+                          <a:effectLst/>
+                        </a:rPr>
+                        <a:t>Update profile image</a:t>
+                      </a:r>
+                      <a:endParaRPr lang="en-US" sz="1000">
+                        <a:effectLst/>
+                        <a:latin typeface="Times New Roman" panose="02020603050405020304" pitchFamily="18" charset="0"/>
+                        <a:ea typeface="Times New Roman" panose="02020603050405020304" pitchFamily="18" charset="0"/>
+                        <a:cs typeface="Times New Roman" panose="02020603050405020304" pitchFamily="18" charset="0"/>
+                      </a:endParaRPr>
+                    </a:p>
+                  </a:txBody>
+                  <a:tcPr marL="56775" marR="56775" marT="0" marB="0" anchor="b"/>
+                </a:tc>
+                <a:tc>
+                  <a:txBody>
+                    <a:bodyPr/>
+                    <a:lstStyle/>
+                    <a:p>
+                      <a:pPr marL="0" marR="0" algn="ctr">
+                        <a:lnSpc>
+                          <a:spcPts val="1200"/>
+                        </a:lnSpc>
+                        <a:spcBef>
+                          <a:spcPts val="0"/>
+                        </a:spcBef>
+                        <a:spcAft>
+                          <a:spcPts val="0"/>
+                        </a:spcAft>
+                      </a:pPr>
+                      <a:r>
+                        <a:rPr lang="en-US" sz="800">
+                          <a:effectLst/>
+                        </a:rPr>
+                        <a:t>Admin</a:t>
+                      </a:r>
+                      <a:endParaRPr lang="en-US" sz="800">
+                        <a:effectLst/>
+                        <a:latin typeface="Arial" panose="020B0604020202020204" pitchFamily="34" charset="0"/>
+                        <a:ea typeface="Times New Roman" panose="02020603050405020304" pitchFamily="18" charset="0"/>
+                        <a:cs typeface="Times New Roman" panose="02020603050405020304" pitchFamily="18" charset="0"/>
+                      </a:endParaRPr>
+                    </a:p>
+                  </a:txBody>
+                  <a:tcPr marL="56775" marR="56775" marT="0" marB="0"/>
+                </a:tc>
+                <a:tc>
+                  <a:txBody>
+                    <a:bodyPr/>
+                    <a:lstStyle/>
+                    <a:p>
+                      <a:pPr marL="0" marR="0" algn="ctr">
+                        <a:lnSpc>
+                          <a:spcPts val="1200"/>
+                        </a:lnSpc>
+                        <a:spcBef>
+                          <a:spcPts val="0"/>
+                        </a:spcBef>
+                        <a:spcAft>
+                          <a:spcPts val="0"/>
+                        </a:spcAft>
+                      </a:pPr>
+                      <a:r>
+                        <a:rPr lang="en-US" sz="800">
+                          <a:effectLst/>
+                        </a:rPr>
+                        <a:t>15/09/2017</a:t>
+                      </a:r>
+                      <a:endParaRPr lang="en-US" sz="800">
+                        <a:effectLst/>
+                        <a:latin typeface="Arial" panose="020B0604020202020204" pitchFamily="34" charset="0"/>
+                        <a:ea typeface="Times New Roman" panose="02020603050405020304" pitchFamily="18" charset="0"/>
+                        <a:cs typeface="Times New Roman" panose="02020603050405020304" pitchFamily="18" charset="0"/>
+                      </a:endParaRPr>
+                    </a:p>
+                  </a:txBody>
+                  <a:tcPr marL="56775" marR="56775" marT="0" marB="0"/>
+                </a:tc>
+                <a:tc>
+                  <a:txBody>
+                    <a:bodyPr/>
+                    <a:lstStyle/>
+                    <a:p>
+                      <a:pPr marL="0" marR="0" algn="ctr">
+                        <a:lnSpc>
+                          <a:spcPts val="1200"/>
+                        </a:lnSpc>
+                        <a:spcBef>
+                          <a:spcPts val="0"/>
+                        </a:spcBef>
+                        <a:spcAft>
+                          <a:spcPts val="0"/>
+                        </a:spcAft>
+                      </a:pPr>
+                      <a:r>
+                        <a:rPr lang="en-US" sz="800">
+                          <a:effectLst/>
+                        </a:rPr>
+                        <a:t>16/09/2017</a:t>
+                      </a:r>
+                      <a:endParaRPr lang="en-US" sz="800">
+                        <a:effectLst/>
+                        <a:latin typeface="Arial" panose="020B0604020202020204" pitchFamily="34" charset="0"/>
+                        <a:ea typeface="Times New Roman" panose="02020603050405020304" pitchFamily="18" charset="0"/>
+                        <a:cs typeface="Times New Roman" panose="02020603050405020304" pitchFamily="18" charset="0"/>
+                      </a:endParaRPr>
+                    </a:p>
+                  </a:txBody>
+                  <a:tcPr marL="56775" marR="56775" marT="0" marB="0"/>
+                </a:tc>
+                <a:tc>
+                  <a:txBody>
+                    <a:bodyPr/>
+                    <a:lstStyle/>
+                    <a:p>
+                      <a:pPr marL="0" marR="0" algn="ctr">
+                        <a:lnSpc>
+                          <a:spcPts val="1200"/>
+                        </a:lnSpc>
+                        <a:spcBef>
+                          <a:spcPts val="0"/>
+                        </a:spcBef>
+                        <a:spcAft>
+                          <a:spcPts val="0"/>
+                        </a:spcAft>
+                      </a:pPr>
+                      <a:r>
+                        <a:rPr lang="en-US" sz="800">
+                          <a:effectLst/>
+                        </a:rPr>
+                        <a:t>1</a:t>
+                      </a:r>
+                      <a:endParaRPr lang="en-US" sz="800">
+                        <a:effectLst/>
+                        <a:latin typeface="Arial" panose="020B0604020202020204" pitchFamily="34" charset="0"/>
+                        <a:ea typeface="Times New Roman" panose="02020603050405020304" pitchFamily="18" charset="0"/>
+                        <a:cs typeface="Times New Roman" panose="02020603050405020304" pitchFamily="18" charset="0"/>
+                      </a:endParaRPr>
+                    </a:p>
+                  </a:txBody>
+                  <a:tcPr marL="56775" marR="56775" marT="0" marB="0"/>
+                </a:tc>
+              </a:tr>
+              <a:tr h="189218">
+                <a:tc>
+                  <a:txBody>
+                    <a:bodyPr/>
+                    <a:lstStyle/>
+                    <a:p>
+                      <a:pPr marL="0" marR="0" algn="ctr">
+                        <a:lnSpc>
+                          <a:spcPts val="1200"/>
+                        </a:lnSpc>
+                        <a:spcBef>
+                          <a:spcPts val="0"/>
+                        </a:spcBef>
+                        <a:spcAft>
+                          <a:spcPts val="0"/>
+                        </a:spcAft>
+                      </a:pPr>
+                      <a:r>
+                        <a:rPr lang="en-US" sz="800">
+                          <a:effectLst/>
+                        </a:rPr>
+                        <a:t>34</a:t>
+                      </a:r>
+                      <a:endParaRPr lang="en-US" sz="800">
+                        <a:effectLst/>
+                        <a:latin typeface="Arial" panose="020B0604020202020204" pitchFamily="34" charset="0"/>
+                        <a:ea typeface="Times New Roman" panose="02020603050405020304" pitchFamily="18" charset="0"/>
+                        <a:cs typeface="Times New Roman" panose="02020603050405020304" pitchFamily="18" charset="0"/>
+                      </a:endParaRPr>
+                    </a:p>
+                  </a:txBody>
+                  <a:tcPr marL="56775" marR="56775" marT="0" marB="0"/>
+                </a:tc>
+                <a:tc>
+                  <a:txBody>
+                    <a:bodyPr/>
+                    <a:lstStyle/>
+                    <a:p>
+                      <a:pPr marL="0" marR="0" algn="l">
+                        <a:lnSpc>
+                          <a:spcPct val="107000"/>
+                        </a:lnSpc>
+                        <a:spcBef>
+                          <a:spcPts val="0"/>
+                        </a:spcBef>
+                        <a:spcAft>
+                          <a:spcPts val="0"/>
+                        </a:spcAft>
+                      </a:pPr>
+                      <a:r>
+                        <a:rPr lang="en-US" sz="800">
+                          <a:effectLst/>
+                        </a:rPr>
+                        <a:t>Follow users</a:t>
+                      </a:r>
+                      <a:endParaRPr lang="en-US" sz="1000">
+                        <a:effectLst/>
+                        <a:latin typeface="Times New Roman" panose="02020603050405020304" pitchFamily="18" charset="0"/>
+                        <a:ea typeface="Times New Roman" panose="02020603050405020304" pitchFamily="18" charset="0"/>
+                        <a:cs typeface="Times New Roman" panose="02020603050405020304" pitchFamily="18" charset="0"/>
+                      </a:endParaRPr>
+                    </a:p>
+                  </a:txBody>
+                  <a:tcPr marL="56775" marR="56775" marT="0" marB="0" anchor="b"/>
+                </a:tc>
+                <a:tc>
+                  <a:txBody>
+                    <a:bodyPr/>
+                    <a:lstStyle/>
+                    <a:p>
+                      <a:pPr marL="0" marR="0" algn="ctr">
+                        <a:lnSpc>
+                          <a:spcPts val="1200"/>
+                        </a:lnSpc>
+                        <a:spcBef>
+                          <a:spcPts val="0"/>
+                        </a:spcBef>
+                        <a:spcAft>
+                          <a:spcPts val="0"/>
+                        </a:spcAft>
+                      </a:pPr>
+                      <a:r>
+                        <a:rPr lang="en-US" sz="800">
+                          <a:effectLst/>
+                        </a:rPr>
+                        <a:t>Admin</a:t>
+                      </a:r>
+                      <a:endParaRPr lang="en-US" sz="800">
+                        <a:effectLst/>
+                        <a:latin typeface="Arial" panose="020B0604020202020204" pitchFamily="34" charset="0"/>
+                        <a:ea typeface="Times New Roman" panose="02020603050405020304" pitchFamily="18" charset="0"/>
+                        <a:cs typeface="Times New Roman" panose="02020603050405020304" pitchFamily="18" charset="0"/>
+                      </a:endParaRPr>
+                    </a:p>
+                  </a:txBody>
+                  <a:tcPr marL="56775" marR="56775" marT="0" marB="0"/>
+                </a:tc>
+                <a:tc>
+                  <a:txBody>
+                    <a:bodyPr/>
+                    <a:lstStyle/>
+                    <a:p>
+                      <a:pPr marL="0" marR="0" algn="ctr">
+                        <a:lnSpc>
+                          <a:spcPts val="1200"/>
+                        </a:lnSpc>
+                        <a:spcBef>
+                          <a:spcPts val="0"/>
+                        </a:spcBef>
+                        <a:spcAft>
+                          <a:spcPts val="0"/>
+                        </a:spcAft>
+                      </a:pPr>
+                      <a:r>
+                        <a:rPr lang="en-US" sz="800">
+                          <a:effectLst/>
+                        </a:rPr>
+                        <a:t>16/09/2017</a:t>
+                      </a:r>
+                      <a:endParaRPr lang="en-US" sz="800">
+                        <a:effectLst/>
+                        <a:latin typeface="Arial" panose="020B0604020202020204" pitchFamily="34" charset="0"/>
+                        <a:ea typeface="Times New Roman" panose="02020603050405020304" pitchFamily="18" charset="0"/>
+                        <a:cs typeface="Times New Roman" panose="02020603050405020304" pitchFamily="18" charset="0"/>
+                      </a:endParaRPr>
+                    </a:p>
+                  </a:txBody>
+                  <a:tcPr marL="56775" marR="56775" marT="0" marB="0"/>
+                </a:tc>
+                <a:tc>
+                  <a:txBody>
+                    <a:bodyPr/>
+                    <a:lstStyle/>
+                    <a:p>
+                      <a:pPr marL="0" marR="0" algn="ctr">
+                        <a:lnSpc>
+                          <a:spcPts val="1200"/>
+                        </a:lnSpc>
+                        <a:spcBef>
+                          <a:spcPts val="0"/>
+                        </a:spcBef>
+                        <a:spcAft>
+                          <a:spcPts val="0"/>
+                        </a:spcAft>
+                      </a:pPr>
+                      <a:r>
+                        <a:rPr lang="en-US" sz="800">
+                          <a:effectLst/>
+                        </a:rPr>
+                        <a:t>23/09/2017</a:t>
+                      </a:r>
+                      <a:endParaRPr lang="en-US" sz="800">
+                        <a:effectLst/>
+                        <a:latin typeface="Arial" panose="020B0604020202020204" pitchFamily="34" charset="0"/>
+                        <a:ea typeface="Times New Roman" panose="02020603050405020304" pitchFamily="18" charset="0"/>
+                        <a:cs typeface="Times New Roman" panose="02020603050405020304" pitchFamily="18" charset="0"/>
+                      </a:endParaRPr>
+                    </a:p>
+                  </a:txBody>
+                  <a:tcPr marL="56775" marR="56775" marT="0" marB="0"/>
+                </a:tc>
+                <a:tc>
+                  <a:txBody>
+                    <a:bodyPr/>
+                    <a:lstStyle/>
+                    <a:p>
+                      <a:pPr marL="0" marR="0" algn="ctr">
+                        <a:lnSpc>
+                          <a:spcPts val="1200"/>
+                        </a:lnSpc>
+                        <a:spcBef>
+                          <a:spcPts val="0"/>
+                        </a:spcBef>
+                        <a:spcAft>
+                          <a:spcPts val="0"/>
+                        </a:spcAft>
+                      </a:pPr>
+                      <a:r>
+                        <a:rPr lang="en-US" sz="800">
+                          <a:effectLst/>
+                        </a:rPr>
+                        <a:t>7</a:t>
+                      </a:r>
+                      <a:endParaRPr lang="en-US" sz="800">
+                        <a:effectLst/>
+                        <a:latin typeface="Arial" panose="020B0604020202020204" pitchFamily="34" charset="0"/>
+                        <a:ea typeface="Times New Roman" panose="02020603050405020304" pitchFamily="18" charset="0"/>
+                        <a:cs typeface="Times New Roman" panose="02020603050405020304" pitchFamily="18" charset="0"/>
+                      </a:endParaRPr>
+                    </a:p>
+                  </a:txBody>
+                  <a:tcPr marL="56775" marR="56775" marT="0" marB="0"/>
+                </a:tc>
+              </a:tr>
+              <a:tr h="323877">
+                <a:tc>
+                  <a:txBody>
+                    <a:bodyPr/>
+                    <a:lstStyle/>
+                    <a:p>
+                      <a:pPr marL="0" marR="0" algn="ctr">
+                        <a:lnSpc>
+                          <a:spcPts val="1200"/>
+                        </a:lnSpc>
+                        <a:spcBef>
+                          <a:spcPts val="0"/>
+                        </a:spcBef>
+                        <a:spcAft>
+                          <a:spcPts val="0"/>
+                        </a:spcAft>
+                      </a:pPr>
+                      <a:r>
+                        <a:rPr lang="en-US" sz="800">
+                          <a:effectLst/>
+                        </a:rPr>
+                        <a:t>35</a:t>
+                      </a:r>
+                      <a:endParaRPr lang="en-US" sz="800">
+                        <a:effectLst/>
+                        <a:latin typeface="Arial" panose="020B0604020202020204" pitchFamily="34" charset="0"/>
+                        <a:ea typeface="Times New Roman" panose="02020603050405020304" pitchFamily="18" charset="0"/>
+                        <a:cs typeface="Times New Roman" panose="02020603050405020304" pitchFamily="18" charset="0"/>
+                      </a:endParaRPr>
+                    </a:p>
+                  </a:txBody>
+                  <a:tcPr marL="56775" marR="56775" marT="0" marB="0"/>
+                </a:tc>
+                <a:tc>
+                  <a:txBody>
+                    <a:bodyPr/>
+                    <a:lstStyle/>
+                    <a:p>
+                      <a:pPr marL="0" marR="0" algn="just">
+                        <a:lnSpc>
+                          <a:spcPct val="107000"/>
+                        </a:lnSpc>
+                        <a:spcBef>
+                          <a:spcPts val="0"/>
+                        </a:spcBef>
+                        <a:spcAft>
+                          <a:spcPts val="0"/>
+                        </a:spcAft>
+                      </a:pPr>
+                      <a:r>
+                        <a:rPr lang="en-US" sz="800">
+                          <a:effectLst/>
+                        </a:rPr>
+                        <a:t>Send feedback &amp; rate hotel</a:t>
+                      </a:r>
+                      <a:endParaRPr lang="en-US" sz="1000">
+                        <a:effectLst/>
+                        <a:latin typeface="Times New Roman" panose="02020603050405020304" pitchFamily="18" charset="0"/>
+                        <a:ea typeface="Times New Roman" panose="02020603050405020304" pitchFamily="18" charset="0"/>
+                        <a:cs typeface="Times New Roman" panose="02020603050405020304" pitchFamily="18" charset="0"/>
+                      </a:endParaRPr>
+                    </a:p>
+                  </a:txBody>
+                  <a:tcPr marL="56775" marR="56775" marT="0" marB="0" anchor="b"/>
+                </a:tc>
+                <a:tc>
+                  <a:txBody>
+                    <a:bodyPr/>
+                    <a:lstStyle/>
+                    <a:p>
+                      <a:pPr marL="0" marR="0" algn="ctr">
+                        <a:lnSpc>
+                          <a:spcPts val="1200"/>
+                        </a:lnSpc>
+                        <a:spcBef>
+                          <a:spcPts val="0"/>
+                        </a:spcBef>
+                        <a:spcAft>
+                          <a:spcPts val="0"/>
+                        </a:spcAft>
+                      </a:pPr>
+                      <a:r>
+                        <a:rPr lang="en-US" sz="800">
+                          <a:effectLst/>
+                        </a:rPr>
+                        <a:t>Customer</a:t>
+                      </a:r>
+                      <a:endParaRPr lang="en-US" sz="800">
+                        <a:effectLst/>
+                        <a:latin typeface="Arial" panose="020B0604020202020204" pitchFamily="34" charset="0"/>
+                        <a:ea typeface="Times New Roman" panose="02020603050405020304" pitchFamily="18" charset="0"/>
+                        <a:cs typeface="Times New Roman" panose="02020603050405020304" pitchFamily="18" charset="0"/>
+                      </a:endParaRPr>
+                    </a:p>
+                  </a:txBody>
+                  <a:tcPr marL="56775" marR="56775" marT="0" marB="0"/>
+                </a:tc>
+                <a:tc>
+                  <a:txBody>
+                    <a:bodyPr/>
+                    <a:lstStyle/>
+                    <a:p>
+                      <a:pPr marL="0" marR="0" algn="ctr">
+                        <a:lnSpc>
+                          <a:spcPts val="1200"/>
+                        </a:lnSpc>
+                        <a:spcBef>
+                          <a:spcPts val="0"/>
+                        </a:spcBef>
+                        <a:spcAft>
+                          <a:spcPts val="0"/>
+                        </a:spcAft>
+                      </a:pPr>
+                      <a:r>
+                        <a:rPr lang="en-US" sz="800">
+                          <a:effectLst/>
+                        </a:rPr>
+                        <a:t>23/09/2017</a:t>
+                      </a:r>
+                      <a:endParaRPr lang="en-US" sz="800">
+                        <a:effectLst/>
+                        <a:latin typeface="Arial" panose="020B0604020202020204" pitchFamily="34" charset="0"/>
+                        <a:ea typeface="Times New Roman" panose="02020603050405020304" pitchFamily="18" charset="0"/>
+                        <a:cs typeface="Times New Roman" panose="02020603050405020304" pitchFamily="18" charset="0"/>
+                      </a:endParaRPr>
+                    </a:p>
+                  </a:txBody>
+                  <a:tcPr marL="56775" marR="56775" marT="0" marB="0"/>
+                </a:tc>
+                <a:tc>
+                  <a:txBody>
+                    <a:bodyPr/>
+                    <a:lstStyle/>
+                    <a:p>
+                      <a:pPr marL="0" marR="0" algn="ctr">
+                        <a:lnSpc>
+                          <a:spcPts val="1200"/>
+                        </a:lnSpc>
+                        <a:spcBef>
+                          <a:spcPts val="0"/>
+                        </a:spcBef>
+                        <a:spcAft>
+                          <a:spcPts val="0"/>
+                        </a:spcAft>
+                      </a:pPr>
+                      <a:r>
+                        <a:rPr lang="en-US" sz="800">
+                          <a:effectLst/>
+                        </a:rPr>
+                        <a:t>30/09/2017</a:t>
+                      </a:r>
+                      <a:endParaRPr lang="en-US" sz="800">
+                        <a:effectLst/>
+                        <a:latin typeface="Arial" panose="020B0604020202020204" pitchFamily="34" charset="0"/>
+                        <a:ea typeface="Times New Roman" panose="02020603050405020304" pitchFamily="18" charset="0"/>
+                        <a:cs typeface="Times New Roman" panose="02020603050405020304" pitchFamily="18" charset="0"/>
+                      </a:endParaRPr>
+                    </a:p>
+                  </a:txBody>
+                  <a:tcPr marL="56775" marR="56775" marT="0" marB="0"/>
+                </a:tc>
+                <a:tc>
+                  <a:txBody>
+                    <a:bodyPr/>
+                    <a:lstStyle/>
+                    <a:p>
+                      <a:pPr marL="0" marR="0" algn="ctr">
+                        <a:lnSpc>
+                          <a:spcPts val="1200"/>
+                        </a:lnSpc>
+                        <a:spcBef>
+                          <a:spcPts val="0"/>
+                        </a:spcBef>
+                        <a:spcAft>
+                          <a:spcPts val="0"/>
+                        </a:spcAft>
+                      </a:pPr>
+                      <a:r>
+                        <a:rPr lang="en-US" sz="800">
+                          <a:effectLst/>
+                        </a:rPr>
+                        <a:t>7</a:t>
+                      </a:r>
+                      <a:endParaRPr lang="en-US" sz="800">
+                        <a:effectLst/>
+                        <a:latin typeface="Arial" panose="020B0604020202020204" pitchFamily="34" charset="0"/>
+                        <a:ea typeface="Times New Roman" panose="02020603050405020304" pitchFamily="18" charset="0"/>
+                        <a:cs typeface="Times New Roman" panose="02020603050405020304" pitchFamily="18" charset="0"/>
+                      </a:endParaRPr>
+                    </a:p>
+                  </a:txBody>
+                  <a:tcPr marL="56775" marR="56775" marT="0" marB="0"/>
+                </a:tc>
+              </a:tr>
+              <a:tr h="323877">
+                <a:tc>
+                  <a:txBody>
+                    <a:bodyPr/>
+                    <a:lstStyle/>
+                    <a:p>
+                      <a:pPr marL="0" marR="0" algn="ctr">
+                        <a:lnSpc>
+                          <a:spcPts val="1200"/>
+                        </a:lnSpc>
+                        <a:spcBef>
+                          <a:spcPts val="0"/>
+                        </a:spcBef>
+                        <a:spcAft>
+                          <a:spcPts val="0"/>
+                        </a:spcAft>
+                      </a:pPr>
+                      <a:r>
+                        <a:rPr lang="en-US" sz="800">
+                          <a:effectLst/>
+                        </a:rPr>
+                        <a:t>36</a:t>
+                      </a:r>
+                      <a:endParaRPr lang="en-US" sz="800">
+                        <a:effectLst/>
+                        <a:latin typeface="Arial" panose="020B0604020202020204" pitchFamily="34" charset="0"/>
+                        <a:ea typeface="Times New Roman" panose="02020603050405020304" pitchFamily="18" charset="0"/>
+                        <a:cs typeface="Times New Roman" panose="02020603050405020304" pitchFamily="18" charset="0"/>
+                      </a:endParaRPr>
+                    </a:p>
+                  </a:txBody>
+                  <a:tcPr marL="56775" marR="56775" marT="0" marB="0"/>
+                </a:tc>
+                <a:tc>
+                  <a:txBody>
+                    <a:bodyPr/>
+                    <a:lstStyle/>
+                    <a:p>
+                      <a:pPr marL="0" marR="0" algn="l">
+                        <a:lnSpc>
+                          <a:spcPct val="107000"/>
+                        </a:lnSpc>
+                        <a:spcBef>
+                          <a:spcPts val="0"/>
+                        </a:spcBef>
+                        <a:spcAft>
+                          <a:spcPts val="0"/>
+                        </a:spcAft>
+                      </a:pPr>
+                      <a:r>
+                        <a:rPr lang="en-US" sz="800">
+                          <a:effectLst/>
+                        </a:rPr>
+                        <a:t>Send feedback &amp; rate room</a:t>
+                      </a:r>
+                      <a:endParaRPr lang="en-US" sz="1000">
+                        <a:effectLst/>
+                        <a:latin typeface="Times New Roman" panose="02020603050405020304" pitchFamily="18" charset="0"/>
+                        <a:ea typeface="Times New Roman" panose="02020603050405020304" pitchFamily="18" charset="0"/>
+                        <a:cs typeface="Times New Roman" panose="02020603050405020304" pitchFamily="18" charset="0"/>
+                      </a:endParaRPr>
+                    </a:p>
+                  </a:txBody>
+                  <a:tcPr marL="56775" marR="56775" marT="0" marB="0" anchor="b"/>
+                </a:tc>
+                <a:tc>
+                  <a:txBody>
+                    <a:bodyPr/>
+                    <a:lstStyle/>
+                    <a:p>
+                      <a:pPr marL="0" marR="0" algn="ctr">
+                        <a:lnSpc>
+                          <a:spcPts val="1200"/>
+                        </a:lnSpc>
+                        <a:spcBef>
+                          <a:spcPts val="0"/>
+                        </a:spcBef>
+                        <a:spcAft>
+                          <a:spcPts val="0"/>
+                        </a:spcAft>
+                      </a:pPr>
+                      <a:r>
+                        <a:rPr lang="en-US" sz="800">
+                          <a:effectLst/>
+                        </a:rPr>
+                        <a:t>Customer</a:t>
+                      </a:r>
+                      <a:endParaRPr lang="en-US" sz="800">
+                        <a:effectLst/>
+                        <a:latin typeface="Arial" panose="020B0604020202020204" pitchFamily="34" charset="0"/>
+                        <a:ea typeface="Times New Roman" panose="02020603050405020304" pitchFamily="18" charset="0"/>
+                        <a:cs typeface="Times New Roman" panose="02020603050405020304" pitchFamily="18" charset="0"/>
+                      </a:endParaRPr>
+                    </a:p>
+                  </a:txBody>
+                  <a:tcPr marL="56775" marR="56775" marT="0" marB="0"/>
+                </a:tc>
+                <a:tc>
+                  <a:txBody>
+                    <a:bodyPr/>
+                    <a:lstStyle/>
+                    <a:p>
+                      <a:pPr marL="0" marR="0" algn="ctr">
+                        <a:lnSpc>
+                          <a:spcPts val="1200"/>
+                        </a:lnSpc>
+                        <a:spcBef>
+                          <a:spcPts val="0"/>
+                        </a:spcBef>
+                        <a:spcAft>
+                          <a:spcPts val="0"/>
+                        </a:spcAft>
+                      </a:pPr>
+                      <a:r>
+                        <a:rPr lang="en-US" sz="800">
+                          <a:effectLst/>
+                        </a:rPr>
+                        <a:t>30/09/2017</a:t>
+                      </a:r>
+                      <a:endParaRPr lang="en-US" sz="800">
+                        <a:effectLst/>
+                        <a:latin typeface="Arial" panose="020B0604020202020204" pitchFamily="34" charset="0"/>
+                        <a:ea typeface="Times New Roman" panose="02020603050405020304" pitchFamily="18" charset="0"/>
+                        <a:cs typeface="Times New Roman" panose="02020603050405020304" pitchFamily="18" charset="0"/>
+                      </a:endParaRPr>
+                    </a:p>
+                  </a:txBody>
+                  <a:tcPr marL="56775" marR="56775" marT="0" marB="0"/>
+                </a:tc>
+                <a:tc>
+                  <a:txBody>
+                    <a:bodyPr/>
+                    <a:lstStyle/>
+                    <a:p>
+                      <a:pPr marL="0" marR="0" algn="ctr">
+                        <a:lnSpc>
+                          <a:spcPts val="1200"/>
+                        </a:lnSpc>
+                        <a:spcBef>
+                          <a:spcPts val="0"/>
+                        </a:spcBef>
+                        <a:spcAft>
+                          <a:spcPts val="0"/>
+                        </a:spcAft>
+                      </a:pPr>
+                      <a:r>
+                        <a:rPr lang="en-US" sz="800">
+                          <a:effectLst/>
+                        </a:rPr>
+                        <a:t>07/10/2017</a:t>
+                      </a:r>
+                      <a:endParaRPr lang="en-US" sz="800">
+                        <a:effectLst/>
+                        <a:latin typeface="Arial" panose="020B0604020202020204" pitchFamily="34" charset="0"/>
+                        <a:ea typeface="Times New Roman" panose="02020603050405020304" pitchFamily="18" charset="0"/>
+                        <a:cs typeface="Times New Roman" panose="02020603050405020304" pitchFamily="18" charset="0"/>
+                      </a:endParaRPr>
+                    </a:p>
+                  </a:txBody>
+                  <a:tcPr marL="56775" marR="56775" marT="0" marB="0"/>
+                </a:tc>
+                <a:tc>
+                  <a:txBody>
+                    <a:bodyPr/>
+                    <a:lstStyle/>
+                    <a:p>
+                      <a:pPr marL="0" marR="0" algn="ctr">
+                        <a:lnSpc>
+                          <a:spcPts val="1200"/>
+                        </a:lnSpc>
+                        <a:spcBef>
+                          <a:spcPts val="0"/>
+                        </a:spcBef>
+                        <a:spcAft>
+                          <a:spcPts val="0"/>
+                        </a:spcAft>
+                      </a:pPr>
+                      <a:r>
+                        <a:rPr lang="en-US" sz="800">
+                          <a:effectLst/>
+                        </a:rPr>
+                        <a:t>7</a:t>
+                      </a:r>
+                      <a:endParaRPr lang="en-US" sz="800">
+                        <a:effectLst/>
+                        <a:latin typeface="Arial" panose="020B0604020202020204" pitchFamily="34" charset="0"/>
+                        <a:ea typeface="Times New Roman" panose="02020603050405020304" pitchFamily="18" charset="0"/>
+                        <a:cs typeface="Times New Roman" panose="02020603050405020304" pitchFamily="18" charset="0"/>
+                      </a:endParaRPr>
+                    </a:p>
+                  </a:txBody>
+                  <a:tcPr marL="56775" marR="56775" marT="0" marB="0"/>
+                </a:tc>
+              </a:tr>
+              <a:tr h="189218">
+                <a:tc>
+                  <a:txBody>
+                    <a:bodyPr/>
+                    <a:lstStyle/>
+                    <a:p>
+                      <a:pPr marL="0" marR="0" algn="ctr">
+                        <a:lnSpc>
+                          <a:spcPts val="1200"/>
+                        </a:lnSpc>
+                        <a:spcBef>
+                          <a:spcPts val="0"/>
+                        </a:spcBef>
+                        <a:spcAft>
+                          <a:spcPts val="0"/>
+                        </a:spcAft>
+                      </a:pPr>
+                      <a:r>
+                        <a:rPr lang="en-US" sz="800">
+                          <a:effectLst/>
+                        </a:rPr>
+                        <a:t>37</a:t>
+                      </a:r>
+                      <a:endParaRPr lang="en-US" sz="800">
+                        <a:effectLst/>
+                        <a:latin typeface="Arial" panose="020B0604020202020204" pitchFamily="34" charset="0"/>
+                        <a:ea typeface="Times New Roman" panose="02020603050405020304" pitchFamily="18" charset="0"/>
+                        <a:cs typeface="Times New Roman" panose="02020603050405020304" pitchFamily="18" charset="0"/>
+                      </a:endParaRPr>
+                    </a:p>
+                  </a:txBody>
+                  <a:tcPr marL="56775" marR="56775" marT="0" marB="0"/>
+                </a:tc>
+                <a:tc>
+                  <a:txBody>
+                    <a:bodyPr/>
+                    <a:lstStyle/>
+                    <a:p>
+                      <a:pPr marL="0" marR="0" algn="l">
+                        <a:lnSpc>
+                          <a:spcPct val="107000"/>
+                        </a:lnSpc>
+                        <a:spcBef>
+                          <a:spcPts val="0"/>
+                        </a:spcBef>
+                        <a:spcAft>
+                          <a:spcPts val="0"/>
+                        </a:spcAft>
+                      </a:pPr>
+                      <a:r>
+                        <a:rPr lang="en-US" sz="800">
+                          <a:effectLst/>
+                        </a:rPr>
+                        <a:t>View customer activity</a:t>
+                      </a:r>
+                      <a:endParaRPr lang="en-US" sz="1000">
+                        <a:effectLst/>
+                        <a:latin typeface="Times New Roman" panose="02020603050405020304" pitchFamily="18" charset="0"/>
+                        <a:ea typeface="Times New Roman" panose="02020603050405020304" pitchFamily="18" charset="0"/>
+                        <a:cs typeface="Times New Roman" panose="02020603050405020304" pitchFamily="18" charset="0"/>
+                      </a:endParaRPr>
+                    </a:p>
+                  </a:txBody>
+                  <a:tcPr marL="56775" marR="56775" marT="0" marB="0" anchor="b"/>
+                </a:tc>
+                <a:tc>
+                  <a:txBody>
+                    <a:bodyPr/>
+                    <a:lstStyle/>
+                    <a:p>
+                      <a:pPr marL="0" marR="0" algn="ctr">
+                        <a:lnSpc>
+                          <a:spcPts val="1200"/>
+                        </a:lnSpc>
+                        <a:spcBef>
+                          <a:spcPts val="0"/>
+                        </a:spcBef>
+                        <a:spcAft>
+                          <a:spcPts val="0"/>
+                        </a:spcAft>
+                      </a:pPr>
+                      <a:r>
+                        <a:rPr lang="en-US" sz="800">
+                          <a:effectLst/>
+                        </a:rPr>
+                        <a:t>Admin</a:t>
+                      </a:r>
+                      <a:endParaRPr lang="en-US" sz="800">
+                        <a:effectLst/>
+                        <a:latin typeface="Arial" panose="020B0604020202020204" pitchFamily="34" charset="0"/>
+                        <a:ea typeface="Times New Roman" panose="02020603050405020304" pitchFamily="18" charset="0"/>
+                        <a:cs typeface="Times New Roman" panose="02020603050405020304" pitchFamily="18" charset="0"/>
+                      </a:endParaRPr>
+                    </a:p>
+                  </a:txBody>
+                  <a:tcPr marL="56775" marR="56775" marT="0" marB="0"/>
+                </a:tc>
+                <a:tc>
+                  <a:txBody>
+                    <a:bodyPr/>
+                    <a:lstStyle/>
+                    <a:p>
+                      <a:pPr marL="0" marR="0" algn="ctr">
+                        <a:lnSpc>
+                          <a:spcPts val="1200"/>
+                        </a:lnSpc>
+                        <a:spcBef>
+                          <a:spcPts val="0"/>
+                        </a:spcBef>
+                        <a:spcAft>
+                          <a:spcPts val="0"/>
+                        </a:spcAft>
+                      </a:pPr>
+                      <a:r>
+                        <a:rPr lang="en-US" sz="800">
+                          <a:effectLst/>
+                        </a:rPr>
+                        <a:t>07/10/2017</a:t>
+                      </a:r>
+                      <a:endParaRPr lang="en-US" sz="800">
+                        <a:effectLst/>
+                        <a:latin typeface="Arial" panose="020B0604020202020204" pitchFamily="34" charset="0"/>
+                        <a:ea typeface="Times New Roman" panose="02020603050405020304" pitchFamily="18" charset="0"/>
+                        <a:cs typeface="Times New Roman" panose="02020603050405020304" pitchFamily="18" charset="0"/>
+                      </a:endParaRPr>
+                    </a:p>
+                  </a:txBody>
+                  <a:tcPr marL="56775" marR="56775" marT="0" marB="0"/>
+                </a:tc>
+                <a:tc>
+                  <a:txBody>
+                    <a:bodyPr/>
+                    <a:lstStyle/>
+                    <a:p>
+                      <a:pPr marL="0" marR="0" algn="ctr">
+                        <a:lnSpc>
+                          <a:spcPts val="1200"/>
+                        </a:lnSpc>
+                        <a:spcBef>
+                          <a:spcPts val="0"/>
+                        </a:spcBef>
+                        <a:spcAft>
+                          <a:spcPts val="0"/>
+                        </a:spcAft>
+                      </a:pPr>
+                      <a:r>
+                        <a:rPr lang="en-US" sz="800">
+                          <a:effectLst/>
+                        </a:rPr>
+                        <a:t>14/10/2017</a:t>
+                      </a:r>
+                      <a:endParaRPr lang="en-US" sz="800">
+                        <a:effectLst/>
+                        <a:latin typeface="Arial" panose="020B0604020202020204" pitchFamily="34" charset="0"/>
+                        <a:ea typeface="Times New Roman" panose="02020603050405020304" pitchFamily="18" charset="0"/>
+                        <a:cs typeface="Times New Roman" panose="02020603050405020304" pitchFamily="18" charset="0"/>
+                      </a:endParaRPr>
+                    </a:p>
+                  </a:txBody>
+                  <a:tcPr marL="56775" marR="56775" marT="0" marB="0"/>
+                </a:tc>
+                <a:tc>
+                  <a:txBody>
+                    <a:bodyPr/>
+                    <a:lstStyle/>
+                    <a:p>
+                      <a:pPr marL="0" marR="0" algn="ctr">
+                        <a:lnSpc>
+                          <a:spcPts val="1200"/>
+                        </a:lnSpc>
+                        <a:spcBef>
+                          <a:spcPts val="0"/>
+                        </a:spcBef>
+                        <a:spcAft>
+                          <a:spcPts val="0"/>
+                        </a:spcAft>
+                      </a:pPr>
+                      <a:r>
+                        <a:rPr lang="en-US" sz="800">
+                          <a:effectLst/>
+                        </a:rPr>
+                        <a:t>7</a:t>
+                      </a:r>
+                      <a:endParaRPr lang="en-US" sz="800">
+                        <a:effectLst/>
+                        <a:latin typeface="Arial" panose="020B0604020202020204" pitchFamily="34" charset="0"/>
+                        <a:ea typeface="Times New Roman" panose="02020603050405020304" pitchFamily="18" charset="0"/>
+                        <a:cs typeface="Times New Roman" panose="02020603050405020304" pitchFamily="18" charset="0"/>
+                      </a:endParaRPr>
+                    </a:p>
+                  </a:txBody>
+                  <a:tcPr marL="56775" marR="56775" marT="0" marB="0"/>
+                </a:tc>
+              </a:tr>
+              <a:tr h="323877">
+                <a:tc>
+                  <a:txBody>
+                    <a:bodyPr/>
+                    <a:lstStyle/>
+                    <a:p>
+                      <a:pPr marL="0" marR="0" algn="ctr">
+                        <a:lnSpc>
+                          <a:spcPts val="1200"/>
+                        </a:lnSpc>
+                        <a:spcBef>
+                          <a:spcPts val="0"/>
+                        </a:spcBef>
+                        <a:spcAft>
+                          <a:spcPts val="0"/>
+                        </a:spcAft>
+                      </a:pPr>
+                      <a:r>
+                        <a:rPr lang="en-US" sz="800">
+                          <a:effectLst/>
+                        </a:rPr>
+                        <a:t>38</a:t>
+                      </a:r>
+                      <a:endParaRPr lang="en-US" sz="800">
+                        <a:effectLst/>
+                        <a:latin typeface="Arial" panose="020B0604020202020204" pitchFamily="34" charset="0"/>
+                        <a:ea typeface="Times New Roman" panose="02020603050405020304" pitchFamily="18" charset="0"/>
+                        <a:cs typeface="Times New Roman" panose="02020603050405020304" pitchFamily="18" charset="0"/>
+                      </a:endParaRPr>
+                    </a:p>
+                  </a:txBody>
+                  <a:tcPr marL="56775" marR="56775" marT="0" marB="0"/>
+                </a:tc>
+                <a:tc>
+                  <a:txBody>
+                    <a:bodyPr/>
+                    <a:lstStyle/>
+                    <a:p>
+                      <a:pPr marL="0" marR="0" algn="l">
+                        <a:lnSpc>
+                          <a:spcPct val="107000"/>
+                        </a:lnSpc>
+                        <a:spcBef>
+                          <a:spcPts val="0"/>
+                        </a:spcBef>
+                        <a:spcAft>
+                          <a:spcPts val="0"/>
+                        </a:spcAft>
+                      </a:pPr>
+                      <a:r>
+                        <a:rPr lang="en-US" sz="800">
+                          <a:effectLst/>
+                        </a:rPr>
+                        <a:t>View statistic of visit times</a:t>
+                      </a:r>
+                      <a:endParaRPr lang="en-US" sz="1000">
+                        <a:effectLst/>
+                        <a:latin typeface="Times New Roman" panose="02020603050405020304" pitchFamily="18" charset="0"/>
+                        <a:ea typeface="Times New Roman" panose="02020603050405020304" pitchFamily="18" charset="0"/>
+                        <a:cs typeface="Times New Roman" panose="02020603050405020304" pitchFamily="18" charset="0"/>
+                      </a:endParaRPr>
+                    </a:p>
+                  </a:txBody>
+                  <a:tcPr marL="56775" marR="56775" marT="0" marB="0" anchor="b"/>
+                </a:tc>
+                <a:tc>
+                  <a:txBody>
+                    <a:bodyPr/>
+                    <a:lstStyle/>
+                    <a:p>
+                      <a:pPr marL="0" marR="0" algn="ctr">
+                        <a:lnSpc>
+                          <a:spcPts val="1200"/>
+                        </a:lnSpc>
+                        <a:spcBef>
+                          <a:spcPts val="0"/>
+                        </a:spcBef>
+                        <a:spcAft>
+                          <a:spcPts val="0"/>
+                        </a:spcAft>
+                      </a:pPr>
+                      <a:r>
+                        <a:rPr lang="en-US" sz="800">
+                          <a:effectLst/>
+                        </a:rPr>
+                        <a:t>Admin</a:t>
+                      </a:r>
+                      <a:endParaRPr lang="en-US" sz="800">
+                        <a:effectLst/>
+                        <a:latin typeface="Arial" panose="020B0604020202020204" pitchFamily="34" charset="0"/>
+                        <a:ea typeface="Times New Roman" panose="02020603050405020304" pitchFamily="18" charset="0"/>
+                        <a:cs typeface="Times New Roman" panose="02020603050405020304" pitchFamily="18" charset="0"/>
+                      </a:endParaRPr>
+                    </a:p>
+                  </a:txBody>
+                  <a:tcPr marL="56775" marR="56775" marT="0" marB="0"/>
+                </a:tc>
+                <a:tc>
+                  <a:txBody>
+                    <a:bodyPr/>
+                    <a:lstStyle/>
+                    <a:p>
+                      <a:pPr marL="0" marR="0" algn="ctr">
+                        <a:lnSpc>
+                          <a:spcPts val="1200"/>
+                        </a:lnSpc>
+                        <a:spcBef>
+                          <a:spcPts val="0"/>
+                        </a:spcBef>
+                        <a:spcAft>
+                          <a:spcPts val="0"/>
+                        </a:spcAft>
+                      </a:pPr>
+                      <a:r>
+                        <a:rPr lang="en-US" sz="800">
+                          <a:effectLst/>
+                        </a:rPr>
+                        <a:t>14/10/2017</a:t>
+                      </a:r>
+                      <a:endParaRPr lang="en-US" sz="800">
+                        <a:effectLst/>
+                        <a:latin typeface="Arial" panose="020B0604020202020204" pitchFamily="34" charset="0"/>
+                        <a:ea typeface="Times New Roman" panose="02020603050405020304" pitchFamily="18" charset="0"/>
+                        <a:cs typeface="Times New Roman" panose="02020603050405020304" pitchFamily="18" charset="0"/>
+                      </a:endParaRPr>
+                    </a:p>
+                  </a:txBody>
+                  <a:tcPr marL="56775" marR="56775" marT="0" marB="0"/>
+                </a:tc>
+                <a:tc>
+                  <a:txBody>
+                    <a:bodyPr/>
+                    <a:lstStyle/>
+                    <a:p>
+                      <a:pPr marL="0" marR="0" algn="ctr">
+                        <a:lnSpc>
+                          <a:spcPts val="1200"/>
+                        </a:lnSpc>
+                        <a:spcBef>
+                          <a:spcPts val="0"/>
+                        </a:spcBef>
+                        <a:spcAft>
+                          <a:spcPts val="0"/>
+                        </a:spcAft>
+                      </a:pPr>
+                      <a:r>
+                        <a:rPr lang="en-US" sz="800">
+                          <a:effectLst/>
+                        </a:rPr>
+                        <a:t>21/10/2017</a:t>
+                      </a:r>
+                      <a:endParaRPr lang="en-US" sz="800">
+                        <a:effectLst/>
+                        <a:latin typeface="Arial" panose="020B0604020202020204" pitchFamily="34" charset="0"/>
+                        <a:ea typeface="Times New Roman" panose="02020603050405020304" pitchFamily="18" charset="0"/>
+                        <a:cs typeface="Times New Roman" panose="02020603050405020304" pitchFamily="18" charset="0"/>
+                      </a:endParaRPr>
+                    </a:p>
+                  </a:txBody>
+                  <a:tcPr marL="56775" marR="56775" marT="0" marB="0"/>
+                </a:tc>
+                <a:tc>
+                  <a:txBody>
+                    <a:bodyPr/>
+                    <a:lstStyle/>
+                    <a:p>
+                      <a:pPr marL="0" marR="0" algn="ctr">
+                        <a:lnSpc>
+                          <a:spcPts val="1200"/>
+                        </a:lnSpc>
+                        <a:spcBef>
+                          <a:spcPts val="0"/>
+                        </a:spcBef>
+                        <a:spcAft>
+                          <a:spcPts val="0"/>
+                        </a:spcAft>
+                      </a:pPr>
+                      <a:r>
+                        <a:rPr lang="en-US" sz="800">
+                          <a:effectLst/>
+                        </a:rPr>
+                        <a:t>7</a:t>
+                      </a:r>
+                      <a:endParaRPr lang="en-US" sz="800">
+                        <a:effectLst/>
+                        <a:latin typeface="Arial" panose="020B0604020202020204" pitchFamily="34" charset="0"/>
+                        <a:ea typeface="Times New Roman" panose="02020603050405020304" pitchFamily="18" charset="0"/>
+                        <a:cs typeface="Times New Roman" panose="02020603050405020304" pitchFamily="18" charset="0"/>
+                      </a:endParaRPr>
+                    </a:p>
+                  </a:txBody>
+                  <a:tcPr marL="56775" marR="56775" marT="0" marB="0"/>
+                </a:tc>
+              </a:tr>
+              <a:tr h="335225">
+                <a:tc>
+                  <a:txBody>
+                    <a:bodyPr/>
+                    <a:lstStyle/>
+                    <a:p>
+                      <a:pPr marL="0" marR="0" algn="ctr">
+                        <a:lnSpc>
+                          <a:spcPts val="1200"/>
+                        </a:lnSpc>
+                        <a:spcBef>
+                          <a:spcPts val="0"/>
+                        </a:spcBef>
+                        <a:spcAft>
+                          <a:spcPts val="0"/>
+                        </a:spcAft>
+                      </a:pPr>
+                      <a:r>
+                        <a:rPr lang="en-US" sz="800">
+                          <a:effectLst/>
+                        </a:rPr>
+                        <a:t>39</a:t>
+                      </a:r>
+                      <a:endParaRPr lang="en-US" sz="800">
+                        <a:effectLst/>
+                        <a:latin typeface="Arial" panose="020B0604020202020204" pitchFamily="34" charset="0"/>
+                        <a:ea typeface="Times New Roman" panose="02020603050405020304" pitchFamily="18" charset="0"/>
+                        <a:cs typeface="Times New Roman" panose="02020603050405020304" pitchFamily="18" charset="0"/>
+                      </a:endParaRPr>
+                    </a:p>
+                  </a:txBody>
+                  <a:tcPr marL="56775" marR="56775" marT="0" marB="0"/>
+                </a:tc>
+                <a:tc>
+                  <a:txBody>
+                    <a:bodyPr/>
+                    <a:lstStyle/>
+                    <a:p>
+                      <a:pPr marL="0" marR="0" algn="l">
+                        <a:lnSpc>
+                          <a:spcPct val="107000"/>
+                        </a:lnSpc>
+                        <a:spcBef>
+                          <a:spcPts val="0"/>
+                        </a:spcBef>
+                        <a:spcAft>
+                          <a:spcPts val="0"/>
+                        </a:spcAft>
+                      </a:pPr>
+                      <a:r>
+                        <a:rPr lang="en-US" sz="800">
+                          <a:effectLst/>
+                        </a:rPr>
+                        <a:t>View recommendation room</a:t>
+                      </a:r>
+                      <a:endParaRPr lang="en-US" sz="1000">
+                        <a:effectLst/>
+                        <a:latin typeface="Times New Roman" panose="02020603050405020304" pitchFamily="18" charset="0"/>
+                        <a:ea typeface="Times New Roman" panose="02020603050405020304" pitchFamily="18" charset="0"/>
+                        <a:cs typeface="Times New Roman" panose="02020603050405020304" pitchFamily="18" charset="0"/>
+                      </a:endParaRPr>
+                    </a:p>
+                  </a:txBody>
+                  <a:tcPr marL="56775" marR="56775" marT="0" marB="0" anchor="b"/>
+                </a:tc>
+                <a:tc>
+                  <a:txBody>
+                    <a:bodyPr/>
+                    <a:lstStyle/>
+                    <a:p>
+                      <a:pPr marL="0" marR="0" algn="ctr">
+                        <a:lnSpc>
+                          <a:spcPts val="1200"/>
+                        </a:lnSpc>
+                        <a:spcBef>
+                          <a:spcPts val="0"/>
+                        </a:spcBef>
+                        <a:spcAft>
+                          <a:spcPts val="0"/>
+                        </a:spcAft>
+                      </a:pPr>
+                      <a:r>
+                        <a:rPr lang="en-US" sz="800">
+                          <a:effectLst/>
+                        </a:rPr>
+                        <a:t>Guest, Customer</a:t>
+                      </a:r>
+                      <a:endParaRPr lang="en-US" sz="800">
+                        <a:effectLst/>
+                        <a:latin typeface="Arial" panose="020B0604020202020204" pitchFamily="34" charset="0"/>
+                        <a:ea typeface="Times New Roman" panose="02020603050405020304" pitchFamily="18" charset="0"/>
+                        <a:cs typeface="Times New Roman" panose="02020603050405020304" pitchFamily="18" charset="0"/>
+                      </a:endParaRPr>
+                    </a:p>
+                  </a:txBody>
+                  <a:tcPr marL="56775" marR="56775" marT="0" marB="0"/>
+                </a:tc>
+                <a:tc>
+                  <a:txBody>
+                    <a:bodyPr/>
+                    <a:lstStyle/>
+                    <a:p>
+                      <a:pPr marL="0" marR="0" algn="ctr">
+                        <a:lnSpc>
+                          <a:spcPts val="1200"/>
+                        </a:lnSpc>
+                        <a:spcBef>
+                          <a:spcPts val="0"/>
+                        </a:spcBef>
+                        <a:spcAft>
+                          <a:spcPts val="0"/>
+                        </a:spcAft>
+                      </a:pPr>
+                      <a:r>
+                        <a:rPr lang="en-US" sz="800">
+                          <a:effectLst/>
+                        </a:rPr>
+                        <a:t>21/10/2017</a:t>
+                      </a:r>
+                      <a:endParaRPr lang="en-US" sz="800">
+                        <a:effectLst/>
+                        <a:latin typeface="Arial" panose="020B0604020202020204" pitchFamily="34" charset="0"/>
+                        <a:ea typeface="Times New Roman" panose="02020603050405020304" pitchFamily="18" charset="0"/>
+                        <a:cs typeface="Times New Roman" panose="02020603050405020304" pitchFamily="18" charset="0"/>
+                      </a:endParaRPr>
+                    </a:p>
+                  </a:txBody>
+                  <a:tcPr marL="56775" marR="56775" marT="0" marB="0"/>
+                </a:tc>
+                <a:tc>
+                  <a:txBody>
+                    <a:bodyPr/>
+                    <a:lstStyle/>
+                    <a:p>
+                      <a:pPr marL="0" marR="0" algn="ctr">
+                        <a:lnSpc>
+                          <a:spcPts val="1200"/>
+                        </a:lnSpc>
+                        <a:spcBef>
+                          <a:spcPts val="0"/>
+                        </a:spcBef>
+                        <a:spcAft>
+                          <a:spcPts val="0"/>
+                        </a:spcAft>
+                      </a:pPr>
+                      <a:r>
+                        <a:rPr lang="en-US" sz="800">
+                          <a:effectLst/>
+                        </a:rPr>
+                        <a:t>28/10/2017</a:t>
+                      </a:r>
+                      <a:endParaRPr lang="en-US" sz="800">
+                        <a:effectLst/>
+                        <a:latin typeface="Arial" panose="020B0604020202020204" pitchFamily="34" charset="0"/>
+                        <a:ea typeface="Times New Roman" panose="02020603050405020304" pitchFamily="18" charset="0"/>
+                        <a:cs typeface="Times New Roman" panose="02020603050405020304" pitchFamily="18" charset="0"/>
+                      </a:endParaRPr>
+                    </a:p>
+                  </a:txBody>
+                  <a:tcPr marL="56775" marR="56775" marT="0" marB="0"/>
+                </a:tc>
+                <a:tc>
+                  <a:txBody>
+                    <a:bodyPr/>
+                    <a:lstStyle/>
+                    <a:p>
+                      <a:pPr marL="0" marR="0" algn="ctr">
+                        <a:lnSpc>
+                          <a:spcPts val="1200"/>
+                        </a:lnSpc>
+                        <a:spcBef>
+                          <a:spcPts val="0"/>
+                        </a:spcBef>
+                        <a:spcAft>
+                          <a:spcPts val="0"/>
+                        </a:spcAft>
+                      </a:pPr>
+                      <a:r>
+                        <a:rPr lang="en-US" sz="800">
+                          <a:effectLst/>
+                        </a:rPr>
+                        <a:t>7</a:t>
+                      </a:r>
+                      <a:endParaRPr lang="en-US" sz="800">
+                        <a:effectLst/>
+                        <a:latin typeface="Arial" panose="020B0604020202020204" pitchFamily="34" charset="0"/>
+                        <a:ea typeface="Times New Roman" panose="02020603050405020304" pitchFamily="18" charset="0"/>
+                        <a:cs typeface="Times New Roman" panose="02020603050405020304" pitchFamily="18" charset="0"/>
+                      </a:endParaRPr>
+                    </a:p>
+                  </a:txBody>
+                  <a:tcPr marL="56775" marR="56775" marT="0" marB="0"/>
+                </a:tc>
+              </a:tr>
+              <a:tr h="189218">
+                <a:tc>
+                  <a:txBody>
+                    <a:bodyPr/>
+                    <a:lstStyle/>
+                    <a:p>
+                      <a:pPr marL="0" marR="0" algn="ctr">
+                        <a:lnSpc>
+                          <a:spcPts val="1200"/>
+                        </a:lnSpc>
+                        <a:spcBef>
+                          <a:spcPts val="0"/>
+                        </a:spcBef>
+                        <a:spcAft>
+                          <a:spcPts val="0"/>
+                        </a:spcAft>
+                      </a:pPr>
+                      <a:r>
+                        <a:rPr lang="en-US" sz="800">
+                          <a:effectLst/>
+                        </a:rPr>
+                        <a:t>40</a:t>
+                      </a:r>
+                      <a:endParaRPr lang="en-US" sz="800">
+                        <a:effectLst/>
+                        <a:latin typeface="Arial" panose="020B0604020202020204" pitchFamily="34" charset="0"/>
+                        <a:ea typeface="Times New Roman" panose="02020603050405020304" pitchFamily="18" charset="0"/>
+                        <a:cs typeface="Times New Roman" panose="02020603050405020304" pitchFamily="18" charset="0"/>
+                      </a:endParaRPr>
+                    </a:p>
+                  </a:txBody>
+                  <a:tcPr marL="56775" marR="56775" marT="0" marB="0"/>
+                </a:tc>
+                <a:tc>
+                  <a:txBody>
+                    <a:bodyPr/>
+                    <a:lstStyle/>
+                    <a:p>
+                      <a:pPr marL="0" marR="0" algn="l">
+                        <a:lnSpc>
+                          <a:spcPct val="107000"/>
+                        </a:lnSpc>
+                        <a:spcBef>
+                          <a:spcPts val="0"/>
+                        </a:spcBef>
+                        <a:spcAft>
+                          <a:spcPts val="0"/>
+                        </a:spcAft>
+                      </a:pPr>
+                      <a:r>
+                        <a:rPr lang="en-US" sz="800">
+                          <a:effectLst/>
+                        </a:rPr>
+                        <a:t>View related room</a:t>
+                      </a:r>
+                      <a:endParaRPr lang="en-US" sz="1000">
+                        <a:effectLst/>
+                        <a:latin typeface="Times New Roman" panose="02020603050405020304" pitchFamily="18" charset="0"/>
+                        <a:ea typeface="Times New Roman" panose="02020603050405020304" pitchFamily="18" charset="0"/>
+                        <a:cs typeface="Times New Roman" panose="02020603050405020304" pitchFamily="18" charset="0"/>
+                      </a:endParaRPr>
+                    </a:p>
+                  </a:txBody>
+                  <a:tcPr marL="56775" marR="56775" marT="0" marB="0" anchor="b"/>
+                </a:tc>
+                <a:tc>
+                  <a:txBody>
+                    <a:bodyPr/>
+                    <a:lstStyle/>
+                    <a:p>
+                      <a:pPr marL="0" marR="0" algn="ctr">
+                        <a:lnSpc>
+                          <a:spcPts val="1200"/>
+                        </a:lnSpc>
+                        <a:spcBef>
+                          <a:spcPts val="0"/>
+                        </a:spcBef>
+                        <a:spcAft>
+                          <a:spcPts val="0"/>
+                        </a:spcAft>
+                      </a:pPr>
+                      <a:r>
+                        <a:rPr lang="en-US" sz="800">
+                          <a:effectLst/>
+                        </a:rPr>
+                        <a:t>Admin</a:t>
+                      </a:r>
+                      <a:endParaRPr lang="en-US" sz="800">
+                        <a:effectLst/>
+                        <a:latin typeface="Arial" panose="020B0604020202020204" pitchFamily="34" charset="0"/>
+                        <a:ea typeface="Times New Roman" panose="02020603050405020304" pitchFamily="18" charset="0"/>
+                        <a:cs typeface="Times New Roman" panose="02020603050405020304" pitchFamily="18" charset="0"/>
+                      </a:endParaRPr>
+                    </a:p>
+                  </a:txBody>
+                  <a:tcPr marL="56775" marR="56775" marT="0" marB="0"/>
+                </a:tc>
+                <a:tc>
+                  <a:txBody>
+                    <a:bodyPr/>
+                    <a:lstStyle/>
+                    <a:p>
+                      <a:pPr marL="0" marR="0" algn="ctr">
+                        <a:lnSpc>
+                          <a:spcPts val="1200"/>
+                        </a:lnSpc>
+                        <a:spcBef>
+                          <a:spcPts val="0"/>
+                        </a:spcBef>
+                        <a:spcAft>
+                          <a:spcPts val="0"/>
+                        </a:spcAft>
+                      </a:pPr>
+                      <a:r>
+                        <a:rPr lang="en-US" sz="800">
+                          <a:effectLst/>
+                        </a:rPr>
+                        <a:t>28/10/2017</a:t>
+                      </a:r>
+                      <a:endParaRPr lang="en-US" sz="800">
+                        <a:effectLst/>
+                        <a:latin typeface="Arial" panose="020B0604020202020204" pitchFamily="34" charset="0"/>
+                        <a:ea typeface="Times New Roman" panose="02020603050405020304" pitchFamily="18" charset="0"/>
+                        <a:cs typeface="Times New Roman" panose="02020603050405020304" pitchFamily="18" charset="0"/>
+                      </a:endParaRPr>
+                    </a:p>
+                  </a:txBody>
+                  <a:tcPr marL="56775" marR="56775" marT="0" marB="0"/>
+                </a:tc>
+                <a:tc>
+                  <a:txBody>
+                    <a:bodyPr/>
+                    <a:lstStyle/>
+                    <a:p>
+                      <a:pPr marL="0" marR="0" algn="ctr">
+                        <a:lnSpc>
+                          <a:spcPts val="1200"/>
+                        </a:lnSpc>
+                        <a:spcBef>
+                          <a:spcPts val="0"/>
+                        </a:spcBef>
+                        <a:spcAft>
+                          <a:spcPts val="0"/>
+                        </a:spcAft>
+                      </a:pPr>
+                      <a:r>
+                        <a:rPr lang="en-US" sz="800">
+                          <a:effectLst/>
+                        </a:rPr>
+                        <a:t>04/11/2017</a:t>
+                      </a:r>
+                      <a:endParaRPr lang="en-US" sz="800">
+                        <a:effectLst/>
+                        <a:latin typeface="Arial" panose="020B0604020202020204" pitchFamily="34" charset="0"/>
+                        <a:ea typeface="Times New Roman" panose="02020603050405020304" pitchFamily="18" charset="0"/>
+                        <a:cs typeface="Times New Roman" panose="02020603050405020304" pitchFamily="18" charset="0"/>
+                      </a:endParaRPr>
+                    </a:p>
+                  </a:txBody>
+                  <a:tcPr marL="56775" marR="56775" marT="0" marB="0"/>
+                </a:tc>
+                <a:tc>
+                  <a:txBody>
+                    <a:bodyPr/>
+                    <a:lstStyle/>
+                    <a:p>
+                      <a:pPr marL="0" marR="0" algn="ctr">
+                        <a:lnSpc>
+                          <a:spcPts val="1200"/>
+                        </a:lnSpc>
+                        <a:spcBef>
+                          <a:spcPts val="0"/>
+                        </a:spcBef>
+                        <a:spcAft>
+                          <a:spcPts val="0"/>
+                        </a:spcAft>
+                      </a:pPr>
+                      <a:r>
+                        <a:rPr lang="en-US" sz="800">
+                          <a:effectLst/>
+                        </a:rPr>
+                        <a:t>7</a:t>
+                      </a:r>
+                      <a:endParaRPr lang="en-US" sz="800">
+                        <a:effectLst/>
+                        <a:latin typeface="Arial" panose="020B0604020202020204" pitchFamily="34" charset="0"/>
+                        <a:ea typeface="Times New Roman" panose="02020603050405020304" pitchFamily="18" charset="0"/>
+                        <a:cs typeface="Times New Roman" panose="02020603050405020304" pitchFamily="18" charset="0"/>
+                      </a:endParaRPr>
+                    </a:p>
+                  </a:txBody>
+                  <a:tcPr marL="56775" marR="56775" marT="0" marB="0"/>
+                </a:tc>
+              </a:tr>
+              <a:tr h="189218">
+                <a:tc>
+                  <a:txBody>
+                    <a:bodyPr/>
+                    <a:lstStyle/>
+                    <a:p>
+                      <a:pPr marL="0" marR="0" algn="ctr">
+                        <a:lnSpc>
+                          <a:spcPts val="1200"/>
+                        </a:lnSpc>
+                        <a:spcBef>
+                          <a:spcPts val="0"/>
+                        </a:spcBef>
+                        <a:spcAft>
+                          <a:spcPts val="0"/>
+                        </a:spcAft>
+                      </a:pPr>
+                      <a:r>
+                        <a:rPr lang="en-US" sz="800">
+                          <a:effectLst/>
+                        </a:rPr>
+                        <a:t>41</a:t>
+                      </a:r>
+                      <a:endParaRPr lang="en-US" sz="800">
+                        <a:effectLst/>
+                        <a:latin typeface="Arial" panose="020B0604020202020204" pitchFamily="34" charset="0"/>
+                        <a:ea typeface="Times New Roman" panose="02020603050405020304" pitchFamily="18" charset="0"/>
+                        <a:cs typeface="Times New Roman" panose="02020603050405020304" pitchFamily="18" charset="0"/>
+                      </a:endParaRPr>
+                    </a:p>
+                  </a:txBody>
+                  <a:tcPr marL="56775" marR="56775" marT="0" marB="0"/>
+                </a:tc>
+                <a:tc>
+                  <a:txBody>
+                    <a:bodyPr/>
+                    <a:lstStyle/>
+                    <a:p>
+                      <a:pPr marL="0" marR="0" algn="l">
+                        <a:lnSpc>
+                          <a:spcPct val="107000"/>
+                        </a:lnSpc>
+                        <a:spcBef>
+                          <a:spcPts val="0"/>
+                        </a:spcBef>
+                        <a:spcAft>
+                          <a:spcPts val="0"/>
+                        </a:spcAft>
+                      </a:pPr>
+                      <a:r>
+                        <a:rPr lang="en-US" sz="800">
+                          <a:effectLst/>
+                        </a:rPr>
+                        <a:t>View top of rooms</a:t>
+                      </a:r>
+                      <a:endParaRPr lang="en-US" sz="1000">
+                        <a:effectLst/>
+                        <a:latin typeface="Times New Roman" panose="02020603050405020304" pitchFamily="18" charset="0"/>
+                        <a:ea typeface="Times New Roman" panose="02020603050405020304" pitchFamily="18" charset="0"/>
+                        <a:cs typeface="Times New Roman" panose="02020603050405020304" pitchFamily="18" charset="0"/>
+                      </a:endParaRPr>
+                    </a:p>
+                  </a:txBody>
+                  <a:tcPr marL="56775" marR="56775" marT="0" marB="0" anchor="b"/>
+                </a:tc>
+                <a:tc>
+                  <a:txBody>
+                    <a:bodyPr/>
+                    <a:lstStyle/>
+                    <a:p>
+                      <a:pPr marL="0" marR="0" algn="ctr">
+                        <a:lnSpc>
+                          <a:spcPts val="1200"/>
+                        </a:lnSpc>
+                        <a:spcBef>
+                          <a:spcPts val="0"/>
+                        </a:spcBef>
+                        <a:spcAft>
+                          <a:spcPts val="0"/>
+                        </a:spcAft>
+                      </a:pPr>
+                      <a:r>
+                        <a:rPr lang="en-US" sz="800">
+                          <a:effectLst/>
+                        </a:rPr>
+                        <a:t>Guest, Customer, Admin</a:t>
+                      </a:r>
+                      <a:endParaRPr lang="en-US" sz="800">
+                        <a:effectLst/>
+                        <a:latin typeface="Arial" panose="020B0604020202020204" pitchFamily="34" charset="0"/>
+                        <a:ea typeface="Times New Roman" panose="02020603050405020304" pitchFamily="18" charset="0"/>
+                        <a:cs typeface="Times New Roman" panose="02020603050405020304" pitchFamily="18" charset="0"/>
+                      </a:endParaRPr>
+                    </a:p>
+                  </a:txBody>
+                  <a:tcPr marL="56775" marR="56775" marT="0" marB="0"/>
+                </a:tc>
+                <a:tc>
+                  <a:txBody>
+                    <a:bodyPr/>
+                    <a:lstStyle/>
+                    <a:p>
+                      <a:pPr marL="0" marR="0" algn="ctr">
+                        <a:lnSpc>
+                          <a:spcPts val="1200"/>
+                        </a:lnSpc>
+                        <a:spcBef>
+                          <a:spcPts val="0"/>
+                        </a:spcBef>
+                        <a:spcAft>
+                          <a:spcPts val="0"/>
+                        </a:spcAft>
+                      </a:pPr>
+                      <a:r>
+                        <a:rPr lang="en-US" sz="800">
+                          <a:effectLst/>
+                        </a:rPr>
+                        <a:t>04/11/2017</a:t>
+                      </a:r>
+                      <a:endParaRPr lang="en-US" sz="800">
+                        <a:effectLst/>
+                        <a:latin typeface="Arial" panose="020B0604020202020204" pitchFamily="34" charset="0"/>
+                        <a:ea typeface="Times New Roman" panose="02020603050405020304" pitchFamily="18" charset="0"/>
+                        <a:cs typeface="Times New Roman" panose="02020603050405020304" pitchFamily="18" charset="0"/>
+                      </a:endParaRPr>
+                    </a:p>
+                  </a:txBody>
+                  <a:tcPr marL="56775" marR="56775" marT="0" marB="0"/>
+                </a:tc>
+                <a:tc>
+                  <a:txBody>
+                    <a:bodyPr/>
+                    <a:lstStyle/>
+                    <a:p>
+                      <a:pPr marL="0" marR="0" algn="ctr">
+                        <a:lnSpc>
+                          <a:spcPts val="1200"/>
+                        </a:lnSpc>
+                        <a:spcBef>
+                          <a:spcPts val="0"/>
+                        </a:spcBef>
+                        <a:spcAft>
+                          <a:spcPts val="0"/>
+                        </a:spcAft>
+                      </a:pPr>
+                      <a:r>
+                        <a:rPr lang="en-US" sz="800">
+                          <a:effectLst/>
+                        </a:rPr>
+                        <a:t>11/11/2017</a:t>
+                      </a:r>
+                      <a:endParaRPr lang="en-US" sz="800">
+                        <a:effectLst/>
+                        <a:latin typeface="Arial" panose="020B0604020202020204" pitchFamily="34" charset="0"/>
+                        <a:ea typeface="Times New Roman" panose="02020603050405020304" pitchFamily="18" charset="0"/>
+                        <a:cs typeface="Times New Roman" panose="02020603050405020304" pitchFamily="18" charset="0"/>
+                      </a:endParaRPr>
+                    </a:p>
+                  </a:txBody>
+                  <a:tcPr marL="56775" marR="56775" marT="0" marB="0"/>
+                </a:tc>
+                <a:tc>
+                  <a:txBody>
+                    <a:bodyPr/>
+                    <a:lstStyle/>
+                    <a:p>
+                      <a:pPr marL="0" marR="0" algn="ctr">
+                        <a:lnSpc>
+                          <a:spcPts val="1200"/>
+                        </a:lnSpc>
+                        <a:spcBef>
+                          <a:spcPts val="0"/>
+                        </a:spcBef>
+                        <a:spcAft>
+                          <a:spcPts val="0"/>
+                        </a:spcAft>
+                      </a:pPr>
+                      <a:r>
+                        <a:rPr lang="en-US" sz="800">
+                          <a:effectLst/>
+                        </a:rPr>
+                        <a:t>7</a:t>
+                      </a:r>
+                      <a:endParaRPr lang="en-US" sz="800">
+                        <a:effectLst/>
+                        <a:latin typeface="Arial" panose="020B0604020202020204" pitchFamily="34" charset="0"/>
+                        <a:ea typeface="Times New Roman" panose="02020603050405020304" pitchFamily="18" charset="0"/>
+                        <a:cs typeface="Times New Roman" panose="02020603050405020304" pitchFamily="18" charset="0"/>
+                      </a:endParaRPr>
+                    </a:p>
+                  </a:txBody>
+                  <a:tcPr marL="56775" marR="56775" marT="0" marB="0"/>
+                </a:tc>
+              </a:tr>
+              <a:tr h="189218">
+                <a:tc>
+                  <a:txBody>
+                    <a:bodyPr/>
+                    <a:lstStyle/>
+                    <a:p>
+                      <a:pPr marL="0" marR="0" algn="ctr">
+                        <a:lnSpc>
+                          <a:spcPts val="1200"/>
+                        </a:lnSpc>
+                        <a:spcBef>
+                          <a:spcPts val="0"/>
+                        </a:spcBef>
+                        <a:spcAft>
+                          <a:spcPts val="0"/>
+                        </a:spcAft>
+                      </a:pPr>
+                      <a:r>
+                        <a:rPr lang="en-US" sz="800">
+                          <a:effectLst/>
+                        </a:rPr>
+                        <a:t>42</a:t>
+                      </a:r>
+                      <a:endParaRPr lang="en-US" sz="800">
+                        <a:effectLst/>
+                        <a:latin typeface="Arial" panose="020B0604020202020204" pitchFamily="34" charset="0"/>
+                        <a:ea typeface="Times New Roman" panose="02020603050405020304" pitchFamily="18" charset="0"/>
+                        <a:cs typeface="Times New Roman" panose="02020603050405020304" pitchFamily="18" charset="0"/>
+                      </a:endParaRPr>
+                    </a:p>
+                  </a:txBody>
+                  <a:tcPr marL="56775" marR="56775" marT="0" marB="0"/>
+                </a:tc>
+                <a:tc>
+                  <a:txBody>
+                    <a:bodyPr/>
+                    <a:lstStyle/>
+                    <a:p>
+                      <a:pPr marL="0" marR="0" algn="just">
+                        <a:lnSpc>
+                          <a:spcPct val="107000"/>
+                        </a:lnSpc>
+                        <a:spcBef>
+                          <a:spcPts val="0"/>
+                        </a:spcBef>
+                        <a:spcAft>
+                          <a:spcPts val="0"/>
+                        </a:spcAft>
+                      </a:pPr>
+                      <a:r>
+                        <a:rPr lang="en-US" sz="800">
+                          <a:effectLst/>
+                        </a:rPr>
+                        <a:t>Email template</a:t>
+                      </a:r>
+                      <a:endParaRPr lang="en-US" sz="1000">
+                        <a:effectLst/>
+                        <a:latin typeface="Times New Roman" panose="02020603050405020304" pitchFamily="18" charset="0"/>
+                        <a:ea typeface="Times New Roman" panose="02020603050405020304" pitchFamily="18" charset="0"/>
+                        <a:cs typeface="Times New Roman" panose="02020603050405020304" pitchFamily="18" charset="0"/>
+                      </a:endParaRPr>
+                    </a:p>
+                  </a:txBody>
+                  <a:tcPr marL="56775" marR="56775" marT="0" marB="0" anchor="b"/>
+                </a:tc>
+                <a:tc>
+                  <a:txBody>
+                    <a:bodyPr/>
+                    <a:lstStyle/>
+                    <a:p>
+                      <a:pPr marL="0" marR="0" algn="ctr">
+                        <a:lnSpc>
+                          <a:spcPts val="1200"/>
+                        </a:lnSpc>
+                        <a:spcBef>
+                          <a:spcPts val="0"/>
+                        </a:spcBef>
+                        <a:spcAft>
+                          <a:spcPts val="0"/>
+                        </a:spcAft>
+                      </a:pPr>
+                      <a:r>
+                        <a:rPr lang="en-US" sz="800">
+                          <a:effectLst/>
+                        </a:rPr>
+                        <a:t>Admin</a:t>
+                      </a:r>
+                      <a:endParaRPr lang="en-US" sz="800">
+                        <a:effectLst/>
+                        <a:latin typeface="Arial" panose="020B0604020202020204" pitchFamily="34" charset="0"/>
+                        <a:ea typeface="Times New Roman" panose="02020603050405020304" pitchFamily="18" charset="0"/>
+                        <a:cs typeface="Times New Roman" panose="02020603050405020304" pitchFamily="18" charset="0"/>
+                      </a:endParaRPr>
+                    </a:p>
+                  </a:txBody>
+                  <a:tcPr marL="56775" marR="56775" marT="0" marB="0"/>
+                </a:tc>
+                <a:tc>
+                  <a:txBody>
+                    <a:bodyPr/>
+                    <a:lstStyle/>
+                    <a:p>
+                      <a:pPr marL="0" marR="0" algn="ctr">
+                        <a:lnSpc>
+                          <a:spcPts val="1200"/>
+                        </a:lnSpc>
+                        <a:spcBef>
+                          <a:spcPts val="0"/>
+                        </a:spcBef>
+                        <a:spcAft>
+                          <a:spcPts val="0"/>
+                        </a:spcAft>
+                      </a:pPr>
+                      <a:r>
+                        <a:rPr lang="en-US" sz="800">
+                          <a:effectLst/>
+                        </a:rPr>
+                        <a:t>09/11/2017</a:t>
+                      </a:r>
+                      <a:endParaRPr lang="en-US" sz="800">
+                        <a:effectLst/>
+                        <a:latin typeface="Arial" panose="020B0604020202020204" pitchFamily="34" charset="0"/>
+                        <a:ea typeface="Times New Roman" panose="02020603050405020304" pitchFamily="18" charset="0"/>
+                        <a:cs typeface="Times New Roman" panose="02020603050405020304" pitchFamily="18" charset="0"/>
+                      </a:endParaRPr>
+                    </a:p>
+                  </a:txBody>
+                  <a:tcPr marL="56775" marR="56775" marT="0" marB="0"/>
+                </a:tc>
+                <a:tc>
+                  <a:txBody>
+                    <a:bodyPr/>
+                    <a:lstStyle/>
+                    <a:p>
+                      <a:pPr marL="0" marR="0" algn="ctr">
+                        <a:lnSpc>
+                          <a:spcPts val="1200"/>
+                        </a:lnSpc>
+                        <a:spcBef>
+                          <a:spcPts val="0"/>
+                        </a:spcBef>
+                        <a:spcAft>
+                          <a:spcPts val="0"/>
+                        </a:spcAft>
+                      </a:pPr>
+                      <a:r>
+                        <a:rPr lang="en-US" sz="800">
+                          <a:effectLst/>
+                        </a:rPr>
+                        <a:t>18/11/2017</a:t>
+                      </a:r>
+                      <a:endParaRPr lang="en-US" sz="800">
+                        <a:effectLst/>
+                        <a:latin typeface="Arial" panose="020B0604020202020204" pitchFamily="34" charset="0"/>
+                        <a:ea typeface="Times New Roman" panose="02020603050405020304" pitchFamily="18" charset="0"/>
+                        <a:cs typeface="Times New Roman" panose="02020603050405020304" pitchFamily="18" charset="0"/>
+                      </a:endParaRPr>
+                    </a:p>
+                  </a:txBody>
+                  <a:tcPr marL="56775" marR="56775" marT="0" marB="0"/>
+                </a:tc>
+                <a:tc>
+                  <a:txBody>
+                    <a:bodyPr/>
+                    <a:lstStyle/>
+                    <a:p>
+                      <a:pPr marL="0" marR="0" algn="ctr">
+                        <a:lnSpc>
+                          <a:spcPts val="1200"/>
+                        </a:lnSpc>
+                        <a:spcBef>
+                          <a:spcPts val="0"/>
+                        </a:spcBef>
+                        <a:spcAft>
+                          <a:spcPts val="0"/>
+                        </a:spcAft>
+                      </a:pPr>
+                      <a:r>
+                        <a:rPr lang="en-US" sz="800" dirty="0">
+                          <a:effectLst/>
+                        </a:rPr>
+                        <a:t>7</a:t>
+                      </a:r>
+                      <a:endParaRPr lang="en-US" sz="800" dirty="0">
+                        <a:effectLst/>
+                        <a:latin typeface="Arial" panose="020B0604020202020204" pitchFamily="34" charset="0"/>
+                        <a:ea typeface="Times New Roman" panose="02020603050405020304" pitchFamily="18" charset="0"/>
+                        <a:cs typeface="Times New Roman" panose="02020603050405020304" pitchFamily="18" charset="0"/>
+                      </a:endParaRPr>
+                    </a:p>
+                  </a:txBody>
+                  <a:tcPr marL="56775" marR="56775" marT="0" marB="0"/>
+                </a:tc>
+              </a:tr>
+            </a:tbl>
+          </a:graphicData>
+        </a:graphic>
+      </p:graphicFrame>
     </p:spTree>
     <p:extLst>
       <p:ext uri="{BB962C8B-B14F-4D97-AF65-F5344CB8AC3E}">
-        <p14:creationId xmlns:p14="http://schemas.microsoft.com/office/powerpoint/2010/main" val="3001000752"/>
+        <p14:creationId xmlns:p14="http://schemas.microsoft.com/office/powerpoint/2010/main" val="1834716447"/>
       </p:ext>
     </p:extLst>
   </p:cSld>
@@ -7163,58 +15883,229 @@
             <p:ph type="title"/>
           </p:nvPr>
         </p:nvSpPr>
-        <p:spPr>
-          <a:xfrm>
-            <a:off x="152400" y="-38100"/>
-            <a:ext cx="10515600" cy="990600"/>
-          </a:xfrm>
-        </p:spPr>
+        <p:spPr/>
         <p:txBody>
           <a:bodyPr/>
           <a:lstStyle/>
           <a:p>
             <a:r>
               <a:rPr lang="en-US" dirty="0" smtClean="0"/>
-              <a:t>System Architecture</a:t>
+              <a:t>Technology used</a:t>
             </a:r>
             <a:endParaRPr lang="en-US" dirty="0"/>
           </a:p>
         </p:txBody>
       </p:sp>
-      <p:pic>
-        <p:nvPicPr>
-          <p:cNvPr id="3" name="Picture 2"/>
-          <p:cNvPicPr>
-            <a:picLocks noChangeAspect="1"/>
-          </p:cNvPicPr>
-          <p:nvPr/>
-        </p:nvPicPr>
-        <p:blipFill>
-          <a:blip r:embed="rId2">
-            <a:extLst>
-              <a:ext uri="{28A0092B-C50C-407E-A947-70E740481C1C}">
-                <a14:useLocalDpi xmlns:a14="http://schemas.microsoft.com/office/drawing/2010/main" val="0"/>
-              </a:ext>
-            </a:extLst>
-          </a:blip>
-          <a:stretch>
-            <a:fillRect/>
-          </a:stretch>
-        </p:blipFill>
-        <p:spPr>
-          <a:xfrm>
-            <a:off x="0" y="583453"/>
-            <a:ext cx="12192000" cy="6732494"/>
-          </a:xfrm>
-          <a:prstGeom prst="rect">
-            <a:avLst/>
-          </a:prstGeom>
-        </p:spPr>
-      </p:pic>
+      <p:sp>
+        <p:nvSpPr>
+          <p:cNvPr id="3" name="Content Placeholder 2"/>
+          <p:cNvSpPr>
+            <a:spLocks noGrp="1"/>
+          </p:cNvSpPr>
+          <p:nvPr>
+            <p:ph idx="1"/>
+          </p:nvPr>
+        </p:nvSpPr>
+        <p:spPr/>
+        <p:txBody>
+          <a:bodyPr>
+            <a:normAutofit/>
+          </a:bodyPr>
+          <a:lstStyle/>
+          <a:p>
+            <a:pPr marL="0" indent="0">
+              <a:buNone/>
+            </a:pPr>
+            <a:r>
+              <a:rPr lang="en-US" dirty="0" smtClean="0"/>
+              <a:t>1. Back end:     - Java web J2EE + Spring MVC framework</a:t>
+            </a:r>
+          </a:p>
+          <a:p>
+            <a:pPr marL="0" indent="0">
+              <a:buNone/>
+            </a:pPr>
+            <a:r>
+              <a:rPr lang="en-US" dirty="0" smtClean="0"/>
+              <a:t>                           - Node.js + Express framework</a:t>
+            </a:r>
+          </a:p>
+          <a:p>
+            <a:pPr marL="0" indent="0">
+              <a:buNone/>
+            </a:pPr>
+            <a:r>
+              <a:rPr lang="en-US" dirty="0"/>
+              <a:t>2</a:t>
+            </a:r>
+            <a:r>
+              <a:rPr lang="en-US" dirty="0" smtClean="0"/>
+              <a:t>. </a:t>
+            </a:r>
+            <a:r>
+              <a:rPr lang="en-US" smtClean="0"/>
+              <a:t>Front end:      </a:t>
+            </a:r>
+            <a:r>
+              <a:rPr lang="en-US" dirty="0" smtClean="0"/>
+              <a:t>- HTML5, CSS3, </a:t>
+            </a:r>
+            <a:r>
+              <a:rPr lang="en-US" dirty="0" err="1" smtClean="0"/>
+              <a:t>Javascript</a:t>
+            </a:r>
+            <a:r>
+              <a:rPr lang="en-US" dirty="0" smtClean="0"/>
+              <a:t>, </a:t>
+            </a:r>
+            <a:r>
+              <a:rPr lang="en-US" dirty="0" err="1" smtClean="0"/>
+              <a:t>Jquery</a:t>
+            </a:r>
+            <a:r>
+              <a:rPr lang="en-US" dirty="0" smtClean="0"/>
+              <a:t>, </a:t>
+            </a:r>
+            <a:r>
+              <a:rPr lang="en-US" dirty="0" err="1" smtClean="0"/>
+              <a:t>Boostrap</a:t>
+            </a:r>
+            <a:endParaRPr lang="en-US" dirty="0" smtClean="0"/>
+          </a:p>
+          <a:p>
+            <a:pPr marL="0" indent="0">
+              <a:buNone/>
+            </a:pPr>
+            <a:r>
+              <a:rPr lang="en-US" dirty="0"/>
+              <a:t> </a:t>
+            </a:r>
+            <a:r>
+              <a:rPr lang="en-US" dirty="0" smtClean="0"/>
+              <a:t>                          - Angular 2 framework</a:t>
+            </a:r>
+          </a:p>
+          <a:p>
+            <a:pPr marL="0" indent="0">
+              <a:buNone/>
+            </a:pPr>
+            <a:r>
+              <a:rPr lang="en-US" dirty="0"/>
+              <a:t>3</a:t>
+            </a:r>
+            <a:r>
+              <a:rPr lang="en-US" dirty="0" smtClean="0"/>
+              <a:t>. Database:  </a:t>
+            </a:r>
+            <a:r>
+              <a:rPr lang="en-US" dirty="0" err="1" smtClean="0"/>
+              <a:t>MongoDB</a:t>
+            </a:r>
+            <a:endParaRPr lang="en-US" dirty="0" smtClean="0"/>
+          </a:p>
+          <a:p>
+            <a:pPr marL="0" indent="0">
+              <a:buNone/>
+            </a:pPr>
+            <a:r>
+              <a:rPr lang="en-US" dirty="0"/>
+              <a:t>4</a:t>
+            </a:r>
+            <a:r>
+              <a:rPr lang="en-US" dirty="0" smtClean="0"/>
+              <a:t>. Server:  Glassfish, </a:t>
+            </a:r>
+            <a:r>
+              <a:rPr lang="en-US" dirty="0" err="1" smtClean="0"/>
+              <a:t>npm</a:t>
+            </a:r>
+            <a:r>
+              <a:rPr lang="en-US" dirty="0" smtClean="0"/>
+              <a:t> http server</a:t>
+            </a:r>
+          </a:p>
+          <a:p>
+            <a:pPr marL="0" indent="0">
+              <a:buNone/>
+            </a:pPr>
+            <a:r>
+              <a:rPr lang="en-US" dirty="0" smtClean="0"/>
+              <a:t>5: Version control: </a:t>
+            </a:r>
+            <a:r>
+              <a:rPr lang="en-US" dirty="0" err="1" smtClean="0"/>
+              <a:t>Git</a:t>
+            </a:r>
+            <a:endParaRPr lang="en-US" dirty="0" smtClean="0"/>
+          </a:p>
+          <a:p>
+            <a:pPr marL="0" indent="0">
+              <a:buNone/>
+            </a:pPr>
+            <a:r>
+              <a:rPr lang="en-US" dirty="0" smtClean="0"/>
+              <a:t>6: Project management tool: </a:t>
+            </a:r>
+            <a:r>
+              <a:rPr lang="en-US" dirty="0" err="1" smtClean="0"/>
+              <a:t>Trello</a:t>
+            </a:r>
+            <a:endParaRPr lang="en-US" dirty="0" smtClean="0"/>
+          </a:p>
+          <a:p>
+            <a:pPr marL="0" indent="0">
+              <a:buNone/>
+            </a:pPr>
+            <a:r>
+              <a:rPr lang="en-US" dirty="0" smtClean="0"/>
+              <a:t>7: Other tool: </a:t>
+            </a:r>
+            <a:r>
+              <a:rPr lang="en-US" dirty="0" err="1" smtClean="0"/>
+              <a:t>Edraw</a:t>
+            </a:r>
+            <a:r>
+              <a:rPr lang="en-US" dirty="0" smtClean="0"/>
+              <a:t>, </a:t>
+            </a:r>
+            <a:r>
+              <a:rPr lang="en-US" dirty="0" err="1"/>
+              <a:t>N</a:t>
+            </a:r>
+            <a:r>
+              <a:rPr lang="en-US" dirty="0" err="1" smtClean="0"/>
+              <a:t>etbeans</a:t>
+            </a:r>
+            <a:r>
+              <a:rPr lang="en-US" dirty="0" smtClean="0"/>
+              <a:t>, </a:t>
+            </a:r>
+            <a:r>
+              <a:rPr lang="en-US" dirty="0" err="1" smtClean="0"/>
+              <a:t>Vscode</a:t>
+            </a:r>
+            <a:r>
+              <a:rPr lang="en-US" dirty="0" smtClean="0"/>
+              <a:t>, </a:t>
+            </a:r>
+            <a:r>
+              <a:rPr lang="en-US" dirty="0" err="1" smtClean="0"/>
+              <a:t>RoboMongo</a:t>
+            </a:r>
+            <a:endParaRPr lang="en-US" dirty="0" smtClean="0"/>
+          </a:p>
+          <a:p>
+            <a:pPr marL="0" indent="0">
+              <a:buNone/>
+            </a:pPr>
+            <a:endParaRPr lang="en-US" dirty="0"/>
+          </a:p>
+        </p:txBody>
+      </p:sp>
     </p:spTree>
     <p:extLst>
       <p:ext uri="{BB962C8B-B14F-4D97-AF65-F5344CB8AC3E}">
-        <p14:creationId xmlns:p14="http://schemas.microsoft.com/office/powerpoint/2010/main" val="743269655"/>
+        <p14:creationId xmlns:p14="http://schemas.microsoft.com/office/powerpoint/2010/main" val="1267852879"/>
       </p:ext>
     </p:extLst>
   </p:cSld>
@@ -7250,7 +16141,7 @@
       </p:grpSpPr>
       <p:sp>
         <p:nvSpPr>
-          <p:cNvPr id="5" name="Title 1"/>
+          <p:cNvPr id="2" name="Title 1"/>
           <p:cNvSpPr>
             <a:spLocks noGrp="1"/>
           </p:cNvSpPr>
@@ -7260,7 +16151,7 @@
         </p:nvSpPr>
         <p:spPr>
           <a:xfrm>
-            <a:off x="114300" y="203200"/>
+            <a:off x="152400" y="0"/>
             <a:ext cx="10515600" cy="990600"/>
           </a:xfrm>
         </p:spPr>
@@ -7270,7 +16161,7 @@
           <a:p>
             <a:r>
               <a:rPr lang="en-US" dirty="0" smtClean="0"/>
-              <a:t>Database Structure</a:t>
+              <a:t>System Architecture</a:t>
             </a:r>
             <a:endParaRPr lang="en-US" dirty="0"/>
           </a:p>
@@ -7278,7 +16169,7 @@
       </p:sp>
       <p:pic>
         <p:nvPicPr>
-          <p:cNvPr id="6" name="Picture 5"/>
+          <p:cNvPr id="4" name="Picture 3"/>
           <p:cNvPicPr>
             <a:picLocks noChangeAspect="1"/>
           </p:cNvPicPr>
@@ -7298,8 +16189,8 @@
         </p:blipFill>
         <p:spPr>
           <a:xfrm>
-            <a:off x="-2671717" y="1474566"/>
-            <a:ext cx="14693900" cy="4600388"/>
+            <a:off x="0" y="537882"/>
+            <a:ext cx="12192000" cy="6320118"/>
           </a:xfrm>
           <a:prstGeom prst="rect">
             <a:avLst/>
@@ -7309,7 +16200,7 @@
     </p:spTree>
     <p:extLst>
       <p:ext uri="{BB962C8B-B14F-4D97-AF65-F5344CB8AC3E}">
-        <p14:creationId xmlns:p14="http://schemas.microsoft.com/office/powerpoint/2010/main" val="1440623705"/>
+        <p14:creationId xmlns:p14="http://schemas.microsoft.com/office/powerpoint/2010/main" val="3001000752"/>
       </p:ext>
     </p:extLst>
   </p:cSld>
